--- a/ActiveLearning.pptx
+++ b/ActiveLearning.pptx
@@ -6,12 +6,13 @@
   </p:sldMasterIdLst>
   <p:sldIdLst>
     <p:sldId id="256" r:id="rId2"/>
-    <p:sldId id="257" r:id="rId3"/>
-    <p:sldId id="262" r:id="rId4"/>
-    <p:sldId id="260" r:id="rId5"/>
-    <p:sldId id="258" r:id="rId6"/>
-    <p:sldId id="259" r:id="rId7"/>
-    <p:sldId id="261" r:id="rId8"/>
+    <p:sldId id="263" r:id="rId3"/>
+    <p:sldId id="257" r:id="rId4"/>
+    <p:sldId id="262" r:id="rId5"/>
+    <p:sldId id="260" r:id="rId6"/>
+    <p:sldId id="258" r:id="rId7"/>
+    <p:sldId id="259" r:id="rId8"/>
+    <p:sldId id="261" r:id="rId9"/>
   </p:sldIdLst>
   <p:sldSz cx="12192000" cy="6858000"/>
   <p:notesSz cx="6858000" cy="9144000"/>
@@ -118,6 +119,1112 @@
 </p:presentation>
 </file>
 
+<file path=ppt/charts/chart1.xml><?xml version="1.0" encoding="utf-8"?>
+<c:chartSpace xmlns:c="http://schemas.openxmlformats.org/drawingml/2006/chart" xmlns:a="http://schemas.openxmlformats.org/drawingml/2006/main" xmlns:r="http://schemas.openxmlformats.org/officeDocument/2006/relationships" xmlns:c16r2="http://schemas.microsoft.com/office/drawing/2015/06/chart">
+  <c:date1904 val="0"/>
+  <c:lang val="en-US"/>
+  <c:roundedCorners val="0"/>
+  <mc:AlternateContent xmlns:mc="http://schemas.openxmlformats.org/markup-compatibility/2006">
+    <mc:Choice xmlns:c14="http://schemas.microsoft.com/office/drawing/2007/8/2/chart" Requires="c14">
+      <c14:style val="102"/>
+    </mc:Choice>
+    <mc:Fallback>
+      <c:style val="2"/>
+    </mc:Fallback>
+  </mc:AlternateContent>
+  <c:chart>
+    <c:autoTitleDeleted val="1"/>
+    <c:plotArea>
+      <c:layout/>
+      <c:scatterChart>
+        <c:scatterStyle val="lineMarker"/>
+        <c:varyColors val="0"/>
+        <c:ser>
+          <c:idx val="0"/>
+          <c:order val="0"/>
+          <c:tx>
+            <c:strRef>
+              <c:f>Sheet1!$B$2</c:f>
+              <c:strCache>
+                <c:ptCount val="1"/>
+                <c:pt idx="0">
+                  <c:v>Y</c:v>
+                </c:pt>
+              </c:strCache>
+            </c:strRef>
+          </c:tx>
+          <c:spPr>
+            <a:ln w="19050" cap="rnd">
+              <a:noFill/>
+              <a:round/>
+            </a:ln>
+            <a:effectLst/>
+          </c:spPr>
+          <c:marker>
+            <c:symbol val="circle"/>
+            <c:size val="5"/>
+            <c:spPr>
+              <a:solidFill>
+                <a:schemeClr val="accent1"/>
+              </a:solidFill>
+              <a:ln w="9525">
+                <a:solidFill>
+                  <a:schemeClr val="accent1"/>
+                </a:solidFill>
+              </a:ln>
+              <a:effectLst/>
+            </c:spPr>
+          </c:marker>
+          <c:trendline>
+            <c:spPr>
+              <a:ln w="19050" cap="rnd">
+                <a:solidFill>
+                  <a:schemeClr val="accent1"/>
+                </a:solidFill>
+                <a:prstDash val="sysDot"/>
+              </a:ln>
+              <a:effectLst/>
+            </c:spPr>
+            <c:trendlineType val="linear"/>
+            <c:dispRSqr val="0"/>
+            <c:dispEq val="0"/>
+          </c:trendline>
+          <c:trendline>
+            <c:spPr>
+              <a:ln w="19050" cap="rnd">
+                <a:solidFill>
+                  <a:schemeClr val="accent1"/>
+                </a:solidFill>
+                <a:prstDash val="sysDot"/>
+              </a:ln>
+              <a:effectLst/>
+            </c:spPr>
+            <c:trendlineType val="linear"/>
+            <c:dispRSqr val="0"/>
+            <c:dispEq val="1"/>
+            <c:trendlineLbl>
+              <c:layout>
+                <c:manualLayout>
+                  <c:x val="-0.32860673665791779"/>
+                  <c:y val="5.285797608632254E-3"/>
+                </c:manualLayout>
+              </c:layout>
+              <c:numFmt formatCode="General" sourceLinked="0"/>
+              <c:spPr>
+                <a:noFill/>
+                <a:ln>
+                  <a:noFill/>
+                </a:ln>
+                <a:effectLst/>
+              </c:spPr>
+              <c:txPr>
+                <a:bodyPr rot="0" spcFirstLastPara="1" vertOverflow="ellipsis" vert="horz" wrap="square" anchor="ctr" anchorCtr="1"/>
+                <a:lstStyle/>
+                <a:p>
+                  <a:pPr>
+                    <a:defRPr sz="1800" b="0" i="0" u="none" strike="noStrike" kern="1200" baseline="0">
+                      <a:solidFill>
+                        <a:schemeClr val="tx1">
+                          <a:lumMod val="65000"/>
+                          <a:lumOff val="35000"/>
+                        </a:schemeClr>
+                      </a:solidFill>
+                      <a:latin typeface="+mn-lt"/>
+                      <a:ea typeface="+mn-ea"/>
+                      <a:cs typeface="+mn-cs"/>
+                    </a:defRPr>
+                  </a:pPr>
+                  <a:endParaRPr lang="en-US"/>
+                </a:p>
+              </c:txPr>
+            </c:trendlineLbl>
+          </c:trendline>
+          <c:trendline>
+            <c:spPr>
+              <a:ln w="19050" cap="rnd">
+                <a:solidFill>
+                  <a:schemeClr val="accent1"/>
+                </a:solidFill>
+                <a:prstDash val="sysDot"/>
+              </a:ln>
+              <a:effectLst/>
+            </c:spPr>
+            <c:trendlineType val="linear"/>
+            <c:dispRSqr val="0"/>
+            <c:dispEq val="0"/>
+          </c:trendline>
+          <c:trendline>
+            <c:spPr>
+              <a:ln w="19050" cap="rnd">
+                <a:solidFill>
+                  <a:schemeClr val="accent1"/>
+                </a:solidFill>
+                <a:prstDash val="sysDot"/>
+              </a:ln>
+              <a:effectLst/>
+            </c:spPr>
+            <c:trendlineType val="linear"/>
+            <c:dispRSqr val="1"/>
+            <c:dispEq val="0"/>
+            <c:trendlineLbl>
+              <c:layout>
+                <c:manualLayout>
+                  <c:x val="-0.39481496062992127"/>
+                  <c:y val="0.12951006124234471"/>
+                </c:manualLayout>
+              </c:layout>
+              <c:numFmt formatCode="General" sourceLinked="0"/>
+              <c:spPr>
+                <a:noFill/>
+                <a:ln>
+                  <a:noFill/>
+                </a:ln>
+                <a:effectLst/>
+              </c:spPr>
+              <c:txPr>
+                <a:bodyPr rot="0" spcFirstLastPara="1" vertOverflow="ellipsis" vert="horz" wrap="square" anchor="ctr" anchorCtr="1"/>
+                <a:lstStyle/>
+                <a:p>
+                  <a:pPr>
+                    <a:defRPr sz="1800" b="0" i="0" u="none" strike="noStrike" kern="1200" baseline="0">
+                      <a:solidFill>
+                        <a:schemeClr val="tx1">
+                          <a:lumMod val="65000"/>
+                          <a:lumOff val="35000"/>
+                        </a:schemeClr>
+                      </a:solidFill>
+                      <a:latin typeface="+mn-lt"/>
+                      <a:ea typeface="+mn-ea"/>
+                      <a:cs typeface="+mn-cs"/>
+                    </a:defRPr>
+                  </a:pPr>
+                  <a:endParaRPr lang="en-US"/>
+                </a:p>
+              </c:txPr>
+            </c:trendlineLbl>
+          </c:trendline>
+          <c:xVal>
+            <c:numRef>
+              <c:f>Sheet1!$A$3:$A$11</c:f>
+              <c:numCache>
+                <c:formatCode>General</c:formatCode>
+                <c:ptCount val="9"/>
+                <c:pt idx="0">
+                  <c:v>1</c:v>
+                </c:pt>
+                <c:pt idx="1">
+                  <c:v>2</c:v>
+                </c:pt>
+                <c:pt idx="2">
+                  <c:v>3</c:v>
+                </c:pt>
+                <c:pt idx="3">
+                  <c:v>4</c:v>
+                </c:pt>
+                <c:pt idx="4">
+                  <c:v>5</c:v>
+                </c:pt>
+                <c:pt idx="5">
+                  <c:v>6</c:v>
+                </c:pt>
+                <c:pt idx="6">
+                  <c:v>7</c:v>
+                </c:pt>
+                <c:pt idx="7">
+                  <c:v>8</c:v>
+                </c:pt>
+                <c:pt idx="8">
+                  <c:v>9</c:v>
+                </c:pt>
+              </c:numCache>
+            </c:numRef>
+          </c:xVal>
+          <c:yVal>
+            <c:numRef>
+              <c:f>Sheet1!$B$3:$B$11</c:f>
+              <c:numCache>
+                <c:formatCode>General</c:formatCode>
+                <c:ptCount val="9"/>
+                <c:pt idx="0">
+                  <c:v>2.8135812668422568</c:v>
+                </c:pt>
+                <c:pt idx="1">
+                  <c:v>4.8239652261252219</c:v>
+                </c:pt>
+                <c:pt idx="2">
+                  <c:v>8.424555729927814</c:v>
+                </c:pt>
+                <c:pt idx="3">
+                  <c:v>10.169376990689145</c:v>
+                </c:pt>
+                <c:pt idx="4">
+                  <c:v>10.827410349897315</c:v>
+                </c:pt>
+                <c:pt idx="5">
+                  <c:v>12.340558841081746</c:v>
+                </c:pt>
+                <c:pt idx="6">
+                  <c:v>19.806726718392312</c:v>
+                </c:pt>
+                <c:pt idx="7">
+                  <c:v>17.762550568711276</c:v>
+                </c:pt>
+                <c:pt idx="8">
+                  <c:v>25.880128825980716</c:v>
+                </c:pt>
+              </c:numCache>
+            </c:numRef>
+          </c:yVal>
+          <c:smooth val="0"/>
+          <c:extLst>
+            <c:ext xmlns:c16="http://schemas.microsoft.com/office/drawing/2014/chart" uri="{C3380CC4-5D6E-409C-BE32-E72D297353CC}">
+              <c16:uniqueId val="{00000004-93CD-4B7C-B50C-E3B43E9E50CA}"/>
+            </c:ext>
+          </c:extLst>
+        </c:ser>
+        <c:dLbls>
+          <c:showLegendKey val="0"/>
+          <c:showVal val="0"/>
+          <c:showCatName val="0"/>
+          <c:showSerName val="0"/>
+          <c:showPercent val="0"/>
+          <c:showBubbleSize val="0"/>
+        </c:dLbls>
+        <c:axId val="1450835423"/>
+        <c:axId val="1450837919"/>
+      </c:scatterChart>
+      <c:valAx>
+        <c:axId val="1450835423"/>
+        <c:scaling>
+          <c:orientation val="minMax"/>
+        </c:scaling>
+        <c:delete val="0"/>
+        <c:axPos val="b"/>
+        <c:majorGridlines>
+          <c:spPr>
+            <a:ln w="9525" cap="flat" cmpd="sng" algn="ctr">
+              <a:solidFill>
+                <a:schemeClr val="tx1">
+                  <a:lumMod val="15000"/>
+                  <a:lumOff val="85000"/>
+                </a:schemeClr>
+              </a:solidFill>
+              <a:round/>
+            </a:ln>
+            <a:effectLst/>
+          </c:spPr>
+        </c:majorGridlines>
+        <c:title>
+          <c:tx>
+            <c:rich>
+              <a:bodyPr rot="0" spcFirstLastPara="1" vertOverflow="ellipsis" vert="horz" wrap="square" anchor="ctr" anchorCtr="1"/>
+              <a:lstStyle/>
+              <a:p>
+                <a:pPr>
+                  <a:defRPr sz="1800" b="0" i="0" u="none" strike="noStrike" kern="1200" baseline="0">
+                    <a:solidFill>
+                      <a:schemeClr val="tx1">
+                        <a:lumMod val="65000"/>
+                        <a:lumOff val="35000"/>
+                      </a:schemeClr>
+                    </a:solidFill>
+                    <a:latin typeface="+mn-lt"/>
+                    <a:ea typeface="+mn-ea"/>
+                    <a:cs typeface="+mn-cs"/>
+                  </a:defRPr>
+                </a:pPr>
+                <a:r>
+                  <a:rPr lang="en-GB"/>
+                  <a:t>X</a:t>
+                </a:r>
+              </a:p>
+            </c:rich>
+          </c:tx>
+          <c:overlay val="0"/>
+          <c:spPr>
+            <a:noFill/>
+            <a:ln>
+              <a:noFill/>
+            </a:ln>
+            <a:effectLst/>
+          </c:spPr>
+          <c:txPr>
+            <a:bodyPr rot="0" spcFirstLastPara="1" vertOverflow="ellipsis" vert="horz" wrap="square" anchor="ctr" anchorCtr="1"/>
+            <a:lstStyle/>
+            <a:p>
+              <a:pPr>
+                <a:defRPr sz="1800" b="0" i="0" u="none" strike="noStrike" kern="1200" baseline="0">
+                  <a:solidFill>
+                    <a:schemeClr val="tx1">
+                      <a:lumMod val="65000"/>
+                      <a:lumOff val="35000"/>
+                    </a:schemeClr>
+                  </a:solidFill>
+                  <a:latin typeface="+mn-lt"/>
+                  <a:ea typeface="+mn-ea"/>
+                  <a:cs typeface="+mn-cs"/>
+                </a:defRPr>
+              </a:pPr>
+              <a:endParaRPr lang="en-US"/>
+            </a:p>
+          </c:txPr>
+        </c:title>
+        <c:numFmt formatCode="General" sourceLinked="1"/>
+        <c:majorTickMark val="none"/>
+        <c:minorTickMark val="none"/>
+        <c:tickLblPos val="nextTo"/>
+        <c:spPr>
+          <a:noFill/>
+          <a:ln w="9525" cap="flat" cmpd="sng" algn="ctr">
+            <a:solidFill>
+              <a:schemeClr val="tx1">
+                <a:lumMod val="25000"/>
+                <a:lumOff val="75000"/>
+              </a:schemeClr>
+            </a:solidFill>
+            <a:round/>
+          </a:ln>
+          <a:effectLst/>
+        </c:spPr>
+        <c:txPr>
+          <a:bodyPr rot="-60000000" spcFirstLastPara="1" vertOverflow="ellipsis" vert="horz" wrap="square" anchor="ctr" anchorCtr="1"/>
+          <a:lstStyle/>
+          <a:p>
+            <a:pPr>
+              <a:defRPr sz="1800" b="0" i="0" u="none" strike="noStrike" kern="1200" baseline="0">
+                <a:solidFill>
+                  <a:schemeClr val="tx1">
+                    <a:lumMod val="65000"/>
+                    <a:lumOff val="35000"/>
+                  </a:schemeClr>
+                </a:solidFill>
+                <a:latin typeface="+mn-lt"/>
+                <a:ea typeface="+mn-ea"/>
+                <a:cs typeface="+mn-cs"/>
+              </a:defRPr>
+            </a:pPr>
+            <a:endParaRPr lang="en-US"/>
+          </a:p>
+        </c:txPr>
+        <c:crossAx val="1450837919"/>
+        <c:crosses val="autoZero"/>
+        <c:crossBetween val="midCat"/>
+      </c:valAx>
+      <c:valAx>
+        <c:axId val="1450837919"/>
+        <c:scaling>
+          <c:orientation val="minMax"/>
+        </c:scaling>
+        <c:delete val="0"/>
+        <c:axPos val="l"/>
+        <c:majorGridlines>
+          <c:spPr>
+            <a:ln w="9525" cap="flat" cmpd="sng" algn="ctr">
+              <a:solidFill>
+                <a:schemeClr val="tx1">
+                  <a:lumMod val="15000"/>
+                  <a:lumOff val="85000"/>
+                </a:schemeClr>
+              </a:solidFill>
+              <a:round/>
+            </a:ln>
+            <a:effectLst/>
+          </c:spPr>
+        </c:majorGridlines>
+        <c:title>
+          <c:tx>
+            <c:rich>
+              <a:bodyPr rot="-5400000" spcFirstLastPara="1" vertOverflow="ellipsis" vert="horz" wrap="square" anchor="ctr" anchorCtr="1"/>
+              <a:lstStyle/>
+              <a:p>
+                <a:pPr>
+                  <a:defRPr sz="1800" b="0" i="0" u="none" strike="noStrike" kern="1200" baseline="0">
+                    <a:solidFill>
+                      <a:schemeClr val="tx1">
+                        <a:lumMod val="65000"/>
+                        <a:lumOff val="35000"/>
+                      </a:schemeClr>
+                    </a:solidFill>
+                    <a:latin typeface="+mn-lt"/>
+                    <a:ea typeface="+mn-ea"/>
+                    <a:cs typeface="+mn-cs"/>
+                  </a:defRPr>
+                </a:pPr>
+                <a:r>
+                  <a:rPr lang="en-GB"/>
+                  <a:t>Y</a:t>
+                </a:r>
+              </a:p>
+            </c:rich>
+          </c:tx>
+          <c:overlay val="0"/>
+          <c:spPr>
+            <a:noFill/>
+            <a:ln>
+              <a:noFill/>
+            </a:ln>
+            <a:effectLst/>
+          </c:spPr>
+          <c:txPr>
+            <a:bodyPr rot="-5400000" spcFirstLastPara="1" vertOverflow="ellipsis" vert="horz" wrap="square" anchor="ctr" anchorCtr="1"/>
+            <a:lstStyle/>
+            <a:p>
+              <a:pPr>
+                <a:defRPr sz="1800" b="0" i="0" u="none" strike="noStrike" kern="1200" baseline="0">
+                  <a:solidFill>
+                    <a:schemeClr val="tx1">
+                      <a:lumMod val="65000"/>
+                      <a:lumOff val="35000"/>
+                    </a:schemeClr>
+                  </a:solidFill>
+                  <a:latin typeface="+mn-lt"/>
+                  <a:ea typeface="+mn-ea"/>
+                  <a:cs typeface="+mn-cs"/>
+                </a:defRPr>
+              </a:pPr>
+              <a:endParaRPr lang="en-US"/>
+            </a:p>
+          </c:txPr>
+        </c:title>
+        <c:numFmt formatCode="General" sourceLinked="1"/>
+        <c:majorTickMark val="none"/>
+        <c:minorTickMark val="none"/>
+        <c:tickLblPos val="nextTo"/>
+        <c:spPr>
+          <a:noFill/>
+          <a:ln w="9525" cap="flat" cmpd="sng" algn="ctr">
+            <a:solidFill>
+              <a:schemeClr val="tx1">
+                <a:lumMod val="25000"/>
+                <a:lumOff val="75000"/>
+              </a:schemeClr>
+            </a:solidFill>
+            <a:round/>
+          </a:ln>
+          <a:effectLst/>
+        </c:spPr>
+        <c:txPr>
+          <a:bodyPr rot="-60000000" spcFirstLastPara="1" vertOverflow="ellipsis" vert="horz" wrap="square" anchor="ctr" anchorCtr="1"/>
+          <a:lstStyle/>
+          <a:p>
+            <a:pPr>
+              <a:defRPr sz="1800" b="0" i="0" u="none" strike="noStrike" kern="1200" baseline="0">
+                <a:solidFill>
+                  <a:schemeClr val="tx1">
+                    <a:lumMod val="65000"/>
+                    <a:lumOff val="35000"/>
+                  </a:schemeClr>
+                </a:solidFill>
+                <a:latin typeface="+mn-lt"/>
+                <a:ea typeface="+mn-ea"/>
+                <a:cs typeface="+mn-cs"/>
+              </a:defRPr>
+            </a:pPr>
+            <a:endParaRPr lang="en-US"/>
+          </a:p>
+        </c:txPr>
+        <c:crossAx val="1450835423"/>
+        <c:crosses val="autoZero"/>
+        <c:crossBetween val="midCat"/>
+      </c:valAx>
+      <c:spPr>
+        <a:noFill/>
+        <a:ln>
+          <a:noFill/>
+        </a:ln>
+        <a:effectLst/>
+      </c:spPr>
+    </c:plotArea>
+    <c:plotVisOnly val="1"/>
+    <c:dispBlanksAs val="gap"/>
+    <c:extLst>
+      <c:ext xmlns:c16r3="http://schemas.microsoft.com/office/drawing/2017/03/chart" uri="{56B9EC1D-385E-4148-901F-78D8002777C0}">
+        <c16r3:dataDisplayOptions16>
+          <c16r3:dispNaAsBlank val="1"/>
+        </c16r3:dataDisplayOptions16>
+      </c:ext>
+    </c:extLst>
+    <c:showDLblsOverMax val="0"/>
+  </c:chart>
+  <c:spPr>
+    <a:noFill/>
+    <a:ln>
+      <a:noFill/>
+    </a:ln>
+    <a:effectLst/>
+  </c:spPr>
+  <c:txPr>
+    <a:bodyPr/>
+    <a:lstStyle/>
+    <a:p>
+      <a:pPr>
+        <a:defRPr sz="1800"/>
+      </a:pPr>
+      <a:endParaRPr lang="en-US"/>
+    </a:p>
+  </c:txPr>
+  <c:externalData r:id="rId3">
+    <c:autoUpdate val="0"/>
+  </c:externalData>
+</c:chartSpace>
+</file>
+
+<file path=ppt/charts/colors1.xml><?xml version="1.0" encoding="utf-8"?>
+<cs:colorStyle xmlns:cs="http://schemas.microsoft.com/office/drawing/2012/chartStyle" xmlns:a="http://schemas.openxmlformats.org/drawingml/2006/main" meth="cycle" id="10">
+  <a:schemeClr val="accent1"/>
+  <a:schemeClr val="accent2"/>
+  <a:schemeClr val="accent3"/>
+  <a:schemeClr val="accent4"/>
+  <a:schemeClr val="accent5"/>
+  <a:schemeClr val="accent6"/>
+  <cs:variation/>
+  <cs:variation>
+    <a:lumMod val="60000"/>
+  </cs:variation>
+  <cs:variation>
+    <a:lumMod val="80000"/>
+    <a:lumOff val="20000"/>
+  </cs:variation>
+  <cs:variation>
+    <a:lumMod val="80000"/>
+  </cs:variation>
+  <cs:variation>
+    <a:lumMod val="60000"/>
+    <a:lumOff val="40000"/>
+  </cs:variation>
+  <cs:variation>
+    <a:lumMod val="50000"/>
+  </cs:variation>
+  <cs:variation>
+    <a:lumMod val="70000"/>
+    <a:lumOff val="30000"/>
+  </cs:variation>
+  <cs:variation>
+    <a:lumMod val="70000"/>
+  </cs:variation>
+  <cs:variation>
+    <a:lumMod val="50000"/>
+    <a:lumOff val="50000"/>
+  </cs:variation>
+</cs:colorStyle>
+</file>
+
+<file path=ppt/charts/style1.xml><?xml version="1.0" encoding="utf-8"?>
+<cs:chartStyle xmlns:cs="http://schemas.microsoft.com/office/drawing/2012/chartStyle" xmlns:a="http://schemas.openxmlformats.org/drawingml/2006/main" id="240">
+  <cs:axisTitle>
+    <cs:lnRef idx="0"/>
+    <cs:fillRef idx="0"/>
+    <cs:effectRef idx="0"/>
+    <cs:fontRef idx="minor">
+      <a:schemeClr val="tx1">
+        <a:lumMod val="65000"/>
+        <a:lumOff val="35000"/>
+      </a:schemeClr>
+    </cs:fontRef>
+    <cs:defRPr sz="1000" kern="1200"/>
+  </cs:axisTitle>
+  <cs:categoryAxis>
+    <cs:lnRef idx="0"/>
+    <cs:fillRef idx="0"/>
+    <cs:effectRef idx="0"/>
+    <cs:fontRef idx="minor">
+      <a:schemeClr val="tx1">
+        <a:lumMod val="65000"/>
+        <a:lumOff val="35000"/>
+      </a:schemeClr>
+    </cs:fontRef>
+    <cs:spPr>
+      <a:ln w="9525" cap="flat" cmpd="sng" algn="ctr">
+        <a:solidFill>
+          <a:schemeClr val="tx1">
+            <a:lumMod val="25000"/>
+            <a:lumOff val="75000"/>
+          </a:schemeClr>
+        </a:solidFill>
+        <a:round/>
+      </a:ln>
+    </cs:spPr>
+    <cs:defRPr sz="900" kern="1200"/>
+  </cs:categoryAxis>
+  <cs:chartArea mods="allowNoFillOverride allowNoLineOverride">
+    <cs:lnRef idx="0"/>
+    <cs:fillRef idx="0"/>
+    <cs:effectRef idx="0"/>
+    <cs:fontRef idx="minor">
+      <a:schemeClr val="tx1"/>
+    </cs:fontRef>
+    <cs:spPr>
+      <a:solidFill>
+        <a:schemeClr val="bg1"/>
+      </a:solidFill>
+      <a:ln w="9525" cap="flat" cmpd="sng" algn="ctr">
+        <a:solidFill>
+          <a:schemeClr val="tx1">
+            <a:lumMod val="15000"/>
+            <a:lumOff val="85000"/>
+          </a:schemeClr>
+        </a:solidFill>
+        <a:round/>
+      </a:ln>
+    </cs:spPr>
+    <cs:defRPr sz="1000" kern="1200"/>
+  </cs:chartArea>
+  <cs:dataLabel>
+    <cs:lnRef idx="0"/>
+    <cs:fillRef idx="0"/>
+    <cs:effectRef idx="0"/>
+    <cs:fontRef idx="minor">
+      <a:schemeClr val="tx1">
+        <a:lumMod val="75000"/>
+        <a:lumOff val="25000"/>
+      </a:schemeClr>
+    </cs:fontRef>
+    <cs:defRPr sz="900" kern="1200"/>
+  </cs:dataLabel>
+  <cs:dataLabelCallout>
+    <cs:lnRef idx="0"/>
+    <cs:fillRef idx="0"/>
+    <cs:effectRef idx="0"/>
+    <cs:fontRef idx="minor">
+      <a:schemeClr val="dk1">
+        <a:lumMod val="65000"/>
+        <a:lumOff val="35000"/>
+      </a:schemeClr>
+    </cs:fontRef>
+    <cs:spPr>
+      <a:solidFill>
+        <a:schemeClr val="lt1"/>
+      </a:solidFill>
+      <a:ln>
+        <a:solidFill>
+          <a:schemeClr val="dk1">
+            <a:lumMod val="25000"/>
+            <a:lumOff val="75000"/>
+          </a:schemeClr>
+        </a:solidFill>
+      </a:ln>
+    </cs:spPr>
+    <cs:defRPr sz="900" kern="1200"/>
+    <cs:bodyPr rot="0" spcFirstLastPara="1" vertOverflow="clip" horzOverflow="clip" vert="horz" wrap="square" lIns="36576" tIns="18288" rIns="36576" bIns="18288" anchor="ctr" anchorCtr="1">
+      <a:spAutoFit/>
+    </cs:bodyPr>
+  </cs:dataLabelCallout>
+  <cs:dataPoint>
+    <cs:lnRef idx="0"/>
+    <cs:fillRef idx="1">
+      <cs:styleClr val="auto"/>
+    </cs:fillRef>
+    <cs:effectRef idx="0"/>
+    <cs:fontRef idx="minor">
+      <a:schemeClr val="tx1"/>
+    </cs:fontRef>
+  </cs:dataPoint>
+  <cs:dataPoint3D>
+    <cs:lnRef idx="0"/>
+    <cs:fillRef idx="1">
+      <cs:styleClr val="auto"/>
+    </cs:fillRef>
+    <cs:effectRef idx="0"/>
+    <cs:fontRef idx="minor">
+      <a:schemeClr val="tx1"/>
+    </cs:fontRef>
+  </cs:dataPoint3D>
+  <cs:dataPointLine>
+    <cs:lnRef idx="0">
+      <cs:styleClr val="auto"/>
+    </cs:lnRef>
+    <cs:fillRef idx="1"/>
+    <cs:effectRef idx="0"/>
+    <cs:fontRef idx="minor">
+      <a:schemeClr val="tx1"/>
+    </cs:fontRef>
+    <cs:spPr>
+      <a:ln w="19050" cap="rnd">
+        <a:solidFill>
+          <a:schemeClr val="phClr"/>
+        </a:solidFill>
+        <a:round/>
+      </a:ln>
+    </cs:spPr>
+  </cs:dataPointLine>
+  <cs:dataPointMarker>
+    <cs:lnRef idx="0">
+      <cs:styleClr val="auto"/>
+    </cs:lnRef>
+    <cs:fillRef idx="1">
+      <cs:styleClr val="auto"/>
+    </cs:fillRef>
+    <cs:effectRef idx="0"/>
+    <cs:fontRef idx="minor">
+      <a:schemeClr val="tx1"/>
+    </cs:fontRef>
+    <cs:spPr>
+      <a:ln w="9525">
+        <a:solidFill>
+          <a:schemeClr val="phClr"/>
+        </a:solidFill>
+      </a:ln>
+    </cs:spPr>
+  </cs:dataPointMarker>
+  <cs:dataPointMarkerLayout symbol="circle" size="5"/>
+  <cs:dataPointWireframe>
+    <cs:lnRef idx="0">
+      <cs:styleClr val="auto"/>
+    </cs:lnRef>
+    <cs:fillRef idx="0"/>
+    <cs:effectRef idx="0"/>
+    <cs:fontRef idx="minor">
+      <a:schemeClr val="dk1"/>
+    </cs:fontRef>
+    <cs:spPr>
+      <a:ln w="9525" cap="rnd">
+        <a:solidFill>
+          <a:schemeClr val="phClr"/>
+        </a:solidFill>
+        <a:round/>
+      </a:ln>
+    </cs:spPr>
+  </cs:dataPointWireframe>
+  <cs:dataTable>
+    <cs:lnRef idx="0"/>
+    <cs:fillRef idx="0"/>
+    <cs:effectRef idx="0"/>
+    <cs:fontRef idx="minor">
+      <a:schemeClr val="tx1">
+        <a:lumMod val="65000"/>
+        <a:lumOff val="35000"/>
+      </a:schemeClr>
+    </cs:fontRef>
+    <cs:spPr>
+      <a:noFill/>
+      <a:ln w="9525" cap="flat" cmpd="sng" algn="ctr">
+        <a:solidFill>
+          <a:schemeClr val="tx1">
+            <a:lumMod val="15000"/>
+            <a:lumOff val="85000"/>
+          </a:schemeClr>
+        </a:solidFill>
+        <a:round/>
+      </a:ln>
+    </cs:spPr>
+    <cs:defRPr sz="900" kern="1200"/>
+  </cs:dataTable>
+  <cs:downBar>
+    <cs:lnRef idx="0"/>
+    <cs:fillRef idx="0"/>
+    <cs:effectRef idx="0"/>
+    <cs:fontRef idx="minor">
+      <a:schemeClr val="tx1"/>
+    </cs:fontRef>
+    <cs:spPr>
+      <a:solidFill>
+        <a:schemeClr val="dk1">
+          <a:lumMod val="75000"/>
+          <a:lumOff val="25000"/>
+        </a:schemeClr>
+      </a:solidFill>
+      <a:ln w="9525" cap="flat" cmpd="sng" algn="ctr">
+        <a:solidFill>
+          <a:schemeClr val="tx1">
+            <a:lumMod val="65000"/>
+            <a:lumOff val="35000"/>
+          </a:schemeClr>
+        </a:solidFill>
+        <a:round/>
+      </a:ln>
+    </cs:spPr>
+  </cs:downBar>
+  <cs:dropLine>
+    <cs:lnRef idx="0"/>
+    <cs:fillRef idx="0"/>
+    <cs:effectRef idx="0"/>
+    <cs:fontRef idx="minor">
+      <a:schemeClr val="tx1"/>
+    </cs:fontRef>
+    <cs:spPr>
+      <a:ln w="9525" cap="flat" cmpd="sng" algn="ctr">
+        <a:solidFill>
+          <a:schemeClr val="tx1">
+            <a:lumMod val="35000"/>
+            <a:lumOff val="65000"/>
+          </a:schemeClr>
+        </a:solidFill>
+        <a:round/>
+      </a:ln>
+    </cs:spPr>
+  </cs:dropLine>
+  <cs:errorBar>
+    <cs:lnRef idx="0"/>
+    <cs:fillRef idx="0"/>
+    <cs:effectRef idx="0"/>
+    <cs:fontRef idx="minor">
+      <a:schemeClr val="tx1"/>
+    </cs:fontRef>
+    <cs:spPr>
+      <a:ln w="9525" cap="flat" cmpd="sng" algn="ctr">
+        <a:solidFill>
+          <a:schemeClr val="tx1">
+            <a:lumMod val="65000"/>
+            <a:lumOff val="35000"/>
+          </a:schemeClr>
+        </a:solidFill>
+        <a:round/>
+      </a:ln>
+    </cs:spPr>
+  </cs:errorBar>
+  <cs:floor>
+    <cs:lnRef idx="0"/>
+    <cs:fillRef idx="0"/>
+    <cs:effectRef idx="0"/>
+    <cs:fontRef idx="minor">
+      <a:schemeClr val="tx1"/>
+    </cs:fontRef>
+    <cs:spPr>
+      <a:noFill/>
+      <a:ln>
+        <a:noFill/>
+      </a:ln>
+    </cs:spPr>
+  </cs:floor>
+  <cs:gridlineMajor>
+    <cs:lnRef idx="0"/>
+    <cs:fillRef idx="0"/>
+    <cs:effectRef idx="0"/>
+    <cs:fontRef idx="minor">
+      <a:schemeClr val="tx1"/>
+    </cs:fontRef>
+    <cs:spPr>
+      <a:ln w="9525" cap="flat" cmpd="sng" algn="ctr">
+        <a:solidFill>
+          <a:schemeClr val="tx1">
+            <a:lumMod val="15000"/>
+            <a:lumOff val="85000"/>
+          </a:schemeClr>
+        </a:solidFill>
+        <a:round/>
+      </a:ln>
+    </cs:spPr>
+  </cs:gridlineMajor>
+  <cs:gridlineMinor>
+    <cs:lnRef idx="0"/>
+    <cs:fillRef idx="0"/>
+    <cs:effectRef idx="0"/>
+    <cs:fontRef idx="minor">
+      <a:schemeClr val="tx1"/>
+    </cs:fontRef>
+    <cs:spPr>
+      <a:ln w="9525" cap="flat" cmpd="sng" algn="ctr">
+        <a:solidFill>
+          <a:schemeClr val="tx1">
+            <a:lumMod val="5000"/>
+            <a:lumOff val="95000"/>
+          </a:schemeClr>
+        </a:solidFill>
+        <a:round/>
+      </a:ln>
+    </cs:spPr>
+  </cs:gridlineMinor>
+  <cs:hiLoLine>
+    <cs:lnRef idx="0"/>
+    <cs:fillRef idx="0"/>
+    <cs:effectRef idx="0"/>
+    <cs:fontRef idx="minor">
+      <a:schemeClr val="tx1"/>
+    </cs:fontRef>
+    <cs:spPr>
+      <a:ln w="9525" cap="flat" cmpd="sng" algn="ctr">
+        <a:solidFill>
+          <a:schemeClr val="tx1">
+            <a:lumMod val="50000"/>
+            <a:lumOff val="50000"/>
+          </a:schemeClr>
+        </a:solidFill>
+        <a:round/>
+      </a:ln>
+    </cs:spPr>
+  </cs:hiLoLine>
+  <cs:leaderLine>
+    <cs:lnRef idx="0"/>
+    <cs:fillRef idx="0"/>
+    <cs:effectRef idx="0"/>
+    <cs:fontRef idx="minor">
+      <a:schemeClr val="tx1"/>
+    </cs:fontRef>
+    <cs:spPr>
+      <a:ln w="9525" cap="flat" cmpd="sng" algn="ctr">
+        <a:solidFill>
+          <a:schemeClr val="tx1">
+            <a:lumMod val="35000"/>
+            <a:lumOff val="65000"/>
+          </a:schemeClr>
+        </a:solidFill>
+        <a:round/>
+      </a:ln>
+    </cs:spPr>
+  </cs:leaderLine>
+  <cs:legend>
+    <cs:lnRef idx="0"/>
+    <cs:fillRef idx="0"/>
+    <cs:effectRef idx="0"/>
+    <cs:fontRef idx="minor">
+      <a:schemeClr val="tx1">
+        <a:lumMod val="65000"/>
+        <a:lumOff val="35000"/>
+      </a:schemeClr>
+    </cs:fontRef>
+    <cs:defRPr sz="900" kern="1200"/>
+  </cs:legend>
+  <cs:plotArea mods="allowNoFillOverride allowNoLineOverride">
+    <cs:lnRef idx="0"/>
+    <cs:fillRef idx="0"/>
+    <cs:effectRef idx="0"/>
+    <cs:fontRef idx="minor">
+      <a:schemeClr val="tx1"/>
+    </cs:fontRef>
+  </cs:plotArea>
+  <cs:plotArea3D mods="allowNoFillOverride allowNoLineOverride">
+    <cs:lnRef idx="0"/>
+    <cs:fillRef idx="0"/>
+    <cs:effectRef idx="0"/>
+    <cs:fontRef idx="minor">
+      <a:schemeClr val="tx1"/>
+    </cs:fontRef>
+  </cs:plotArea3D>
+  <cs:seriesAxis>
+    <cs:lnRef idx="0"/>
+    <cs:fillRef idx="0"/>
+    <cs:effectRef idx="0"/>
+    <cs:fontRef idx="minor">
+      <a:schemeClr val="tx1">
+        <a:lumMod val="65000"/>
+        <a:lumOff val="35000"/>
+      </a:schemeClr>
+    </cs:fontRef>
+    <cs:defRPr sz="900" kern="1200"/>
+  </cs:seriesAxis>
+  <cs:seriesLine>
+    <cs:lnRef idx="0"/>
+    <cs:fillRef idx="0"/>
+    <cs:effectRef idx="0"/>
+    <cs:fontRef idx="minor">
+      <a:schemeClr val="tx1"/>
+    </cs:fontRef>
+    <cs:spPr>
+      <a:ln w="9525" cap="flat" cmpd="sng" algn="ctr">
+        <a:solidFill>
+          <a:schemeClr val="tx1">
+            <a:lumMod val="35000"/>
+            <a:lumOff val="65000"/>
+          </a:schemeClr>
+        </a:solidFill>
+        <a:round/>
+      </a:ln>
+    </cs:spPr>
+  </cs:seriesLine>
+  <cs:title>
+    <cs:lnRef idx="0"/>
+    <cs:fillRef idx="0"/>
+    <cs:effectRef idx="0"/>
+    <cs:fontRef idx="minor">
+      <a:schemeClr val="tx1">
+        <a:lumMod val="65000"/>
+        <a:lumOff val="35000"/>
+      </a:schemeClr>
+    </cs:fontRef>
+    <cs:defRPr sz="1400" b="0" kern="1200" spc="0" baseline="0"/>
+  </cs:title>
+  <cs:trendline>
+    <cs:lnRef idx="0">
+      <cs:styleClr val="auto"/>
+    </cs:lnRef>
+    <cs:fillRef idx="0"/>
+    <cs:effectRef idx="0"/>
+    <cs:fontRef idx="minor">
+      <a:schemeClr val="tx1"/>
+    </cs:fontRef>
+    <cs:spPr>
+      <a:ln w="19050" cap="rnd">
+        <a:solidFill>
+          <a:schemeClr val="phClr"/>
+        </a:solidFill>
+        <a:prstDash val="sysDot"/>
+      </a:ln>
+    </cs:spPr>
+  </cs:trendline>
+  <cs:trendlineLabel>
+    <cs:lnRef idx="0"/>
+    <cs:fillRef idx="0"/>
+    <cs:effectRef idx="0"/>
+    <cs:fontRef idx="minor">
+      <a:schemeClr val="tx1">
+        <a:lumMod val="65000"/>
+        <a:lumOff val="35000"/>
+      </a:schemeClr>
+    </cs:fontRef>
+    <cs:defRPr sz="900" kern="1200"/>
+  </cs:trendlineLabel>
+  <cs:upBar>
+    <cs:lnRef idx="0"/>
+    <cs:fillRef idx="0"/>
+    <cs:effectRef idx="0"/>
+    <cs:fontRef idx="minor">
+      <a:schemeClr val="tx1"/>
+    </cs:fontRef>
+    <cs:spPr>
+      <a:solidFill>
+        <a:schemeClr val="lt1"/>
+      </a:solidFill>
+      <a:ln w="9525" cap="flat" cmpd="sng" algn="ctr">
+        <a:solidFill>
+          <a:schemeClr val="tx1">
+            <a:lumMod val="65000"/>
+            <a:lumOff val="35000"/>
+          </a:schemeClr>
+        </a:solidFill>
+        <a:round/>
+      </a:ln>
+    </cs:spPr>
+  </cs:upBar>
+  <cs:valueAxis>
+    <cs:lnRef idx="0"/>
+    <cs:fillRef idx="0"/>
+    <cs:effectRef idx="0"/>
+    <cs:fontRef idx="minor">
+      <a:schemeClr val="tx1">
+        <a:lumMod val="65000"/>
+        <a:lumOff val="35000"/>
+      </a:schemeClr>
+    </cs:fontRef>
+    <cs:spPr>
+      <a:ln w="9525" cap="flat" cmpd="sng" algn="ctr">
+        <a:solidFill>
+          <a:schemeClr val="tx1">
+            <a:lumMod val="25000"/>
+            <a:lumOff val="75000"/>
+          </a:schemeClr>
+        </a:solidFill>
+        <a:round/>
+      </a:ln>
+    </cs:spPr>
+    <cs:defRPr sz="900" kern="1200"/>
+  </cs:valueAxis>
+  <cs:wall>
+    <cs:lnRef idx="0"/>
+    <cs:fillRef idx="0"/>
+    <cs:effectRef idx="0"/>
+    <cs:fontRef idx="minor">
+      <a:schemeClr val="tx1"/>
+    </cs:fontRef>
+    <cs:spPr>
+      <a:noFill/>
+      <a:ln>
+        <a:noFill/>
+      </a:ln>
+    </cs:spPr>
+  </cs:wall>
+</cs:chartStyle>
+</file>
+
 <file path=ppt/slideLayouts/slideLayout1.xml><?xml version="1.0" encoding="utf-8"?>
 <p:sldLayout xmlns:a="http://schemas.openxmlformats.org/drawingml/2006/main" xmlns:r="http://schemas.openxmlformats.org/officeDocument/2006/relationships" xmlns:p="http://schemas.openxmlformats.org/presentationml/2006/main" type="title" preserve="1">
   <p:cSld name="Title Slide">
@@ -267,7 +1374,7 @@
           <a:p>
             <a:fld id="{C5906C5D-18D9-4854-B3A8-A79366106C95}" type="datetimeFigureOut">
               <a:rPr lang="en-GB" smtClean="0"/>
-              <a:t>17/02/2023</a:t>
+              <a:t>28/02/2023</a:t>
             </a:fld>
             <a:endParaRPr lang="en-GB"/>
           </a:p>
@@ -467,7 +1574,7 @@
           <a:p>
             <a:fld id="{C5906C5D-18D9-4854-B3A8-A79366106C95}" type="datetimeFigureOut">
               <a:rPr lang="en-GB" smtClean="0"/>
-              <a:t>17/02/2023</a:t>
+              <a:t>28/02/2023</a:t>
             </a:fld>
             <a:endParaRPr lang="en-GB"/>
           </a:p>
@@ -677,7 +1784,7 @@
           <a:p>
             <a:fld id="{C5906C5D-18D9-4854-B3A8-A79366106C95}" type="datetimeFigureOut">
               <a:rPr lang="en-GB" smtClean="0"/>
-              <a:t>17/02/2023</a:t>
+              <a:t>28/02/2023</a:t>
             </a:fld>
             <a:endParaRPr lang="en-GB"/>
           </a:p>
@@ -877,7 +1984,7 @@
           <a:p>
             <a:fld id="{C5906C5D-18D9-4854-B3A8-A79366106C95}" type="datetimeFigureOut">
               <a:rPr lang="en-GB" smtClean="0"/>
-              <a:t>17/02/2023</a:t>
+              <a:t>28/02/2023</a:t>
             </a:fld>
             <a:endParaRPr lang="en-GB"/>
           </a:p>
@@ -1153,7 +2260,7 @@
           <a:p>
             <a:fld id="{C5906C5D-18D9-4854-B3A8-A79366106C95}" type="datetimeFigureOut">
               <a:rPr lang="en-GB" smtClean="0"/>
-              <a:t>17/02/2023</a:t>
+              <a:t>28/02/2023</a:t>
             </a:fld>
             <a:endParaRPr lang="en-GB"/>
           </a:p>
@@ -1421,7 +2528,7 @@
           <a:p>
             <a:fld id="{C5906C5D-18D9-4854-B3A8-A79366106C95}" type="datetimeFigureOut">
               <a:rPr lang="en-GB" smtClean="0"/>
-              <a:t>17/02/2023</a:t>
+              <a:t>28/02/2023</a:t>
             </a:fld>
             <a:endParaRPr lang="en-GB"/>
           </a:p>
@@ -1836,7 +2943,7 @@
           <a:p>
             <a:fld id="{C5906C5D-18D9-4854-B3A8-A79366106C95}" type="datetimeFigureOut">
               <a:rPr lang="en-GB" smtClean="0"/>
-              <a:t>17/02/2023</a:t>
+              <a:t>28/02/2023</a:t>
             </a:fld>
             <a:endParaRPr lang="en-GB"/>
           </a:p>
@@ -1978,7 +3085,7 @@
           <a:p>
             <a:fld id="{C5906C5D-18D9-4854-B3A8-A79366106C95}" type="datetimeFigureOut">
               <a:rPr lang="en-GB" smtClean="0"/>
-              <a:t>17/02/2023</a:t>
+              <a:t>28/02/2023</a:t>
             </a:fld>
             <a:endParaRPr lang="en-GB"/>
           </a:p>
@@ -2091,7 +3198,7 @@
           <a:p>
             <a:fld id="{C5906C5D-18D9-4854-B3A8-A79366106C95}" type="datetimeFigureOut">
               <a:rPr lang="en-GB" smtClean="0"/>
-              <a:t>17/02/2023</a:t>
+              <a:t>28/02/2023</a:t>
             </a:fld>
             <a:endParaRPr lang="en-GB"/>
           </a:p>
@@ -2404,7 +3511,7 @@
           <a:p>
             <a:fld id="{C5906C5D-18D9-4854-B3A8-A79366106C95}" type="datetimeFigureOut">
               <a:rPr lang="en-GB" smtClean="0"/>
-              <a:t>17/02/2023</a:t>
+              <a:t>28/02/2023</a:t>
             </a:fld>
             <a:endParaRPr lang="en-GB"/>
           </a:p>
@@ -2693,7 +3800,7 @@
           <a:p>
             <a:fld id="{C5906C5D-18D9-4854-B3A8-A79366106C95}" type="datetimeFigureOut">
               <a:rPr lang="en-GB" smtClean="0"/>
-              <a:t>17/02/2023</a:t>
+              <a:t>28/02/2023</a:t>
             </a:fld>
             <a:endParaRPr lang="en-GB"/>
           </a:p>
@@ -2936,7 +4043,7 @@
           <a:p>
             <a:fld id="{C5906C5D-18D9-4854-B3A8-A79366106C95}" type="datetimeFigureOut">
               <a:rPr lang="en-GB" smtClean="0"/>
-              <a:t>17/02/2023</a:t>
+              <a:t>28/02/2023</a:t>
             </a:fld>
             <a:endParaRPr lang="en-GB"/>
           </a:p>
@@ -3371,43 +4478,8 @@
         </p:nvSpPr>
         <p:spPr>
           <a:xfrm>
-            <a:off x="851769" y="1122363"/>
-            <a:ext cx="10434181" cy="2387600"/>
-          </a:xfrm>
-        </p:spPr>
-        <p:txBody>
-          <a:bodyPr>
-            <a:normAutofit fontScale="90000"/>
-          </a:bodyPr>
-          <a:lstStyle/>
-          <a:p>
-            <a:r>
-              <a:rPr lang="en-GB" dirty="0"/>
-              <a:t>Coarse Grain Molecular Dynamics and how it can be used to predict Materials properties</a:t>
-            </a:r>
-          </a:p>
-        </p:txBody>
-      </p:sp>
-      <p:sp>
-        <p:nvSpPr>
-          <p:cNvPr id="3" name="Subtitle 2">
-            <a:extLst>
-              <a:ext uri="{FF2B5EF4-FFF2-40B4-BE49-F238E27FC236}">
-                <a16:creationId xmlns:a16="http://schemas.microsoft.com/office/drawing/2014/main" id="{69C50DA6-A1B5-65CD-6D70-B65CA6FF1AC0}"/>
-              </a:ext>
-            </a:extLst>
-          </p:cNvPr>
-          <p:cNvSpPr>
-            <a:spLocks noGrp="1"/>
-          </p:cNvSpPr>
-          <p:nvPr>
-            <p:ph type="subTitle" idx="1"/>
-          </p:nvPr>
-        </p:nvSpPr>
-        <p:spPr>
-          <a:xfrm>
-            <a:off x="1524000" y="4079875"/>
-            <a:ext cx="9144000" cy="1655762"/>
+            <a:off x="878909" y="1298402"/>
+            <a:ext cx="10434181" cy="1655762"/>
           </a:xfrm>
         </p:spPr>
         <p:txBody>
@@ -3417,6 +4489,41 @@
           <a:lstStyle/>
           <a:p>
             <a:r>
+              <a:rPr lang="en-GB" dirty="0"/>
+              <a:t>Active machine learning for MD</a:t>
+            </a:r>
+          </a:p>
+        </p:txBody>
+      </p:sp>
+      <p:sp>
+        <p:nvSpPr>
+          <p:cNvPr id="3" name="Subtitle 2">
+            <a:extLst>
+              <a:ext uri="{FF2B5EF4-FFF2-40B4-BE49-F238E27FC236}">
+                <a16:creationId xmlns:a16="http://schemas.microsoft.com/office/drawing/2014/main" id="{69C50DA6-A1B5-65CD-6D70-B65CA6FF1AC0}"/>
+              </a:ext>
+            </a:extLst>
+          </p:cNvPr>
+          <p:cNvSpPr>
+            <a:spLocks noGrp="1"/>
+          </p:cNvSpPr>
+          <p:nvPr>
+            <p:ph type="subTitle" idx="1"/>
+          </p:nvPr>
+        </p:nvSpPr>
+        <p:spPr>
+          <a:xfrm>
+            <a:off x="1523999" y="3075956"/>
+            <a:ext cx="9144000" cy="1655762"/>
+          </a:xfrm>
+        </p:spPr>
+        <p:txBody>
+          <a:bodyPr>
+            <a:normAutofit/>
+          </a:bodyPr>
+          <a:lstStyle/>
+          <a:p>
+            <a:r>
               <a:rPr lang="en-GB" b="1" dirty="0"/>
               <a:t>Tell Tuttle*</a:t>
             </a:r>
@@ -3459,6 +4566,78 @@
           </a:p>
         </p:txBody>
       </p:sp>
+      <p:pic>
+        <p:nvPicPr>
+          <p:cNvPr id="5" name="Picture 4" descr="Text&#10;&#10;Description automatically generated">
+            <a:extLst>
+              <a:ext uri="{FF2B5EF4-FFF2-40B4-BE49-F238E27FC236}">
+                <a16:creationId xmlns:a16="http://schemas.microsoft.com/office/drawing/2014/main" id="{C9477AE2-B3F0-F82A-714D-FDEFE3583E8C}"/>
+              </a:ext>
+            </a:extLst>
+          </p:cNvPr>
+          <p:cNvPicPr>
+            <a:picLocks noChangeAspect="1"/>
+          </p:cNvPicPr>
+          <p:nvPr/>
+        </p:nvPicPr>
+        <p:blipFill>
+          <a:blip r:embed="rId2">
+            <a:extLst>
+              <a:ext uri="{28A0092B-C50C-407E-A947-70E740481C1C}">
+                <a14:useLocalDpi xmlns:a14="http://schemas.microsoft.com/office/drawing/2010/main" val="0"/>
+              </a:ext>
+            </a:extLst>
+          </a:blip>
+          <a:stretch>
+            <a:fillRect/>
+          </a:stretch>
+        </p:blipFill>
+        <p:spPr>
+          <a:xfrm>
+            <a:off x="3215931" y="4853510"/>
+            <a:ext cx="6096000" cy="1806718"/>
+          </a:xfrm>
+          <a:prstGeom prst="rect">
+            <a:avLst/>
+          </a:prstGeom>
+        </p:spPr>
+      </p:pic>
+      <p:pic>
+        <p:nvPicPr>
+          <p:cNvPr id="7" name="Picture 6" descr="Logo&#10;&#10;Description automatically generated">
+            <a:extLst>
+              <a:ext uri="{FF2B5EF4-FFF2-40B4-BE49-F238E27FC236}">
+                <a16:creationId xmlns:a16="http://schemas.microsoft.com/office/drawing/2014/main" id="{4A185FC7-C27F-7750-63FD-9877AE90BE07}"/>
+              </a:ext>
+            </a:extLst>
+          </p:cNvPr>
+          <p:cNvPicPr>
+            <a:picLocks noChangeAspect="1"/>
+          </p:cNvPicPr>
+          <p:nvPr/>
+        </p:nvPicPr>
+        <p:blipFill>
+          <a:blip r:embed="rId3">
+            <a:extLst>
+              <a:ext uri="{28A0092B-C50C-407E-A947-70E740481C1C}">
+                <a14:useLocalDpi xmlns:a14="http://schemas.microsoft.com/office/drawing/2010/main" val="0"/>
+              </a:ext>
+            </a:extLst>
+          </a:blip>
+          <a:stretch>
+            <a:fillRect/>
+          </a:stretch>
+        </p:blipFill>
+        <p:spPr>
+          <a:xfrm>
+            <a:off x="1291264" y="0"/>
+            <a:ext cx="9555189" cy="1874235"/>
+          </a:xfrm>
+          <a:prstGeom prst="rect">
+            <a:avLst/>
+          </a:prstGeom>
+        </p:spPr>
+      </p:pic>
     </p:spTree>
     <p:extLst>
       <p:ext uri="{BB962C8B-B14F-4D97-AF65-F5344CB8AC3E}">
@@ -3473,6 +4652,175 @@
 </file>
 
 <file path=ppt/slides/slide2.xml><?xml version="1.0" encoding="utf-8"?>
+<p:sld xmlns:a="http://schemas.openxmlformats.org/drawingml/2006/main" xmlns:r="http://schemas.openxmlformats.org/officeDocument/2006/relationships" xmlns:p="http://schemas.openxmlformats.org/presentationml/2006/main">
+  <p:cSld>
+    <p:spTree>
+      <p:nvGrpSpPr>
+        <p:cNvPr id="1" name=""/>
+        <p:cNvGrpSpPr/>
+        <p:nvPr/>
+      </p:nvGrpSpPr>
+      <p:grpSpPr>
+        <a:xfrm>
+          <a:off x="0" y="0"/>
+          <a:ext cx="0" cy="0"/>
+          <a:chOff x="0" y="0"/>
+          <a:chExt cx="0" cy="0"/>
+        </a:xfrm>
+      </p:grpSpPr>
+      <p:graphicFrame>
+        <p:nvGraphicFramePr>
+          <p:cNvPr id="4" name="Chart 3">
+            <a:extLst>
+              <a:ext uri="{FF2B5EF4-FFF2-40B4-BE49-F238E27FC236}">
+                <a16:creationId xmlns:a16="http://schemas.microsoft.com/office/drawing/2014/main" id="{DB75C39C-575B-99E3-000A-1C25E5F92BAC}"/>
+              </a:ext>
+            </a:extLst>
+          </p:cNvPr>
+          <p:cNvGraphicFramePr>
+            <a:graphicFrameLocks/>
+          </p:cNvGraphicFramePr>
+          <p:nvPr>
+            <p:extLst>
+              <p:ext uri="{D42A27DB-BD31-4B8C-83A1-F6EECF244321}">
+                <p14:modId xmlns:p14="http://schemas.microsoft.com/office/powerpoint/2010/main" val="2568952318"/>
+              </p:ext>
+            </p:extLst>
+          </p:nvPr>
+        </p:nvGraphicFramePr>
+        <p:xfrm>
+          <a:off x="2011016" y="468464"/>
+          <a:ext cx="7507357" cy="4504414"/>
+        </p:xfrm>
+        <a:graphic>
+          <a:graphicData uri="http://schemas.openxmlformats.org/drawingml/2006/chart">
+            <c:chart xmlns:c="http://schemas.openxmlformats.org/drawingml/2006/chart" xmlns:r="http://schemas.openxmlformats.org/officeDocument/2006/relationships" r:id="rId2"/>
+          </a:graphicData>
+        </a:graphic>
+      </p:graphicFrame>
+      <p:sp>
+        <p:nvSpPr>
+          <p:cNvPr id="7" name="TextBox 6">
+            <a:extLst>
+              <a:ext uri="{FF2B5EF4-FFF2-40B4-BE49-F238E27FC236}">
+                <a16:creationId xmlns:a16="http://schemas.microsoft.com/office/drawing/2014/main" id="{66F6F82E-2A31-C503-74F3-729DCB5C49CD}"/>
+              </a:ext>
+            </a:extLst>
+          </p:cNvPr>
+          <p:cNvSpPr txBox="1"/>
+          <p:nvPr/>
+        </p:nvSpPr>
+        <p:spPr>
+          <a:xfrm>
+            <a:off x="5042452" y="4804466"/>
+            <a:ext cx="2107095" cy="707886"/>
+          </a:xfrm>
+          <a:prstGeom prst="rect">
+            <a:avLst/>
+          </a:prstGeom>
+          <a:noFill/>
+        </p:spPr>
+        <p:txBody>
+          <a:bodyPr wrap="square" rtlCol="0">
+            <a:spAutoFit/>
+          </a:bodyPr>
+          <a:lstStyle/>
+          <a:p>
+            <a:r>
+              <a:rPr lang="en-GB" sz="4000" dirty="0"/>
+              <a:t>y=</a:t>
+            </a:r>
+            <a:r>
+              <a:rPr lang="en-GB" sz="4000" dirty="0" err="1"/>
+              <a:t>mx+b</a:t>
+            </a:r>
+            <a:endParaRPr lang="en-GB" sz="4000" dirty="0"/>
+          </a:p>
+        </p:txBody>
+      </p:sp>
+      <p:sp>
+        <p:nvSpPr>
+          <p:cNvPr id="8" name="TextBox 7">
+            <a:extLst>
+              <a:ext uri="{FF2B5EF4-FFF2-40B4-BE49-F238E27FC236}">
+                <a16:creationId xmlns:a16="http://schemas.microsoft.com/office/drawing/2014/main" id="{8E974F0F-F3CB-8E37-8A37-FEA4FC68FF87}"/>
+              </a:ext>
+            </a:extLst>
+          </p:cNvPr>
+          <p:cNvSpPr txBox="1"/>
+          <p:nvPr/>
+        </p:nvSpPr>
+        <p:spPr>
+          <a:xfrm>
+            <a:off x="530087" y="5512352"/>
+            <a:ext cx="4644028" cy="1200329"/>
+          </a:xfrm>
+          <a:prstGeom prst="rect">
+            <a:avLst/>
+          </a:prstGeom>
+          <a:noFill/>
+        </p:spPr>
+        <p:txBody>
+          <a:bodyPr wrap="none" rtlCol="0">
+            <a:spAutoFit/>
+          </a:bodyPr>
+          <a:lstStyle/>
+          <a:p>
+            <a:r>
+              <a:rPr lang="en-US" sz="2400" dirty="0"/>
+              <a:t>Hyperparameters: b </a:t>
+            </a:r>
+          </a:p>
+          <a:p>
+            <a:endParaRPr lang="en-US" sz="2400" dirty="0"/>
+          </a:p>
+          <a:p>
+            <a:r>
+              <a:rPr lang="en-US" sz="2400" dirty="0"/>
+              <a:t>Minimize L2 norm: y</a:t>
+            </a:r>
+            <a:r>
+              <a:rPr lang="en-US" sz="2400" baseline="30000" dirty="0"/>
+              <a:t>2</a:t>
+            </a:r>
+            <a:r>
+              <a:rPr lang="en-US" sz="2400" dirty="0"/>
+              <a:t> – (</a:t>
+            </a:r>
+            <a:r>
+              <a:rPr lang="en-US" sz="2400" dirty="0" err="1"/>
+              <a:t>mx+b</a:t>
+            </a:r>
+            <a:r>
+              <a:rPr lang="en-US" sz="2400" dirty="0"/>
+              <a:t>)</a:t>
+            </a:r>
+            <a:r>
+              <a:rPr lang="en-US" sz="2400" baseline="30000" dirty="0"/>
+              <a:t>2</a:t>
+            </a:r>
+            <a:r>
+              <a:rPr lang="en-US" sz="2400" dirty="0"/>
+              <a:t> -&gt; 0</a:t>
+            </a:r>
+            <a:endParaRPr lang="en-GB" sz="2400" baseline="30000" dirty="0"/>
+          </a:p>
+        </p:txBody>
+      </p:sp>
+    </p:spTree>
+    <p:extLst>
+      <p:ext uri="{BB962C8B-B14F-4D97-AF65-F5344CB8AC3E}">
+        <p14:creationId xmlns:p14="http://schemas.microsoft.com/office/powerpoint/2010/main" val="328954001"/>
+      </p:ext>
+    </p:extLst>
+  </p:cSld>
+  <p:clrMapOvr>
+    <a:masterClrMapping/>
+  </p:clrMapOvr>
+</p:sld>
+</file>
+
+<file path=ppt/slides/slide3.xml><?xml version="1.0" encoding="utf-8"?>
 <p:sld xmlns:a="http://schemas.openxmlformats.org/drawingml/2006/main" xmlns:r="http://schemas.openxmlformats.org/officeDocument/2006/relationships" xmlns:p="http://schemas.openxmlformats.org/presentationml/2006/main">
   <p:cSld>
     <p:spTree>
@@ -3825,7 +5173,7 @@
 </p:sld>
 </file>
 
-<file path=ppt/slides/slide3.xml><?xml version="1.0" encoding="utf-8"?>
+<file path=ppt/slides/slide4.xml><?xml version="1.0" encoding="utf-8"?>
 <p:sld xmlns:a="http://schemas.openxmlformats.org/drawingml/2006/main" xmlns:r="http://schemas.openxmlformats.org/officeDocument/2006/relationships" xmlns:p="http://schemas.openxmlformats.org/presentationml/2006/main">
   <p:cSld>
     <p:spTree>
@@ -3885,7 +5233,7 @@
 </p:sld>
 </file>
 
-<file path=ppt/slides/slide4.xml><?xml version="1.0" encoding="utf-8"?>
+<file path=ppt/slides/slide5.xml><?xml version="1.0" encoding="utf-8"?>
 <p:sld xmlns:a="http://schemas.openxmlformats.org/drawingml/2006/main" xmlns:r="http://schemas.openxmlformats.org/officeDocument/2006/relationships" xmlns:p="http://schemas.openxmlformats.org/presentationml/2006/main">
   <p:cSld>
     <p:spTree>
@@ -4001,7 +5349,7 @@
 </p:sld>
 </file>
 
-<file path=ppt/slides/slide5.xml><?xml version="1.0" encoding="utf-8"?>
+<file path=ppt/slides/slide6.xml><?xml version="1.0" encoding="utf-8"?>
 <p:sld xmlns:a="http://schemas.openxmlformats.org/drawingml/2006/main" xmlns:r="http://schemas.openxmlformats.org/officeDocument/2006/relationships" xmlns:p="http://schemas.openxmlformats.org/presentationml/2006/main">
   <p:cSld>
     <p:spTree>
@@ -4118,7 +5466,7 @@
 </p:sld>
 </file>
 
-<file path=ppt/slides/slide6.xml><?xml version="1.0" encoding="utf-8"?>
+<file path=ppt/slides/slide7.xml><?xml version="1.0" encoding="utf-8"?>
 <p:sld xmlns:a="http://schemas.openxmlformats.org/drawingml/2006/main" xmlns:r="http://schemas.openxmlformats.org/officeDocument/2006/relationships" xmlns:p="http://schemas.openxmlformats.org/presentationml/2006/main">
   <p:cSld>
     <p:spTree>
@@ -4204,7 +5552,7 @@
 </p:sld>
 </file>
 
-<file path=ppt/slides/slide7.xml><?xml version="1.0" encoding="utf-8"?>
+<file path=ppt/slides/slide8.xml><?xml version="1.0" encoding="utf-8"?>
 <p:sld xmlns:a="http://schemas.openxmlformats.org/drawingml/2006/main" xmlns:r="http://schemas.openxmlformats.org/officeDocument/2006/relationships" xmlns:p="http://schemas.openxmlformats.org/presentationml/2006/main">
   <p:cSld>
     <p:spTree>

--- a/ActiveLearning.pptx
+++ b/ActiveLearning.pptx
@@ -4,15 +4,20 @@
   <p:sldMasterIdLst>
     <p:sldMasterId id="2147483648" r:id="rId1"/>
   </p:sldMasterIdLst>
+  <p:notesMasterIdLst>
+    <p:notesMasterId r:id="rId12"/>
+  </p:notesMasterIdLst>
   <p:sldIdLst>
     <p:sldId id="256" r:id="rId2"/>
     <p:sldId id="263" r:id="rId3"/>
-    <p:sldId id="257" r:id="rId4"/>
-    <p:sldId id="262" r:id="rId5"/>
-    <p:sldId id="260" r:id="rId6"/>
-    <p:sldId id="258" r:id="rId7"/>
-    <p:sldId id="259" r:id="rId8"/>
-    <p:sldId id="261" r:id="rId9"/>
+    <p:sldId id="264" r:id="rId4"/>
+    <p:sldId id="266" r:id="rId5"/>
+    <p:sldId id="257" r:id="rId6"/>
+    <p:sldId id="262" r:id="rId7"/>
+    <p:sldId id="260" r:id="rId8"/>
+    <p:sldId id="258" r:id="rId9"/>
+    <p:sldId id="259" r:id="rId10"/>
+    <p:sldId id="261" r:id="rId11"/>
   </p:sldIdLst>
   <p:sldSz cx="12192000" cy="6858000"/>
   <p:notesSz cx="6858000" cy="9144000"/>
@@ -346,31 +351,31 @@
                 <c:formatCode>General</c:formatCode>
                 <c:ptCount val="9"/>
                 <c:pt idx="0">
-                  <c:v>2.8135812668422568</c:v>
+                  <c:v>2.0239839456880238</c:v>
                 </c:pt>
                 <c:pt idx="1">
-                  <c:v>4.8239652261252219</c:v>
+                  <c:v>4.4516628434809267</c:v>
                 </c:pt>
                 <c:pt idx="2">
-                  <c:v>8.424555729927814</c:v>
+                  <c:v>8.623781045672601</c:v>
                 </c:pt>
                 <c:pt idx="3">
-                  <c:v>10.169376990689145</c:v>
+                  <c:v>11.579166342206584</c:v>
                 </c:pt>
                 <c:pt idx="4">
-                  <c:v>10.827410349897315</c:v>
+                  <c:v>12.661857954207747</c:v>
                 </c:pt>
                 <c:pt idx="5">
-                  <c:v>12.340558841081746</c:v>
+                  <c:v>17.230470631943891</c:v>
                 </c:pt>
                 <c:pt idx="6">
-                  <c:v>19.806726718392312</c:v>
+                  <c:v>18.664945610023334</c:v>
                 </c:pt>
                 <c:pt idx="7">
-                  <c:v>17.762550568711276</c:v>
+                  <c:v>18.373830674420375</c:v>
                 </c:pt>
                 <c:pt idx="8">
-                  <c:v>25.880128825980716</c:v>
+                  <c:v>20.809488241051643</c:v>
                 </c:pt>
               </c:numCache>
             </c:numRef>
@@ -1225,6 +1230,444 @@
 </cs:chartStyle>
 </file>
 
+<file path=ppt/notesMasters/notesMaster1.xml><?xml version="1.0" encoding="utf-8"?>
+<p:notesMaster xmlns:a="http://schemas.openxmlformats.org/drawingml/2006/main" xmlns:r="http://schemas.openxmlformats.org/officeDocument/2006/relationships" xmlns:p="http://schemas.openxmlformats.org/presentationml/2006/main">
+  <p:cSld>
+    <p:bg>
+      <p:bgRef idx="1001">
+        <a:schemeClr val="bg1"/>
+      </p:bgRef>
+    </p:bg>
+    <p:spTree>
+      <p:nvGrpSpPr>
+        <p:cNvPr id="1" name=""/>
+        <p:cNvGrpSpPr/>
+        <p:nvPr/>
+      </p:nvGrpSpPr>
+      <p:grpSpPr>
+        <a:xfrm>
+          <a:off x="0" y="0"/>
+          <a:ext cx="0" cy="0"/>
+          <a:chOff x="0" y="0"/>
+          <a:chExt cx="0" cy="0"/>
+        </a:xfrm>
+      </p:grpSpPr>
+      <p:sp>
+        <p:nvSpPr>
+          <p:cNvPr id="2" name="Header Placeholder 1"/>
+          <p:cNvSpPr>
+            <a:spLocks noGrp="1"/>
+          </p:cNvSpPr>
+          <p:nvPr>
+            <p:ph type="hdr" sz="quarter"/>
+          </p:nvPr>
+        </p:nvSpPr>
+        <p:spPr>
+          <a:xfrm>
+            <a:off x="0" y="0"/>
+            <a:ext cx="2971800" cy="458788"/>
+          </a:xfrm>
+          <a:prstGeom prst="rect">
+            <a:avLst/>
+          </a:prstGeom>
+        </p:spPr>
+        <p:txBody>
+          <a:bodyPr vert="horz" lIns="91440" tIns="45720" rIns="91440" bIns="45720" rtlCol="0"/>
+          <a:lstStyle>
+            <a:lvl1pPr algn="l">
+              <a:defRPr sz="1200"/>
+            </a:lvl1pPr>
+          </a:lstStyle>
+          <a:p>
+            <a:endParaRPr lang="en-GB"/>
+          </a:p>
+        </p:txBody>
+      </p:sp>
+      <p:sp>
+        <p:nvSpPr>
+          <p:cNvPr id="3" name="Date Placeholder 2"/>
+          <p:cNvSpPr>
+            <a:spLocks noGrp="1"/>
+          </p:cNvSpPr>
+          <p:nvPr>
+            <p:ph type="dt" idx="1"/>
+          </p:nvPr>
+        </p:nvSpPr>
+        <p:spPr>
+          <a:xfrm>
+            <a:off x="3884613" y="0"/>
+            <a:ext cx="2971800" cy="458788"/>
+          </a:xfrm>
+          <a:prstGeom prst="rect">
+            <a:avLst/>
+          </a:prstGeom>
+        </p:spPr>
+        <p:txBody>
+          <a:bodyPr vert="horz" lIns="91440" tIns="45720" rIns="91440" bIns="45720" rtlCol="0"/>
+          <a:lstStyle>
+            <a:lvl1pPr algn="r">
+              <a:defRPr sz="1200"/>
+            </a:lvl1pPr>
+          </a:lstStyle>
+          <a:p>
+            <a:fld id="{4429FF10-F3F2-4339-91CD-F59BDE0CA7EA}" type="datetimeFigureOut">
+              <a:rPr lang="en-GB" smtClean="0"/>
+              <a:t>28/02/2023</a:t>
+            </a:fld>
+            <a:endParaRPr lang="en-GB"/>
+          </a:p>
+        </p:txBody>
+      </p:sp>
+      <p:sp>
+        <p:nvSpPr>
+          <p:cNvPr id="4" name="Slide Image Placeholder 3"/>
+          <p:cNvSpPr>
+            <a:spLocks noGrp="1" noRot="1" noChangeAspect="1"/>
+          </p:cNvSpPr>
+          <p:nvPr>
+            <p:ph type="sldImg" idx="2"/>
+          </p:nvPr>
+        </p:nvSpPr>
+        <p:spPr>
+          <a:xfrm>
+            <a:off x="685800" y="1143000"/>
+            <a:ext cx="5486400" cy="3086100"/>
+          </a:xfrm>
+          <a:prstGeom prst="rect">
+            <a:avLst/>
+          </a:prstGeom>
+          <a:noFill/>
+          <a:ln w="12700">
+            <a:solidFill>
+              <a:prstClr val="black"/>
+            </a:solidFill>
+          </a:ln>
+        </p:spPr>
+        <p:txBody>
+          <a:bodyPr vert="horz" lIns="91440" tIns="45720" rIns="91440" bIns="45720" rtlCol="0" anchor="ctr"/>
+          <a:lstStyle/>
+          <a:p>
+            <a:endParaRPr lang="en-GB"/>
+          </a:p>
+        </p:txBody>
+      </p:sp>
+      <p:sp>
+        <p:nvSpPr>
+          <p:cNvPr id="5" name="Notes Placeholder 4"/>
+          <p:cNvSpPr>
+            <a:spLocks noGrp="1"/>
+          </p:cNvSpPr>
+          <p:nvPr>
+            <p:ph type="body" sz="quarter" idx="3"/>
+          </p:nvPr>
+        </p:nvSpPr>
+        <p:spPr>
+          <a:xfrm>
+            <a:off x="685800" y="4400550"/>
+            <a:ext cx="5486400" cy="3600450"/>
+          </a:xfrm>
+          <a:prstGeom prst="rect">
+            <a:avLst/>
+          </a:prstGeom>
+        </p:spPr>
+        <p:txBody>
+          <a:bodyPr vert="horz" lIns="91440" tIns="45720" rIns="91440" bIns="45720" rtlCol="0"/>
+          <a:lstStyle/>
+          <a:p>
+            <a:pPr lvl="0"/>
+            <a:r>
+              <a:rPr lang="en-US"/>
+              <a:t>Click to edit Master text styles</a:t>
+            </a:r>
+          </a:p>
+          <a:p>
+            <a:pPr lvl="1"/>
+            <a:r>
+              <a:rPr lang="en-US"/>
+              <a:t>Second level</a:t>
+            </a:r>
+          </a:p>
+          <a:p>
+            <a:pPr lvl="2"/>
+            <a:r>
+              <a:rPr lang="en-US"/>
+              <a:t>Third level</a:t>
+            </a:r>
+          </a:p>
+          <a:p>
+            <a:pPr lvl="3"/>
+            <a:r>
+              <a:rPr lang="en-US"/>
+              <a:t>Fourth level</a:t>
+            </a:r>
+          </a:p>
+          <a:p>
+            <a:pPr lvl="4"/>
+            <a:r>
+              <a:rPr lang="en-US"/>
+              <a:t>Fifth level</a:t>
+            </a:r>
+            <a:endParaRPr lang="en-GB"/>
+          </a:p>
+        </p:txBody>
+      </p:sp>
+      <p:sp>
+        <p:nvSpPr>
+          <p:cNvPr id="6" name="Footer Placeholder 5"/>
+          <p:cNvSpPr>
+            <a:spLocks noGrp="1"/>
+          </p:cNvSpPr>
+          <p:nvPr>
+            <p:ph type="ftr" sz="quarter" idx="4"/>
+          </p:nvPr>
+        </p:nvSpPr>
+        <p:spPr>
+          <a:xfrm>
+            <a:off x="0" y="8685213"/>
+            <a:ext cx="2971800" cy="458787"/>
+          </a:xfrm>
+          <a:prstGeom prst="rect">
+            <a:avLst/>
+          </a:prstGeom>
+        </p:spPr>
+        <p:txBody>
+          <a:bodyPr vert="horz" lIns="91440" tIns="45720" rIns="91440" bIns="45720" rtlCol="0" anchor="b"/>
+          <a:lstStyle>
+            <a:lvl1pPr algn="l">
+              <a:defRPr sz="1200"/>
+            </a:lvl1pPr>
+          </a:lstStyle>
+          <a:p>
+            <a:endParaRPr lang="en-GB"/>
+          </a:p>
+        </p:txBody>
+      </p:sp>
+      <p:sp>
+        <p:nvSpPr>
+          <p:cNvPr id="7" name="Slide Number Placeholder 6"/>
+          <p:cNvSpPr>
+            <a:spLocks noGrp="1"/>
+          </p:cNvSpPr>
+          <p:nvPr>
+            <p:ph type="sldNum" sz="quarter" idx="5"/>
+          </p:nvPr>
+        </p:nvSpPr>
+        <p:spPr>
+          <a:xfrm>
+            <a:off x="3884613" y="8685213"/>
+            <a:ext cx="2971800" cy="458787"/>
+          </a:xfrm>
+          <a:prstGeom prst="rect">
+            <a:avLst/>
+          </a:prstGeom>
+        </p:spPr>
+        <p:txBody>
+          <a:bodyPr vert="horz" lIns="91440" tIns="45720" rIns="91440" bIns="45720" rtlCol="0" anchor="b"/>
+          <a:lstStyle>
+            <a:lvl1pPr algn="r">
+              <a:defRPr sz="1200"/>
+            </a:lvl1pPr>
+          </a:lstStyle>
+          <a:p>
+            <a:fld id="{6A9CDFDC-E52D-4BDC-9DC5-982B1AB625B4}" type="slidenum">
+              <a:rPr lang="en-GB" smtClean="0"/>
+              <a:t>‹#›</a:t>
+            </a:fld>
+            <a:endParaRPr lang="en-GB"/>
+          </a:p>
+        </p:txBody>
+      </p:sp>
+    </p:spTree>
+    <p:extLst>
+      <p:ext uri="{BB962C8B-B14F-4D97-AF65-F5344CB8AC3E}">
+        <p14:creationId xmlns:p14="http://schemas.microsoft.com/office/powerpoint/2010/main" val="2918945474"/>
+      </p:ext>
+    </p:extLst>
+  </p:cSld>
+  <p:clrMap bg1="lt1" tx1="dk1" bg2="lt2" tx2="dk2" accent1="accent1" accent2="accent2" accent3="accent3" accent4="accent4" accent5="accent5" accent6="accent6" hlink="hlink" folHlink="folHlink"/>
+  <p:notesStyle>
+    <a:lvl1pPr marL="0" algn="l" defTabSz="914400" rtl="0" eaLnBrk="1" latinLnBrk="0" hangingPunct="1">
+      <a:defRPr sz="1200" kern="1200">
+        <a:solidFill>
+          <a:schemeClr val="tx1"/>
+        </a:solidFill>
+        <a:latin typeface="+mn-lt"/>
+        <a:ea typeface="+mn-ea"/>
+        <a:cs typeface="+mn-cs"/>
+      </a:defRPr>
+    </a:lvl1pPr>
+    <a:lvl2pPr marL="457200" algn="l" defTabSz="914400" rtl="0" eaLnBrk="1" latinLnBrk="0" hangingPunct="1">
+      <a:defRPr sz="1200" kern="1200">
+        <a:solidFill>
+          <a:schemeClr val="tx1"/>
+        </a:solidFill>
+        <a:latin typeface="+mn-lt"/>
+        <a:ea typeface="+mn-ea"/>
+        <a:cs typeface="+mn-cs"/>
+      </a:defRPr>
+    </a:lvl2pPr>
+    <a:lvl3pPr marL="914400" algn="l" defTabSz="914400" rtl="0" eaLnBrk="1" latinLnBrk="0" hangingPunct="1">
+      <a:defRPr sz="1200" kern="1200">
+        <a:solidFill>
+          <a:schemeClr val="tx1"/>
+        </a:solidFill>
+        <a:latin typeface="+mn-lt"/>
+        <a:ea typeface="+mn-ea"/>
+        <a:cs typeface="+mn-cs"/>
+      </a:defRPr>
+    </a:lvl3pPr>
+    <a:lvl4pPr marL="1371600" algn="l" defTabSz="914400" rtl="0" eaLnBrk="1" latinLnBrk="0" hangingPunct="1">
+      <a:defRPr sz="1200" kern="1200">
+        <a:solidFill>
+          <a:schemeClr val="tx1"/>
+        </a:solidFill>
+        <a:latin typeface="+mn-lt"/>
+        <a:ea typeface="+mn-ea"/>
+        <a:cs typeface="+mn-cs"/>
+      </a:defRPr>
+    </a:lvl4pPr>
+    <a:lvl5pPr marL="1828800" algn="l" defTabSz="914400" rtl="0" eaLnBrk="1" latinLnBrk="0" hangingPunct="1">
+      <a:defRPr sz="1200" kern="1200">
+        <a:solidFill>
+          <a:schemeClr val="tx1"/>
+        </a:solidFill>
+        <a:latin typeface="+mn-lt"/>
+        <a:ea typeface="+mn-ea"/>
+        <a:cs typeface="+mn-cs"/>
+      </a:defRPr>
+    </a:lvl5pPr>
+    <a:lvl6pPr marL="2286000" algn="l" defTabSz="914400" rtl="0" eaLnBrk="1" latinLnBrk="0" hangingPunct="1">
+      <a:defRPr sz="1200" kern="1200">
+        <a:solidFill>
+          <a:schemeClr val="tx1"/>
+        </a:solidFill>
+        <a:latin typeface="+mn-lt"/>
+        <a:ea typeface="+mn-ea"/>
+        <a:cs typeface="+mn-cs"/>
+      </a:defRPr>
+    </a:lvl6pPr>
+    <a:lvl7pPr marL="2743200" algn="l" defTabSz="914400" rtl="0" eaLnBrk="1" latinLnBrk="0" hangingPunct="1">
+      <a:defRPr sz="1200" kern="1200">
+        <a:solidFill>
+          <a:schemeClr val="tx1"/>
+        </a:solidFill>
+        <a:latin typeface="+mn-lt"/>
+        <a:ea typeface="+mn-ea"/>
+        <a:cs typeface="+mn-cs"/>
+      </a:defRPr>
+    </a:lvl7pPr>
+    <a:lvl8pPr marL="3200400" algn="l" defTabSz="914400" rtl="0" eaLnBrk="1" latinLnBrk="0" hangingPunct="1">
+      <a:defRPr sz="1200" kern="1200">
+        <a:solidFill>
+          <a:schemeClr val="tx1"/>
+        </a:solidFill>
+        <a:latin typeface="+mn-lt"/>
+        <a:ea typeface="+mn-ea"/>
+        <a:cs typeface="+mn-cs"/>
+      </a:defRPr>
+    </a:lvl8pPr>
+    <a:lvl9pPr marL="3657600" algn="l" defTabSz="914400" rtl="0" eaLnBrk="1" latinLnBrk="0" hangingPunct="1">
+      <a:defRPr sz="1200" kern="1200">
+        <a:solidFill>
+          <a:schemeClr val="tx1"/>
+        </a:solidFill>
+        <a:latin typeface="+mn-lt"/>
+        <a:ea typeface="+mn-ea"/>
+        <a:cs typeface="+mn-cs"/>
+      </a:defRPr>
+    </a:lvl9pPr>
+  </p:notesStyle>
+</p:notesMaster>
+</file>
+
+<file path=ppt/notesSlides/notesSlide1.xml><?xml version="1.0" encoding="utf-8"?>
+<p:notes xmlns:a="http://schemas.openxmlformats.org/drawingml/2006/main" xmlns:r="http://schemas.openxmlformats.org/officeDocument/2006/relationships" xmlns:p="http://schemas.openxmlformats.org/presentationml/2006/main">
+  <p:cSld>
+    <p:spTree>
+      <p:nvGrpSpPr>
+        <p:cNvPr id="1" name=""/>
+        <p:cNvGrpSpPr/>
+        <p:nvPr/>
+      </p:nvGrpSpPr>
+      <p:grpSpPr>
+        <a:xfrm>
+          <a:off x="0" y="0"/>
+          <a:ext cx="0" cy="0"/>
+          <a:chOff x="0" y="0"/>
+          <a:chExt cx="0" cy="0"/>
+        </a:xfrm>
+      </p:grpSpPr>
+      <p:sp>
+        <p:nvSpPr>
+          <p:cNvPr id="2" name="Slide Image Placeholder 1"/>
+          <p:cNvSpPr>
+            <a:spLocks noGrp="1" noRot="1" noChangeAspect="1"/>
+          </p:cNvSpPr>
+          <p:nvPr>
+            <p:ph type="sldImg"/>
+          </p:nvPr>
+        </p:nvSpPr>
+        <p:spPr/>
+      </p:sp>
+      <p:sp>
+        <p:nvSpPr>
+          <p:cNvPr id="3" name="Notes Placeholder 2"/>
+          <p:cNvSpPr>
+            <a:spLocks noGrp="1"/>
+          </p:cNvSpPr>
+          <p:nvPr>
+            <p:ph type="body" idx="1"/>
+          </p:nvPr>
+        </p:nvSpPr>
+        <p:spPr/>
+        <p:txBody>
+          <a:bodyPr/>
+          <a:lstStyle/>
+          <a:p>
+            <a:r>
+              <a:rPr lang="en-US" dirty="0"/>
+              <a:t>There is a linear relationship so a linear fit works well</a:t>
+            </a:r>
+            <a:endParaRPr lang="en-GB" dirty="0"/>
+          </a:p>
+        </p:txBody>
+      </p:sp>
+      <p:sp>
+        <p:nvSpPr>
+          <p:cNvPr id="4" name="Slide Number Placeholder 3"/>
+          <p:cNvSpPr>
+            <a:spLocks noGrp="1"/>
+          </p:cNvSpPr>
+          <p:nvPr>
+            <p:ph type="sldNum" sz="quarter" idx="5"/>
+          </p:nvPr>
+        </p:nvSpPr>
+        <p:spPr/>
+        <p:txBody>
+          <a:bodyPr/>
+          <a:lstStyle/>
+          <a:p>
+            <a:fld id="{6A9CDFDC-E52D-4BDC-9DC5-982B1AB625B4}" type="slidenum">
+              <a:rPr lang="en-GB" smtClean="0"/>
+              <a:t>2</a:t>
+            </a:fld>
+            <a:endParaRPr lang="en-GB"/>
+          </a:p>
+        </p:txBody>
+      </p:sp>
+    </p:spTree>
+    <p:extLst>
+      <p:ext uri="{BB962C8B-B14F-4D97-AF65-F5344CB8AC3E}">
+        <p14:creationId xmlns:p14="http://schemas.microsoft.com/office/powerpoint/2010/main" val="1866474475"/>
+      </p:ext>
+    </p:extLst>
+  </p:cSld>
+  <p:clrMapOvr>
+    <a:masterClrMapping/>
+  </p:clrMapOvr>
+</p:notes>
+</file>
+
 <file path=ppt/slideLayouts/slideLayout1.xml><?xml version="1.0" encoding="utf-8"?>
 <p:sldLayout xmlns:a="http://schemas.openxmlformats.org/drawingml/2006/main" xmlns:r="http://schemas.openxmlformats.org/officeDocument/2006/relationships" xmlns:p="http://schemas.openxmlformats.org/presentationml/2006/main" type="title" preserve="1">
   <p:cSld name="Title Slide">
@@ -4651,6 +5094,86 @@
 </p:sld>
 </file>
 
+<file path=ppt/slides/slide10.xml><?xml version="1.0" encoding="utf-8"?>
+<p:sld xmlns:a="http://schemas.openxmlformats.org/drawingml/2006/main" xmlns:r="http://schemas.openxmlformats.org/officeDocument/2006/relationships" xmlns:p="http://schemas.openxmlformats.org/presentationml/2006/main">
+  <p:cSld>
+    <p:spTree>
+      <p:nvGrpSpPr>
+        <p:cNvPr id="1" name=""/>
+        <p:cNvGrpSpPr/>
+        <p:nvPr/>
+      </p:nvGrpSpPr>
+      <p:grpSpPr>
+        <a:xfrm>
+          <a:off x="0" y="0"/>
+          <a:ext cx="0" cy="0"/>
+          <a:chOff x="0" y="0"/>
+          <a:chExt cx="0" cy="0"/>
+        </a:xfrm>
+      </p:grpSpPr>
+      <p:sp>
+        <p:nvSpPr>
+          <p:cNvPr id="2" name="Title 1">
+            <a:extLst>
+              <a:ext uri="{FF2B5EF4-FFF2-40B4-BE49-F238E27FC236}">
+                <a16:creationId xmlns:a16="http://schemas.microsoft.com/office/drawing/2014/main" id="{35CAD1A1-A8B7-AF51-FB0D-DC90AA3C69A8}"/>
+              </a:ext>
+            </a:extLst>
+          </p:cNvPr>
+          <p:cNvSpPr>
+            <a:spLocks noGrp="1"/>
+          </p:cNvSpPr>
+          <p:nvPr>
+            <p:ph type="title"/>
+          </p:nvPr>
+        </p:nvSpPr>
+        <p:spPr/>
+        <p:txBody>
+          <a:bodyPr/>
+          <a:lstStyle/>
+          <a:p>
+            <a:endParaRPr lang="en-GB"/>
+          </a:p>
+        </p:txBody>
+      </p:sp>
+      <p:sp>
+        <p:nvSpPr>
+          <p:cNvPr id="3" name="Content Placeholder 2">
+            <a:extLst>
+              <a:ext uri="{FF2B5EF4-FFF2-40B4-BE49-F238E27FC236}">
+                <a16:creationId xmlns:a16="http://schemas.microsoft.com/office/drawing/2014/main" id="{48E5A943-D580-59B9-6761-EAC5410CA69A}"/>
+              </a:ext>
+            </a:extLst>
+          </p:cNvPr>
+          <p:cNvSpPr>
+            <a:spLocks noGrp="1"/>
+          </p:cNvSpPr>
+          <p:nvPr>
+            <p:ph idx="1"/>
+          </p:nvPr>
+        </p:nvSpPr>
+        <p:spPr/>
+        <p:txBody>
+          <a:bodyPr/>
+          <a:lstStyle/>
+          <a:p>
+            <a:endParaRPr lang="en-GB"/>
+          </a:p>
+        </p:txBody>
+      </p:sp>
+    </p:spTree>
+    <p:extLst>
+      <p:ext uri="{BB962C8B-B14F-4D97-AF65-F5344CB8AC3E}">
+        <p14:creationId xmlns:p14="http://schemas.microsoft.com/office/powerpoint/2010/main" val="2632708936"/>
+      </p:ext>
+    </p:extLst>
+  </p:cSld>
+  <p:clrMapOvr>
+    <a:masterClrMapping/>
+  </p:clrMapOvr>
+</p:sld>
+</file>
+
 <file path=ppt/slides/slide2.xml><?xml version="1.0" encoding="utf-8"?>
 <p:sld xmlns:a="http://schemas.openxmlformats.org/drawingml/2006/main" xmlns:r="http://schemas.openxmlformats.org/officeDocument/2006/relationships" xmlns:p="http://schemas.openxmlformats.org/presentationml/2006/main">
   <p:cSld>
@@ -4683,7 +5206,7 @@
           <p:nvPr>
             <p:extLst>
               <p:ext uri="{D42A27DB-BD31-4B8C-83A1-F6EECF244321}">
-                <p14:modId xmlns:p14="http://schemas.microsoft.com/office/powerpoint/2010/main" val="2568952318"/>
+                <p14:modId xmlns:p14="http://schemas.microsoft.com/office/powerpoint/2010/main" val="101318520"/>
               </p:ext>
             </p:extLst>
           </p:nvPr>
@@ -4694,7 +5217,7 @@
         </p:xfrm>
         <a:graphic>
           <a:graphicData uri="http://schemas.openxmlformats.org/drawingml/2006/chart">
-            <c:chart xmlns:c="http://schemas.openxmlformats.org/drawingml/2006/chart" xmlns:r="http://schemas.openxmlformats.org/officeDocument/2006/relationships" r:id="rId2"/>
+            <c:chart xmlns:c="http://schemas.openxmlformats.org/drawingml/2006/chart" xmlns:r="http://schemas.openxmlformats.org/officeDocument/2006/relationships" r:id="rId3"/>
           </a:graphicData>
         </a:graphic>
       </p:graphicFrame>
@@ -4753,7 +5276,7 @@
         <p:spPr>
           <a:xfrm>
             <a:off x="530087" y="5512352"/>
-            <a:ext cx="4644028" cy="1200329"/>
+            <a:ext cx="10552761" cy="1200329"/>
           </a:xfrm>
           <a:prstGeom prst="rect">
             <a:avLst/>
@@ -4768,7 +5291,7 @@
           <a:p>
             <a:r>
               <a:rPr lang="en-US" sz="2400" dirty="0"/>
-              <a:t>Hyperparameters: b </a:t>
+              <a:t>Hyperparameters: where we fit an intercept (b), scoring method (L2/L1, categorical)</a:t>
             </a:r>
           </a:p>
           <a:p>
@@ -4821,6 +5344,160 @@
 </file>
 
 <file path=ppt/slides/slide3.xml><?xml version="1.0" encoding="utf-8"?>
+<p:sld xmlns:a="http://schemas.openxmlformats.org/drawingml/2006/main" xmlns:r="http://schemas.openxmlformats.org/officeDocument/2006/relationships" xmlns:p="http://schemas.openxmlformats.org/presentationml/2006/main">
+  <p:cSld>
+    <p:spTree>
+      <p:nvGrpSpPr>
+        <p:cNvPr id="1" name=""/>
+        <p:cNvGrpSpPr/>
+        <p:nvPr/>
+      </p:nvGrpSpPr>
+      <p:grpSpPr>
+        <a:xfrm>
+          <a:off x="0" y="0"/>
+          <a:ext cx="0" cy="0"/>
+          <a:chOff x="0" y="0"/>
+          <a:chExt cx="0" cy="0"/>
+        </a:xfrm>
+      </p:grpSpPr>
+      <p:pic>
+        <p:nvPicPr>
+          <p:cNvPr id="5" name="Content Placeholder 4" descr="Chart, line chart&#10;&#10;Description automatically generated">
+            <a:extLst>
+              <a:ext uri="{FF2B5EF4-FFF2-40B4-BE49-F238E27FC236}">
+                <a16:creationId xmlns:a16="http://schemas.microsoft.com/office/drawing/2014/main" id="{A6D80025-1B3F-0C30-D5FA-E6CE702D9571}"/>
+              </a:ext>
+            </a:extLst>
+          </p:cNvPr>
+          <p:cNvPicPr>
+            <a:picLocks noGrp="1" noChangeAspect="1"/>
+          </p:cNvPicPr>
+          <p:nvPr>
+            <p:ph idx="1"/>
+          </p:nvPr>
+        </p:nvPicPr>
+        <p:blipFill>
+          <a:blip r:embed="rId2">
+            <a:extLst>
+              <a:ext uri="{28A0092B-C50C-407E-A947-70E740481C1C}">
+                <a14:useLocalDpi xmlns:a14="http://schemas.microsoft.com/office/drawing/2010/main" val="0"/>
+              </a:ext>
+            </a:extLst>
+          </a:blip>
+          <a:stretch>
+            <a:fillRect/>
+          </a:stretch>
+        </p:blipFill>
+        <p:spPr>
+          <a:xfrm>
+            <a:off x="3195108" y="1253331"/>
+            <a:ext cx="5801784" cy="4351338"/>
+          </a:xfrm>
+        </p:spPr>
+      </p:pic>
+    </p:spTree>
+    <p:extLst>
+      <p:ext uri="{BB962C8B-B14F-4D97-AF65-F5344CB8AC3E}">
+        <p14:creationId xmlns:p14="http://schemas.microsoft.com/office/powerpoint/2010/main" val="3989693785"/>
+      </p:ext>
+    </p:extLst>
+  </p:cSld>
+  <p:clrMapOvr>
+    <a:masterClrMapping/>
+  </p:clrMapOvr>
+</p:sld>
+</file>
+
+<file path=ppt/slides/slide4.xml><?xml version="1.0" encoding="utf-8"?>
+<p:sld xmlns:a="http://schemas.openxmlformats.org/drawingml/2006/main" xmlns:r="http://schemas.openxmlformats.org/officeDocument/2006/relationships" xmlns:p="http://schemas.openxmlformats.org/presentationml/2006/main">
+  <p:cSld>
+    <p:spTree>
+      <p:nvGrpSpPr>
+        <p:cNvPr id="1" name=""/>
+        <p:cNvGrpSpPr/>
+        <p:nvPr/>
+      </p:nvGrpSpPr>
+      <p:grpSpPr>
+        <a:xfrm>
+          <a:off x="0" y="0"/>
+          <a:ext cx="0" cy="0"/>
+          <a:chOff x="0" y="0"/>
+          <a:chExt cx="0" cy="0"/>
+        </a:xfrm>
+      </p:grpSpPr>
+      <p:sp>
+        <p:nvSpPr>
+          <p:cNvPr id="2" name="Title 1">
+            <a:extLst>
+              <a:ext uri="{FF2B5EF4-FFF2-40B4-BE49-F238E27FC236}">
+                <a16:creationId xmlns:a16="http://schemas.microsoft.com/office/drawing/2014/main" id="{84F928A3-572E-A77B-6FCB-3C2494B0C449}"/>
+              </a:ext>
+            </a:extLst>
+          </p:cNvPr>
+          <p:cNvSpPr>
+            <a:spLocks noGrp="1"/>
+          </p:cNvSpPr>
+          <p:nvPr>
+            <p:ph type="title"/>
+          </p:nvPr>
+        </p:nvSpPr>
+        <p:spPr/>
+        <p:txBody>
+          <a:bodyPr/>
+          <a:lstStyle/>
+          <a:p>
+            <a:r>
+              <a:rPr lang="en-US" dirty="0"/>
+              <a:t>Can we predict something harder?</a:t>
+            </a:r>
+            <a:endParaRPr lang="en-GB" dirty="0"/>
+          </a:p>
+        </p:txBody>
+      </p:sp>
+      <p:pic>
+        <p:nvPicPr>
+          <p:cNvPr id="4" name="Picture 3">
+            <a:extLst>
+              <a:ext uri="{FF2B5EF4-FFF2-40B4-BE49-F238E27FC236}">
+                <a16:creationId xmlns:a16="http://schemas.microsoft.com/office/drawing/2014/main" id="{DE63A5CA-41FD-70D8-6BFA-D694E43C10A7}"/>
+              </a:ext>
+            </a:extLst>
+          </p:cNvPr>
+          <p:cNvPicPr>
+            <a:picLocks noChangeAspect="1"/>
+          </p:cNvPicPr>
+          <p:nvPr/>
+        </p:nvPicPr>
+        <p:blipFill>
+          <a:blip r:embed="rId2"/>
+          <a:stretch>
+            <a:fillRect/>
+          </a:stretch>
+        </p:blipFill>
+        <p:spPr>
+          <a:xfrm>
+            <a:off x="6762750" y="1929606"/>
+            <a:ext cx="4591050" cy="4143375"/>
+          </a:xfrm>
+          <a:prstGeom prst="rect">
+            <a:avLst/>
+          </a:prstGeom>
+        </p:spPr>
+      </p:pic>
+    </p:spTree>
+    <p:extLst>
+      <p:ext uri="{BB962C8B-B14F-4D97-AF65-F5344CB8AC3E}">
+        <p14:creationId xmlns:p14="http://schemas.microsoft.com/office/powerpoint/2010/main" val="1358280357"/>
+      </p:ext>
+    </p:extLst>
+  </p:cSld>
+  <p:clrMapOvr>
+    <a:masterClrMapping/>
+  </p:clrMapOvr>
+</p:sld>
+</file>
+
+<file path=ppt/slides/slide5.xml><?xml version="1.0" encoding="utf-8"?>
 <p:sld xmlns:a="http://schemas.openxmlformats.org/drawingml/2006/main" xmlns:r="http://schemas.openxmlformats.org/officeDocument/2006/relationships" xmlns:p="http://schemas.openxmlformats.org/presentationml/2006/main">
   <p:cSld>
     <p:spTree>
@@ -5173,7 +5850,7 @@
 </p:sld>
 </file>
 
-<file path=ppt/slides/slide4.xml><?xml version="1.0" encoding="utf-8"?>
+<file path=ppt/slides/slide6.xml><?xml version="1.0" encoding="utf-8"?>
 <p:sld xmlns:a="http://schemas.openxmlformats.org/drawingml/2006/main" xmlns:r="http://schemas.openxmlformats.org/officeDocument/2006/relationships" xmlns:p="http://schemas.openxmlformats.org/presentationml/2006/main">
   <p:cSld>
     <p:spTree>
@@ -5233,7 +5910,7 @@
 </p:sld>
 </file>
 
-<file path=ppt/slides/slide5.xml><?xml version="1.0" encoding="utf-8"?>
+<file path=ppt/slides/slide7.xml><?xml version="1.0" encoding="utf-8"?>
 <p:sld xmlns:a="http://schemas.openxmlformats.org/drawingml/2006/main" xmlns:r="http://schemas.openxmlformats.org/officeDocument/2006/relationships" xmlns:p="http://schemas.openxmlformats.org/presentationml/2006/main">
   <p:cSld>
     <p:spTree>
@@ -5349,7 +6026,7 @@
 </p:sld>
 </file>
 
-<file path=ppt/slides/slide6.xml><?xml version="1.0" encoding="utf-8"?>
+<file path=ppt/slides/slide8.xml><?xml version="1.0" encoding="utf-8"?>
 <p:sld xmlns:a="http://schemas.openxmlformats.org/drawingml/2006/main" xmlns:r="http://schemas.openxmlformats.org/officeDocument/2006/relationships" xmlns:p="http://schemas.openxmlformats.org/presentationml/2006/main">
   <p:cSld>
     <p:spTree>
@@ -5466,7 +6143,7 @@
 </p:sld>
 </file>
 
-<file path=ppt/slides/slide7.xml><?xml version="1.0" encoding="utf-8"?>
+<file path=ppt/slides/slide9.xml><?xml version="1.0" encoding="utf-8"?>
 <p:sld xmlns:a="http://schemas.openxmlformats.org/drawingml/2006/main" xmlns:r="http://schemas.openxmlformats.org/officeDocument/2006/relationships" xmlns:p="http://schemas.openxmlformats.org/presentationml/2006/main">
   <p:cSld>
     <p:spTree>
@@ -5543,86 +6220,6 @@
     <p:extLst>
       <p:ext uri="{BB962C8B-B14F-4D97-AF65-F5344CB8AC3E}">
         <p14:creationId xmlns:p14="http://schemas.microsoft.com/office/powerpoint/2010/main" val="2936574976"/>
-      </p:ext>
-    </p:extLst>
-  </p:cSld>
-  <p:clrMapOvr>
-    <a:masterClrMapping/>
-  </p:clrMapOvr>
-</p:sld>
-</file>
-
-<file path=ppt/slides/slide8.xml><?xml version="1.0" encoding="utf-8"?>
-<p:sld xmlns:a="http://schemas.openxmlformats.org/drawingml/2006/main" xmlns:r="http://schemas.openxmlformats.org/officeDocument/2006/relationships" xmlns:p="http://schemas.openxmlformats.org/presentationml/2006/main">
-  <p:cSld>
-    <p:spTree>
-      <p:nvGrpSpPr>
-        <p:cNvPr id="1" name=""/>
-        <p:cNvGrpSpPr/>
-        <p:nvPr/>
-      </p:nvGrpSpPr>
-      <p:grpSpPr>
-        <a:xfrm>
-          <a:off x="0" y="0"/>
-          <a:ext cx="0" cy="0"/>
-          <a:chOff x="0" y="0"/>
-          <a:chExt cx="0" cy="0"/>
-        </a:xfrm>
-      </p:grpSpPr>
-      <p:sp>
-        <p:nvSpPr>
-          <p:cNvPr id="2" name="Title 1">
-            <a:extLst>
-              <a:ext uri="{FF2B5EF4-FFF2-40B4-BE49-F238E27FC236}">
-                <a16:creationId xmlns:a16="http://schemas.microsoft.com/office/drawing/2014/main" id="{35CAD1A1-A8B7-AF51-FB0D-DC90AA3C69A8}"/>
-              </a:ext>
-            </a:extLst>
-          </p:cNvPr>
-          <p:cNvSpPr>
-            <a:spLocks noGrp="1"/>
-          </p:cNvSpPr>
-          <p:nvPr>
-            <p:ph type="title"/>
-          </p:nvPr>
-        </p:nvSpPr>
-        <p:spPr/>
-        <p:txBody>
-          <a:bodyPr/>
-          <a:lstStyle/>
-          <a:p>
-            <a:endParaRPr lang="en-GB"/>
-          </a:p>
-        </p:txBody>
-      </p:sp>
-      <p:sp>
-        <p:nvSpPr>
-          <p:cNvPr id="3" name="Content Placeholder 2">
-            <a:extLst>
-              <a:ext uri="{FF2B5EF4-FFF2-40B4-BE49-F238E27FC236}">
-                <a16:creationId xmlns:a16="http://schemas.microsoft.com/office/drawing/2014/main" id="{48E5A943-D580-59B9-6761-EAC5410CA69A}"/>
-              </a:ext>
-            </a:extLst>
-          </p:cNvPr>
-          <p:cNvSpPr>
-            <a:spLocks noGrp="1"/>
-          </p:cNvSpPr>
-          <p:nvPr>
-            <p:ph idx="1"/>
-          </p:nvPr>
-        </p:nvSpPr>
-        <p:spPr/>
-        <p:txBody>
-          <a:bodyPr/>
-          <a:lstStyle/>
-          <a:p>
-            <a:endParaRPr lang="en-GB"/>
-          </a:p>
-        </p:txBody>
-      </p:sp>
-    </p:spTree>
-    <p:extLst>
-      <p:ext uri="{BB962C8B-B14F-4D97-AF65-F5344CB8AC3E}">
-        <p14:creationId xmlns:p14="http://schemas.microsoft.com/office/powerpoint/2010/main" val="2632708936"/>
       </p:ext>
     </p:extLst>
   </p:cSld>
@@ -5925,4 +6522,299 @@
     </a:ext>
   </a:extLst>
 </a:theme>
+</file>
+
+<file path=ppt/theme/theme2.xml><?xml version="1.0" encoding="utf-8"?>
+<a:theme xmlns:a="http://schemas.openxmlformats.org/drawingml/2006/main" name="Office Theme">
+  <a:themeElements>
+    <a:clrScheme name="Office">
+      <a:dk1>
+        <a:sysClr val="windowText" lastClr="000000"/>
+      </a:dk1>
+      <a:lt1>
+        <a:sysClr val="window" lastClr="FFFFFF"/>
+      </a:lt1>
+      <a:dk2>
+        <a:srgbClr val="44546A"/>
+      </a:dk2>
+      <a:lt2>
+        <a:srgbClr val="E7E6E6"/>
+      </a:lt2>
+      <a:accent1>
+        <a:srgbClr val="4472C4"/>
+      </a:accent1>
+      <a:accent2>
+        <a:srgbClr val="ED7D31"/>
+      </a:accent2>
+      <a:accent3>
+        <a:srgbClr val="A5A5A5"/>
+      </a:accent3>
+      <a:accent4>
+        <a:srgbClr val="FFC000"/>
+      </a:accent4>
+      <a:accent5>
+        <a:srgbClr val="5B9BD5"/>
+      </a:accent5>
+      <a:accent6>
+        <a:srgbClr val="70AD47"/>
+      </a:accent6>
+      <a:hlink>
+        <a:srgbClr val="0563C1"/>
+      </a:hlink>
+      <a:folHlink>
+        <a:srgbClr val="954F72"/>
+      </a:folHlink>
+    </a:clrScheme>
+    <a:fontScheme name="Office">
+      <a:majorFont>
+        <a:latin typeface="Calibri Light" panose="020F0302020204030204"/>
+        <a:ea typeface=""/>
+        <a:cs typeface=""/>
+        <a:font script="Jpan" typeface="游ゴシック Light"/>
+        <a:font script="Hang" typeface="맑은 고딕"/>
+        <a:font script="Hans" typeface="等线 Light"/>
+        <a:font script="Hant" typeface="新細明體"/>
+        <a:font script="Arab" typeface="Times New Roman"/>
+        <a:font script="Hebr" typeface="Times New Roman"/>
+        <a:font script="Thai" typeface="Angsana New"/>
+        <a:font script="Ethi" typeface="Nyala"/>
+        <a:font script="Beng" typeface="Vrinda"/>
+        <a:font script="Gujr" typeface="Shruti"/>
+        <a:font script="Khmr" typeface="MoolBoran"/>
+        <a:font script="Knda" typeface="Tunga"/>
+        <a:font script="Guru" typeface="Raavi"/>
+        <a:font script="Cans" typeface="Euphemia"/>
+        <a:font script="Cher" typeface="Plantagenet Cherokee"/>
+        <a:font script="Yiii" typeface="Microsoft Yi Baiti"/>
+        <a:font script="Tibt" typeface="Microsoft Himalaya"/>
+        <a:font script="Thaa" typeface="MV Boli"/>
+        <a:font script="Deva" typeface="Mangal"/>
+        <a:font script="Telu" typeface="Gautami"/>
+        <a:font script="Taml" typeface="Latha"/>
+        <a:font script="Syrc" typeface="Estrangelo Edessa"/>
+        <a:font script="Orya" typeface="Kalinga"/>
+        <a:font script="Mlym" typeface="Kartika"/>
+        <a:font script="Laoo" typeface="DokChampa"/>
+        <a:font script="Sinh" typeface="Iskoola Pota"/>
+        <a:font script="Mong" typeface="Mongolian Baiti"/>
+        <a:font script="Viet" typeface="Times New Roman"/>
+        <a:font script="Uigh" typeface="Microsoft Uighur"/>
+        <a:font script="Geor" typeface="Sylfaen"/>
+        <a:font script="Armn" typeface="Arial"/>
+        <a:font script="Bugi" typeface="Leelawadee UI"/>
+        <a:font script="Bopo" typeface="Microsoft JhengHei"/>
+        <a:font script="Java" typeface="Javanese Text"/>
+        <a:font script="Lisu" typeface="Segoe UI"/>
+        <a:font script="Mymr" typeface="Myanmar Text"/>
+        <a:font script="Nkoo" typeface="Ebrima"/>
+        <a:font script="Olck" typeface="Nirmala UI"/>
+        <a:font script="Osma" typeface="Ebrima"/>
+        <a:font script="Phag" typeface="Phagspa"/>
+        <a:font script="Syrn" typeface="Estrangelo Edessa"/>
+        <a:font script="Syrj" typeface="Estrangelo Edessa"/>
+        <a:font script="Syre" typeface="Estrangelo Edessa"/>
+        <a:font script="Sora" typeface="Nirmala UI"/>
+        <a:font script="Tale" typeface="Microsoft Tai Le"/>
+        <a:font script="Talu" typeface="Microsoft New Tai Lue"/>
+        <a:font script="Tfng" typeface="Ebrima"/>
+      </a:majorFont>
+      <a:minorFont>
+        <a:latin typeface="Calibri" panose="020F0502020204030204"/>
+        <a:ea typeface=""/>
+        <a:cs typeface=""/>
+        <a:font script="Jpan" typeface="游ゴシック"/>
+        <a:font script="Hang" typeface="맑은 고딕"/>
+        <a:font script="Hans" typeface="等线"/>
+        <a:font script="Hant" typeface="新細明體"/>
+        <a:font script="Arab" typeface="Arial"/>
+        <a:font script="Hebr" typeface="Arial"/>
+        <a:font script="Thai" typeface="Cordia New"/>
+        <a:font script="Ethi" typeface="Nyala"/>
+        <a:font script="Beng" typeface="Vrinda"/>
+        <a:font script="Gujr" typeface="Shruti"/>
+        <a:font script="Khmr" typeface="DaunPenh"/>
+        <a:font script="Knda" typeface="Tunga"/>
+        <a:font script="Guru" typeface="Raavi"/>
+        <a:font script="Cans" typeface="Euphemia"/>
+        <a:font script="Cher" typeface="Plantagenet Cherokee"/>
+        <a:font script="Yiii" typeface="Microsoft Yi Baiti"/>
+        <a:font script="Tibt" typeface="Microsoft Himalaya"/>
+        <a:font script="Thaa" typeface="MV Boli"/>
+        <a:font script="Deva" typeface="Mangal"/>
+        <a:font script="Telu" typeface="Gautami"/>
+        <a:font script="Taml" typeface="Latha"/>
+        <a:font script="Syrc" typeface="Estrangelo Edessa"/>
+        <a:font script="Orya" typeface="Kalinga"/>
+        <a:font script="Mlym" typeface="Kartika"/>
+        <a:font script="Laoo" typeface="DokChampa"/>
+        <a:font script="Sinh" typeface="Iskoola Pota"/>
+        <a:font script="Mong" typeface="Mongolian Baiti"/>
+        <a:font script="Viet" typeface="Arial"/>
+        <a:font script="Uigh" typeface="Microsoft Uighur"/>
+        <a:font script="Geor" typeface="Sylfaen"/>
+        <a:font script="Armn" typeface="Arial"/>
+        <a:font script="Bugi" typeface="Leelawadee UI"/>
+        <a:font script="Bopo" typeface="Microsoft JhengHei"/>
+        <a:font script="Java" typeface="Javanese Text"/>
+        <a:font script="Lisu" typeface="Segoe UI"/>
+        <a:font script="Mymr" typeface="Myanmar Text"/>
+        <a:font script="Nkoo" typeface="Ebrima"/>
+        <a:font script="Olck" typeface="Nirmala UI"/>
+        <a:font script="Osma" typeface="Ebrima"/>
+        <a:font script="Phag" typeface="Phagspa"/>
+        <a:font script="Syrn" typeface="Estrangelo Edessa"/>
+        <a:font script="Syrj" typeface="Estrangelo Edessa"/>
+        <a:font script="Syre" typeface="Estrangelo Edessa"/>
+        <a:font script="Sora" typeface="Nirmala UI"/>
+        <a:font script="Tale" typeface="Microsoft Tai Le"/>
+        <a:font script="Talu" typeface="Microsoft New Tai Lue"/>
+        <a:font script="Tfng" typeface="Ebrima"/>
+      </a:minorFont>
+    </a:fontScheme>
+    <a:fmtScheme name="Office">
+      <a:fillStyleLst>
+        <a:solidFill>
+          <a:schemeClr val="phClr"/>
+        </a:solidFill>
+        <a:gradFill rotWithShape="1">
+          <a:gsLst>
+            <a:gs pos="0">
+              <a:schemeClr val="phClr">
+                <a:lumMod val="110000"/>
+                <a:satMod val="105000"/>
+                <a:tint val="67000"/>
+              </a:schemeClr>
+            </a:gs>
+            <a:gs pos="50000">
+              <a:schemeClr val="phClr">
+                <a:lumMod val="105000"/>
+                <a:satMod val="103000"/>
+                <a:tint val="73000"/>
+              </a:schemeClr>
+            </a:gs>
+            <a:gs pos="100000">
+              <a:schemeClr val="phClr">
+                <a:lumMod val="105000"/>
+                <a:satMod val="109000"/>
+                <a:tint val="81000"/>
+              </a:schemeClr>
+            </a:gs>
+          </a:gsLst>
+          <a:lin ang="5400000" scaled="0"/>
+        </a:gradFill>
+        <a:gradFill rotWithShape="1">
+          <a:gsLst>
+            <a:gs pos="0">
+              <a:schemeClr val="phClr">
+                <a:satMod val="103000"/>
+                <a:lumMod val="102000"/>
+                <a:tint val="94000"/>
+              </a:schemeClr>
+            </a:gs>
+            <a:gs pos="50000">
+              <a:schemeClr val="phClr">
+                <a:satMod val="110000"/>
+                <a:lumMod val="100000"/>
+                <a:shade val="100000"/>
+              </a:schemeClr>
+            </a:gs>
+            <a:gs pos="100000">
+              <a:schemeClr val="phClr">
+                <a:lumMod val="99000"/>
+                <a:satMod val="120000"/>
+                <a:shade val="78000"/>
+              </a:schemeClr>
+            </a:gs>
+          </a:gsLst>
+          <a:lin ang="5400000" scaled="0"/>
+        </a:gradFill>
+      </a:fillStyleLst>
+      <a:lnStyleLst>
+        <a:ln w="6350" cap="flat" cmpd="sng" algn="ctr">
+          <a:solidFill>
+            <a:schemeClr val="phClr"/>
+          </a:solidFill>
+          <a:prstDash val="solid"/>
+          <a:miter lim="800000"/>
+        </a:ln>
+        <a:ln w="12700" cap="flat" cmpd="sng" algn="ctr">
+          <a:solidFill>
+            <a:schemeClr val="phClr"/>
+          </a:solidFill>
+          <a:prstDash val="solid"/>
+          <a:miter lim="800000"/>
+        </a:ln>
+        <a:ln w="19050" cap="flat" cmpd="sng" algn="ctr">
+          <a:solidFill>
+            <a:schemeClr val="phClr"/>
+          </a:solidFill>
+          <a:prstDash val="solid"/>
+          <a:miter lim="800000"/>
+        </a:ln>
+      </a:lnStyleLst>
+      <a:effectStyleLst>
+        <a:effectStyle>
+          <a:effectLst/>
+        </a:effectStyle>
+        <a:effectStyle>
+          <a:effectLst/>
+        </a:effectStyle>
+        <a:effectStyle>
+          <a:effectLst>
+            <a:outerShdw blurRad="57150" dist="19050" dir="5400000" algn="ctr" rotWithShape="0">
+              <a:srgbClr val="000000">
+                <a:alpha val="63000"/>
+              </a:srgbClr>
+            </a:outerShdw>
+          </a:effectLst>
+        </a:effectStyle>
+      </a:effectStyleLst>
+      <a:bgFillStyleLst>
+        <a:solidFill>
+          <a:schemeClr val="phClr"/>
+        </a:solidFill>
+        <a:solidFill>
+          <a:schemeClr val="phClr">
+            <a:tint val="95000"/>
+            <a:satMod val="170000"/>
+          </a:schemeClr>
+        </a:solidFill>
+        <a:gradFill rotWithShape="1">
+          <a:gsLst>
+            <a:gs pos="0">
+              <a:schemeClr val="phClr">
+                <a:tint val="93000"/>
+                <a:satMod val="150000"/>
+                <a:shade val="98000"/>
+                <a:lumMod val="102000"/>
+              </a:schemeClr>
+            </a:gs>
+            <a:gs pos="50000">
+              <a:schemeClr val="phClr">
+                <a:tint val="98000"/>
+                <a:satMod val="130000"/>
+                <a:shade val="90000"/>
+                <a:lumMod val="103000"/>
+              </a:schemeClr>
+            </a:gs>
+            <a:gs pos="100000">
+              <a:schemeClr val="phClr">
+                <a:shade val="63000"/>
+                <a:satMod val="120000"/>
+              </a:schemeClr>
+            </a:gs>
+          </a:gsLst>
+          <a:lin ang="5400000" scaled="0"/>
+        </a:gradFill>
+      </a:bgFillStyleLst>
+    </a:fmtScheme>
+  </a:themeElements>
+  <a:objectDefaults/>
+  <a:extraClrSchemeLst/>
+  <a:extLst>
+    <a:ext uri="{05A4C25C-085E-4340-85A3-A5531E510DB2}">
+      <thm15:themeFamily xmlns:thm15="http://schemas.microsoft.com/office/thememl/2012/main" name="Office Theme" id="{62F939B6-93AF-4DB8-9C6B-D6C7DFDC589F}" vid="{4A3C46E8-61CC-4603-A589-7422A47A8E4A}"/>
+    </a:ext>
+  </a:extLst>
+</a:theme>
 </file>
--- a/ActiveLearning.pptx
+++ b/ActiveLearning.pptx
@@ -5,19 +5,24 @@
     <p:sldMasterId id="2147483648" r:id="rId1"/>
   </p:sldMasterIdLst>
   <p:notesMasterIdLst>
-    <p:notesMasterId r:id="rId12"/>
+    <p:notesMasterId r:id="rId17"/>
   </p:notesMasterIdLst>
   <p:sldIdLst>
     <p:sldId id="256" r:id="rId2"/>
-    <p:sldId id="263" r:id="rId3"/>
-    <p:sldId id="264" r:id="rId4"/>
-    <p:sldId id="266" r:id="rId5"/>
-    <p:sldId id="257" r:id="rId6"/>
-    <p:sldId id="262" r:id="rId7"/>
-    <p:sldId id="260" r:id="rId8"/>
-    <p:sldId id="258" r:id="rId9"/>
-    <p:sldId id="259" r:id="rId10"/>
-    <p:sldId id="261" r:id="rId11"/>
+    <p:sldId id="267" r:id="rId3"/>
+    <p:sldId id="263" r:id="rId4"/>
+    <p:sldId id="270" r:id="rId5"/>
+    <p:sldId id="271" r:id="rId6"/>
+    <p:sldId id="269" r:id="rId7"/>
+    <p:sldId id="266" r:id="rId8"/>
+    <p:sldId id="268" r:id="rId9"/>
+    <p:sldId id="264" r:id="rId10"/>
+    <p:sldId id="257" r:id="rId11"/>
+    <p:sldId id="262" r:id="rId12"/>
+    <p:sldId id="260" r:id="rId13"/>
+    <p:sldId id="258" r:id="rId14"/>
+    <p:sldId id="259" r:id="rId15"/>
+    <p:sldId id="261" r:id="rId16"/>
   </p:sldIdLst>
   <p:sldSz cx="12192000" cy="6858000"/>
   <p:notesSz cx="6858000" cy="9144000"/>
@@ -159,7 +164,7 @@
             </c:strRef>
           </c:tx>
           <c:spPr>
-            <a:ln w="19050" cap="rnd">
+            <a:ln w="25400" cap="rnd">
               <a:noFill/>
               <a:round/>
             </a:ln>
@@ -210,8 +215,8 @@
             <c:trendlineLbl>
               <c:layout>
                 <c:manualLayout>
-                  <c:x val="-0.32860673665791779"/>
-                  <c:y val="5.285797608632254E-3"/>
+                  <c:x val="-0.27762379702537182"/>
+                  <c:y val="-9.8798848060659084E-2"/>
                 </c:manualLayout>
               </c:layout>
               <c:numFmt formatCode="General" sourceLinked="0"/>
@@ -227,7 +232,7 @@
                 <a:lstStyle/>
                 <a:p>
                   <a:pPr>
-                    <a:defRPr sz="1800" b="0" i="0" u="none" strike="noStrike" kern="1200" baseline="0">
+                    <a:defRPr sz="1200" b="0" i="0" u="none" strike="noStrike" kern="1200" baseline="0">
                       <a:solidFill>
                         <a:schemeClr val="tx1">
                           <a:lumMod val="65000"/>
@@ -291,7 +296,7 @@
                 <a:lstStyle/>
                 <a:p>
                   <a:pPr>
-                    <a:defRPr sz="1800" b="0" i="0" u="none" strike="noStrike" kern="1200" baseline="0">
+                    <a:defRPr sz="1200" b="0" i="0" u="none" strike="noStrike" kern="1200" baseline="0">
                       <a:solidFill>
                         <a:schemeClr val="tx1">
                           <a:lumMod val="65000"/>
@@ -351,31 +356,31 @@
                 <c:formatCode>General</c:formatCode>
                 <c:ptCount val="9"/>
                 <c:pt idx="0">
-                  <c:v>2.0239839456880238</c:v>
+                  <c:v>2.6663429567042813</c:v>
                 </c:pt>
                 <c:pt idx="1">
-                  <c:v>4.4516628434809267</c:v>
+                  <c:v>4.1236637521847905</c:v>
                 </c:pt>
                 <c:pt idx="2">
-                  <c:v>8.623781045672601</c:v>
+                  <c:v>7.5547645341618086</c:v>
                 </c:pt>
                 <c:pt idx="3">
-                  <c:v>11.579166342206584</c:v>
+                  <c:v>8.4878434836531191</c:v>
                 </c:pt>
                 <c:pt idx="4">
-                  <c:v>12.661857954207747</c:v>
+                  <c:v>11.408472405022415</c:v>
                 </c:pt>
                 <c:pt idx="5">
-                  <c:v>17.230470631943891</c:v>
+                  <c:v>17.531845504493337</c:v>
                 </c:pt>
                 <c:pt idx="6">
-                  <c:v>18.664945610023334</c:v>
+                  <c:v>19.13922655051055</c:v>
                 </c:pt>
                 <c:pt idx="7">
-                  <c:v>18.373830674420375</c:v>
+                  <c:v>17.365474173099933</c:v>
                 </c:pt>
                 <c:pt idx="8">
-                  <c:v>20.809488241051643</c:v>
+                  <c:v>22.243307526847175</c:v>
                 </c:pt>
               </c:numCache>
             </c:numRef>
@@ -383,7 +388,86 @@
           <c:smooth val="0"/>
           <c:extLst>
             <c:ext xmlns:c16="http://schemas.microsoft.com/office/drawing/2014/chart" uri="{C3380CC4-5D6E-409C-BE32-E72D297353CC}">
-              <c16:uniqueId val="{00000004-93CD-4B7C-B50C-E3B43E9E50CA}"/>
+              <c16:uniqueId val="{00000004-5E3C-4912-A66E-CEBBB5C1F387}"/>
+            </c:ext>
+          </c:extLst>
+        </c:ser>
+        <c:ser>
+          <c:idx val="1"/>
+          <c:order val="1"/>
+          <c:tx>
+            <c:strRef>
+              <c:f>Sheet1!$A$13</c:f>
+              <c:strCache>
+                <c:ptCount val="1"/>
+                <c:pt idx="0">
+                  <c:v>Test</c:v>
+                </c:pt>
+              </c:strCache>
+            </c:strRef>
+          </c:tx>
+          <c:spPr>
+            <a:ln w="25400" cap="rnd">
+              <a:noFill/>
+              <a:round/>
+            </a:ln>
+            <a:effectLst/>
+          </c:spPr>
+          <c:marker>
+            <c:symbol val="circle"/>
+            <c:size val="5"/>
+            <c:spPr>
+              <a:solidFill>
+                <a:schemeClr val="accent2"/>
+              </a:solidFill>
+              <a:ln w="9525">
+                <a:solidFill>
+                  <a:schemeClr val="accent2"/>
+                </a:solidFill>
+              </a:ln>
+              <a:effectLst/>
+            </c:spPr>
+          </c:marker>
+          <c:xVal>
+            <c:numRef>
+              <c:f>Sheet1!$A$14:$A$16</c:f>
+              <c:numCache>
+                <c:formatCode>General</c:formatCode>
+                <c:ptCount val="3"/>
+                <c:pt idx="0">
+                  <c:v>1.5</c:v>
+                </c:pt>
+                <c:pt idx="1">
+                  <c:v>6.7</c:v>
+                </c:pt>
+                <c:pt idx="2">
+                  <c:v>10.5</c:v>
+                </c:pt>
+              </c:numCache>
+            </c:numRef>
+          </c:xVal>
+          <c:yVal>
+            <c:numRef>
+              <c:f>Sheet1!$B$14:$B$16</c:f>
+              <c:numCache>
+                <c:formatCode>General</c:formatCode>
+                <c:ptCount val="3"/>
+                <c:pt idx="0">
+                  <c:v>3.51</c:v>
+                </c:pt>
+                <c:pt idx="1">
+                  <c:v>16.510000000000002</c:v>
+                </c:pt>
+                <c:pt idx="2">
+                  <c:v>26.01</c:v>
+                </c:pt>
+              </c:numCache>
+            </c:numRef>
+          </c:yVal>
+          <c:smooth val="0"/>
+          <c:extLst>
+            <c:ext xmlns:c16="http://schemas.microsoft.com/office/drawing/2014/chart" uri="{C3380CC4-5D6E-409C-BE32-E72D297353CC}">
+              <c16:uniqueId val="{00000005-5E3C-4912-A66E-CEBBB5C1F387}"/>
             </c:ext>
           </c:extLst>
         </c:ser>
@@ -426,7 +510,7 @@
               <a:lstStyle/>
               <a:p>
                 <a:pPr>
-                  <a:defRPr sz="1800" b="0" i="0" u="none" strike="noStrike" kern="1200" baseline="0">
+                  <a:defRPr sz="1200" b="0" i="0" u="none" strike="noStrike" kern="1200" baseline="0">
                     <a:solidFill>
                       <a:schemeClr val="tx1">
                         <a:lumMod val="65000"/>
@@ -439,7 +523,7 @@
                   </a:defRPr>
                 </a:pPr>
                 <a:r>
-                  <a:rPr lang="en-GB"/>
+                  <a:rPr lang="en-GB" sz="1200"/>
                   <a:t>X</a:t>
                 </a:r>
               </a:p>
@@ -458,7 +542,7 @@
             <a:lstStyle/>
             <a:p>
               <a:pPr>
-                <a:defRPr sz="1800" b="0" i="0" u="none" strike="noStrike" kern="1200" baseline="0">
+                <a:defRPr sz="1200" b="0" i="0" u="none" strike="noStrike" kern="1200" baseline="0">
                   <a:solidFill>
                     <a:schemeClr val="tx1">
                       <a:lumMod val="65000"/>
@@ -496,7 +580,7 @@
           <a:lstStyle/>
           <a:p>
             <a:pPr>
-              <a:defRPr sz="1800" b="0" i="0" u="none" strike="noStrike" kern="1200" baseline="0">
+              <a:defRPr sz="1200" b="0" i="0" u="none" strike="noStrike" kern="1200" baseline="0">
                 <a:solidFill>
                   <a:schemeClr val="tx1">
                     <a:lumMod val="65000"/>
@@ -543,7 +627,7 @@
               <a:lstStyle/>
               <a:p>
                 <a:pPr>
-                  <a:defRPr sz="1800" b="0" i="0" u="none" strike="noStrike" kern="1200" baseline="0">
+                  <a:defRPr sz="1000" b="0" i="0" u="none" strike="noStrike" kern="1200" baseline="0">
                     <a:solidFill>
                       <a:schemeClr val="tx1">
                         <a:lumMod val="65000"/>
@@ -575,7 +659,7 @@
             <a:lstStyle/>
             <a:p>
               <a:pPr>
-                <a:defRPr sz="1800" b="0" i="0" u="none" strike="noStrike" kern="1200" baseline="0">
+                <a:defRPr sz="1000" b="0" i="0" u="none" strike="noStrike" kern="1200" baseline="0">
                   <a:solidFill>
                     <a:schemeClr val="tx1">
                       <a:lumMod val="65000"/>
@@ -613,7 +697,7 @@
           <a:lstStyle/>
           <a:p>
             <a:pPr>
-              <a:defRPr sz="1800" b="0" i="0" u="none" strike="noStrike" kern="1200" baseline="0">
+              <a:defRPr sz="1200" b="0" i="0" u="none" strike="noStrike" kern="1200" baseline="0">
                 <a:solidFill>
                   <a:schemeClr val="tx1">
                     <a:lumMod val="65000"/>
@@ -663,7 +747,7 @@
     <a:lstStyle/>
     <a:p>
       <a:pPr>
-        <a:defRPr sz="1800"/>
+        <a:defRPr/>
       </a:pPr>
       <a:endParaRPr lang="en-US"/>
     </a:p>
@@ -1649,7 +1733,7 @@
           <a:p>
             <a:fld id="{6A9CDFDC-E52D-4BDC-9DC5-982B1AB625B4}" type="slidenum">
               <a:rPr lang="en-GB" smtClean="0"/>
-              <a:t>2</a:t>
+              <a:t>3</a:t>
             </a:fld>
             <a:endParaRPr lang="en-GB"/>
           </a:p>
@@ -5111,409 +5195,6 @@
           <a:chExt cx="0" cy="0"/>
         </a:xfrm>
       </p:grpSpPr>
-      <p:sp>
-        <p:nvSpPr>
-          <p:cNvPr id="2" name="Title 1">
-            <a:extLst>
-              <a:ext uri="{FF2B5EF4-FFF2-40B4-BE49-F238E27FC236}">
-                <a16:creationId xmlns:a16="http://schemas.microsoft.com/office/drawing/2014/main" id="{35CAD1A1-A8B7-AF51-FB0D-DC90AA3C69A8}"/>
-              </a:ext>
-            </a:extLst>
-          </p:cNvPr>
-          <p:cNvSpPr>
-            <a:spLocks noGrp="1"/>
-          </p:cNvSpPr>
-          <p:nvPr>
-            <p:ph type="title"/>
-          </p:nvPr>
-        </p:nvSpPr>
-        <p:spPr/>
-        <p:txBody>
-          <a:bodyPr/>
-          <a:lstStyle/>
-          <a:p>
-            <a:endParaRPr lang="en-GB"/>
-          </a:p>
-        </p:txBody>
-      </p:sp>
-      <p:sp>
-        <p:nvSpPr>
-          <p:cNvPr id="3" name="Content Placeholder 2">
-            <a:extLst>
-              <a:ext uri="{FF2B5EF4-FFF2-40B4-BE49-F238E27FC236}">
-                <a16:creationId xmlns:a16="http://schemas.microsoft.com/office/drawing/2014/main" id="{48E5A943-D580-59B9-6761-EAC5410CA69A}"/>
-              </a:ext>
-            </a:extLst>
-          </p:cNvPr>
-          <p:cNvSpPr>
-            <a:spLocks noGrp="1"/>
-          </p:cNvSpPr>
-          <p:nvPr>
-            <p:ph idx="1"/>
-          </p:nvPr>
-        </p:nvSpPr>
-        <p:spPr/>
-        <p:txBody>
-          <a:bodyPr/>
-          <a:lstStyle/>
-          <a:p>
-            <a:endParaRPr lang="en-GB"/>
-          </a:p>
-        </p:txBody>
-      </p:sp>
-    </p:spTree>
-    <p:extLst>
-      <p:ext uri="{BB962C8B-B14F-4D97-AF65-F5344CB8AC3E}">
-        <p14:creationId xmlns:p14="http://schemas.microsoft.com/office/powerpoint/2010/main" val="2632708936"/>
-      </p:ext>
-    </p:extLst>
-  </p:cSld>
-  <p:clrMapOvr>
-    <a:masterClrMapping/>
-  </p:clrMapOvr>
-</p:sld>
-</file>
-
-<file path=ppt/slides/slide2.xml><?xml version="1.0" encoding="utf-8"?>
-<p:sld xmlns:a="http://schemas.openxmlformats.org/drawingml/2006/main" xmlns:r="http://schemas.openxmlformats.org/officeDocument/2006/relationships" xmlns:p="http://schemas.openxmlformats.org/presentationml/2006/main">
-  <p:cSld>
-    <p:spTree>
-      <p:nvGrpSpPr>
-        <p:cNvPr id="1" name=""/>
-        <p:cNvGrpSpPr/>
-        <p:nvPr/>
-      </p:nvGrpSpPr>
-      <p:grpSpPr>
-        <a:xfrm>
-          <a:off x="0" y="0"/>
-          <a:ext cx="0" cy="0"/>
-          <a:chOff x="0" y="0"/>
-          <a:chExt cx="0" cy="0"/>
-        </a:xfrm>
-      </p:grpSpPr>
-      <p:graphicFrame>
-        <p:nvGraphicFramePr>
-          <p:cNvPr id="4" name="Chart 3">
-            <a:extLst>
-              <a:ext uri="{FF2B5EF4-FFF2-40B4-BE49-F238E27FC236}">
-                <a16:creationId xmlns:a16="http://schemas.microsoft.com/office/drawing/2014/main" id="{DB75C39C-575B-99E3-000A-1C25E5F92BAC}"/>
-              </a:ext>
-            </a:extLst>
-          </p:cNvPr>
-          <p:cNvGraphicFramePr>
-            <a:graphicFrameLocks/>
-          </p:cNvGraphicFramePr>
-          <p:nvPr>
-            <p:extLst>
-              <p:ext uri="{D42A27DB-BD31-4B8C-83A1-F6EECF244321}">
-                <p14:modId xmlns:p14="http://schemas.microsoft.com/office/powerpoint/2010/main" val="101318520"/>
-              </p:ext>
-            </p:extLst>
-          </p:nvPr>
-        </p:nvGraphicFramePr>
-        <p:xfrm>
-          <a:off x="2011016" y="468464"/>
-          <a:ext cx="7507357" cy="4504414"/>
-        </p:xfrm>
-        <a:graphic>
-          <a:graphicData uri="http://schemas.openxmlformats.org/drawingml/2006/chart">
-            <c:chart xmlns:c="http://schemas.openxmlformats.org/drawingml/2006/chart" xmlns:r="http://schemas.openxmlformats.org/officeDocument/2006/relationships" r:id="rId3"/>
-          </a:graphicData>
-        </a:graphic>
-      </p:graphicFrame>
-      <p:sp>
-        <p:nvSpPr>
-          <p:cNvPr id="7" name="TextBox 6">
-            <a:extLst>
-              <a:ext uri="{FF2B5EF4-FFF2-40B4-BE49-F238E27FC236}">
-                <a16:creationId xmlns:a16="http://schemas.microsoft.com/office/drawing/2014/main" id="{66F6F82E-2A31-C503-74F3-729DCB5C49CD}"/>
-              </a:ext>
-            </a:extLst>
-          </p:cNvPr>
-          <p:cNvSpPr txBox="1"/>
-          <p:nvPr/>
-        </p:nvSpPr>
-        <p:spPr>
-          <a:xfrm>
-            <a:off x="5042452" y="4804466"/>
-            <a:ext cx="2107095" cy="707886"/>
-          </a:xfrm>
-          <a:prstGeom prst="rect">
-            <a:avLst/>
-          </a:prstGeom>
-          <a:noFill/>
-        </p:spPr>
-        <p:txBody>
-          <a:bodyPr wrap="square" rtlCol="0">
-            <a:spAutoFit/>
-          </a:bodyPr>
-          <a:lstStyle/>
-          <a:p>
-            <a:r>
-              <a:rPr lang="en-GB" sz="4000" dirty="0"/>
-              <a:t>y=</a:t>
-            </a:r>
-            <a:r>
-              <a:rPr lang="en-GB" sz="4000" dirty="0" err="1"/>
-              <a:t>mx+b</a:t>
-            </a:r>
-            <a:endParaRPr lang="en-GB" sz="4000" dirty="0"/>
-          </a:p>
-        </p:txBody>
-      </p:sp>
-      <p:sp>
-        <p:nvSpPr>
-          <p:cNvPr id="8" name="TextBox 7">
-            <a:extLst>
-              <a:ext uri="{FF2B5EF4-FFF2-40B4-BE49-F238E27FC236}">
-                <a16:creationId xmlns:a16="http://schemas.microsoft.com/office/drawing/2014/main" id="{8E974F0F-F3CB-8E37-8A37-FEA4FC68FF87}"/>
-              </a:ext>
-            </a:extLst>
-          </p:cNvPr>
-          <p:cNvSpPr txBox="1"/>
-          <p:nvPr/>
-        </p:nvSpPr>
-        <p:spPr>
-          <a:xfrm>
-            <a:off x="530087" y="5512352"/>
-            <a:ext cx="10552761" cy="1200329"/>
-          </a:xfrm>
-          <a:prstGeom prst="rect">
-            <a:avLst/>
-          </a:prstGeom>
-          <a:noFill/>
-        </p:spPr>
-        <p:txBody>
-          <a:bodyPr wrap="none" rtlCol="0">
-            <a:spAutoFit/>
-          </a:bodyPr>
-          <a:lstStyle/>
-          <a:p>
-            <a:r>
-              <a:rPr lang="en-US" sz="2400" dirty="0"/>
-              <a:t>Hyperparameters: where we fit an intercept (b), scoring method (L2/L1, categorical)</a:t>
-            </a:r>
-          </a:p>
-          <a:p>
-            <a:endParaRPr lang="en-US" sz="2400" dirty="0"/>
-          </a:p>
-          <a:p>
-            <a:r>
-              <a:rPr lang="en-US" sz="2400" dirty="0"/>
-              <a:t>Minimize L2 norm: y</a:t>
-            </a:r>
-            <a:r>
-              <a:rPr lang="en-US" sz="2400" baseline="30000" dirty="0"/>
-              <a:t>2</a:t>
-            </a:r>
-            <a:r>
-              <a:rPr lang="en-US" sz="2400" dirty="0"/>
-              <a:t> – (</a:t>
-            </a:r>
-            <a:r>
-              <a:rPr lang="en-US" sz="2400" dirty="0" err="1"/>
-              <a:t>mx+b</a:t>
-            </a:r>
-            <a:r>
-              <a:rPr lang="en-US" sz="2400" dirty="0"/>
-              <a:t>)</a:t>
-            </a:r>
-            <a:r>
-              <a:rPr lang="en-US" sz="2400" baseline="30000" dirty="0"/>
-              <a:t>2</a:t>
-            </a:r>
-            <a:r>
-              <a:rPr lang="en-US" sz="2400" dirty="0"/>
-              <a:t> -&gt; 0</a:t>
-            </a:r>
-            <a:endParaRPr lang="en-GB" sz="2400" baseline="30000" dirty="0"/>
-          </a:p>
-        </p:txBody>
-      </p:sp>
-    </p:spTree>
-    <p:extLst>
-      <p:ext uri="{BB962C8B-B14F-4D97-AF65-F5344CB8AC3E}">
-        <p14:creationId xmlns:p14="http://schemas.microsoft.com/office/powerpoint/2010/main" val="328954001"/>
-      </p:ext>
-    </p:extLst>
-  </p:cSld>
-  <p:clrMapOvr>
-    <a:masterClrMapping/>
-  </p:clrMapOvr>
-</p:sld>
-</file>
-
-<file path=ppt/slides/slide3.xml><?xml version="1.0" encoding="utf-8"?>
-<p:sld xmlns:a="http://schemas.openxmlformats.org/drawingml/2006/main" xmlns:r="http://schemas.openxmlformats.org/officeDocument/2006/relationships" xmlns:p="http://schemas.openxmlformats.org/presentationml/2006/main">
-  <p:cSld>
-    <p:spTree>
-      <p:nvGrpSpPr>
-        <p:cNvPr id="1" name=""/>
-        <p:cNvGrpSpPr/>
-        <p:nvPr/>
-      </p:nvGrpSpPr>
-      <p:grpSpPr>
-        <a:xfrm>
-          <a:off x="0" y="0"/>
-          <a:ext cx="0" cy="0"/>
-          <a:chOff x="0" y="0"/>
-          <a:chExt cx="0" cy="0"/>
-        </a:xfrm>
-      </p:grpSpPr>
-      <p:pic>
-        <p:nvPicPr>
-          <p:cNvPr id="5" name="Content Placeholder 4" descr="Chart, line chart&#10;&#10;Description automatically generated">
-            <a:extLst>
-              <a:ext uri="{FF2B5EF4-FFF2-40B4-BE49-F238E27FC236}">
-                <a16:creationId xmlns:a16="http://schemas.microsoft.com/office/drawing/2014/main" id="{A6D80025-1B3F-0C30-D5FA-E6CE702D9571}"/>
-              </a:ext>
-            </a:extLst>
-          </p:cNvPr>
-          <p:cNvPicPr>
-            <a:picLocks noGrp="1" noChangeAspect="1"/>
-          </p:cNvPicPr>
-          <p:nvPr>
-            <p:ph idx="1"/>
-          </p:nvPr>
-        </p:nvPicPr>
-        <p:blipFill>
-          <a:blip r:embed="rId2">
-            <a:extLst>
-              <a:ext uri="{28A0092B-C50C-407E-A947-70E740481C1C}">
-                <a14:useLocalDpi xmlns:a14="http://schemas.microsoft.com/office/drawing/2010/main" val="0"/>
-              </a:ext>
-            </a:extLst>
-          </a:blip>
-          <a:stretch>
-            <a:fillRect/>
-          </a:stretch>
-        </p:blipFill>
-        <p:spPr>
-          <a:xfrm>
-            <a:off x="3195108" y="1253331"/>
-            <a:ext cx="5801784" cy="4351338"/>
-          </a:xfrm>
-        </p:spPr>
-      </p:pic>
-    </p:spTree>
-    <p:extLst>
-      <p:ext uri="{BB962C8B-B14F-4D97-AF65-F5344CB8AC3E}">
-        <p14:creationId xmlns:p14="http://schemas.microsoft.com/office/powerpoint/2010/main" val="3989693785"/>
-      </p:ext>
-    </p:extLst>
-  </p:cSld>
-  <p:clrMapOvr>
-    <a:masterClrMapping/>
-  </p:clrMapOvr>
-</p:sld>
-</file>
-
-<file path=ppt/slides/slide4.xml><?xml version="1.0" encoding="utf-8"?>
-<p:sld xmlns:a="http://schemas.openxmlformats.org/drawingml/2006/main" xmlns:r="http://schemas.openxmlformats.org/officeDocument/2006/relationships" xmlns:p="http://schemas.openxmlformats.org/presentationml/2006/main">
-  <p:cSld>
-    <p:spTree>
-      <p:nvGrpSpPr>
-        <p:cNvPr id="1" name=""/>
-        <p:cNvGrpSpPr/>
-        <p:nvPr/>
-      </p:nvGrpSpPr>
-      <p:grpSpPr>
-        <a:xfrm>
-          <a:off x="0" y="0"/>
-          <a:ext cx="0" cy="0"/>
-          <a:chOff x="0" y="0"/>
-          <a:chExt cx="0" cy="0"/>
-        </a:xfrm>
-      </p:grpSpPr>
-      <p:sp>
-        <p:nvSpPr>
-          <p:cNvPr id="2" name="Title 1">
-            <a:extLst>
-              <a:ext uri="{FF2B5EF4-FFF2-40B4-BE49-F238E27FC236}">
-                <a16:creationId xmlns:a16="http://schemas.microsoft.com/office/drawing/2014/main" id="{84F928A3-572E-A77B-6FCB-3C2494B0C449}"/>
-              </a:ext>
-            </a:extLst>
-          </p:cNvPr>
-          <p:cNvSpPr>
-            <a:spLocks noGrp="1"/>
-          </p:cNvSpPr>
-          <p:nvPr>
-            <p:ph type="title"/>
-          </p:nvPr>
-        </p:nvSpPr>
-        <p:spPr/>
-        <p:txBody>
-          <a:bodyPr/>
-          <a:lstStyle/>
-          <a:p>
-            <a:r>
-              <a:rPr lang="en-US" dirty="0"/>
-              <a:t>Can we predict something harder?</a:t>
-            </a:r>
-            <a:endParaRPr lang="en-GB" dirty="0"/>
-          </a:p>
-        </p:txBody>
-      </p:sp>
-      <p:pic>
-        <p:nvPicPr>
-          <p:cNvPr id="4" name="Picture 3">
-            <a:extLst>
-              <a:ext uri="{FF2B5EF4-FFF2-40B4-BE49-F238E27FC236}">
-                <a16:creationId xmlns:a16="http://schemas.microsoft.com/office/drawing/2014/main" id="{DE63A5CA-41FD-70D8-6BFA-D694E43C10A7}"/>
-              </a:ext>
-            </a:extLst>
-          </p:cNvPr>
-          <p:cNvPicPr>
-            <a:picLocks noChangeAspect="1"/>
-          </p:cNvPicPr>
-          <p:nvPr/>
-        </p:nvPicPr>
-        <p:blipFill>
-          <a:blip r:embed="rId2"/>
-          <a:stretch>
-            <a:fillRect/>
-          </a:stretch>
-        </p:blipFill>
-        <p:spPr>
-          <a:xfrm>
-            <a:off x="6762750" y="1929606"/>
-            <a:ext cx="4591050" cy="4143375"/>
-          </a:xfrm>
-          <a:prstGeom prst="rect">
-            <a:avLst/>
-          </a:prstGeom>
-        </p:spPr>
-      </p:pic>
-    </p:spTree>
-    <p:extLst>
-      <p:ext uri="{BB962C8B-B14F-4D97-AF65-F5344CB8AC3E}">
-        <p14:creationId xmlns:p14="http://schemas.microsoft.com/office/powerpoint/2010/main" val="1358280357"/>
-      </p:ext>
-    </p:extLst>
-  </p:cSld>
-  <p:clrMapOvr>
-    <a:masterClrMapping/>
-  </p:clrMapOvr>
-</p:sld>
-</file>
-
-<file path=ppt/slides/slide5.xml><?xml version="1.0" encoding="utf-8"?>
-<p:sld xmlns:a="http://schemas.openxmlformats.org/drawingml/2006/main" xmlns:r="http://schemas.openxmlformats.org/officeDocument/2006/relationships" xmlns:p="http://schemas.openxmlformats.org/presentationml/2006/main">
-  <p:cSld>
-    <p:spTree>
-      <p:nvGrpSpPr>
-        <p:cNvPr id="1" name=""/>
-        <p:cNvGrpSpPr/>
-        <p:nvPr/>
-      </p:nvGrpSpPr>
-      <p:grpSpPr>
-        <a:xfrm>
-          <a:off x="0" y="0"/>
-          <a:ext cx="0" cy="0"/>
-          <a:chOff x="0" y="0"/>
-          <a:chExt cx="0" cy="0"/>
-        </a:xfrm>
-      </p:grpSpPr>
       <p:pic>
         <p:nvPicPr>
           <p:cNvPr id="5" name="Content Placeholder 4" descr="Shape&#10;&#10;Description automatically generated with medium confidence">
@@ -5850,7 +5531,7 @@
 </p:sld>
 </file>
 
-<file path=ppt/slides/slide6.xml><?xml version="1.0" encoding="utf-8"?>
+<file path=ppt/slides/slide11.xml><?xml version="1.0" encoding="utf-8"?>
 <p:sld xmlns:a="http://schemas.openxmlformats.org/drawingml/2006/main" xmlns:r="http://schemas.openxmlformats.org/officeDocument/2006/relationships" xmlns:p="http://schemas.openxmlformats.org/presentationml/2006/main">
   <p:cSld>
     <p:spTree>
@@ -5910,7 +5591,7 @@
 </p:sld>
 </file>
 
-<file path=ppt/slides/slide7.xml><?xml version="1.0" encoding="utf-8"?>
+<file path=ppt/slides/slide12.xml><?xml version="1.0" encoding="utf-8"?>
 <p:sld xmlns:a="http://schemas.openxmlformats.org/drawingml/2006/main" xmlns:r="http://schemas.openxmlformats.org/officeDocument/2006/relationships" xmlns:p="http://schemas.openxmlformats.org/presentationml/2006/main">
   <p:cSld>
     <p:spTree>
@@ -5952,67 +5633,31 @@
           </a:p>
         </p:txBody>
       </p:sp>
-      <p:pic>
-        <p:nvPicPr>
-          <p:cNvPr id="5" name="Content Placeholder 4" descr="A picture containing indoor&#10;&#10;Description automatically generated">
-            <a:extLst>
-              <a:ext uri="{FF2B5EF4-FFF2-40B4-BE49-F238E27FC236}">
-                <a16:creationId xmlns:a16="http://schemas.microsoft.com/office/drawing/2014/main" id="{C10A271F-CA54-42D0-7EDF-CA513BC899F3}"/>
-              </a:ext>
-            </a:extLst>
-          </p:cNvPr>
-          <p:cNvPicPr>
-            <a:picLocks noGrp="1" noChangeAspect="1"/>
-          </p:cNvPicPr>
+      <p:sp>
+        <p:nvSpPr>
+          <p:cNvPr id="4" name="Content Placeholder 3">
+            <a:extLst>
+              <a:ext uri="{FF2B5EF4-FFF2-40B4-BE49-F238E27FC236}">
+                <a16:creationId xmlns:a16="http://schemas.microsoft.com/office/drawing/2014/main" id="{2E7DB8FB-DEB8-CEAF-8D46-B64B41390084}"/>
+              </a:ext>
+            </a:extLst>
+          </p:cNvPr>
+          <p:cNvSpPr>
+            <a:spLocks noGrp="1"/>
+          </p:cNvSpPr>
           <p:nvPr>
             <p:ph idx="1"/>
           </p:nvPr>
-        </p:nvPicPr>
-        <p:blipFill>
-          <a:blip r:embed="rId2">
-            <a:extLst>
-              <a:ext uri="{BEBA8EAE-BF5A-486C-A8C5-ECC9F3942E4B}">
-                <a14:imgProps xmlns:a14="http://schemas.microsoft.com/office/drawing/2010/main">
-                  <a14:imgLayer r:embed="rId3">
-                    <a14:imgEffect>
-                      <a14:backgroundRemoval t="9950" b="96805" l="1584" r="93880">
-                        <a14:foregroundMark x1="1584" y1="96486" x2="1584" y2="96486"/>
-                        <a14:foregroundMark x1="6623" y1="95436" x2="6623" y2="95436"/>
-                        <a14:foregroundMark x1="13787" y1="93793" x2="14579" y2="93610"/>
-                        <a14:foregroundMark x1="20266" y1="90917" x2="20914" y2="90689"/>
-                        <a14:foregroundMark x1="33081" y1="84528" x2="36825" y2="78549"/>
-                        <a14:foregroundMark x1="92657" y1="49749" x2="93952" y2="70333"/>
-                        <a14:foregroundMark x1="93952" y1="70333" x2="93952" y2="70333"/>
-                        <a14:foregroundMark x1="93952" y1="70744" x2="92153" y2="54085"/>
-                        <a14:foregroundMark x1="92153" y1="54085" x2="92153" y2="54085"/>
-                        <a14:foregroundMark x1="38265" y1="88635" x2="31174" y2="91328"/>
-                        <a14:foregroundMark x1="31174" y1="91328" x2="27106" y2="83432"/>
-                        <a14:foregroundMark x1="27106" y1="83432" x2="31821" y2="76723"/>
-                        <a14:foregroundMark x1="31821" y1="76723" x2="39381" y2="82154"/>
-                        <a14:foregroundMark x1="39381" y1="82154" x2="38265" y2="88453"/>
-                        <a14:foregroundMark x1="1728" y1="96714" x2="2052" y2="96714"/>
-                        <a14:foregroundMark x1="1692" y1="96805" x2="2232" y2="96075"/>
-                      </a14:backgroundRemoval>
-                    </a14:imgEffect>
-                  </a14:imgLayer>
-                </a14:imgProps>
-              </a:ext>
-              <a:ext uri="{28A0092B-C50C-407E-A947-70E740481C1C}">
-                <a14:useLocalDpi xmlns:a14="http://schemas.microsoft.com/office/drawing/2010/main" val="0"/>
-              </a:ext>
-            </a:extLst>
-          </a:blip>
-          <a:stretch>
-            <a:fillRect/>
-          </a:stretch>
-        </p:blipFill>
-        <p:spPr>
-          <a:xfrm>
-            <a:off x="1868857" y="106045"/>
-            <a:ext cx="7718489" cy="6087549"/>
-          </a:xfrm>
-        </p:spPr>
-      </p:pic>
+        </p:nvSpPr>
+        <p:spPr/>
+        <p:txBody>
+          <a:bodyPr/>
+          <a:lstStyle/>
+          <a:p>
+            <a:endParaRPr lang="en-GB"/>
+          </a:p>
+        </p:txBody>
+      </p:sp>
     </p:spTree>
     <p:extLst>
       <p:ext uri="{BB962C8B-B14F-4D97-AF65-F5344CB8AC3E}">
@@ -6026,7 +5671,7 @@
 </p:sld>
 </file>
 
-<file path=ppt/slides/slide8.xml><?xml version="1.0" encoding="utf-8"?>
+<file path=ppt/slides/slide13.xml><?xml version="1.0" encoding="utf-8"?>
 <p:sld xmlns:a="http://schemas.openxmlformats.org/drawingml/2006/main" xmlns:r="http://schemas.openxmlformats.org/officeDocument/2006/relationships" xmlns:p="http://schemas.openxmlformats.org/presentationml/2006/main">
   <p:cSld>
     <p:spTree>
@@ -6143,6 +5788,1410 @@
 </p:sld>
 </file>
 
+<file path=ppt/slides/slide14.xml><?xml version="1.0" encoding="utf-8"?>
+<p:sld xmlns:a="http://schemas.openxmlformats.org/drawingml/2006/main" xmlns:r="http://schemas.openxmlformats.org/officeDocument/2006/relationships" xmlns:p="http://schemas.openxmlformats.org/presentationml/2006/main">
+  <p:cSld>
+    <p:spTree>
+      <p:nvGrpSpPr>
+        <p:cNvPr id="1" name=""/>
+        <p:cNvGrpSpPr/>
+        <p:nvPr/>
+      </p:nvGrpSpPr>
+      <p:grpSpPr>
+        <a:xfrm>
+          <a:off x="0" y="0"/>
+          <a:ext cx="0" cy="0"/>
+          <a:chOff x="0" y="0"/>
+          <a:chExt cx="0" cy="0"/>
+        </a:xfrm>
+      </p:grpSpPr>
+      <p:sp>
+        <p:nvSpPr>
+          <p:cNvPr id="2" name="Title 1">
+            <a:extLst>
+              <a:ext uri="{FF2B5EF4-FFF2-40B4-BE49-F238E27FC236}">
+                <a16:creationId xmlns:a16="http://schemas.microsoft.com/office/drawing/2014/main" id="{02E526A1-6C26-3CA6-3555-50C4BD246620}"/>
+              </a:ext>
+            </a:extLst>
+          </p:cNvPr>
+          <p:cNvSpPr>
+            <a:spLocks noGrp="1"/>
+          </p:cNvSpPr>
+          <p:nvPr>
+            <p:ph type="title"/>
+          </p:nvPr>
+        </p:nvSpPr>
+        <p:spPr/>
+        <p:txBody>
+          <a:bodyPr/>
+          <a:lstStyle/>
+          <a:p>
+            <a:r>
+              <a:rPr lang="en-GB" dirty="0"/>
+              <a:t>Bottom-up</a:t>
+            </a:r>
+          </a:p>
+        </p:txBody>
+      </p:sp>
+      <p:sp>
+        <p:nvSpPr>
+          <p:cNvPr id="3" name="Content Placeholder 2">
+            <a:extLst>
+              <a:ext uri="{FF2B5EF4-FFF2-40B4-BE49-F238E27FC236}">
+                <a16:creationId xmlns:a16="http://schemas.microsoft.com/office/drawing/2014/main" id="{62CEB39F-1CFA-7B19-87A1-D97CB8624F96}"/>
+              </a:ext>
+            </a:extLst>
+          </p:cNvPr>
+          <p:cNvSpPr>
+            <a:spLocks noGrp="1"/>
+          </p:cNvSpPr>
+          <p:nvPr>
+            <p:ph idx="1"/>
+          </p:nvPr>
+        </p:nvSpPr>
+        <p:spPr/>
+        <p:txBody>
+          <a:bodyPr/>
+          <a:lstStyle/>
+          <a:p>
+            <a:r>
+              <a:rPr lang="en-GB" dirty="0"/>
+              <a:t>FF dihedral</a:t>
+            </a:r>
+          </a:p>
+        </p:txBody>
+      </p:sp>
+    </p:spTree>
+    <p:extLst>
+      <p:ext uri="{BB962C8B-B14F-4D97-AF65-F5344CB8AC3E}">
+        <p14:creationId xmlns:p14="http://schemas.microsoft.com/office/powerpoint/2010/main" val="2936574976"/>
+      </p:ext>
+    </p:extLst>
+  </p:cSld>
+  <p:clrMapOvr>
+    <a:masterClrMapping/>
+  </p:clrMapOvr>
+</p:sld>
+</file>
+
+<file path=ppt/slides/slide15.xml><?xml version="1.0" encoding="utf-8"?>
+<p:sld xmlns:a="http://schemas.openxmlformats.org/drawingml/2006/main" xmlns:r="http://schemas.openxmlformats.org/officeDocument/2006/relationships" xmlns:p="http://schemas.openxmlformats.org/presentationml/2006/main">
+  <p:cSld>
+    <p:spTree>
+      <p:nvGrpSpPr>
+        <p:cNvPr id="1" name=""/>
+        <p:cNvGrpSpPr/>
+        <p:nvPr/>
+      </p:nvGrpSpPr>
+      <p:grpSpPr>
+        <a:xfrm>
+          <a:off x="0" y="0"/>
+          <a:ext cx="0" cy="0"/>
+          <a:chOff x="0" y="0"/>
+          <a:chExt cx="0" cy="0"/>
+        </a:xfrm>
+      </p:grpSpPr>
+      <p:sp>
+        <p:nvSpPr>
+          <p:cNvPr id="2" name="Title 1">
+            <a:extLst>
+              <a:ext uri="{FF2B5EF4-FFF2-40B4-BE49-F238E27FC236}">
+                <a16:creationId xmlns:a16="http://schemas.microsoft.com/office/drawing/2014/main" id="{35CAD1A1-A8B7-AF51-FB0D-DC90AA3C69A8}"/>
+              </a:ext>
+            </a:extLst>
+          </p:cNvPr>
+          <p:cNvSpPr>
+            <a:spLocks noGrp="1"/>
+          </p:cNvSpPr>
+          <p:nvPr>
+            <p:ph type="title"/>
+          </p:nvPr>
+        </p:nvSpPr>
+        <p:spPr/>
+        <p:txBody>
+          <a:bodyPr/>
+          <a:lstStyle/>
+          <a:p>
+            <a:endParaRPr lang="en-GB"/>
+          </a:p>
+        </p:txBody>
+      </p:sp>
+      <p:sp>
+        <p:nvSpPr>
+          <p:cNvPr id="3" name="Content Placeholder 2">
+            <a:extLst>
+              <a:ext uri="{FF2B5EF4-FFF2-40B4-BE49-F238E27FC236}">
+                <a16:creationId xmlns:a16="http://schemas.microsoft.com/office/drawing/2014/main" id="{48E5A943-D580-59B9-6761-EAC5410CA69A}"/>
+              </a:ext>
+            </a:extLst>
+          </p:cNvPr>
+          <p:cNvSpPr>
+            <a:spLocks noGrp="1"/>
+          </p:cNvSpPr>
+          <p:nvPr>
+            <p:ph idx="1"/>
+          </p:nvPr>
+        </p:nvSpPr>
+        <p:spPr/>
+        <p:txBody>
+          <a:bodyPr/>
+          <a:lstStyle/>
+          <a:p>
+            <a:endParaRPr lang="en-GB"/>
+          </a:p>
+        </p:txBody>
+      </p:sp>
+    </p:spTree>
+    <p:extLst>
+      <p:ext uri="{BB962C8B-B14F-4D97-AF65-F5344CB8AC3E}">
+        <p14:creationId xmlns:p14="http://schemas.microsoft.com/office/powerpoint/2010/main" val="2632708936"/>
+      </p:ext>
+    </p:extLst>
+  </p:cSld>
+  <p:clrMapOvr>
+    <a:masterClrMapping/>
+  </p:clrMapOvr>
+</p:sld>
+</file>
+
+<file path=ppt/slides/slide2.xml><?xml version="1.0" encoding="utf-8"?>
+<p:sld xmlns:a="http://schemas.openxmlformats.org/drawingml/2006/main" xmlns:r="http://schemas.openxmlformats.org/officeDocument/2006/relationships" xmlns:p="http://schemas.openxmlformats.org/presentationml/2006/main">
+  <p:cSld>
+    <p:spTree>
+      <p:nvGrpSpPr>
+        <p:cNvPr id="1" name=""/>
+        <p:cNvGrpSpPr/>
+        <p:nvPr/>
+      </p:nvGrpSpPr>
+      <p:grpSpPr>
+        <a:xfrm>
+          <a:off x="0" y="0"/>
+          <a:ext cx="0" cy="0"/>
+          <a:chOff x="0" y="0"/>
+          <a:chExt cx="0" cy="0"/>
+        </a:xfrm>
+      </p:grpSpPr>
+      <p:sp>
+        <p:nvSpPr>
+          <p:cNvPr id="2" name="Title 1">
+            <a:extLst>
+              <a:ext uri="{FF2B5EF4-FFF2-40B4-BE49-F238E27FC236}">
+                <a16:creationId xmlns:a16="http://schemas.microsoft.com/office/drawing/2014/main" id="{A356841D-9EA4-A82A-FF25-D7FEC4151ADA}"/>
+              </a:ext>
+            </a:extLst>
+          </p:cNvPr>
+          <p:cNvSpPr>
+            <a:spLocks noGrp="1"/>
+          </p:cNvSpPr>
+          <p:nvPr>
+            <p:ph type="title"/>
+          </p:nvPr>
+        </p:nvSpPr>
+        <p:spPr/>
+        <p:txBody>
+          <a:bodyPr/>
+          <a:lstStyle/>
+          <a:p>
+            <a:r>
+              <a:rPr lang="en-US" dirty="0"/>
+              <a:t>Benefits of machine learning</a:t>
+            </a:r>
+            <a:endParaRPr lang="en-GB" dirty="0"/>
+          </a:p>
+        </p:txBody>
+      </p:sp>
+      <p:grpSp>
+        <p:nvGrpSpPr>
+          <p:cNvPr id="18" name="Group 17">
+            <a:extLst>
+              <a:ext uri="{FF2B5EF4-FFF2-40B4-BE49-F238E27FC236}">
+                <a16:creationId xmlns:a16="http://schemas.microsoft.com/office/drawing/2014/main" id="{49B6BEA5-BFB2-F581-463C-B23A3A401C76}"/>
+              </a:ext>
+            </a:extLst>
+          </p:cNvPr>
+          <p:cNvGrpSpPr/>
+          <p:nvPr/>
+        </p:nvGrpSpPr>
+        <p:grpSpPr>
+          <a:xfrm>
+            <a:off x="5310117" y="1368425"/>
+            <a:ext cx="6566178" cy="5124450"/>
+            <a:chOff x="4562475" y="1368425"/>
+            <a:chExt cx="6566178" cy="5124450"/>
+          </a:xfrm>
+        </p:grpSpPr>
+        <p:pic>
+          <p:nvPicPr>
+            <p:cNvPr id="6" name="Picture 5">
+              <a:extLst>
+                <a:ext uri="{FF2B5EF4-FFF2-40B4-BE49-F238E27FC236}">
+                  <a16:creationId xmlns:a16="http://schemas.microsoft.com/office/drawing/2014/main" id="{D3B0CC46-358C-CF7A-C158-209FBBC51A3B}"/>
+                </a:ext>
+              </a:extLst>
+            </p:cNvPr>
+            <p:cNvPicPr>
+              <a:picLocks noChangeAspect="1"/>
+            </p:cNvPicPr>
+            <p:nvPr/>
+          </p:nvPicPr>
+          <p:blipFill>
+            <a:blip r:embed="rId2"/>
+            <a:stretch>
+              <a:fillRect/>
+            </a:stretch>
+          </p:blipFill>
+          <p:spPr>
+            <a:xfrm>
+              <a:off x="4562475" y="1368425"/>
+              <a:ext cx="3067050" cy="5124450"/>
+            </a:xfrm>
+            <a:prstGeom prst="rect">
+              <a:avLst/>
+            </a:prstGeom>
+          </p:spPr>
+        </p:pic>
+        <p:cxnSp>
+          <p:nvCxnSpPr>
+            <p:cNvPr id="8" name="Straight Arrow Connector 7">
+              <a:extLst>
+                <a:ext uri="{FF2B5EF4-FFF2-40B4-BE49-F238E27FC236}">
+                  <a16:creationId xmlns:a16="http://schemas.microsoft.com/office/drawing/2014/main" id="{4690FA4A-9149-4684-0B8C-3E11D0313C9B}"/>
+                </a:ext>
+              </a:extLst>
+            </p:cNvPr>
+            <p:cNvCxnSpPr>
+              <a:cxnSpLocks/>
+            </p:cNvCxnSpPr>
+            <p:nvPr/>
+          </p:nvCxnSpPr>
+          <p:spPr>
+            <a:xfrm flipH="1" flipV="1">
+              <a:off x="6267450" y="1435100"/>
+              <a:ext cx="2451100" cy="139700"/>
+            </a:xfrm>
+            <a:prstGeom prst="straightConnector1">
+              <a:avLst/>
+            </a:prstGeom>
+            <a:ln>
+              <a:tailEnd type="triangle"/>
+            </a:ln>
+          </p:spPr>
+          <p:style>
+            <a:lnRef idx="1">
+              <a:schemeClr val="accent1"/>
+            </a:lnRef>
+            <a:fillRef idx="0">
+              <a:schemeClr val="accent1"/>
+            </a:fillRef>
+            <a:effectRef idx="0">
+              <a:schemeClr val="accent1"/>
+            </a:effectRef>
+            <a:fontRef idx="minor">
+              <a:schemeClr val="tx1"/>
+            </a:fontRef>
+          </p:style>
+        </p:cxnSp>
+        <p:cxnSp>
+          <p:nvCxnSpPr>
+            <p:cNvPr id="11" name="Straight Arrow Connector 10">
+              <a:extLst>
+                <a:ext uri="{FF2B5EF4-FFF2-40B4-BE49-F238E27FC236}">
+                  <a16:creationId xmlns:a16="http://schemas.microsoft.com/office/drawing/2014/main" id="{1B977C9A-4E49-2348-9796-F14CF684CE37}"/>
+                </a:ext>
+              </a:extLst>
+            </p:cNvPr>
+            <p:cNvCxnSpPr>
+              <a:cxnSpLocks/>
+            </p:cNvCxnSpPr>
+            <p:nvPr/>
+          </p:nvCxnSpPr>
+          <p:spPr>
+            <a:xfrm flipH="1">
+              <a:off x="6267450" y="1574800"/>
+              <a:ext cx="2451100" cy="115888"/>
+            </a:xfrm>
+            <a:prstGeom prst="straightConnector1">
+              <a:avLst/>
+            </a:prstGeom>
+            <a:ln>
+              <a:tailEnd type="triangle"/>
+            </a:ln>
+          </p:spPr>
+          <p:style>
+            <a:lnRef idx="1">
+              <a:schemeClr val="accent1"/>
+            </a:lnRef>
+            <a:fillRef idx="0">
+              <a:schemeClr val="accent1"/>
+            </a:fillRef>
+            <a:effectRef idx="0">
+              <a:schemeClr val="accent1"/>
+            </a:effectRef>
+            <a:fontRef idx="minor">
+              <a:schemeClr val="tx1"/>
+            </a:fontRef>
+          </p:style>
+        </p:cxnSp>
+        <p:sp>
+          <p:nvSpPr>
+            <p:cNvPr id="15" name="TextBox 14">
+              <a:extLst>
+                <a:ext uri="{FF2B5EF4-FFF2-40B4-BE49-F238E27FC236}">
+                  <a16:creationId xmlns:a16="http://schemas.microsoft.com/office/drawing/2014/main" id="{9495F6E0-608E-B0BF-ED20-C7EC2E29068B}"/>
+                </a:ext>
+              </a:extLst>
+            </p:cNvPr>
+            <p:cNvSpPr txBox="1"/>
+            <p:nvPr/>
+          </p:nvSpPr>
+          <p:spPr>
+            <a:xfrm>
+              <a:off x="8943696" y="1368425"/>
+              <a:ext cx="2184957" cy="369332"/>
+            </a:xfrm>
+            <a:prstGeom prst="rect">
+              <a:avLst/>
+            </a:prstGeom>
+            <a:noFill/>
+          </p:spPr>
+          <p:txBody>
+            <a:bodyPr wrap="none" rtlCol="0">
+              <a:spAutoFit/>
+            </a:bodyPr>
+            <a:lstStyle/>
+            <a:p>
+              <a:r>
+                <a:rPr lang="en-US" dirty="0"/>
+                <a:t>Screened with CGMD</a:t>
+              </a:r>
+              <a:endParaRPr lang="en-GB" dirty="0"/>
+            </a:p>
+          </p:txBody>
+        </p:sp>
+      </p:grpSp>
+      <p:pic>
+        <p:nvPicPr>
+          <p:cNvPr id="17" name="Picture 16">
+            <a:extLst>
+              <a:ext uri="{FF2B5EF4-FFF2-40B4-BE49-F238E27FC236}">
+                <a16:creationId xmlns:a16="http://schemas.microsoft.com/office/drawing/2014/main" id="{9478349B-1B70-F063-9F4D-4922BBCC7B01}"/>
+              </a:ext>
+            </a:extLst>
+          </p:cNvPr>
+          <p:cNvPicPr>
+            <a:picLocks noChangeAspect="1"/>
+          </p:cNvPicPr>
+          <p:nvPr/>
+        </p:nvPicPr>
+        <p:blipFill>
+          <a:blip r:embed="rId3">
+            <a:extLst>
+              <a:ext uri="{28A0092B-C50C-407E-A947-70E740481C1C}">
+                <a14:useLocalDpi xmlns:a14="http://schemas.microsoft.com/office/drawing/2010/main" val="0"/>
+              </a:ext>
+            </a:extLst>
+          </a:blip>
+          <a:stretch>
+            <a:fillRect/>
+          </a:stretch>
+        </p:blipFill>
+        <p:spPr>
+          <a:xfrm>
+            <a:off x="-57792" y="1974574"/>
+            <a:ext cx="5367909" cy="3578606"/>
+          </a:xfrm>
+          <a:prstGeom prst="rect">
+            <a:avLst/>
+          </a:prstGeom>
+        </p:spPr>
+      </p:pic>
+      <p:sp>
+        <p:nvSpPr>
+          <p:cNvPr id="19" name="TextBox 18">
+            <a:extLst>
+              <a:ext uri="{FF2B5EF4-FFF2-40B4-BE49-F238E27FC236}">
+                <a16:creationId xmlns:a16="http://schemas.microsoft.com/office/drawing/2014/main" id="{2C2F2AC5-B5FD-9A50-13E2-BDD2513A6A25}"/>
+              </a:ext>
+            </a:extLst>
+          </p:cNvPr>
+          <p:cNvSpPr txBox="1"/>
+          <p:nvPr/>
+        </p:nvSpPr>
+        <p:spPr>
+          <a:xfrm>
+            <a:off x="1396980" y="5196410"/>
+            <a:ext cx="2458365" cy="369332"/>
+          </a:xfrm>
+          <a:prstGeom prst="rect">
+            <a:avLst/>
+          </a:prstGeom>
+          <a:noFill/>
+        </p:spPr>
+        <p:txBody>
+          <a:bodyPr wrap="none" rtlCol="0">
+            <a:spAutoFit/>
+          </a:bodyPr>
+          <a:lstStyle/>
+          <a:p>
+            <a:r>
+              <a:rPr lang="en-US" dirty="0" err="1"/>
+              <a:t>TorchANI</a:t>
+            </a:r>
+            <a:r>
+              <a:rPr lang="en-US" dirty="0"/>
+              <a:t>, Roitberg </a:t>
+            </a:r>
+            <a:r>
+              <a:rPr lang="en-US" i="1" dirty="0"/>
+              <a:t>et al</a:t>
+            </a:r>
+            <a:r>
+              <a:rPr lang="en-US" dirty="0"/>
+              <a:t>.</a:t>
+            </a:r>
+            <a:endParaRPr lang="en-GB" dirty="0"/>
+          </a:p>
+        </p:txBody>
+      </p:sp>
+      <p:sp>
+        <p:nvSpPr>
+          <p:cNvPr id="20" name="TextBox 19">
+            <a:extLst>
+              <a:ext uri="{FF2B5EF4-FFF2-40B4-BE49-F238E27FC236}">
+                <a16:creationId xmlns:a16="http://schemas.microsoft.com/office/drawing/2014/main" id="{6531CD12-435D-F319-AD4B-5B0D0315FFD7}"/>
+              </a:ext>
+            </a:extLst>
+          </p:cNvPr>
+          <p:cNvSpPr txBox="1"/>
+          <p:nvPr/>
+        </p:nvSpPr>
+        <p:spPr>
+          <a:xfrm>
+            <a:off x="5069719" y="6488668"/>
+            <a:ext cx="3890745" cy="369332"/>
+          </a:xfrm>
+          <a:prstGeom prst="rect">
+            <a:avLst/>
+          </a:prstGeom>
+          <a:noFill/>
+        </p:spPr>
+        <p:txBody>
+          <a:bodyPr wrap="none" rtlCol="0">
+            <a:spAutoFit/>
+          </a:bodyPr>
+          <a:lstStyle/>
+          <a:p>
+            <a:r>
+              <a:rPr lang="en-US" dirty="0"/>
+              <a:t>Beyond Tripeptides, van Teijlingen </a:t>
+            </a:r>
+            <a:r>
+              <a:rPr lang="en-US" i="1" dirty="0"/>
+              <a:t>et al</a:t>
+            </a:r>
+            <a:r>
+              <a:rPr lang="en-US" dirty="0"/>
+              <a:t>.</a:t>
+            </a:r>
+            <a:endParaRPr lang="en-GB" dirty="0"/>
+          </a:p>
+        </p:txBody>
+      </p:sp>
+    </p:spTree>
+    <p:extLst>
+      <p:ext uri="{BB962C8B-B14F-4D97-AF65-F5344CB8AC3E}">
+        <p14:creationId xmlns:p14="http://schemas.microsoft.com/office/powerpoint/2010/main" val="2243826674"/>
+      </p:ext>
+    </p:extLst>
+  </p:cSld>
+  <p:clrMapOvr>
+    <a:masterClrMapping/>
+  </p:clrMapOvr>
+</p:sld>
+</file>
+
+<file path=ppt/slides/slide3.xml><?xml version="1.0" encoding="utf-8"?>
+<p:sld xmlns:a="http://schemas.openxmlformats.org/drawingml/2006/main" xmlns:r="http://schemas.openxmlformats.org/officeDocument/2006/relationships" xmlns:p="http://schemas.openxmlformats.org/presentationml/2006/main">
+  <p:cSld>
+    <p:spTree>
+      <p:nvGrpSpPr>
+        <p:cNvPr id="1" name=""/>
+        <p:cNvGrpSpPr/>
+        <p:nvPr/>
+      </p:nvGrpSpPr>
+      <p:grpSpPr>
+        <a:xfrm>
+          <a:off x="0" y="0"/>
+          <a:ext cx="0" cy="0"/>
+          <a:chOff x="0" y="0"/>
+          <a:chExt cx="0" cy="0"/>
+        </a:xfrm>
+      </p:grpSpPr>
+      <p:sp>
+        <p:nvSpPr>
+          <p:cNvPr id="7" name="TextBox 6">
+            <a:extLst>
+              <a:ext uri="{FF2B5EF4-FFF2-40B4-BE49-F238E27FC236}">
+                <a16:creationId xmlns:a16="http://schemas.microsoft.com/office/drawing/2014/main" id="{66F6F82E-2A31-C503-74F3-729DCB5C49CD}"/>
+              </a:ext>
+            </a:extLst>
+          </p:cNvPr>
+          <p:cNvSpPr txBox="1"/>
+          <p:nvPr/>
+        </p:nvSpPr>
+        <p:spPr>
+          <a:xfrm>
+            <a:off x="5042452" y="4804466"/>
+            <a:ext cx="2107095" cy="707886"/>
+          </a:xfrm>
+          <a:prstGeom prst="rect">
+            <a:avLst/>
+          </a:prstGeom>
+          <a:noFill/>
+        </p:spPr>
+        <p:txBody>
+          <a:bodyPr wrap="square" rtlCol="0">
+            <a:spAutoFit/>
+          </a:bodyPr>
+          <a:lstStyle/>
+          <a:p>
+            <a:r>
+              <a:rPr lang="en-GB" sz="4000" dirty="0"/>
+              <a:t>y=</a:t>
+            </a:r>
+            <a:r>
+              <a:rPr lang="en-GB" sz="4000" dirty="0" err="1"/>
+              <a:t>mx+b</a:t>
+            </a:r>
+            <a:endParaRPr lang="en-GB" sz="4000" dirty="0"/>
+          </a:p>
+        </p:txBody>
+      </p:sp>
+      <p:sp>
+        <p:nvSpPr>
+          <p:cNvPr id="8" name="TextBox 7">
+            <a:extLst>
+              <a:ext uri="{FF2B5EF4-FFF2-40B4-BE49-F238E27FC236}">
+                <a16:creationId xmlns:a16="http://schemas.microsoft.com/office/drawing/2014/main" id="{8E974F0F-F3CB-8E37-8A37-FEA4FC68FF87}"/>
+              </a:ext>
+            </a:extLst>
+          </p:cNvPr>
+          <p:cNvSpPr txBox="1"/>
+          <p:nvPr/>
+        </p:nvSpPr>
+        <p:spPr>
+          <a:xfrm>
+            <a:off x="530087" y="5512352"/>
+            <a:ext cx="10552761" cy="1200329"/>
+          </a:xfrm>
+          <a:prstGeom prst="rect">
+            <a:avLst/>
+          </a:prstGeom>
+          <a:noFill/>
+        </p:spPr>
+        <p:txBody>
+          <a:bodyPr wrap="none" rtlCol="0">
+            <a:spAutoFit/>
+          </a:bodyPr>
+          <a:lstStyle/>
+          <a:p>
+            <a:r>
+              <a:rPr lang="en-US" sz="2400" dirty="0"/>
+              <a:t>Hyperparameters: where we fit an intercept (b), scoring method (L2/L1, categorical)</a:t>
+            </a:r>
+          </a:p>
+          <a:p>
+            <a:endParaRPr lang="en-US" sz="2400" dirty="0"/>
+          </a:p>
+          <a:p>
+            <a:r>
+              <a:rPr lang="en-US" sz="2400" dirty="0"/>
+              <a:t>Minimize L2 norm: y</a:t>
+            </a:r>
+            <a:r>
+              <a:rPr lang="en-US" sz="2400" baseline="30000" dirty="0"/>
+              <a:t>2</a:t>
+            </a:r>
+            <a:r>
+              <a:rPr lang="en-US" sz="2400" dirty="0"/>
+              <a:t> – (</a:t>
+            </a:r>
+            <a:r>
+              <a:rPr lang="en-US" sz="2400" dirty="0" err="1"/>
+              <a:t>mx+b</a:t>
+            </a:r>
+            <a:r>
+              <a:rPr lang="en-US" sz="2400" dirty="0"/>
+              <a:t>)</a:t>
+            </a:r>
+            <a:r>
+              <a:rPr lang="en-US" sz="2400" baseline="30000" dirty="0"/>
+              <a:t>2</a:t>
+            </a:r>
+            <a:r>
+              <a:rPr lang="en-US" sz="2400" dirty="0"/>
+              <a:t> -&gt; 0</a:t>
+            </a:r>
+            <a:endParaRPr lang="en-GB" sz="2400" baseline="30000" dirty="0"/>
+          </a:p>
+        </p:txBody>
+      </p:sp>
+      <p:graphicFrame>
+        <p:nvGraphicFramePr>
+          <p:cNvPr id="9" name="Chart 8">
+            <a:extLst>
+              <a:ext uri="{FF2B5EF4-FFF2-40B4-BE49-F238E27FC236}">
+                <a16:creationId xmlns:a16="http://schemas.microsoft.com/office/drawing/2014/main" id="{DB75C39C-575B-99E3-000A-1C25E5F92BAC}"/>
+              </a:ext>
+            </a:extLst>
+          </p:cNvPr>
+          <p:cNvGraphicFramePr>
+            <a:graphicFrameLocks/>
+          </p:cNvGraphicFramePr>
+          <p:nvPr>
+            <p:extLst>
+              <p:ext uri="{D42A27DB-BD31-4B8C-83A1-F6EECF244321}">
+                <p14:modId xmlns:p14="http://schemas.microsoft.com/office/powerpoint/2010/main" val="1844278583"/>
+              </p:ext>
+            </p:extLst>
+          </p:nvPr>
+        </p:nvGraphicFramePr>
+        <p:xfrm>
+          <a:off x="2716696" y="533399"/>
+          <a:ext cx="6374295" cy="4271067"/>
+        </p:xfrm>
+        <a:graphic>
+          <a:graphicData uri="http://schemas.openxmlformats.org/drawingml/2006/chart">
+            <c:chart xmlns:c="http://schemas.openxmlformats.org/drawingml/2006/chart" xmlns:r="http://schemas.openxmlformats.org/officeDocument/2006/relationships" r:id="rId3"/>
+          </a:graphicData>
+        </a:graphic>
+      </p:graphicFrame>
+    </p:spTree>
+    <p:extLst>
+      <p:ext uri="{BB962C8B-B14F-4D97-AF65-F5344CB8AC3E}">
+        <p14:creationId xmlns:p14="http://schemas.microsoft.com/office/powerpoint/2010/main" val="328954001"/>
+      </p:ext>
+    </p:extLst>
+  </p:cSld>
+  <p:clrMapOvr>
+    <a:masterClrMapping/>
+  </p:clrMapOvr>
+</p:sld>
+</file>
+
+<file path=ppt/slides/slide4.xml><?xml version="1.0" encoding="utf-8"?>
+<p:sld xmlns:a="http://schemas.openxmlformats.org/drawingml/2006/main" xmlns:r="http://schemas.openxmlformats.org/officeDocument/2006/relationships" xmlns:p="http://schemas.openxmlformats.org/presentationml/2006/main">
+  <p:cSld>
+    <p:spTree>
+      <p:nvGrpSpPr>
+        <p:cNvPr id="1" name=""/>
+        <p:cNvGrpSpPr/>
+        <p:nvPr/>
+      </p:nvGrpSpPr>
+      <p:grpSpPr>
+        <a:xfrm>
+          <a:off x="0" y="0"/>
+          <a:ext cx="0" cy="0"/>
+          <a:chOff x="0" y="0"/>
+          <a:chExt cx="0" cy="0"/>
+        </a:xfrm>
+      </p:grpSpPr>
+      <p:sp>
+        <p:nvSpPr>
+          <p:cNvPr id="2" name="Title 1">
+            <a:extLst>
+              <a:ext uri="{FF2B5EF4-FFF2-40B4-BE49-F238E27FC236}">
+                <a16:creationId xmlns:a16="http://schemas.microsoft.com/office/drawing/2014/main" id="{EE523BD8-7A95-1AA5-5AE6-9432D1307AC3}"/>
+              </a:ext>
+            </a:extLst>
+          </p:cNvPr>
+          <p:cNvSpPr>
+            <a:spLocks noGrp="1"/>
+          </p:cNvSpPr>
+          <p:nvPr>
+            <p:ph type="title"/>
+          </p:nvPr>
+        </p:nvSpPr>
+        <p:spPr/>
+        <p:txBody>
+          <a:bodyPr/>
+          <a:lstStyle/>
+          <a:p>
+            <a:r>
+              <a:rPr lang="en-US" dirty="0"/>
+              <a:t>Data segregation</a:t>
+            </a:r>
+            <a:endParaRPr lang="en-GB" dirty="0"/>
+          </a:p>
+        </p:txBody>
+      </p:sp>
+      <p:sp>
+        <p:nvSpPr>
+          <p:cNvPr id="3" name="Content Placeholder 2">
+            <a:extLst>
+              <a:ext uri="{FF2B5EF4-FFF2-40B4-BE49-F238E27FC236}">
+                <a16:creationId xmlns:a16="http://schemas.microsoft.com/office/drawing/2014/main" id="{E8E002E2-5EE4-3063-81A4-8AA5072E1C79}"/>
+              </a:ext>
+            </a:extLst>
+          </p:cNvPr>
+          <p:cNvSpPr>
+            <a:spLocks noGrp="1"/>
+          </p:cNvSpPr>
+          <p:nvPr>
+            <p:ph idx="1"/>
+          </p:nvPr>
+        </p:nvSpPr>
+        <p:spPr/>
+        <p:txBody>
+          <a:bodyPr>
+            <a:normAutofit/>
+          </a:bodyPr>
+          <a:lstStyle/>
+          <a:p>
+            <a:endParaRPr lang="en-US" dirty="0"/>
+          </a:p>
+          <a:p>
+            <a:endParaRPr lang="en-US" dirty="0"/>
+          </a:p>
+          <a:p>
+            <a:r>
+              <a:rPr lang="en-US" dirty="0"/>
+              <a:t>Overfitting</a:t>
+            </a:r>
+          </a:p>
+          <a:p>
+            <a:endParaRPr lang="en-US" dirty="0"/>
+          </a:p>
+          <a:p>
+            <a:endParaRPr lang="en-US" dirty="0"/>
+          </a:p>
+          <a:p>
+            <a:endParaRPr lang="en-US" dirty="0"/>
+          </a:p>
+          <a:p>
+            <a:pPr marL="0" indent="0">
+              <a:buNone/>
+            </a:pPr>
+            <a:endParaRPr lang="en-US" dirty="0"/>
+          </a:p>
+          <a:p>
+            <a:r>
+              <a:rPr lang="en-US" dirty="0"/>
+              <a:t>Train, test and validate!</a:t>
+            </a:r>
+            <a:endParaRPr lang="en-GB" dirty="0"/>
+          </a:p>
+        </p:txBody>
+      </p:sp>
+      <p:pic>
+        <p:nvPicPr>
+          <p:cNvPr id="5" name="Picture 4" descr="Diagram&#10;&#10;Description automatically generated">
+            <a:extLst>
+              <a:ext uri="{FF2B5EF4-FFF2-40B4-BE49-F238E27FC236}">
+                <a16:creationId xmlns:a16="http://schemas.microsoft.com/office/drawing/2014/main" id="{1D61F28C-7B0E-727A-E794-9E093D161F49}"/>
+              </a:ext>
+            </a:extLst>
+          </p:cNvPr>
+          <p:cNvPicPr>
+            <a:picLocks noChangeAspect="1"/>
+          </p:cNvPicPr>
+          <p:nvPr/>
+        </p:nvPicPr>
+        <p:blipFill>
+          <a:blip r:embed="rId2">
+            <a:extLst>
+              <a:ext uri="{28A0092B-C50C-407E-A947-70E740481C1C}">
+                <a14:useLocalDpi xmlns:a14="http://schemas.microsoft.com/office/drawing/2010/main" val="0"/>
+              </a:ext>
+            </a:extLst>
+          </a:blip>
+          <a:stretch>
+            <a:fillRect/>
+          </a:stretch>
+        </p:blipFill>
+        <p:spPr>
+          <a:xfrm>
+            <a:off x="3962400" y="1476556"/>
+            <a:ext cx="7871791" cy="3428165"/>
+          </a:xfrm>
+          <a:prstGeom prst="rect">
+            <a:avLst/>
+          </a:prstGeom>
+        </p:spPr>
+      </p:pic>
+    </p:spTree>
+    <p:extLst>
+      <p:ext uri="{BB962C8B-B14F-4D97-AF65-F5344CB8AC3E}">
+        <p14:creationId xmlns:p14="http://schemas.microsoft.com/office/powerpoint/2010/main" val="2219305440"/>
+      </p:ext>
+    </p:extLst>
+  </p:cSld>
+  <p:clrMapOvr>
+    <a:masterClrMapping/>
+  </p:clrMapOvr>
+</p:sld>
+</file>
+
+<file path=ppt/slides/slide5.xml><?xml version="1.0" encoding="utf-8"?>
+<p:sld xmlns:a="http://schemas.openxmlformats.org/drawingml/2006/main" xmlns:r="http://schemas.openxmlformats.org/officeDocument/2006/relationships" xmlns:p="http://schemas.openxmlformats.org/presentationml/2006/main">
+  <p:cSld>
+    <p:spTree>
+      <p:nvGrpSpPr>
+        <p:cNvPr id="1" name=""/>
+        <p:cNvGrpSpPr/>
+        <p:nvPr/>
+      </p:nvGrpSpPr>
+      <p:grpSpPr>
+        <a:xfrm>
+          <a:off x="0" y="0"/>
+          <a:ext cx="0" cy="0"/>
+          <a:chOff x="0" y="0"/>
+          <a:chExt cx="0" cy="0"/>
+        </a:xfrm>
+      </p:grpSpPr>
+      <p:sp>
+        <p:nvSpPr>
+          <p:cNvPr id="2" name="Title 1">
+            <a:extLst>
+              <a:ext uri="{FF2B5EF4-FFF2-40B4-BE49-F238E27FC236}">
+                <a16:creationId xmlns:a16="http://schemas.microsoft.com/office/drawing/2014/main" id="{09D6C8FC-2987-FF27-54AF-6A67A4AFD78F}"/>
+              </a:ext>
+            </a:extLst>
+          </p:cNvPr>
+          <p:cNvSpPr>
+            <a:spLocks noGrp="1"/>
+          </p:cNvSpPr>
+          <p:nvPr>
+            <p:ph type="title"/>
+          </p:nvPr>
+        </p:nvSpPr>
+        <p:spPr/>
+        <p:txBody>
+          <a:bodyPr/>
+          <a:lstStyle/>
+          <a:p>
+            <a:r>
+              <a:rPr lang="en-US" dirty="0"/>
+              <a:t>Parameters</a:t>
+            </a:r>
+            <a:endParaRPr lang="en-GB" dirty="0"/>
+          </a:p>
+        </p:txBody>
+      </p:sp>
+      <p:pic>
+        <p:nvPicPr>
+          <p:cNvPr id="5" name="Picture 4">
+            <a:extLst>
+              <a:ext uri="{FF2B5EF4-FFF2-40B4-BE49-F238E27FC236}">
+                <a16:creationId xmlns:a16="http://schemas.microsoft.com/office/drawing/2014/main" id="{FDCC65E1-D2DA-390A-A2CF-249ACE5907DA}"/>
+              </a:ext>
+            </a:extLst>
+          </p:cNvPr>
+          <p:cNvPicPr>
+            <a:picLocks noChangeAspect="1"/>
+          </p:cNvPicPr>
+          <p:nvPr/>
+        </p:nvPicPr>
+        <p:blipFill>
+          <a:blip r:embed="rId2"/>
+          <a:stretch>
+            <a:fillRect/>
+          </a:stretch>
+        </p:blipFill>
+        <p:spPr>
+          <a:xfrm>
+            <a:off x="216796" y="2148717"/>
+            <a:ext cx="2428875" cy="3590925"/>
+          </a:xfrm>
+          <a:prstGeom prst="rect">
+            <a:avLst/>
+          </a:prstGeom>
+        </p:spPr>
+      </p:pic>
+      <p:pic>
+        <p:nvPicPr>
+          <p:cNvPr id="6" name="Picture 5">
+            <a:extLst>
+              <a:ext uri="{FF2B5EF4-FFF2-40B4-BE49-F238E27FC236}">
+                <a16:creationId xmlns:a16="http://schemas.microsoft.com/office/drawing/2014/main" id="{1269DC3F-A630-D7B9-7EED-7441CE40B37F}"/>
+              </a:ext>
+            </a:extLst>
+          </p:cNvPr>
+          <p:cNvPicPr>
+            <a:picLocks noChangeAspect="1"/>
+          </p:cNvPicPr>
+          <p:nvPr/>
+        </p:nvPicPr>
+        <p:blipFill>
+          <a:blip r:embed="rId3"/>
+          <a:stretch>
+            <a:fillRect/>
+          </a:stretch>
+        </p:blipFill>
+        <p:spPr>
+          <a:xfrm>
+            <a:off x="7384154" y="77029"/>
+            <a:ext cx="4591050" cy="4143375"/>
+          </a:xfrm>
+          <a:prstGeom prst="rect">
+            <a:avLst/>
+          </a:prstGeom>
+        </p:spPr>
+      </p:pic>
+      <p:pic>
+        <p:nvPicPr>
+          <p:cNvPr id="10" name="Picture 9">
+            <a:extLst>
+              <a:ext uri="{FF2B5EF4-FFF2-40B4-BE49-F238E27FC236}">
+                <a16:creationId xmlns:a16="http://schemas.microsoft.com/office/drawing/2014/main" id="{44E2C06C-E100-91FE-0081-88D8EE2EBEF0}"/>
+              </a:ext>
+            </a:extLst>
+          </p:cNvPr>
+          <p:cNvPicPr>
+            <a:picLocks noChangeAspect="1"/>
+          </p:cNvPicPr>
+          <p:nvPr/>
+        </p:nvPicPr>
+        <p:blipFill>
+          <a:blip r:embed="rId4"/>
+          <a:stretch>
+            <a:fillRect/>
+          </a:stretch>
+        </p:blipFill>
+        <p:spPr>
+          <a:xfrm>
+            <a:off x="6840774" y="4220404"/>
+            <a:ext cx="3768257" cy="2643809"/>
+          </a:xfrm>
+          <a:prstGeom prst="rect">
+            <a:avLst/>
+          </a:prstGeom>
+        </p:spPr>
+      </p:pic>
+      <p:pic>
+        <p:nvPicPr>
+          <p:cNvPr id="12" name="Picture 11">
+            <a:extLst>
+              <a:ext uri="{FF2B5EF4-FFF2-40B4-BE49-F238E27FC236}">
+                <a16:creationId xmlns:a16="http://schemas.microsoft.com/office/drawing/2014/main" id="{1B3374F3-B2CF-6B3A-A28F-6BEBC1B09233}"/>
+              </a:ext>
+            </a:extLst>
+          </p:cNvPr>
+          <p:cNvPicPr>
+            <a:picLocks noChangeAspect="1"/>
+          </p:cNvPicPr>
+          <p:nvPr/>
+        </p:nvPicPr>
+        <p:blipFill>
+          <a:blip r:embed="rId5">
+            <a:extLst>
+              <a:ext uri="{28A0092B-C50C-407E-A947-70E740481C1C}">
+                <a14:useLocalDpi xmlns:a14="http://schemas.microsoft.com/office/drawing/2010/main" val="0"/>
+              </a:ext>
+            </a:extLst>
+          </a:blip>
+          <a:stretch>
+            <a:fillRect/>
+          </a:stretch>
+        </p:blipFill>
+        <p:spPr>
+          <a:xfrm rot="1196310">
+            <a:off x="3740075" y="4838922"/>
+            <a:ext cx="1876425" cy="457200"/>
+          </a:xfrm>
+          <a:prstGeom prst="rect">
+            <a:avLst/>
+          </a:prstGeom>
+        </p:spPr>
+      </p:pic>
+      <p:cxnSp>
+        <p:nvCxnSpPr>
+          <p:cNvPr id="14" name="Straight Arrow Connector 13">
+            <a:extLst>
+              <a:ext uri="{FF2B5EF4-FFF2-40B4-BE49-F238E27FC236}">
+                <a16:creationId xmlns:a16="http://schemas.microsoft.com/office/drawing/2014/main" id="{633D760B-7013-E912-A4B6-5A1A8C41C16C}"/>
+              </a:ext>
+            </a:extLst>
+          </p:cNvPr>
+          <p:cNvCxnSpPr>
+            <a:cxnSpLocks/>
+            <a:stCxn id="5" idx="3"/>
+            <a:endCxn id="10" idx="1"/>
+          </p:cNvCxnSpPr>
+          <p:nvPr/>
+        </p:nvCxnSpPr>
+        <p:spPr>
+          <a:xfrm>
+            <a:off x="2645671" y="3944180"/>
+            <a:ext cx="4195103" cy="1598129"/>
+          </a:xfrm>
+          <a:prstGeom prst="straightConnector1">
+            <a:avLst/>
+          </a:prstGeom>
+          <a:ln>
+            <a:tailEnd type="triangle"/>
+          </a:ln>
+        </p:spPr>
+        <p:style>
+          <a:lnRef idx="1">
+            <a:schemeClr val="accent1"/>
+          </a:lnRef>
+          <a:fillRef idx="0">
+            <a:schemeClr val="accent1"/>
+          </a:fillRef>
+          <a:effectRef idx="0">
+            <a:schemeClr val="accent1"/>
+          </a:effectRef>
+          <a:fontRef idx="minor">
+            <a:schemeClr val="tx1"/>
+          </a:fontRef>
+        </p:style>
+      </p:cxnSp>
+      <p:cxnSp>
+        <p:nvCxnSpPr>
+          <p:cNvPr id="15" name="Straight Arrow Connector 14">
+            <a:extLst>
+              <a:ext uri="{FF2B5EF4-FFF2-40B4-BE49-F238E27FC236}">
+                <a16:creationId xmlns:a16="http://schemas.microsoft.com/office/drawing/2014/main" id="{0A08B9F3-F0B6-6C38-9D57-96BBB296BAFC}"/>
+              </a:ext>
+            </a:extLst>
+          </p:cNvPr>
+          <p:cNvCxnSpPr>
+            <a:cxnSpLocks/>
+            <a:stCxn id="5" idx="3"/>
+            <a:endCxn id="6" idx="1"/>
+          </p:cNvCxnSpPr>
+          <p:nvPr/>
+        </p:nvCxnSpPr>
+        <p:spPr>
+          <a:xfrm flipV="1">
+            <a:off x="2645671" y="2148717"/>
+            <a:ext cx="4738483" cy="1795463"/>
+          </a:xfrm>
+          <a:prstGeom prst="straightConnector1">
+            <a:avLst/>
+          </a:prstGeom>
+          <a:ln>
+            <a:tailEnd type="triangle"/>
+          </a:ln>
+        </p:spPr>
+        <p:style>
+          <a:lnRef idx="1">
+            <a:schemeClr val="accent1"/>
+          </a:lnRef>
+          <a:fillRef idx="0">
+            <a:schemeClr val="accent1"/>
+          </a:fillRef>
+          <a:effectRef idx="0">
+            <a:schemeClr val="accent1"/>
+          </a:effectRef>
+          <a:fontRef idx="minor">
+            <a:schemeClr val="tx1"/>
+          </a:fontRef>
+        </p:style>
+      </p:cxnSp>
+      <p:pic>
+        <p:nvPicPr>
+          <p:cNvPr id="20" name="Picture 19" descr="Icon&#10;&#10;Description automatically generated">
+            <a:extLst>
+              <a:ext uri="{FF2B5EF4-FFF2-40B4-BE49-F238E27FC236}">
+                <a16:creationId xmlns:a16="http://schemas.microsoft.com/office/drawing/2014/main" id="{D2BD95C4-8027-2C91-4B5C-816B12194905}"/>
+              </a:ext>
+            </a:extLst>
+          </p:cNvPr>
+          <p:cNvPicPr>
+            <a:picLocks noChangeAspect="1"/>
+          </p:cNvPicPr>
+          <p:nvPr/>
+        </p:nvPicPr>
+        <p:blipFill>
+          <a:blip r:embed="rId6">
+            <a:extLst>
+              <a:ext uri="{28A0092B-C50C-407E-A947-70E740481C1C}">
+                <a14:useLocalDpi xmlns:a14="http://schemas.microsoft.com/office/drawing/2010/main" val="0"/>
+              </a:ext>
+            </a:extLst>
+          </a:blip>
+          <a:stretch>
+            <a:fillRect/>
+          </a:stretch>
+        </p:blipFill>
+        <p:spPr>
+          <a:xfrm rot="20007010">
+            <a:off x="3928257" y="1974836"/>
+            <a:ext cx="1229199" cy="1229199"/>
+          </a:xfrm>
+          <a:prstGeom prst="rect">
+            <a:avLst/>
+          </a:prstGeom>
+        </p:spPr>
+      </p:pic>
+    </p:spTree>
+    <p:extLst>
+      <p:ext uri="{BB962C8B-B14F-4D97-AF65-F5344CB8AC3E}">
+        <p14:creationId xmlns:p14="http://schemas.microsoft.com/office/powerpoint/2010/main" val="2840554155"/>
+      </p:ext>
+    </p:extLst>
+  </p:cSld>
+  <p:clrMapOvr>
+    <a:masterClrMapping/>
+  </p:clrMapOvr>
+</p:sld>
+</file>
+
+<file path=ppt/slides/slide6.xml><?xml version="1.0" encoding="utf-8"?>
+<p:sld xmlns:a="http://schemas.openxmlformats.org/drawingml/2006/main" xmlns:r="http://schemas.openxmlformats.org/officeDocument/2006/relationships" xmlns:p="http://schemas.openxmlformats.org/presentationml/2006/main">
+  <p:cSld>
+    <p:spTree>
+      <p:nvGrpSpPr>
+        <p:cNvPr id="1" name=""/>
+        <p:cNvGrpSpPr/>
+        <p:nvPr/>
+      </p:nvGrpSpPr>
+      <p:grpSpPr>
+        <a:xfrm>
+          <a:off x="0" y="0"/>
+          <a:ext cx="0" cy="0"/>
+          <a:chOff x="0" y="0"/>
+          <a:chExt cx="0" cy="0"/>
+        </a:xfrm>
+      </p:grpSpPr>
+      <p:sp>
+        <p:nvSpPr>
+          <p:cNvPr id="2" name="Title 1">
+            <a:extLst>
+              <a:ext uri="{FF2B5EF4-FFF2-40B4-BE49-F238E27FC236}">
+                <a16:creationId xmlns:a16="http://schemas.microsoft.com/office/drawing/2014/main" id="{31B0AB87-8C6F-EE93-5D0D-457424FBB46E}"/>
+              </a:ext>
+            </a:extLst>
+          </p:cNvPr>
+          <p:cNvSpPr>
+            <a:spLocks noGrp="1"/>
+          </p:cNvSpPr>
+          <p:nvPr>
+            <p:ph type="title"/>
+          </p:nvPr>
+        </p:nvSpPr>
+        <p:spPr/>
+        <p:txBody>
+          <a:bodyPr/>
+          <a:lstStyle/>
+          <a:p>
+            <a:r>
+              <a:rPr lang="en-US" dirty="0"/>
+              <a:t>Hyperparameters</a:t>
+            </a:r>
+            <a:endParaRPr lang="en-GB" dirty="0"/>
+          </a:p>
+        </p:txBody>
+      </p:sp>
+      <p:sp>
+        <p:nvSpPr>
+          <p:cNvPr id="3" name="Content Placeholder 2">
+            <a:extLst>
+              <a:ext uri="{FF2B5EF4-FFF2-40B4-BE49-F238E27FC236}">
+                <a16:creationId xmlns:a16="http://schemas.microsoft.com/office/drawing/2014/main" id="{2EFFE7F0-3BDA-A2C3-1583-E447E6959E9A}"/>
+              </a:ext>
+            </a:extLst>
+          </p:cNvPr>
+          <p:cNvSpPr>
+            <a:spLocks noGrp="1"/>
+          </p:cNvSpPr>
+          <p:nvPr>
+            <p:ph idx="1"/>
+          </p:nvPr>
+        </p:nvSpPr>
+        <p:spPr/>
+        <p:txBody>
+          <a:bodyPr/>
+          <a:lstStyle/>
+          <a:p>
+            <a:endParaRPr lang="en-GB" dirty="0"/>
+          </a:p>
+        </p:txBody>
+      </p:sp>
+    </p:spTree>
+    <p:extLst>
+      <p:ext uri="{BB962C8B-B14F-4D97-AF65-F5344CB8AC3E}">
+        <p14:creationId xmlns:p14="http://schemas.microsoft.com/office/powerpoint/2010/main" val="1092923729"/>
+      </p:ext>
+    </p:extLst>
+  </p:cSld>
+  <p:clrMapOvr>
+    <a:masterClrMapping/>
+  </p:clrMapOvr>
+</p:sld>
+</file>
+
+<file path=ppt/slides/slide7.xml><?xml version="1.0" encoding="utf-8"?>
+<p:sld xmlns:a="http://schemas.openxmlformats.org/drawingml/2006/main" xmlns:r="http://schemas.openxmlformats.org/officeDocument/2006/relationships" xmlns:p="http://schemas.openxmlformats.org/presentationml/2006/main">
+  <p:cSld>
+    <p:spTree>
+      <p:nvGrpSpPr>
+        <p:cNvPr id="1" name=""/>
+        <p:cNvGrpSpPr/>
+        <p:nvPr/>
+      </p:nvGrpSpPr>
+      <p:grpSpPr>
+        <a:xfrm>
+          <a:off x="0" y="0"/>
+          <a:ext cx="0" cy="0"/>
+          <a:chOff x="0" y="0"/>
+          <a:chExt cx="0" cy="0"/>
+        </a:xfrm>
+      </p:grpSpPr>
+      <p:sp>
+        <p:nvSpPr>
+          <p:cNvPr id="2" name="Title 1">
+            <a:extLst>
+              <a:ext uri="{FF2B5EF4-FFF2-40B4-BE49-F238E27FC236}">
+                <a16:creationId xmlns:a16="http://schemas.microsoft.com/office/drawing/2014/main" id="{84F928A3-572E-A77B-6FCB-3C2494B0C449}"/>
+              </a:ext>
+            </a:extLst>
+          </p:cNvPr>
+          <p:cNvSpPr>
+            <a:spLocks noGrp="1"/>
+          </p:cNvSpPr>
+          <p:nvPr>
+            <p:ph type="title"/>
+          </p:nvPr>
+        </p:nvSpPr>
+        <p:spPr/>
+        <p:txBody>
+          <a:bodyPr/>
+          <a:lstStyle/>
+          <a:p>
+            <a:r>
+              <a:rPr lang="en-US" dirty="0"/>
+              <a:t>Can we predict something harder?</a:t>
+            </a:r>
+            <a:endParaRPr lang="en-GB" dirty="0"/>
+          </a:p>
+        </p:txBody>
+      </p:sp>
+      <p:pic>
+        <p:nvPicPr>
+          <p:cNvPr id="4" name="Picture 3">
+            <a:extLst>
+              <a:ext uri="{FF2B5EF4-FFF2-40B4-BE49-F238E27FC236}">
+                <a16:creationId xmlns:a16="http://schemas.microsoft.com/office/drawing/2014/main" id="{DE63A5CA-41FD-70D8-6BFA-D694E43C10A7}"/>
+              </a:ext>
+            </a:extLst>
+          </p:cNvPr>
+          <p:cNvPicPr>
+            <a:picLocks noChangeAspect="1"/>
+          </p:cNvPicPr>
+          <p:nvPr/>
+        </p:nvPicPr>
+        <p:blipFill>
+          <a:blip r:embed="rId2"/>
+          <a:stretch>
+            <a:fillRect/>
+          </a:stretch>
+        </p:blipFill>
+        <p:spPr>
+          <a:xfrm>
+            <a:off x="6762750" y="1929606"/>
+            <a:ext cx="4591050" cy="4143375"/>
+          </a:xfrm>
+          <a:prstGeom prst="rect">
+            <a:avLst/>
+          </a:prstGeom>
+        </p:spPr>
+      </p:pic>
+    </p:spTree>
+    <p:extLst>
+      <p:ext uri="{BB962C8B-B14F-4D97-AF65-F5344CB8AC3E}">
+        <p14:creationId xmlns:p14="http://schemas.microsoft.com/office/powerpoint/2010/main" val="1358280357"/>
+      </p:ext>
+    </p:extLst>
+  </p:cSld>
+  <p:clrMapOvr>
+    <a:masterClrMapping/>
+  </p:clrMapOvr>
+</p:sld>
+</file>
+
+<file path=ppt/slides/slide8.xml><?xml version="1.0" encoding="utf-8"?>
+<p:sld xmlns:a="http://schemas.openxmlformats.org/drawingml/2006/main" xmlns:r="http://schemas.openxmlformats.org/officeDocument/2006/relationships" xmlns:p="http://schemas.openxmlformats.org/presentationml/2006/main">
+  <p:cSld>
+    <p:spTree>
+      <p:nvGrpSpPr>
+        <p:cNvPr id="1" name=""/>
+        <p:cNvGrpSpPr/>
+        <p:nvPr/>
+      </p:nvGrpSpPr>
+      <p:grpSpPr>
+        <a:xfrm>
+          <a:off x="0" y="0"/>
+          <a:ext cx="0" cy="0"/>
+          <a:chOff x="0" y="0"/>
+          <a:chExt cx="0" cy="0"/>
+        </a:xfrm>
+      </p:grpSpPr>
+      <p:sp>
+        <p:nvSpPr>
+          <p:cNvPr id="2" name="Title 1">
+            <a:extLst>
+              <a:ext uri="{FF2B5EF4-FFF2-40B4-BE49-F238E27FC236}">
+                <a16:creationId xmlns:a16="http://schemas.microsoft.com/office/drawing/2014/main" id="{0D82FABD-4661-9ADA-AAC5-9C047BF8A94F}"/>
+              </a:ext>
+            </a:extLst>
+          </p:cNvPr>
+          <p:cNvSpPr>
+            <a:spLocks noGrp="1"/>
+          </p:cNvSpPr>
+          <p:nvPr>
+            <p:ph type="title"/>
+          </p:nvPr>
+        </p:nvSpPr>
+        <p:spPr/>
+        <p:txBody>
+          <a:bodyPr/>
+          <a:lstStyle/>
+          <a:p>
+            <a:endParaRPr lang="en-GB"/>
+          </a:p>
+        </p:txBody>
+      </p:sp>
+      <p:sp>
+        <p:nvSpPr>
+          <p:cNvPr id="3" name="Content Placeholder 2">
+            <a:extLst>
+              <a:ext uri="{FF2B5EF4-FFF2-40B4-BE49-F238E27FC236}">
+                <a16:creationId xmlns:a16="http://schemas.microsoft.com/office/drawing/2014/main" id="{D1229B21-DB4A-76E3-3ABB-CC4558A883E0}"/>
+              </a:ext>
+            </a:extLst>
+          </p:cNvPr>
+          <p:cNvSpPr>
+            <a:spLocks noGrp="1"/>
+          </p:cNvSpPr>
+          <p:nvPr>
+            <p:ph idx="1"/>
+          </p:nvPr>
+        </p:nvSpPr>
+        <p:spPr/>
+        <p:txBody>
+          <a:bodyPr/>
+          <a:lstStyle/>
+          <a:p>
+            <a:endParaRPr lang="en-GB"/>
+          </a:p>
+        </p:txBody>
+      </p:sp>
+    </p:spTree>
+    <p:extLst>
+      <p:ext uri="{BB962C8B-B14F-4D97-AF65-F5344CB8AC3E}">
+        <p14:creationId xmlns:p14="http://schemas.microsoft.com/office/powerpoint/2010/main" val="2057029144"/>
+      </p:ext>
+    </p:extLst>
+  </p:cSld>
+  <p:clrMapOvr>
+    <a:masterClrMapping/>
+  </p:clrMapOvr>
+</p:sld>
+</file>
+
 <file path=ppt/slides/slide9.xml><?xml version="1.0" encoding="utf-8"?>
 <p:sld xmlns:a="http://schemas.openxmlformats.org/drawingml/2006/main" xmlns:r="http://schemas.openxmlformats.org/officeDocument/2006/relationships" xmlns:p="http://schemas.openxmlformats.org/presentationml/2006/main">
   <p:cSld>
@@ -6160,66 +7209,45 @@
           <a:chExt cx="0" cy="0"/>
         </a:xfrm>
       </p:grpSpPr>
-      <p:sp>
-        <p:nvSpPr>
-          <p:cNvPr id="2" name="Title 1">
-            <a:extLst>
-              <a:ext uri="{FF2B5EF4-FFF2-40B4-BE49-F238E27FC236}">
-                <a16:creationId xmlns:a16="http://schemas.microsoft.com/office/drawing/2014/main" id="{02E526A1-6C26-3CA6-3555-50C4BD246620}"/>
-              </a:ext>
-            </a:extLst>
-          </p:cNvPr>
-          <p:cNvSpPr>
-            <a:spLocks noGrp="1"/>
-          </p:cNvSpPr>
-          <p:nvPr>
-            <p:ph type="title"/>
-          </p:nvPr>
-        </p:nvSpPr>
-        <p:spPr/>
-        <p:txBody>
-          <a:bodyPr/>
-          <a:lstStyle/>
-          <a:p>
-            <a:r>
-              <a:rPr lang="en-GB" dirty="0"/>
-              <a:t>Bottom-up</a:t>
-            </a:r>
-          </a:p>
-        </p:txBody>
-      </p:sp>
-      <p:sp>
-        <p:nvSpPr>
-          <p:cNvPr id="3" name="Content Placeholder 2">
-            <a:extLst>
-              <a:ext uri="{FF2B5EF4-FFF2-40B4-BE49-F238E27FC236}">
-                <a16:creationId xmlns:a16="http://schemas.microsoft.com/office/drawing/2014/main" id="{62CEB39F-1CFA-7B19-87A1-D97CB8624F96}"/>
-              </a:ext>
-            </a:extLst>
-          </p:cNvPr>
-          <p:cNvSpPr>
-            <a:spLocks noGrp="1"/>
-          </p:cNvSpPr>
+      <p:pic>
+        <p:nvPicPr>
+          <p:cNvPr id="5" name="Content Placeholder 4" descr="Chart, line chart&#10;&#10;Description automatically generated">
+            <a:extLst>
+              <a:ext uri="{FF2B5EF4-FFF2-40B4-BE49-F238E27FC236}">
+                <a16:creationId xmlns:a16="http://schemas.microsoft.com/office/drawing/2014/main" id="{A6D80025-1B3F-0C30-D5FA-E6CE702D9571}"/>
+              </a:ext>
+            </a:extLst>
+          </p:cNvPr>
+          <p:cNvPicPr>
+            <a:picLocks noGrp="1" noChangeAspect="1"/>
+          </p:cNvPicPr>
           <p:nvPr>
             <p:ph idx="1"/>
           </p:nvPr>
-        </p:nvSpPr>
-        <p:spPr/>
-        <p:txBody>
-          <a:bodyPr/>
-          <a:lstStyle/>
-          <a:p>
-            <a:r>
-              <a:rPr lang="en-GB" dirty="0"/>
-              <a:t>FF dihedral</a:t>
-            </a:r>
-          </a:p>
-        </p:txBody>
-      </p:sp>
+        </p:nvPicPr>
+        <p:blipFill>
+          <a:blip r:embed="rId2">
+            <a:extLst>
+              <a:ext uri="{28A0092B-C50C-407E-A947-70E740481C1C}">
+                <a14:useLocalDpi xmlns:a14="http://schemas.microsoft.com/office/drawing/2010/main" val="0"/>
+              </a:ext>
+            </a:extLst>
+          </a:blip>
+          <a:stretch>
+            <a:fillRect/>
+          </a:stretch>
+        </p:blipFill>
+        <p:spPr>
+          <a:xfrm>
+            <a:off x="3195108" y="1253331"/>
+            <a:ext cx="5801784" cy="4351338"/>
+          </a:xfrm>
+        </p:spPr>
+      </p:pic>
     </p:spTree>
     <p:extLst>
       <p:ext uri="{BB962C8B-B14F-4D97-AF65-F5344CB8AC3E}">
-        <p14:creationId xmlns:p14="http://schemas.microsoft.com/office/powerpoint/2010/main" val="2936574976"/>
+        <p14:creationId xmlns:p14="http://schemas.microsoft.com/office/powerpoint/2010/main" val="3989693785"/>
       </p:ext>
     </p:extLst>
   </p:cSld>

--- a/ActiveLearning.pptx
+++ b/ActiveLearning.pptx
@@ -5,24 +5,25 @@
     <p:sldMasterId id="2147483648" r:id="rId1"/>
   </p:sldMasterIdLst>
   <p:notesMasterIdLst>
-    <p:notesMasterId r:id="rId17"/>
+    <p:notesMasterId r:id="rId18"/>
   </p:notesMasterIdLst>
   <p:sldIdLst>
     <p:sldId id="256" r:id="rId2"/>
     <p:sldId id="267" r:id="rId3"/>
     <p:sldId id="263" r:id="rId4"/>
-    <p:sldId id="270" r:id="rId5"/>
-    <p:sldId id="271" r:id="rId6"/>
-    <p:sldId id="269" r:id="rId7"/>
-    <p:sldId id="266" r:id="rId8"/>
-    <p:sldId id="268" r:id="rId9"/>
-    <p:sldId id="264" r:id="rId10"/>
-    <p:sldId id="257" r:id="rId11"/>
-    <p:sldId id="262" r:id="rId12"/>
-    <p:sldId id="260" r:id="rId13"/>
-    <p:sldId id="258" r:id="rId14"/>
-    <p:sldId id="259" r:id="rId15"/>
-    <p:sldId id="261" r:id="rId16"/>
+    <p:sldId id="271" r:id="rId5"/>
+    <p:sldId id="270" r:id="rId6"/>
+    <p:sldId id="272" r:id="rId7"/>
+    <p:sldId id="269" r:id="rId8"/>
+    <p:sldId id="266" r:id="rId9"/>
+    <p:sldId id="268" r:id="rId10"/>
+    <p:sldId id="264" r:id="rId11"/>
+    <p:sldId id="257" r:id="rId12"/>
+    <p:sldId id="262" r:id="rId13"/>
+    <p:sldId id="260" r:id="rId14"/>
+    <p:sldId id="258" r:id="rId15"/>
+    <p:sldId id="259" r:id="rId16"/>
+    <p:sldId id="261" r:id="rId17"/>
   </p:sldIdLst>
   <p:sldSz cx="12192000" cy="6858000"/>
   <p:notesSz cx="6858000" cy="9144000"/>
@@ -5197,6 +5198,71 @@
       </p:grpSpPr>
       <p:pic>
         <p:nvPicPr>
+          <p:cNvPr id="5" name="Content Placeholder 4" descr="Chart, line chart&#10;&#10;Description automatically generated">
+            <a:extLst>
+              <a:ext uri="{FF2B5EF4-FFF2-40B4-BE49-F238E27FC236}">
+                <a16:creationId xmlns:a16="http://schemas.microsoft.com/office/drawing/2014/main" id="{A6D80025-1B3F-0C30-D5FA-E6CE702D9571}"/>
+              </a:ext>
+            </a:extLst>
+          </p:cNvPr>
+          <p:cNvPicPr>
+            <a:picLocks noGrp="1" noChangeAspect="1"/>
+          </p:cNvPicPr>
+          <p:nvPr>
+            <p:ph idx="1"/>
+          </p:nvPr>
+        </p:nvPicPr>
+        <p:blipFill>
+          <a:blip r:embed="rId2">
+            <a:extLst>
+              <a:ext uri="{28A0092B-C50C-407E-A947-70E740481C1C}">
+                <a14:useLocalDpi xmlns:a14="http://schemas.microsoft.com/office/drawing/2010/main" val="0"/>
+              </a:ext>
+            </a:extLst>
+          </a:blip>
+          <a:stretch>
+            <a:fillRect/>
+          </a:stretch>
+        </p:blipFill>
+        <p:spPr>
+          <a:xfrm>
+            <a:off x="3195108" y="1253331"/>
+            <a:ext cx="5801784" cy="4351338"/>
+          </a:xfrm>
+        </p:spPr>
+      </p:pic>
+    </p:spTree>
+    <p:extLst>
+      <p:ext uri="{BB962C8B-B14F-4D97-AF65-F5344CB8AC3E}">
+        <p14:creationId xmlns:p14="http://schemas.microsoft.com/office/powerpoint/2010/main" val="3989693785"/>
+      </p:ext>
+    </p:extLst>
+  </p:cSld>
+  <p:clrMapOvr>
+    <a:masterClrMapping/>
+  </p:clrMapOvr>
+</p:sld>
+</file>
+
+<file path=ppt/slides/slide11.xml><?xml version="1.0" encoding="utf-8"?>
+<p:sld xmlns:a="http://schemas.openxmlformats.org/drawingml/2006/main" xmlns:r="http://schemas.openxmlformats.org/officeDocument/2006/relationships" xmlns:p="http://schemas.openxmlformats.org/presentationml/2006/main">
+  <p:cSld>
+    <p:spTree>
+      <p:nvGrpSpPr>
+        <p:cNvPr id="1" name=""/>
+        <p:cNvGrpSpPr/>
+        <p:nvPr/>
+      </p:nvGrpSpPr>
+      <p:grpSpPr>
+        <a:xfrm>
+          <a:off x="0" y="0"/>
+          <a:ext cx="0" cy="0"/>
+          <a:chOff x="0" y="0"/>
+          <a:chExt cx="0" cy="0"/>
+        </a:xfrm>
+      </p:grpSpPr>
+      <p:pic>
+        <p:nvPicPr>
           <p:cNvPr id="5" name="Content Placeholder 4" descr="Shape&#10;&#10;Description automatically generated with medium confidence">
             <a:extLst>
               <a:ext uri="{FF2B5EF4-FFF2-40B4-BE49-F238E27FC236}">
@@ -5531,7 +5597,7 @@
 </p:sld>
 </file>
 
-<file path=ppt/slides/slide11.xml><?xml version="1.0" encoding="utf-8"?>
+<file path=ppt/slides/slide12.xml><?xml version="1.0" encoding="utf-8"?>
 <p:sld xmlns:a="http://schemas.openxmlformats.org/drawingml/2006/main" xmlns:r="http://schemas.openxmlformats.org/officeDocument/2006/relationships" xmlns:p="http://schemas.openxmlformats.org/presentationml/2006/main">
   <p:cSld>
     <p:spTree>
@@ -5591,7 +5657,7 @@
 </p:sld>
 </file>
 
-<file path=ppt/slides/slide12.xml><?xml version="1.0" encoding="utf-8"?>
+<file path=ppt/slides/slide13.xml><?xml version="1.0" encoding="utf-8"?>
 <p:sld xmlns:a="http://schemas.openxmlformats.org/drawingml/2006/main" xmlns:r="http://schemas.openxmlformats.org/officeDocument/2006/relationships" xmlns:p="http://schemas.openxmlformats.org/presentationml/2006/main">
   <p:cSld>
     <p:spTree>
@@ -5671,7 +5737,7 @@
 </p:sld>
 </file>
 
-<file path=ppt/slides/slide13.xml><?xml version="1.0" encoding="utf-8"?>
+<file path=ppt/slides/slide14.xml><?xml version="1.0" encoding="utf-8"?>
 <p:sld xmlns:a="http://schemas.openxmlformats.org/drawingml/2006/main" xmlns:r="http://schemas.openxmlformats.org/officeDocument/2006/relationships" xmlns:p="http://schemas.openxmlformats.org/presentationml/2006/main">
   <p:cSld>
     <p:spTree>
@@ -5788,7 +5854,7 @@
 </p:sld>
 </file>
 
-<file path=ppt/slides/slide14.xml><?xml version="1.0" encoding="utf-8"?>
+<file path=ppt/slides/slide15.xml><?xml version="1.0" encoding="utf-8"?>
 <p:sld xmlns:a="http://schemas.openxmlformats.org/drawingml/2006/main" xmlns:r="http://schemas.openxmlformats.org/officeDocument/2006/relationships" xmlns:p="http://schemas.openxmlformats.org/presentationml/2006/main">
   <p:cSld>
     <p:spTree>
@@ -5874,7 +5940,7 @@
 </p:sld>
 </file>
 
-<file path=ppt/slides/slide15.xml><?xml version="1.0" encoding="utf-8"?>
+<file path=ppt/slides/slide16.xml><?xml version="1.0" encoding="utf-8"?>
 <p:sld xmlns:a="http://schemas.openxmlformats.org/drawingml/2006/main" xmlns:r="http://schemas.openxmlformats.org/officeDocument/2006/relationships" xmlns:p="http://schemas.openxmlformats.org/presentationml/2006/main">
   <p:cSld>
     <p:spTree>
@@ -6501,159 +6567,6 @@
           <p:cNvPr id="2" name="Title 1">
             <a:extLst>
               <a:ext uri="{FF2B5EF4-FFF2-40B4-BE49-F238E27FC236}">
-                <a16:creationId xmlns:a16="http://schemas.microsoft.com/office/drawing/2014/main" id="{EE523BD8-7A95-1AA5-5AE6-9432D1307AC3}"/>
-              </a:ext>
-            </a:extLst>
-          </p:cNvPr>
-          <p:cNvSpPr>
-            <a:spLocks noGrp="1"/>
-          </p:cNvSpPr>
-          <p:nvPr>
-            <p:ph type="title"/>
-          </p:nvPr>
-        </p:nvSpPr>
-        <p:spPr/>
-        <p:txBody>
-          <a:bodyPr/>
-          <a:lstStyle/>
-          <a:p>
-            <a:r>
-              <a:rPr lang="en-US" dirty="0"/>
-              <a:t>Data segregation</a:t>
-            </a:r>
-            <a:endParaRPr lang="en-GB" dirty="0"/>
-          </a:p>
-        </p:txBody>
-      </p:sp>
-      <p:sp>
-        <p:nvSpPr>
-          <p:cNvPr id="3" name="Content Placeholder 2">
-            <a:extLst>
-              <a:ext uri="{FF2B5EF4-FFF2-40B4-BE49-F238E27FC236}">
-                <a16:creationId xmlns:a16="http://schemas.microsoft.com/office/drawing/2014/main" id="{E8E002E2-5EE4-3063-81A4-8AA5072E1C79}"/>
-              </a:ext>
-            </a:extLst>
-          </p:cNvPr>
-          <p:cNvSpPr>
-            <a:spLocks noGrp="1"/>
-          </p:cNvSpPr>
-          <p:nvPr>
-            <p:ph idx="1"/>
-          </p:nvPr>
-        </p:nvSpPr>
-        <p:spPr/>
-        <p:txBody>
-          <a:bodyPr>
-            <a:normAutofit/>
-          </a:bodyPr>
-          <a:lstStyle/>
-          <a:p>
-            <a:endParaRPr lang="en-US" dirty="0"/>
-          </a:p>
-          <a:p>
-            <a:endParaRPr lang="en-US" dirty="0"/>
-          </a:p>
-          <a:p>
-            <a:r>
-              <a:rPr lang="en-US" dirty="0"/>
-              <a:t>Overfitting</a:t>
-            </a:r>
-          </a:p>
-          <a:p>
-            <a:endParaRPr lang="en-US" dirty="0"/>
-          </a:p>
-          <a:p>
-            <a:endParaRPr lang="en-US" dirty="0"/>
-          </a:p>
-          <a:p>
-            <a:endParaRPr lang="en-US" dirty="0"/>
-          </a:p>
-          <a:p>
-            <a:pPr marL="0" indent="0">
-              <a:buNone/>
-            </a:pPr>
-            <a:endParaRPr lang="en-US" dirty="0"/>
-          </a:p>
-          <a:p>
-            <a:r>
-              <a:rPr lang="en-US" dirty="0"/>
-              <a:t>Train, test and validate!</a:t>
-            </a:r>
-            <a:endParaRPr lang="en-GB" dirty="0"/>
-          </a:p>
-        </p:txBody>
-      </p:sp>
-      <p:pic>
-        <p:nvPicPr>
-          <p:cNvPr id="5" name="Picture 4" descr="Diagram&#10;&#10;Description automatically generated">
-            <a:extLst>
-              <a:ext uri="{FF2B5EF4-FFF2-40B4-BE49-F238E27FC236}">
-                <a16:creationId xmlns:a16="http://schemas.microsoft.com/office/drawing/2014/main" id="{1D61F28C-7B0E-727A-E794-9E093D161F49}"/>
-              </a:ext>
-            </a:extLst>
-          </p:cNvPr>
-          <p:cNvPicPr>
-            <a:picLocks noChangeAspect="1"/>
-          </p:cNvPicPr>
-          <p:nvPr/>
-        </p:nvPicPr>
-        <p:blipFill>
-          <a:blip r:embed="rId2">
-            <a:extLst>
-              <a:ext uri="{28A0092B-C50C-407E-A947-70E740481C1C}">
-                <a14:useLocalDpi xmlns:a14="http://schemas.microsoft.com/office/drawing/2010/main" val="0"/>
-              </a:ext>
-            </a:extLst>
-          </a:blip>
-          <a:stretch>
-            <a:fillRect/>
-          </a:stretch>
-        </p:blipFill>
-        <p:spPr>
-          <a:xfrm>
-            <a:off x="3962400" y="1476556"/>
-            <a:ext cx="7871791" cy="3428165"/>
-          </a:xfrm>
-          <a:prstGeom prst="rect">
-            <a:avLst/>
-          </a:prstGeom>
-        </p:spPr>
-      </p:pic>
-    </p:spTree>
-    <p:extLst>
-      <p:ext uri="{BB962C8B-B14F-4D97-AF65-F5344CB8AC3E}">
-        <p14:creationId xmlns:p14="http://schemas.microsoft.com/office/powerpoint/2010/main" val="2219305440"/>
-      </p:ext>
-    </p:extLst>
-  </p:cSld>
-  <p:clrMapOvr>
-    <a:masterClrMapping/>
-  </p:clrMapOvr>
-</p:sld>
-</file>
-
-<file path=ppt/slides/slide5.xml><?xml version="1.0" encoding="utf-8"?>
-<p:sld xmlns:a="http://schemas.openxmlformats.org/drawingml/2006/main" xmlns:r="http://schemas.openxmlformats.org/officeDocument/2006/relationships" xmlns:p="http://schemas.openxmlformats.org/presentationml/2006/main">
-  <p:cSld>
-    <p:spTree>
-      <p:nvGrpSpPr>
-        <p:cNvPr id="1" name=""/>
-        <p:cNvGrpSpPr/>
-        <p:nvPr/>
-      </p:nvGrpSpPr>
-      <p:grpSpPr>
-        <a:xfrm>
-          <a:off x="0" y="0"/>
-          <a:ext cx="0" cy="0"/>
-          <a:chOff x="0" y="0"/>
-          <a:chExt cx="0" cy="0"/>
-        </a:xfrm>
-      </p:grpSpPr>
-      <p:sp>
-        <p:nvSpPr>
-          <p:cNvPr id="2" name="Title 1">
-            <a:extLst>
-              <a:ext uri="{FF2B5EF4-FFF2-40B4-BE49-F238E27FC236}">
                 <a16:creationId xmlns:a16="http://schemas.microsoft.com/office/drawing/2014/main" id="{09D6C8FC-2987-FF27-54AF-6A67A4AFD78F}"/>
               </a:ext>
             </a:extLst>
@@ -6939,6 +6852,159 @@
 </p:sld>
 </file>
 
+<file path=ppt/slides/slide5.xml><?xml version="1.0" encoding="utf-8"?>
+<p:sld xmlns:a="http://schemas.openxmlformats.org/drawingml/2006/main" xmlns:r="http://schemas.openxmlformats.org/officeDocument/2006/relationships" xmlns:p="http://schemas.openxmlformats.org/presentationml/2006/main">
+  <p:cSld>
+    <p:spTree>
+      <p:nvGrpSpPr>
+        <p:cNvPr id="1" name=""/>
+        <p:cNvGrpSpPr/>
+        <p:nvPr/>
+      </p:nvGrpSpPr>
+      <p:grpSpPr>
+        <a:xfrm>
+          <a:off x="0" y="0"/>
+          <a:ext cx="0" cy="0"/>
+          <a:chOff x="0" y="0"/>
+          <a:chExt cx="0" cy="0"/>
+        </a:xfrm>
+      </p:grpSpPr>
+      <p:sp>
+        <p:nvSpPr>
+          <p:cNvPr id="2" name="Title 1">
+            <a:extLst>
+              <a:ext uri="{FF2B5EF4-FFF2-40B4-BE49-F238E27FC236}">
+                <a16:creationId xmlns:a16="http://schemas.microsoft.com/office/drawing/2014/main" id="{EE523BD8-7A95-1AA5-5AE6-9432D1307AC3}"/>
+              </a:ext>
+            </a:extLst>
+          </p:cNvPr>
+          <p:cNvSpPr>
+            <a:spLocks noGrp="1"/>
+          </p:cNvSpPr>
+          <p:nvPr>
+            <p:ph type="title"/>
+          </p:nvPr>
+        </p:nvSpPr>
+        <p:spPr/>
+        <p:txBody>
+          <a:bodyPr/>
+          <a:lstStyle/>
+          <a:p>
+            <a:r>
+              <a:rPr lang="en-US" dirty="0"/>
+              <a:t>Data segregation</a:t>
+            </a:r>
+            <a:endParaRPr lang="en-GB" dirty="0"/>
+          </a:p>
+        </p:txBody>
+      </p:sp>
+      <p:sp>
+        <p:nvSpPr>
+          <p:cNvPr id="3" name="Content Placeholder 2">
+            <a:extLst>
+              <a:ext uri="{FF2B5EF4-FFF2-40B4-BE49-F238E27FC236}">
+                <a16:creationId xmlns:a16="http://schemas.microsoft.com/office/drawing/2014/main" id="{E8E002E2-5EE4-3063-81A4-8AA5072E1C79}"/>
+              </a:ext>
+            </a:extLst>
+          </p:cNvPr>
+          <p:cNvSpPr>
+            <a:spLocks noGrp="1"/>
+          </p:cNvSpPr>
+          <p:nvPr>
+            <p:ph idx="1"/>
+          </p:nvPr>
+        </p:nvSpPr>
+        <p:spPr/>
+        <p:txBody>
+          <a:bodyPr>
+            <a:normAutofit/>
+          </a:bodyPr>
+          <a:lstStyle/>
+          <a:p>
+            <a:endParaRPr lang="en-US" dirty="0"/>
+          </a:p>
+          <a:p>
+            <a:endParaRPr lang="en-US" dirty="0"/>
+          </a:p>
+          <a:p>
+            <a:r>
+              <a:rPr lang="en-US" dirty="0"/>
+              <a:t>Overfitting</a:t>
+            </a:r>
+          </a:p>
+          <a:p>
+            <a:endParaRPr lang="en-US" dirty="0"/>
+          </a:p>
+          <a:p>
+            <a:endParaRPr lang="en-US" dirty="0"/>
+          </a:p>
+          <a:p>
+            <a:endParaRPr lang="en-US" dirty="0"/>
+          </a:p>
+          <a:p>
+            <a:pPr marL="0" indent="0">
+              <a:buNone/>
+            </a:pPr>
+            <a:endParaRPr lang="en-US" dirty="0"/>
+          </a:p>
+          <a:p>
+            <a:r>
+              <a:rPr lang="en-US" dirty="0"/>
+              <a:t>Train, test and validate!</a:t>
+            </a:r>
+            <a:endParaRPr lang="en-GB" dirty="0"/>
+          </a:p>
+        </p:txBody>
+      </p:sp>
+      <p:pic>
+        <p:nvPicPr>
+          <p:cNvPr id="5" name="Picture 4" descr="Diagram&#10;&#10;Description automatically generated">
+            <a:extLst>
+              <a:ext uri="{FF2B5EF4-FFF2-40B4-BE49-F238E27FC236}">
+                <a16:creationId xmlns:a16="http://schemas.microsoft.com/office/drawing/2014/main" id="{1D61F28C-7B0E-727A-E794-9E093D161F49}"/>
+              </a:ext>
+            </a:extLst>
+          </p:cNvPr>
+          <p:cNvPicPr>
+            <a:picLocks noChangeAspect="1"/>
+          </p:cNvPicPr>
+          <p:nvPr/>
+        </p:nvPicPr>
+        <p:blipFill>
+          <a:blip r:embed="rId2">
+            <a:extLst>
+              <a:ext uri="{28A0092B-C50C-407E-A947-70E740481C1C}">
+                <a14:useLocalDpi xmlns:a14="http://schemas.microsoft.com/office/drawing/2010/main" val="0"/>
+              </a:ext>
+            </a:extLst>
+          </a:blip>
+          <a:stretch>
+            <a:fillRect/>
+          </a:stretch>
+        </p:blipFill>
+        <p:spPr>
+          <a:xfrm>
+            <a:off x="3962400" y="1476556"/>
+            <a:ext cx="7871791" cy="3428165"/>
+          </a:xfrm>
+          <a:prstGeom prst="rect">
+            <a:avLst/>
+          </a:prstGeom>
+        </p:spPr>
+      </p:pic>
+    </p:spTree>
+    <p:extLst>
+      <p:ext uri="{BB962C8B-B14F-4D97-AF65-F5344CB8AC3E}">
+        <p14:creationId xmlns:p14="http://schemas.microsoft.com/office/powerpoint/2010/main" val="2219305440"/>
+      </p:ext>
+    </p:extLst>
+  </p:cSld>
+  <p:clrMapOvr>
+    <a:masterClrMapping/>
+  </p:clrMapOvr>
+</p:sld>
+</file>
+
 <file path=ppt/slides/slide6.xml><?xml version="1.0" encoding="utf-8"?>
 <p:sld xmlns:a="http://schemas.openxmlformats.org/drawingml/2006/main" xmlns:r="http://schemas.openxmlformats.org/officeDocument/2006/relationships" xmlns:p="http://schemas.openxmlformats.org/presentationml/2006/main">
   <p:cSld>
@@ -6961,7 +7027,7 @@
           <p:cNvPr id="2" name="Title 1">
             <a:extLst>
               <a:ext uri="{FF2B5EF4-FFF2-40B4-BE49-F238E27FC236}">
-                <a16:creationId xmlns:a16="http://schemas.microsoft.com/office/drawing/2014/main" id="{31B0AB87-8C6F-EE93-5D0D-457424FBB46E}"/>
+                <a16:creationId xmlns:a16="http://schemas.microsoft.com/office/drawing/2014/main" id="{61661C0B-24A3-FB18-22EE-47BAEA3A839D}"/>
               </a:ext>
             </a:extLst>
           </p:cNvPr>
@@ -6979,7 +7045,7 @@
           <a:p>
             <a:r>
               <a:rPr lang="en-US" dirty="0"/>
-              <a:t>Hyperparameters</a:t>
+              <a:t>Dipeptide self-assembly</a:t>
             </a:r>
             <a:endParaRPr lang="en-GB" dirty="0"/>
           </a:p>
@@ -6987,33 +7053,443 @@
       </p:sp>
       <p:sp>
         <p:nvSpPr>
-          <p:cNvPr id="3" name="Content Placeholder 2">
-            <a:extLst>
-              <a:ext uri="{FF2B5EF4-FFF2-40B4-BE49-F238E27FC236}">
-                <a16:creationId xmlns:a16="http://schemas.microsoft.com/office/drawing/2014/main" id="{2EFFE7F0-3BDA-A2C3-1583-E447E6959E9A}"/>
-              </a:ext>
-            </a:extLst>
-          </p:cNvPr>
-          <p:cNvSpPr>
-            <a:spLocks noGrp="1"/>
-          </p:cNvSpPr>
-          <p:nvPr>
-            <p:ph idx="1"/>
-          </p:nvPr>
-        </p:nvSpPr>
-        <p:spPr/>
-        <p:txBody>
-          <a:bodyPr/>
+          <p:cNvPr id="4" name="Rectangle 3">
+            <a:extLst>
+              <a:ext uri="{FF2B5EF4-FFF2-40B4-BE49-F238E27FC236}">
+                <a16:creationId xmlns:a16="http://schemas.microsoft.com/office/drawing/2014/main" id="{249F1859-12B1-6F7E-4D0C-250C62399331}"/>
+              </a:ext>
+            </a:extLst>
+          </p:cNvPr>
+          <p:cNvSpPr/>
+          <p:nvPr/>
+        </p:nvSpPr>
+        <p:spPr>
+          <a:xfrm>
+            <a:off x="4630993" y="1513707"/>
+            <a:ext cx="2359742" cy="988142"/>
+          </a:xfrm>
+          <a:prstGeom prst="rect">
+            <a:avLst/>
+          </a:prstGeom>
+        </p:spPr>
+        <p:style>
+          <a:lnRef idx="2">
+            <a:schemeClr val="accent1">
+              <a:shade val="50000"/>
+            </a:schemeClr>
+          </a:lnRef>
+          <a:fillRef idx="1">
+            <a:schemeClr val="accent1"/>
+          </a:fillRef>
+          <a:effectRef idx="0">
+            <a:schemeClr val="accent1"/>
+          </a:effectRef>
+          <a:fontRef idx="minor">
+            <a:schemeClr val="lt1"/>
+          </a:fontRef>
+        </p:style>
+        <p:txBody>
+          <a:bodyPr rtlCol="0" anchor="ctr"/>
           <a:lstStyle/>
           <a:p>
+            <a:pPr algn="ctr"/>
+            <a:r>
+              <a:rPr lang="en-US" dirty="0"/>
+              <a:t>400 datapoints (20</a:t>
+            </a:r>
+            <a:r>
+              <a:rPr lang="en-US" baseline="30000" dirty="0"/>
+              <a:t>2</a:t>
+            </a:r>
+            <a:r>
+              <a:rPr lang="en-US" dirty="0"/>
+              <a:t>)</a:t>
+            </a:r>
             <a:endParaRPr lang="en-GB" dirty="0"/>
           </a:p>
         </p:txBody>
       </p:sp>
+      <p:sp>
+        <p:nvSpPr>
+          <p:cNvPr id="5" name="Rectangle 4">
+            <a:extLst>
+              <a:ext uri="{FF2B5EF4-FFF2-40B4-BE49-F238E27FC236}">
+                <a16:creationId xmlns:a16="http://schemas.microsoft.com/office/drawing/2014/main" id="{E22128C6-4EE1-D7AF-9C50-31F11CED95FA}"/>
+              </a:ext>
+            </a:extLst>
+          </p:cNvPr>
+          <p:cNvSpPr/>
+          <p:nvPr/>
+        </p:nvSpPr>
+        <p:spPr>
+          <a:xfrm>
+            <a:off x="2964425" y="2930218"/>
+            <a:ext cx="2359742" cy="988142"/>
+          </a:xfrm>
+          <a:prstGeom prst="rect">
+            <a:avLst/>
+          </a:prstGeom>
+        </p:spPr>
+        <p:style>
+          <a:lnRef idx="2">
+            <a:schemeClr val="accent1">
+              <a:shade val="50000"/>
+            </a:schemeClr>
+          </a:lnRef>
+          <a:fillRef idx="1">
+            <a:schemeClr val="accent1"/>
+          </a:fillRef>
+          <a:effectRef idx="0">
+            <a:schemeClr val="accent1"/>
+          </a:effectRef>
+          <a:fontRef idx="minor">
+            <a:schemeClr val="lt1"/>
+          </a:fontRef>
+        </p:style>
+        <p:txBody>
+          <a:bodyPr rtlCol="0" anchor="ctr"/>
+          <a:lstStyle/>
+          <a:p>
+            <a:pPr algn="ctr"/>
+            <a:r>
+              <a:rPr lang="en-US" dirty="0"/>
+              <a:t>268 training points</a:t>
+            </a:r>
+            <a:endParaRPr lang="en-GB" dirty="0"/>
+          </a:p>
+        </p:txBody>
+      </p:sp>
+      <p:sp>
+        <p:nvSpPr>
+          <p:cNvPr id="6" name="Rectangle 5">
+            <a:extLst>
+              <a:ext uri="{FF2B5EF4-FFF2-40B4-BE49-F238E27FC236}">
+                <a16:creationId xmlns:a16="http://schemas.microsoft.com/office/drawing/2014/main" id="{DD08FB57-953D-1CEF-93E4-69C744176170}"/>
+              </a:ext>
+            </a:extLst>
+          </p:cNvPr>
+          <p:cNvSpPr/>
+          <p:nvPr/>
+        </p:nvSpPr>
+        <p:spPr>
+          <a:xfrm>
+            <a:off x="6248400" y="2930218"/>
+            <a:ext cx="2359742" cy="988142"/>
+          </a:xfrm>
+          <a:prstGeom prst="rect">
+            <a:avLst/>
+          </a:prstGeom>
+        </p:spPr>
+        <p:style>
+          <a:lnRef idx="2">
+            <a:schemeClr val="accent1">
+              <a:shade val="50000"/>
+            </a:schemeClr>
+          </a:lnRef>
+          <a:fillRef idx="1">
+            <a:schemeClr val="accent1"/>
+          </a:fillRef>
+          <a:effectRef idx="0">
+            <a:schemeClr val="accent1"/>
+          </a:effectRef>
+          <a:fontRef idx="minor">
+            <a:schemeClr val="lt1"/>
+          </a:fontRef>
+        </p:style>
+        <p:txBody>
+          <a:bodyPr rtlCol="0" anchor="ctr"/>
+          <a:lstStyle/>
+          <a:p>
+            <a:pPr algn="ctr"/>
+            <a:r>
+              <a:rPr lang="en-US" dirty="0"/>
+              <a:t>132 validation points</a:t>
+            </a:r>
+            <a:endParaRPr lang="en-GB" dirty="0"/>
+          </a:p>
+        </p:txBody>
+      </p:sp>
+      <p:sp>
+        <p:nvSpPr>
+          <p:cNvPr id="7" name="Rectangle 6">
+            <a:extLst>
+              <a:ext uri="{FF2B5EF4-FFF2-40B4-BE49-F238E27FC236}">
+                <a16:creationId xmlns:a16="http://schemas.microsoft.com/office/drawing/2014/main" id="{C3A1ED75-8566-AACC-DC89-78A7B33DA839}"/>
+              </a:ext>
+            </a:extLst>
+          </p:cNvPr>
+          <p:cNvSpPr/>
+          <p:nvPr/>
+        </p:nvSpPr>
+        <p:spPr>
+          <a:xfrm>
+            <a:off x="1340054" y="4599244"/>
+            <a:ext cx="2359742" cy="988142"/>
+          </a:xfrm>
+          <a:prstGeom prst="rect">
+            <a:avLst/>
+          </a:prstGeom>
+        </p:spPr>
+        <p:style>
+          <a:lnRef idx="2">
+            <a:schemeClr val="accent1">
+              <a:shade val="50000"/>
+            </a:schemeClr>
+          </a:lnRef>
+          <a:fillRef idx="1">
+            <a:schemeClr val="accent1"/>
+          </a:fillRef>
+          <a:effectRef idx="0">
+            <a:schemeClr val="accent1"/>
+          </a:effectRef>
+          <a:fontRef idx="minor">
+            <a:schemeClr val="lt1"/>
+          </a:fontRef>
+        </p:style>
+        <p:txBody>
+          <a:bodyPr rtlCol="0" anchor="ctr"/>
+          <a:lstStyle/>
+          <a:p>
+            <a:pPr algn="ctr"/>
+            <a:r>
+              <a:rPr lang="en-US" dirty="0"/>
+              <a:t>179 training points</a:t>
+            </a:r>
+            <a:endParaRPr lang="en-GB" dirty="0"/>
+          </a:p>
+        </p:txBody>
+      </p:sp>
+      <p:sp>
+        <p:nvSpPr>
+          <p:cNvPr id="8" name="Rectangle 7">
+            <a:extLst>
+              <a:ext uri="{FF2B5EF4-FFF2-40B4-BE49-F238E27FC236}">
+                <a16:creationId xmlns:a16="http://schemas.microsoft.com/office/drawing/2014/main" id="{E2056722-47E6-C415-7241-633F3F8B9C84}"/>
+              </a:ext>
+            </a:extLst>
+          </p:cNvPr>
+          <p:cNvSpPr/>
+          <p:nvPr/>
+        </p:nvSpPr>
+        <p:spPr>
+          <a:xfrm>
+            <a:off x="4471629" y="4599244"/>
+            <a:ext cx="2359742" cy="988142"/>
+          </a:xfrm>
+          <a:prstGeom prst="rect">
+            <a:avLst/>
+          </a:prstGeom>
+        </p:spPr>
+        <p:style>
+          <a:lnRef idx="2">
+            <a:schemeClr val="accent1">
+              <a:shade val="50000"/>
+            </a:schemeClr>
+          </a:lnRef>
+          <a:fillRef idx="1">
+            <a:schemeClr val="accent1"/>
+          </a:fillRef>
+          <a:effectRef idx="0">
+            <a:schemeClr val="accent1"/>
+          </a:effectRef>
+          <a:fontRef idx="minor">
+            <a:schemeClr val="lt1"/>
+          </a:fontRef>
+        </p:style>
+        <p:txBody>
+          <a:bodyPr rtlCol="0" anchor="ctr"/>
+          <a:lstStyle/>
+          <a:p>
+            <a:pPr algn="ctr"/>
+            <a:r>
+              <a:rPr lang="en-US" dirty="0"/>
+              <a:t>89 testing points</a:t>
+            </a:r>
+            <a:endParaRPr lang="en-GB" dirty="0"/>
+          </a:p>
+        </p:txBody>
+      </p:sp>
+      <p:cxnSp>
+        <p:nvCxnSpPr>
+          <p:cNvPr id="14" name="Connector: Elbow 13">
+            <a:extLst>
+              <a:ext uri="{FF2B5EF4-FFF2-40B4-BE49-F238E27FC236}">
+                <a16:creationId xmlns:a16="http://schemas.microsoft.com/office/drawing/2014/main" id="{A21F4E28-F7E6-B79E-D74E-2C6E12AE5174}"/>
+              </a:ext>
+            </a:extLst>
+          </p:cNvPr>
+          <p:cNvCxnSpPr>
+            <a:stCxn id="4" idx="2"/>
+            <a:endCxn id="5" idx="0"/>
+          </p:cNvCxnSpPr>
+          <p:nvPr/>
+        </p:nvCxnSpPr>
+        <p:spPr>
+          <a:xfrm rot="5400000">
+            <a:off x="4763396" y="1882749"/>
+            <a:ext cx="428369" cy="1666568"/>
+          </a:xfrm>
+          <a:prstGeom prst="bentConnector3">
+            <a:avLst/>
+          </a:prstGeom>
+          <a:ln>
+            <a:tailEnd type="triangle"/>
+          </a:ln>
+        </p:spPr>
+        <p:style>
+          <a:lnRef idx="1">
+            <a:schemeClr val="accent1"/>
+          </a:lnRef>
+          <a:fillRef idx="0">
+            <a:schemeClr val="accent1"/>
+          </a:fillRef>
+          <a:effectRef idx="0">
+            <a:schemeClr val="accent1"/>
+          </a:effectRef>
+          <a:fontRef idx="minor">
+            <a:schemeClr val="tx1"/>
+          </a:fontRef>
+        </p:style>
+      </p:cxnSp>
+      <p:cxnSp>
+        <p:nvCxnSpPr>
+          <p:cNvPr id="15" name="Connector: Elbow 14">
+            <a:extLst>
+              <a:ext uri="{FF2B5EF4-FFF2-40B4-BE49-F238E27FC236}">
+                <a16:creationId xmlns:a16="http://schemas.microsoft.com/office/drawing/2014/main" id="{A6FB7BBB-F7E9-72A4-DF6D-2B3DE87C9759}"/>
+              </a:ext>
+            </a:extLst>
+          </p:cNvPr>
+          <p:cNvCxnSpPr>
+            <a:cxnSpLocks/>
+            <a:stCxn id="4" idx="2"/>
+            <a:endCxn id="6" idx="0"/>
+          </p:cNvCxnSpPr>
+          <p:nvPr/>
+        </p:nvCxnSpPr>
+        <p:spPr>
+          <a:xfrm rot="16200000" flipH="1">
+            <a:off x="6405383" y="1907329"/>
+            <a:ext cx="428369" cy="1617407"/>
+          </a:xfrm>
+          <a:prstGeom prst="bentConnector3">
+            <a:avLst>
+              <a:gd name="adj1" fmla="val 50000"/>
+            </a:avLst>
+          </a:prstGeom>
+          <a:ln>
+            <a:tailEnd type="triangle"/>
+          </a:ln>
+        </p:spPr>
+        <p:style>
+          <a:lnRef idx="1">
+            <a:schemeClr val="accent1"/>
+          </a:lnRef>
+          <a:fillRef idx="0">
+            <a:schemeClr val="accent1"/>
+          </a:fillRef>
+          <a:effectRef idx="0">
+            <a:schemeClr val="accent1"/>
+          </a:effectRef>
+          <a:fontRef idx="minor">
+            <a:schemeClr val="tx1"/>
+          </a:fontRef>
+        </p:style>
+      </p:cxnSp>
+      <p:cxnSp>
+        <p:nvCxnSpPr>
+          <p:cNvPr id="18" name="Connector: Elbow 17">
+            <a:extLst>
+              <a:ext uri="{FF2B5EF4-FFF2-40B4-BE49-F238E27FC236}">
+                <a16:creationId xmlns:a16="http://schemas.microsoft.com/office/drawing/2014/main" id="{C552CB5E-D98A-BDBB-9BCC-757CDF8F081E}"/>
+              </a:ext>
+            </a:extLst>
+          </p:cNvPr>
+          <p:cNvCxnSpPr>
+            <a:cxnSpLocks/>
+            <a:stCxn id="5" idx="2"/>
+            <a:endCxn id="8" idx="0"/>
+          </p:cNvCxnSpPr>
+          <p:nvPr/>
+        </p:nvCxnSpPr>
+        <p:spPr>
+          <a:xfrm rot="16200000" flipH="1">
+            <a:off x="4557456" y="3505200"/>
+            <a:ext cx="680884" cy="1507204"/>
+          </a:xfrm>
+          <a:prstGeom prst="bentConnector3">
+            <a:avLst>
+              <a:gd name="adj1" fmla="val 50000"/>
+            </a:avLst>
+          </a:prstGeom>
+          <a:ln>
+            <a:tailEnd type="triangle"/>
+          </a:ln>
+        </p:spPr>
+        <p:style>
+          <a:lnRef idx="1">
+            <a:schemeClr val="accent1"/>
+          </a:lnRef>
+          <a:fillRef idx="0">
+            <a:schemeClr val="accent1"/>
+          </a:fillRef>
+          <a:effectRef idx="0">
+            <a:schemeClr val="accent1"/>
+          </a:effectRef>
+          <a:fontRef idx="minor">
+            <a:schemeClr val="tx1"/>
+          </a:fontRef>
+        </p:style>
+      </p:cxnSp>
+      <p:cxnSp>
+        <p:nvCxnSpPr>
+          <p:cNvPr id="21" name="Connector: Elbow 20">
+            <a:extLst>
+              <a:ext uri="{FF2B5EF4-FFF2-40B4-BE49-F238E27FC236}">
+                <a16:creationId xmlns:a16="http://schemas.microsoft.com/office/drawing/2014/main" id="{21522050-9CEF-AFEE-BDA8-82BBD329FEEB}"/>
+              </a:ext>
+            </a:extLst>
+          </p:cNvPr>
+          <p:cNvCxnSpPr>
+            <a:cxnSpLocks/>
+            <a:stCxn id="5" idx="2"/>
+            <a:endCxn id="7" idx="0"/>
+          </p:cNvCxnSpPr>
+          <p:nvPr/>
+        </p:nvCxnSpPr>
+        <p:spPr>
+          <a:xfrm rot="5400000">
+            <a:off x="2991669" y="3446617"/>
+            <a:ext cx="680884" cy="1624371"/>
+          </a:xfrm>
+          <a:prstGeom prst="bentConnector3">
+            <a:avLst>
+              <a:gd name="adj1" fmla="val 50000"/>
+            </a:avLst>
+          </a:prstGeom>
+          <a:ln>
+            <a:tailEnd type="triangle"/>
+          </a:ln>
+        </p:spPr>
+        <p:style>
+          <a:lnRef idx="1">
+            <a:schemeClr val="accent1"/>
+          </a:lnRef>
+          <a:fillRef idx="0">
+            <a:schemeClr val="accent1"/>
+          </a:fillRef>
+          <a:effectRef idx="0">
+            <a:schemeClr val="accent1"/>
+          </a:effectRef>
+          <a:fontRef idx="minor">
+            <a:schemeClr val="tx1"/>
+          </a:fontRef>
+        </p:style>
+      </p:cxnSp>
     </p:spTree>
     <p:extLst>
       <p:ext uri="{BB962C8B-B14F-4D97-AF65-F5344CB8AC3E}">
-        <p14:creationId xmlns:p14="http://schemas.microsoft.com/office/powerpoint/2010/main" val="1092923729"/>
+        <p14:creationId xmlns:p14="http://schemas.microsoft.com/office/powerpoint/2010/main" val="2835371536"/>
       </p:ext>
     </p:extLst>
   </p:cSld>
@@ -7045,7 +7521,7 @@
           <p:cNvPr id="2" name="Title 1">
             <a:extLst>
               <a:ext uri="{FF2B5EF4-FFF2-40B4-BE49-F238E27FC236}">
-                <a16:creationId xmlns:a16="http://schemas.microsoft.com/office/drawing/2014/main" id="{84F928A3-572E-A77B-6FCB-3C2494B0C449}"/>
+                <a16:creationId xmlns:a16="http://schemas.microsoft.com/office/drawing/2014/main" id="{31B0AB87-8C6F-EE93-5D0D-457424FBB46E}"/>
               </a:ext>
             </a:extLst>
           </p:cNvPr>
@@ -7063,46 +7539,163 @@
           <a:p>
             <a:r>
               <a:rPr lang="en-US" dirty="0"/>
-              <a:t>Can we predict something harder?</a:t>
+              <a:t>Hyperparameters</a:t>
             </a:r>
             <a:endParaRPr lang="en-GB" dirty="0"/>
           </a:p>
         </p:txBody>
       </p:sp>
-      <p:pic>
-        <p:nvPicPr>
-          <p:cNvPr id="4" name="Picture 3">
-            <a:extLst>
-              <a:ext uri="{FF2B5EF4-FFF2-40B4-BE49-F238E27FC236}">
-                <a16:creationId xmlns:a16="http://schemas.microsoft.com/office/drawing/2014/main" id="{DE63A5CA-41FD-70D8-6BFA-D694E43C10A7}"/>
-              </a:ext>
-            </a:extLst>
-          </p:cNvPr>
-          <p:cNvPicPr>
-            <a:picLocks noChangeAspect="1"/>
-          </p:cNvPicPr>
+      <p:sp>
+        <p:nvSpPr>
+          <p:cNvPr id="3" name="Content Placeholder 2">
+            <a:extLst>
+              <a:ext uri="{FF2B5EF4-FFF2-40B4-BE49-F238E27FC236}">
+                <a16:creationId xmlns:a16="http://schemas.microsoft.com/office/drawing/2014/main" id="{2EFFE7F0-3BDA-A2C3-1583-E447E6959E9A}"/>
+              </a:ext>
+            </a:extLst>
+          </p:cNvPr>
+          <p:cNvSpPr>
+            <a:spLocks noGrp="1"/>
+          </p:cNvSpPr>
+          <p:nvPr>
+            <p:ph idx="1"/>
+          </p:nvPr>
+        </p:nvSpPr>
+        <p:spPr/>
+        <p:txBody>
+          <a:bodyPr/>
+          <a:lstStyle/>
+          <a:p>
+            <a:r>
+              <a:rPr lang="en-US" dirty="0"/>
+              <a:t>Other parameters that effect the fit of the data</a:t>
+            </a:r>
+            <a:endParaRPr lang="en-GB" dirty="0"/>
+          </a:p>
+        </p:txBody>
+      </p:sp>
+      <p:sp>
+        <p:nvSpPr>
+          <p:cNvPr id="6" name="TextBox 5">
+            <a:extLst>
+              <a:ext uri="{FF2B5EF4-FFF2-40B4-BE49-F238E27FC236}">
+                <a16:creationId xmlns:a16="http://schemas.microsoft.com/office/drawing/2014/main" id="{CDBE25FB-22A1-B7AA-46DB-7D6BF0BA0892}"/>
+              </a:ext>
+            </a:extLst>
+          </p:cNvPr>
+          <p:cNvSpPr txBox="1"/>
           <p:nvPr/>
-        </p:nvPicPr>
-        <p:blipFill>
-          <a:blip r:embed="rId2"/>
-          <a:stretch>
-            <a:fillRect/>
-          </a:stretch>
-        </p:blipFill>
+        </p:nvSpPr>
         <p:spPr>
           <a:xfrm>
-            <a:off x="6762750" y="1929606"/>
-            <a:ext cx="4591050" cy="4143375"/>
+            <a:off x="3882887" y="2554744"/>
+            <a:ext cx="4426225" cy="707886"/>
           </a:xfrm>
           <a:prstGeom prst="rect">
             <a:avLst/>
           </a:prstGeom>
+          <a:noFill/>
         </p:spPr>
-      </p:pic>
+        <p:txBody>
+          <a:bodyPr wrap="square" rtlCol="0">
+            <a:spAutoFit/>
+          </a:bodyPr>
+          <a:lstStyle/>
+          <a:p>
+            <a:r>
+              <a:rPr lang="en-GB" sz="4000" dirty="0"/>
+              <a:t>y=abs(m)? x (+b)</a:t>
+            </a:r>
+          </a:p>
+        </p:txBody>
+      </p:sp>
+      <p:sp>
+        <p:nvSpPr>
+          <p:cNvPr id="8" name="TextBox 7">
+            <a:extLst>
+              <a:ext uri="{FF2B5EF4-FFF2-40B4-BE49-F238E27FC236}">
+                <a16:creationId xmlns:a16="http://schemas.microsoft.com/office/drawing/2014/main" id="{754ADD7F-3792-7E97-D546-F4EA5936744E}"/>
+              </a:ext>
+            </a:extLst>
+          </p:cNvPr>
+          <p:cNvSpPr txBox="1"/>
+          <p:nvPr/>
+        </p:nvSpPr>
+        <p:spPr>
+          <a:xfrm>
+            <a:off x="4572000" y="3397567"/>
+            <a:ext cx="6096000" cy="1477328"/>
+          </a:xfrm>
+          <a:prstGeom prst="rect">
+            <a:avLst/>
+          </a:prstGeom>
+          <a:noFill/>
+        </p:spPr>
+        <p:txBody>
+          <a:bodyPr wrap="square">
+            <a:spAutoFit/>
+          </a:bodyPr>
+          <a:lstStyle/>
+          <a:p>
+            <a:r>
+              <a:rPr lang="en-GB" dirty="0"/>
+              <a:t> </a:t>
+            </a:r>
+            <a:r>
+              <a:rPr lang="en-GB" dirty="0" err="1"/>
+              <a:t>fit_intercept</a:t>
+            </a:r>
+            <a:r>
+              <a:rPr lang="en-GB" dirty="0"/>
+              <a:t> positive  Test data RMSE</a:t>
+            </a:r>
+          </a:p>
+          <a:p>
+            <a:r>
+              <a:rPr lang="en-GB" dirty="0"/>
+              <a:t>2         False     True        0.810048</a:t>
+            </a:r>
+          </a:p>
+          <a:p>
+            <a:r>
+              <a:rPr lang="en-GB" dirty="0"/>
+              <a:t>3         False    </a:t>
+            </a:r>
+            <a:r>
+              <a:rPr lang="en-GB" dirty="0" err="1"/>
+              <a:t>False</a:t>
+            </a:r>
+            <a:r>
+              <a:rPr lang="en-GB" dirty="0"/>
+              <a:t>        0.233584</a:t>
+            </a:r>
+          </a:p>
+          <a:p>
+            <a:r>
+              <a:rPr lang="en-GB" dirty="0"/>
+              <a:t>0          True     </a:t>
+            </a:r>
+            <a:r>
+              <a:rPr lang="en-GB" dirty="0" err="1"/>
+              <a:t>True</a:t>
+            </a:r>
+            <a:r>
+              <a:rPr lang="en-GB" dirty="0"/>
+              <a:t>        0.171678</a:t>
+            </a:r>
+          </a:p>
+          <a:p>
+            <a:r>
+              <a:rPr lang="en-GB" dirty="0"/>
+              <a:t>1          True    False        0.169679</a:t>
+            </a:r>
+          </a:p>
+        </p:txBody>
+      </p:sp>
     </p:spTree>
     <p:extLst>
       <p:ext uri="{BB962C8B-B14F-4D97-AF65-F5344CB8AC3E}">
-        <p14:creationId xmlns:p14="http://schemas.microsoft.com/office/powerpoint/2010/main" val="1358280357"/>
+        <p14:creationId xmlns:p14="http://schemas.microsoft.com/office/powerpoint/2010/main" val="1092923729"/>
       </p:ext>
     </p:extLst>
   </p:cSld>
@@ -7134,7 +7727,7 @@
           <p:cNvPr id="2" name="Title 1">
             <a:extLst>
               <a:ext uri="{FF2B5EF4-FFF2-40B4-BE49-F238E27FC236}">
-                <a16:creationId xmlns:a16="http://schemas.microsoft.com/office/drawing/2014/main" id="{0D82FABD-4661-9ADA-AAC5-9C047BF8A94F}"/>
+                <a16:creationId xmlns:a16="http://schemas.microsoft.com/office/drawing/2014/main" id="{84F928A3-572E-A77B-6FCB-3C2494B0C449}"/>
               </a:ext>
             </a:extLst>
           </p:cNvPr>
@@ -7150,39 +7743,78 @@
           <a:bodyPr/>
           <a:lstStyle/>
           <a:p>
-            <a:endParaRPr lang="en-GB"/>
-          </a:p>
-        </p:txBody>
-      </p:sp>
-      <p:sp>
-        <p:nvSpPr>
-          <p:cNvPr id="3" name="Content Placeholder 2">
-            <a:extLst>
-              <a:ext uri="{FF2B5EF4-FFF2-40B4-BE49-F238E27FC236}">
-                <a16:creationId xmlns:a16="http://schemas.microsoft.com/office/drawing/2014/main" id="{D1229B21-DB4A-76E3-3ABB-CC4558A883E0}"/>
-              </a:ext>
-            </a:extLst>
-          </p:cNvPr>
-          <p:cNvSpPr>
-            <a:spLocks noGrp="1"/>
-          </p:cNvSpPr>
-          <p:nvPr>
-            <p:ph idx="1"/>
-          </p:nvPr>
-        </p:nvSpPr>
-        <p:spPr/>
-        <p:txBody>
-          <a:bodyPr/>
-          <a:lstStyle/>
-          <a:p>
-            <a:endParaRPr lang="en-GB"/>
-          </a:p>
-        </p:txBody>
-      </p:sp>
+            <a:r>
+              <a:rPr lang="en-US" dirty="0"/>
+              <a:t>Can we predict something harder?</a:t>
+            </a:r>
+            <a:endParaRPr lang="en-GB" dirty="0"/>
+          </a:p>
+        </p:txBody>
+      </p:sp>
+      <p:pic>
+        <p:nvPicPr>
+          <p:cNvPr id="4" name="Picture 3">
+            <a:extLst>
+              <a:ext uri="{FF2B5EF4-FFF2-40B4-BE49-F238E27FC236}">
+                <a16:creationId xmlns:a16="http://schemas.microsoft.com/office/drawing/2014/main" id="{DE63A5CA-41FD-70D8-6BFA-D694E43C10A7}"/>
+              </a:ext>
+            </a:extLst>
+          </p:cNvPr>
+          <p:cNvPicPr>
+            <a:picLocks noChangeAspect="1"/>
+          </p:cNvPicPr>
+          <p:nvPr/>
+        </p:nvPicPr>
+        <p:blipFill>
+          <a:blip r:embed="rId2"/>
+          <a:stretch>
+            <a:fillRect/>
+          </a:stretch>
+        </p:blipFill>
+        <p:spPr>
+          <a:xfrm>
+            <a:off x="6762750" y="1929606"/>
+            <a:ext cx="4591050" cy="4143375"/>
+          </a:xfrm>
+          <a:prstGeom prst="rect">
+            <a:avLst/>
+          </a:prstGeom>
+        </p:spPr>
+      </p:pic>
+      <p:pic>
+        <p:nvPicPr>
+          <p:cNvPr id="10" name="Picture 9">
+            <a:extLst>
+              <a:ext uri="{FF2B5EF4-FFF2-40B4-BE49-F238E27FC236}">
+                <a16:creationId xmlns:a16="http://schemas.microsoft.com/office/drawing/2014/main" id="{7E31DBDB-62B5-5608-E5E7-DC2EE54CD81A}"/>
+              </a:ext>
+            </a:extLst>
+          </p:cNvPr>
+          <p:cNvPicPr>
+            <a:picLocks noChangeAspect="1"/>
+          </p:cNvPicPr>
+          <p:nvPr/>
+        </p:nvPicPr>
+        <p:blipFill>
+          <a:blip r:embed="rId3"/>
+          <a:stretch>
+            <a:fillRect/>
+          </a:stretch>
+        </p:blipFill>
+        <p:spPr>
+          <a:xfrm>
+            <a:off x="838200" y="2048668"/>
+            <a:ext cx="5657850" cy="3905250"/>
+          </a:xfrm>
+          <a:prstGeom prst="rect">
+            <a:avLst/>
+          </a:prstGeom>
+        </p:spPr>
+      </p:pic>
     </p:spTree>
     <p:extLst>
       <p:ext uri="{BB962C8B-B14F-4D97-AF65-F5344CB8AC3E}">
-        <p14:creationId xmlns:p14="http://schemas.microsoft.com/office/powerpoint/2010/main" val="2057029144"/>
+        <p14:creationId xmlns:p14="http://schemas.microsoft.com/office/powerpoint/2010/main" val="1358280357"/>
       </p:ext>
     </p:extLst>
   </p:cSld>
@@ -7211,43 +7843,183 @@
       </p:grpSpPr>
       <p:pic>
         <p:nvPicPr>
-          <p:cNvPr id="5" name="Content Placeholder 4" descr="Chart, line chart&#10;&#10;Description automatically generated">
-            <a:extLst>
-              <a:ext uri="{FF2B5EF4-FFF2-40B4-BE49-F238E27FC236}">
-                <a16:creationId xmlns:a16="http://schemas.microsoft.com/office/drawing/2014/main" id="{A6D80025-1B3F-0C30-D5FA-E6CE702D9571}"/>
+          <p:cNvPr id="9" name="Picture 8">
+            <a:extLst>
+              <a:ext uri="{FF2B5EF4-FFF2-40B4-BE49-F238E27FC236}">
+                <a16:creationId xmlns:a16="http://schemas.microsoft.com/office/drawing/2014/main" id="{BD465EE4-9826-B23F-EEAA-A7A3B4B886C5}"/>
               </a:ext>
             </a:extLst>
           </p:cNvPr>
           <p:cNvPicPr>
-            <a:picLocks noGrp="1" noChangeAspect="1"/>
+            <a:picLocks noChangeAspect="1"/>
           </p:cNvPicPr>
-          <p:nvPr>
-            <p:ph idx="1"/>
-          </p:nvPr>
+          <p:nvPr/>
         </p:nvPicPr>
         <p:blipFill>
-          <a:blip r:embed="rId2">
-            <a:extLst>
-              <a:ext uri="{28A0092B-C50C-407E-A947-70E740481C1C}">
-                <a14:useLocalDpi xmlns:a14="http://schemas.microsoft.com/office/drawing/2010/main" val="0"/>
-              </a:ext>
-            </a:extLst>
-          </a:blip>
+          <a:blip r:embed="rId2"/>
           <a:stretch>
             <a:fillRect/>
           </a:stretch>
         </p:blipFill>
         <p:spPr>
           <a:xfrm>
-            <a:off x="3195108" y="1253331"/>
-            <a:ext cx="5801784" cy="4351338"/>
+            <a:off x="3876787" y="1"/>
+            <a:ext cx="4634694" cy="2952749"/>
           </a:xfrm>
+          <a:prstGeom prst="rect">
+            <a:avLst/>
+          </a:prstGeom>
         </p:spPr>
       </p:pic>
+      <p:pic>
+        <p:nvPicPr>
+          <p:cNvPr id="11" name="Picture 10">
+            <a:extLst>
+              <a:ext uri="{FF2B5EF4-FFF2-40B4-BE49-F238E27FC236}">
+                <a16:creationId xmlns:a16="http://schemas.microsoft.com/office/drawing/2014/main" id="{4A0AE863-1CDB-8EAC-06BC-8FD89E2F89B9}"/>
+              </a:ext>
+            </a:extLst>
+          </p:cNvPr>
+          <p:cNvPicPr>
+            <a:picLocks noChangeAspect="1"/>
+          </p:cNvPicPr>
+          <p:nvPr/>
+        </p:nvPicPr>
+        <p:blipFill>
+          <a:blip r:embed="rId3"/>
+          <a:stretch>
+            <a:fillRect/>
+          </a:stretch>
+        </p:blipFill>
+        <p:spPr>
+          <a:xfrm>
+            <a:off x="0" y="3230872"/>
+            <a:ext cx="5099314" cy="3627127"/>
+          </a:xfrm>
+          <a:prstGeom prst="rect">
+            <a:avLst/>
+          </a:prstGeom>
+        </p:spPr>
+      </p:pic>
+      <p:pic>
+        <p:nvPicPr>
+          <p:cNvPr id="13" name="Picture 12">
+            <a:extLst>
+              <a:ext uri="{FF2B5EF4-FFF2-40B4-BE49-F238E27FC236}">
+                <a16:creationId xmlns:a16="http://schemas.microsoft.com/office/drawing/2014/main" id="{4997CF19-6423-274C-FE3C-2D4A6E14D171}"/>
+              </a:ext>
+            </a:extLst>
+          </p:cNvPr>
+          <p:cNvPicPr>
+            <a:picLocks noChangeAspect="1"/>
+          </p:cNvPicPr>
+          <p:nvPr/>
+        </p:nvPicPr>
+        <p:blipFill>
+          <a:blip r:embed="rId4"/>
+          <a:stretch>
+            <a:fillRect/>
+          </a:stretch>
+        </p:blipFill>
+        <p:spPr>
+          <a:xfrm>
+            <a:off x="7092688" y="3230873"/>
+            <a:ext cx="5099314" cy="3627127"/>
+          </a:xfrm>
+          <a:prstGeom prst="rect">
+            <a:avLst/>
+          </a:prstGeom>
+        </p:spPr>
+      </p:pic>
+      <p:cxnSp>
+        <p:nvCxnSpPr>
+          <p:cNvPr id="15" name="Straight Arrow Connector 14">
+            <a:extLst>
+              <a:ext uri="{FF2B5EF4-FFF2-40B4-BE49-F238E27FC236}">
+                <a16:creationId xmlns:a16="http://schemas.microsoft.com/office/drawing/2014/main" id="{3A86EAA5-E07F-B233-60A2-B78CD3756D9D}"/>
+              </a:ext>
+            </a:extLst>
+          </p:cNvPr>
+          <p:cNvCxnSpPr>
+            <a:stCxn id="11" idx="0"/>
+            <a:endCxn id="9" idx="1"/>
+          </p:cNvCxnSpPr>
+          <p:nvPr/>
+        </p:nvCxnSpPr>
+        <p:spPr>
+          <a:xfrm flipV="1">
+            <a:off x="2549657" y="1476376"/>
+            <a:ext cx="1327130" cy="1754496"/>
+          </a:xfrm>
+          <a:prstGeom prst="straightConnector1">
+            <a:avLst/>
+          </a:prstGeom>
+          <a:ln>
+            <a:tailEnd type="triangle"/>
+          </a:ln>
+        </p:spPr>
+        <p:style>
+          <a:lnRef idx="1">
+            <a:schemeClr val="dk1"/>
+          </a:lnRef>
+          <a:fillRef idx="0">
+            <a:schemeClr val="dk1"/>
+          </a:fillRef>
+          <a:effectRef idx="0">
+            <a:schemeClr val="dk1"/>
+          </a:effectRef>
+          <a:fontRef idx="minor">
+            <a:schemeClr val="tx1"/>
+          </a:fontRef>
+        </p:style>
+      </p:cxnSp>
+      <p:cxnSp>
+        <p:nvCxnSpPr>
+          <p:cNvPr id="16" name="Straight Arrow Connector 15">
+            <a:extLst>
+              <a:ext uri="{FF2B5EF4-FFF2-40B4-BE49-F238E27FC236}">
+                <a16:creationId xmlns:a16="http://schemas.microsoft.com/office/drawing/2014/main" id="{4E32DB51-EF8E-2150-8D5A-8B0C25AAE91B}"/>
+              </a:ext>
+            </a:extLst>
+          </p:cNvPr>
+          <p:cNvCxnSpPr>
+            <a:cxnSpLocks/>
+            <a:stCxn id="9" idx="3"/>
+            <a:endCxn id="13" idx="0"/>
+          </p:cNvCxnSpPr>
+          <p:nvPr/>
+        </p:nvCxnSpPr>
+        <p:spPr>
+          <a:xfrm>
+            <a:off x="8511481" y="1476376"/>
+            <a:ext cx="1130864" cy="1754497"/>
+          </a:xfrm>
+          <a:prstGeom prst="straightConnector1">
+            <a:avLst/>
+          </a:prstGeom>
+          <a:ln>
+            <a:tailEnd type="triangle"/>
+          </a:ln>
+        </p:spPr>
+        <p:style>
+          <a:lnRef idx="1">
+            <a:schemeClr val="dk1"/>
+          </a:lnRef>
+          <a:fillRef idx="0">
+            <a:schemeClr val="dk1"/>
+          </a:fillRef>
+          <a:effectRef idx="0">
+            <a:schemeClr val="dk1"/>
+          </a:effectRef>
+          <a:fontRef idx="minor">
+            <a:schemeClr val="tx1"/>
+          </a:fontRef>
+        </p:style>
+      </p:cxnSp>
     </p:spTree>
     <p:extLst>
       <p:ext uri="{BB962C8B-B14F-4D97-AF65-F5344CB8AC3E}">
-        <p14:creationId xmlns:p14="http://schemas.microsoft.com/office/powerpoint/2010/main" val="3989693785"/>
+        <p14:creationId xmlns:p14="http://schemas.microsoft.com/office/powerpoint/2010/main" val="2057029144"/>
       </p:ext>
     </p:extLst>
   </p:cSld>

--- a/ActiveLearning.pptx
+++ b/ActiveLearning.pptx
@@ -5,7 +5,7 @@
     <p:sldMasterId id="2147483648" r:id="rId1"/>
   </p:sldMasterIdLst>
   <p:notesMasterIdLst>
-    <p:notesMasterId r:id="rId18"/>
+    <p:notesMasterId r:id="rId17"/>
   </p:notesMasterIdLst>
   <p:sldIdLst>
     <p:sldId id="256" r:id="rId2"/>
@@ -20,10 +20,9 @@
     <p:sldId id="264" r:id="rId11"/>
     <p:sldId id="257" r:id="rId12"/>
     <p:sldId id="262" r:id="rId13"/>
-    <p:sldId id="260" r:id="rId14"/>
-    <p:sldId id="258" r:id="rId15"/>
-    <p:sldId id="259" r:id="rId16"/>
-    <p:sldId id="261" r:id="rId17"/>
+    <p:sldId id="258" r:id="rId14"/>
+    <p:sldId id="259" r:id="rId15"/>
+    <p:sldId id="261" r:id="rId16"/>
   </p:sldIdLst>
   <p:sldSz cx="12192000" cy="6858000"/>
   <p:notesSz cx="6858000" cy="9144000"/>
@@ -1397,7 +1396,7 @@
           <a:p>
             <a:fld id="{4429FF10-F3F2-4339-91CD-F59BDE0CA7EA}" type="datetimeFigureOut">
               <a:rPr lang="en-GB" smtClean="0"/>
-              <a:t>28/02/2023</a:t>
+              <a:t>05/03/2023</a:t>
             </a:fld>
             <a:endParaRPr lang="en-GB"/>
           </a:p>
@@ -1902,7 +1901,7 @@
           <a:p>
             <a:fld id="{C5906C5D-18D9-4854-B3A8-A79366106C95}" type="datetimeFigureOut">
               <a:rPr lang="en-GB" smtClean="0"/>
-              <a:t>28/02/2023</a:t>
+              <a:t>05/03/2023</a:t>
             </a:fld>
             <a:endParaRPr lang="en-GB"/>
           </a:p>
@@ -2102,7 +2101,7 @@
           <a:p>
             <a:fld id="{C5906C5D-18D9-4854-B3A8-A79366106C95}" type="datetimeFigureOut">
               <a:rPr lang="en-GB" smtClean="0"/>
-              <a:t>28/02/2023</a:t>
+              <a:t>05/03/2023</a:t>
             </a:fld>
             <a:endParaRPr lang="en-GB"/>
           </a:p>
@@ -2312,7 +2311,7 @@
           <a:p>
             <a:fld id="{C5906C5D-18D9-4854-B3A8-A79366106C95}" type="datetimeFigureOut">
               <a:rPr lang="en-GB" smtClean="0"/>
-              <a:t>28/02/2023</a:t>
+              <a:t>05/03/2023</a:t>
             </a:fld>
             <a:endParaRPr lang="en-GB"/>
           </a:p>
@@ -2512,7 +2511,7 @@
           <a:p>
             <a:fld id="{C5906C5D-18D9-4854-B3A8-A79366106C95}" type="datetimeFigureOut">
               <a:rPr lang="en-GB" smtClean="0"/>
-              <a:t>28/02/2023</a:t>
+              <a:t>05/03/2023</a:t>
             </a:fld>
             <a:endParaRPr lang="en-GB"/>
           </a:p>
@@ -2788,7 +2787,7 @@
           <a:p>
             <a:fld id="{C5906C5D-18D9-4854-B3A8-A79366106C95}" type="datetimeFigureOut">
               <a:rPr lang="en-GB" smtClean="0"/>
-              <a:t>28/02/2023</a:t>
+              <a:t>05/03/2023</a:t>
             </a:fld>
             <a:endParaRPr lang="en-GB"/>
           </a:p>
@@ -3056,7 +3055,7 @@
           <a:p>
             <a:fld id="{C5906C5D-18D9-4854-B3A8-A79366106C95}" type="datetimeFigureOut">
               <a:rPr lang="en-GB" smtClean="0"/>
-              <a:t>28/02/2023</a:t>
+              <a:t>05/03/2023</a:t>
             </a:fld>
             <a:endParaRPr lang="en-GB"/>
           </a:p>
@@ -3471,7 +3470,7 @@
           <a:p>
             <a:fld id="{C5906C5D-18D9-4854-B3A8-A79366106C95}" type="datetimeFigureOut">
               <a:rPr lang="en-GB" smtClean="0"/>
-              <a:t>28/02/2023</a:t>
+              <a:t>05/03/2023</a:t>
             </a:fld>
             <a:endParaRPr lang="en-GB"/>
           </a:p>
@@ -3613,7 +3612,7 @@
           <a:p>
             <a:fld id="{C5906C5D-18D9-4854-B3A8-A79366106C95}" type="datetimeFigureOut">
               <a:rPr lang="en-GB" smtClean="0"/>
-              <a:t>28/02/2023</a:t>
+              <a:t>05/03/2023</a:t>
             </a:fld>
             <a:endParaRPr lang="en-GB"/>
           </a:p>
@@ -3726,7 +3725,7 @@
           <a:p>
             <a:fld id="{C5906C5D-18D9-4854-B3A8-A79366106C95}" type="datetimeFigureOut">
               <a:rPr lang="en-GB" smtClean="0"/>
-              <a:t>28/02/2023</a:t>
+              <a:t>05/03/2023</a:t>
             </a:fld>
             <a:endParaRPr lang="en-GB"/>
           </a:p>
@@ -4039,7 +4038,7 @@
           <a:p>
             <a:fld id="{C5906C5D-18D9-4854-B3A8-A79366106C95}" type="datetimeFigureOut">
               <a:rPr lang="en-GB" smtClean="0"/>
-              <a:t>28/02/2023</a:t>
+              <a:t>05/03/2023</a:t>
             </a:fld>
             <a:endParaRPr lang="en-GB"/>
           </a:p>
@@ -4328,7 +4327,7 @@
           <a:p>
             <a:fld id="{C5906C5D-18D9-4854-B3A8-A79366106C95}" type="datetimeFigureOut">
               <a:rPr lang="en-GB" smtClean="0"/>
-              <a:t>28/02/2023</a:t>
+              <a:t>05/03/2023</a:t>
             </a:fld>
             <a:endParaRPr lang="en-GB"/>
           </a:p>
@@ -4571,7 +4570,7 @@
           <a:p>
             <a:fld id="{C5906C5D-18D9-4854-B3A8-A79366106C95}" type="datetimeFigureOut">
               <a:rPr lang="en-GB" smtClean="0"/>
-              <a:t>28/02/2023</a:t>
+              <a:t>05/03/2023</a:t>
             </a:fld>
             <a:endParaRPr lang="en-GB"/>
           </a:p>
@@ -5679,86 +5678,6 @@
           <p:cNvPr id="2" name="Title 1">
             <a:extLst>
               <a:ext uri="{FF2B5EF4-FFF2-40B4-BE49-F238E27FC236}">
-                <a16:creationId xmlns:a16="http://schemas.microsoft.com/office/drawing/2014/main" id="{7F1A8F8C-D970-23AA-E9A2-064E906D0A62}"/>
-              </a:ext>
-            </a:extLst>
-          </p:cNvPr>
-          <p:cNvSpPr>
-            <a:spLocks noGrp="1"/>
-          </p:cNvSpPr>
-          <p:nvPr>
-            <p:ph type="title"/>
-          </p:nvPr>
-        </p:nvSpPr>
-        <p:spPr/>
-        <p:txBody>
-          <a:bodyPr/>
-          <a:lstStyle/>
-          <a:p>
-            <a:endParaRPr lang="en-GB"/>
-          </a:p>
-        </p:txBody>
-      </p:sp>
-      <p:sp>
-        <p:nvSpPr>
-          <p:cNvPr id="4" name="Content Placeholder 3">
-            <a:extLst>
-              <a:ext uri="{FF2B5EF4-FFF2-40B4-BE49-F238E27FC236}">
-                <a16:creationId xmlns:a16="http://schemas.microsoft.com/office/drawing/2014/main" id="{2E7DB8FB-DEB8-CEAF-8D46-B64B41390084}"/>
-              </a:ext>
-            </a:extLst>
-          </p:cNvPr>
-          <p:cNvSpPr>
-            <a:spLocks noGrp="1"/>
-          </p:cNvSpPr>
-          <p:nvPr>
-            <p:ph idx="1"/>
-          </p:nvPr>
-        </p:nvSpPr>
-        <p:spPr/>
-        <p:txBody>
-          <a:bodyPr/>
-          <a:lstStyle/>
-          <a:p>
-            <a:endParaRPr lang="en-GB"/>
-          </a:p>
-        </p:txBody>
-      </p:sp>
-    </p:spTree>
-    <p:extLst>
-      <p:ext uri="{BB962C8B-B14F-4D97-AF65-F5344CB8AC3E}">
-        <p14:creationId xmlns:p14="http://schemas.microsoft.com/office/powerpoint/2010/main" val="2373050861"/>
-      </p:ext>
-    </p:extLst>
-  </p:cSld>
-  <p:clrMapOvr>
-    <a:masterClrMapping/>
-  </p:clrMapOvr>
-</p:sld>
-</file>
-
-<file path=ppt/slides/slide14.xml><?xml version="1.0" encoding="utf-8"?>
-<p:sld xmlns:a="http://schemas.openxmlformats.org/drawingml/2006/main" xmlns:r="http://schemas.openxmlformats.org/officeDocument/2006/relationships" xmlns:p="http://schemas.openxmlformats.org/presentationml/2006/main">
-  <p:cSld>
-    <p:spTree>
-      <p:nvGrpSpPr>
-        <p:cNvPr id="1" name=""/>
-        <p:cNvGrpSpPr/>
-        <p:nvPr/>
-      </p:nvGrpSpPr>
-      <p:grpSpPr>
-        <a:xfrm>
-          <a:off x="0" y="0"/>
-          <a:ext cx="0" cy="0"/>
-          <a:chOff x="0" y="0"/>
-          <a:chExt cx="0" cy="0"/>
-        </a:xfrm>
-      </p:grpSpPr>
-      <p:sp>
-        <p:nvSpPr>
-          <p:cNvPr id="2" name="Title 1">
-            <a:extLst>
-              <a:ext uri="{FF2B5EF4-FFF2-40B4-BE49-F238E27FC236}">
                 <a16:creationId xmlns:a16="http://schemas.microsoft.com/office/drawing/2014/main" id="{0017C125-228C-A117-932B-D8E3DC740B29}"/>
               </a:ext>
             </a:extLst>
@@ -5854,7 +5773,7 @@
 </p:sld>
 </file>
 
-<file path=ppt/slides/slide15.xml><?xml version="1.0" encoding="utf-8"?>
+<file path=ppt/slides/slide14.xml><?xml version="1.0" encoding="utf-8"?>
 <p:sld xmlns:a="http://schemas.openxmlformats.org/drawingml/2006/main" xmlns:r="http://schemas.openxmlformats.org/officeDocument/2006/relationships" xmlns:p="http://schemas.openxmlformats.org/presentationml/2006/main">
   <p:cSld>
     <p:spTree>
@@ -5940,7 +5859,7 @@
 </p:sld>
 </file>
 
-<file path=ppt/slides/slide16.xml><?xml version="1.0" encoding="utf-8"?>
+<file path=ppt/slides/slide15.xml><?xml version="1.0" encoding="utf-8"?>
 <p:sld xmlns:a="http://schemas.openxmlformats.org/drawingml/2006/main" xmlns:r="http://schemas.openxmlformats.org/officeDocument/2006/relationships" xmlns:p="http://schemas.openxmlformats.org/presentationml/2006/main">
   <p:cSld>
     <p:spTree>

--- a/ActiveLearning.pptx
+++ b/ActiveLearning.pptx
@@ -5,24 +5,31 @@
     <p:sldMasterId id="2147483648" r:id="rId1"/>
   </p:sldMasterIdLst>
   <p:notesMasterIdLst>
-    <p:notesMasterId r:id="rId17"/>
+    <p:notesMasterId r:id="rId24"/>
   </p:notesMasterIdLst>
   <p:sldIdLst>
     <p:sldId id="256" r:id="rId2"/>
     <p:sldId id="267" r:id="rId3"/>
-    <p:sldId id="263" r:id="rId4"/>
+    <p:sldId id="279" r:id="rId4"/>
     <p:sldId id="271" r:id="rId5"/>
     <p:sldId id="270" r:id="rId6"/>
     <p:sldId id="272" r:id="rId7"/>
     <p:sldId id="269" r:id="rId8"/>
-    <p:sldId id="266" r:id="rId9"/>
-    <p:sldId id="268" r:id="rId10"/>
-    <p:sldId id="264" r:id="rId11"/>
-    <p:sldId id="257" r:id="rId12"/>
-    <p:sldId id="262" r:id="rId13"/>
-    <p:sldId id="258" r:id="rId14"/>
-    <p:sldId id="259" r:id="rId15"/>
-    <p:sldId id="261" r:id="rId16"/>
+    <p:sldId id="263" r:id="rId9"/>
+    <p:sldId id="266" r:id="rId10"/>
+    <p:sldId id="268" r:id="rId11"/>
+    <p:sldId id="273" r:id="rId12"/>
+    <p:sldId id="274" r:id="rId13"/>
+    <p:sldId id="276" r:id="rId14"/>
+    <p:sldId id="277" r:id="rId15"/>
+    <p:sldId id="278" r:id="rId16"/>
+    <p:sldId id="280" r:id="rId17"/>
+    <p:sldId id="275" r:id="rId18"/>
+    <p:sldId id="264" r:id="rId19"/>
+    <p:sldId id="257" r:id="rId20"/>
+    <p:sldId id="262" r:id="rId21"/>
+    <p:sldId id="258" r:id="rId22"/>
+    <p:sldId id="259" r:id="rId23"/>
   </p:sldIdLst>
   <p:sldSz cx="12192000" cy="6858000"/>
   <p:notesSz cx="6858000" cy="9144000"/>
@@ -1396,7 +1403,7 @@
           <a:p>
             <a:fld id="{4429FF10-F3F2-4339-91CD-F59BDE0CA7EA}" type="datetimeFigureOut">
               <a:rPr lang="en-GB" smtClean="0"/>
-              <a:t>05/03/2023</a:t>
+              <a:t>06/03/2023</a:t>
             </a:fld>
             <a:endParaRPr lang="en-GB"/>
           </a:p>
@@ -1733,7 +1740,7 @@
           <a:p>
             <a:fld id="{6A9CDFDC-E52D-4BDC-9DC5-982B1AB625B4}" type="slidenum">
               <a:rPr lang="en-GB" smtClean="0"/>
-              <a:t>3</a:t>
+              <a:t>8</a:t>
             </a:fld>
             <a:endParaRPr lang="en-GB"/>
           </a:p>
@@ -1901,7 +1908,7 @@
           <a:p>
             <a:fld id="{C5906C5D-18D9-4854-B3A8-A79366106C95}" type="datetimeFigureOut">
               <a:rPr lang="en-GB" smtClean="0"/>
-              <a:t>05/03/2023</a:t>
+              <a:t>06/03/2023</a:t>
             </a:fld>
             <a:endParaRPr lang="en-GB"/>
           </a:p>
@@ -2101,7 +2108,7 @@
           <a:p>
             <a:fld id="{C5906C5D-18D9-4854-B3A8-A79366106C95}" type="datetimeFigureOut">
               <a:rPr lang="en-GB" smtClean="0"/>
-              <a:t>05/03/2023</a:t>
+              <a:t>06/03/2023</a:t>
             </a:fld>
             <a:endParaRPr lang="en-GB"/>
           </a:p>
@@ -2311,7 +2318,7 @@
           <a:p>
             <a:fld id="{C5906C5D-18D9-4854-B3A8-A79366106C95}" type="datetimeFigureOut">
               <a:rPr lang="en-GB" smtClean="0"/>
-              <a:t>05/03/2023</a:t>
+              <a:t>06/03/2023</a:t>
             </a:fld>
             <a:endParaRPr lang="en-GB"/>
           </a:p>
@@ -2511,7 +2518,7 @@
           <a:p>
             <a:fld id="{C5906C5D-18D9-4854-B3A8-A79366106C95}" type="datetimeFigureOut">
               <a:rPr lang="en-GB" smtClean="0"/>
-              <a:t>05/03/2023</a:t>
+              <a:t>06/03/2023</a:t>
             </a:fld>
             <a:endParaRPr lang="en-GB"/>
           </a:p>
@@ -2787,7 +2794,7 @@
           <a:p>
             <a:fld id="{C5906C5D-18D9-4854-B3A8-A79366106C95}" type="datetimeFigureOut">
               <a:rPr lang="en-GB" smtClean="0"/>
-              <a:t>05/03/2023</a:t>
+              <a:t>06/03/2023</a:t>
             </a:fld>
             <a:endParaRPr lang="en-GB"/>
           </a:p>
@@ -3055,7 +3062,7 @@
           <a:p>
             <a:fld id="{C5906C5D-18D9-4854-B3A8-A79366106C95}" type="datetimeFigureOut">
               <a:rPr lang="en-GB" smtClean="0"/>
-              <a:t>05/03/2023</a:t>
+              <a:t>06/03/2023</a:t>
             </a:fld>
             <a:endParaRPr lang="en-GB"/>
           </a:p>
@@ -3470,7 +3477,7 @@
           <a:p>
             <a:fld id="{C5906C5D-18D9-4854-B3A8-A79366106C95}" type="datetimeFigureOut">
               <a:rPr lang="en-GB" smtClean="0"/>
-              <a:t>05/03/2023</a:t>
+              <a:t>06/03/2023</a:t>
             </a:fld>
             <a:endParaRPr lang="en-GB"/>
           </a:p>
@@ -3612,7 +3619,7 @@
           <a:p>
             <a:fld id="{C5906C5D-18D9-4854-B3A8-A79366106C95}" type="datetimeFigureOut">
               <a:rPr lang="en-GB" smtClean="0"/>
-              <a:t>05/03/2023</a:t>
+              <a:t>06/03/2023</a:t>
             </a:fld>
             <a:endParaRPr lang="en-GB"/>
           </a:p>
@@ -3725,7 +3732,7 @@
           <a:p>
             <a:fld id="{C5906C5D-18D9-4854-B3A8-A79366106C95}" type="datetimeFigureOut">
               <a:rPr lang="en-GB" smtClean="0"/>
-              <a:t>05/03/2023</a:t>
+              <a:t>06/03/2023</a:t>
             </a:fld>
             <a:endParaRPr lang="en-GB"/>
           </a:p>
@@ -4038,7 +4045,7 @@
           <a:p>
             <a:fld id="{C5906C5D-18D9-4854-B3A8-A79366106C95}" type="datetimeFigureOut">
               <a:rPr lang="en-GB" smtClean="0"/>
-              <a:t>05/03/2023</a:t>
+              <a:t>06/03/2023</a:t>
             </a:fld>
             <a:endParaRPr lang="en-GB"/>
           </a:p>
@@ -4327,7 +4334,7 @@
           <a:p>
             <a:fld id="{C5906C5D-18D9-4854-B3A8-A79366106C95}" type="datetimeFigureOut">
               <a:rPr lang="en-GB" smtClean="0"/>
-              <a:t>05/03/2023</a:t>
+              <a:t>06/03/2023</a:t>
             </a:fld>
             <a:endParaRPr lang="en-GB"/>
           </a:p>
@@ -4570,7 +4577,7 @@
           <a:p>
             <a:fld id="{C5906C5D-18D9-4854-B3A8-A79366106C95}" type="datetimeFigureOut">
               <a:rPr lang="en-GB" smtClean="0"/>
-              <a:t>05/03/2023</a:t>
+              <a:t>06/03/2023</a:t>
             </a:fld>
             <a:endParaRPr lang="en-GB"/>
           </a:p>
@@ -5197,6 +5204,811 @@
       </p:grpSpPr>
       <p:pic>
         <p:nvPicPr>
+          <p:cNvPr id="9" name="Picture 8">
+            <a:extLst>
+              <a:ext uri="{FF2B5EF4-FFF2-40B4-BE49-F238E27FC236}">
+                <a16:creationId xmlns:a16="http://schemas.microsoft.com/office/drawing/2014/main" id="{BD465EE4-9826-B23F-EEAA-A7A3B4B886C5}"/>
+              </a:ext>
+            </a:extLst>
+          </p:cNvPr>
+          <p:cNvPicPr>
+            <a:picLocks noChangeAspect="1"/>
+          </p:cNvPicPr>
+          <p:nvPr/>
+        </p:nvPicPr>
+        <p:blipFill>
+          <a:blip r:embed="rId2"/>
+          <a:stretch>
+            <a:fillRect/>
+          </a:stretch>
+        </p:blipFill>
+        <p:spPr>
+          <a:xfrm>
+            <a:off x="3876787" y="1"/>
+            <a:ext cx="4634694" cy="2952749"/>
+          </a:xfrm>
+          <a:prstGeom prst="rect">
+            <a:avLst/>
+          </a:prstGeom>
+        </p:spPr>
+      </p:pic>
+      <p:cxnSp>
+        <p:nvCxnSpPr>
+          <p:cNvPr id="15" name="Straight Arrow Connector 14">
+            <a:extLst>
+              <a:ext uri="{FF2B5EF4-FFF2-40B4-BE49-F238E27FC236}">
+                <a16:creationId xmlns:a16="http://schemas.microsoft.com/office/drawing/2014/main" id="{3A86EAA5-E07F-B233-60A2-B78CD3756D9D}"/>
+              </a:ext>
+            </a:extLst>
+          </p:cNvPr>
+          <p:cNvCxnSpPr>
+            <a:cxnSpLocks/>
+            <a:endCxn id="9" idx="1"/>
+          </p:cNvCxnSpPr>
+          <p:nvPr/>
+        </p:nvCxnSpPr>
+        <p:spPr>
+          <a:xfrm flipV="1">
+            <a:off x="2549657" y="1476376"/>
+            <a:ext cx="1327130" cy="1754496"/>
+          </a:xfrm>
+          <a:prstGeom prst="straightConnector1">
+            <a:avLst/>
+          </a:prstGeom>
+          <a:ln>
+            <a:tailEnd type="triangle"/>
+          </a:ln>
+        </p:spPr>
+        <p:style>
+          <a:lnRef idx="1">
+            <a:schemeClr val="dk1"/>
+          </a:lnRef>
+          <a:fillRef idx="0">
+            <a:schemeClr val="dk1"/>
+          </a:fillRef>
+          <a:effectRef idx="0">
+            <a:schemeClr val="dk1"/>
+          </a:effectRef>
+          <a:fontRef idx="minor">
+            <a:schemeClr val="tx1"/>
+          </a:fontRef>
+        </p:style>
+      </p:cxnSp>
+      <p:cxnSp>
+        <p:nvCxnSpPr>
+          <p:cNvPr id="16" name="Straight Arrow Connector 15">
+            <a:extLst>
+              <a:ext uri="{FF2B5EF4-FFF2-40B4-BE49-F238E27FC236}">
+                <a16:creationId xmlns:a16="http://schemas.microsoft.com/office/drawing/2014/main" id="{4E32DB51-EF8E-2150-8D5A-8B0C25AAE91B}"/>
+              </a:ext>
+            </a:extLst>
+          </p:cNvPr>
+          <p:cNvCxnSpPr>
+            <a:cxnSpLocks/>
+            <a:stCxn id="9" idx="3"/>
+          </p:cNvCxnSpPr>
+          <p:nvPr/>
+        </p:nvCxnSpPr>
+        <p:spPr>
+          <a:xfrm>
+            <a:off x="8511481" y="1476376"/>
+            <a:ext cx="1130864" cy="1754497"/>
+          </a:xfrm>
+          <a:prstGeom prst="straightConnector1">
+            <a:avLst/>
+          </a:prstGeom>
+          <a:ln>
+            <a:tailEnd type="triangle"/>
+          </a:ln>
+        </p:spPr>
+        <p:style>
+          <a:lnRef idx="1">
+            <a:schemeClr val="dk1"/>
+          </a:lnRef>
+          <a:fillRef idx="0">
+            <a:schemeClr val="dk1"/>
+          </a:fillRef>
+          <a:effectRef idx="0">
+            <a:schemeClr val="dk1"/>
+          </a:effectRef>
+          <a:fontRef idx="minor">
+            <a:schemeClr val="tx1"/>
+          </a:fontRef>
+        </p:style>
+      </p:cxnSp>
+      <p:pic>
+        <p:nvPicPr>
+          <p:cNvPr id="2" name="Picture 1">
+            <a:extLst>
+              <a:ext uri="{FF2B5EF4-FFF2-40B4-BE49-F238E27FC236}">
+                <a16:creationId xmlns:a16="http://schemas.microsoft.com/office/drawing/2014/main" id="{CC283AF3-5D6D-81A0-EC24-CF7D2C7C3C86}"/>
+              </a:ext>
+            </a:extLst>
+          </p:cNvPr>
+          <p:cNvPicPr>
+            <a:picLocks noChangeAspect="1"/>
+          </p:cNvPicPr>
+          <p:nvPr/>
+        </p:nvPicPr>
+        <p:blipFill>
+          <a:blip r:embed="rId3"/>
+          <a:stretch>
+            <a:fillRect/>
+          </a:stretch>
+        </p:blipFill>
+        <p:spPr>
+          <a:xfrm>
+            <a:off x="65337" y="3428003"/>
+            <a:ext cx="4968639" cy="3429996"/>
+          </a:xfrm>
+          <a:prstGeom prst="rect">
+            <a:avLst/>
+          </a:prstGeom>
+        </p:spPr>
+      </p:pic>
+      <p:pic>
+        <p:nvPicPr>
+          <p:cNvPr id="4" name="Picture 3">
+            <a:extLst>
+              <a:ext uri="{FF2B5EF4-FFF2-40B4-BE49-F238E27FC236}">
+                <a16:creationId xmlns:a16="http://schemas.microsoft.com/office/drawing/2014/main" id="{99B0EF55-C840-97F3-CA1E-DDB3BD245CED}"/>
+              </a:ext>
+            </a:extLst>
+          </p:cNvPr>
+          <p:cNvPicPr>
+            <a:picLocks noChangeAspect="1"/>
+          </p:cNvPicPr>
+          <p:nvPr/>
+        </p:nvPicPr>
+        <p:blipFill>
+          <a:blip r:embed="rId4"/>
+          <a:stretch>
+            <a:fillRect/>
+          </a:stretch>
+        </p:blipFill>
+        <p:spPr>
+          <a:xfrm>
+            <a:off x="7158027" y="3396819"/>
+            <a:ext cx="5033974" cy="3461180"/>
+          </a:xfrm>
+          <a:prstGeom prst="rect">
+            <a:avLst/>
+          </a:prstGeom>
+        </p:spPr>
+      </p:pic>
+      <p:sp>
+        <p:nvSpPr>
+          <p:cNvPr id="5" name="Title 1">
+            <a:extLst>
+              <a:ext uri="{FF2B5EF4-FFF2-40B4-BE49-F238E27FC236}">
+                <a16:creationId xmlns:a16="http://schemas.microsoft.com/office/drawing/2014/main" id="{1C2FDA85-978D-7403-530C-BEB3EFAC857B}"/>
+              </a:ext>
+            </a:extLst>
+          </p:cNvPr>
+          <p:cNvSpPr>
+            <a:spLocks noGrp="1"/>
+          </p:cNvSpPr>
+          <p:nvPr>
+            <p:ph type="title"/>
+          </p:nvPr>
+        </p:nvSpPr>
+        <p:spPr>
+          <a:xfrm>
+            <a:off x="0" y="3346"/>
+            <a:ext cx="3469395" cy="2124687"/>
+          </a:xfrm>
+        </p:spPr>
+        <p:txBody>
+          <a:bodyPr>
+            <a:noAutofit/>
+          </a:bodyPr>
+          <a:lstStyle/>
+          <a:p>
+            <a:r>
+              <a:rPr lang="en-GB" sz="3200" dirty="0"/>
+              <a:t>This indicates there is a non-linear relationship between our data and the AP score</a:t>
+            </a:r>
+          </a:p>
+        </p:txBody>
+      </p:sp>
+    </p:spTree>
+    <p:extLst>
+      <p:ext uri="{BB962C8B-B14F-4D97-AF65-F5344CB8AC3E}">
+        <p14:creationId xmlns:p14="http://schemas.microsoft.com/office/powerpoint/2010/main" val="2057029144"/>
+      </p:ext>
+    </p:extLst>
+  </p:cSld>
+  <p:clrMapOvr>
+    <a:masterClrMapping/>
+  </p:clrMapOvr>
+</p:sld>
+</file>
+
+<file path=ppt/slides/slide11.xml><?xml version="1.0" encoding="utf-8"?>
+<p:sld xmlns:a="http://schemas.openxmlformats.org/drawingml/2006/main" xmlns:r="http://schemas.openxmlformats.org/officeDocument/2006/relationships" xmlns:p="http://schemas.openxmlformats.org/presentationml/2006/main">
+  <p:cSld>
+    <p:spTree>
+      <p:nvGrpSpPr>
+        <p:cNvPr id="1" name=""/>
+        <p:cNvGrpSpPr/>
+        <p:nvPr/>
+      </p:nvGrpSpPr>
+      <p:grpSpPr>
+        <a:xfrm>
+          <a:off x="0" y="0"/>
+          <a:ext cx="0" cy="0"/>
+          <a:chOff x="0" y="0"/>
+          <a:chExt cx="0" cy="0"/>
+        </a:xfrm>
+      </p:grpSpPr>
+      <p:sp>
+        <p:nvSpPr>
+          <p:cNvPr id="2" name="Title 1">
+            <a:extLst>
+              <a:ext uri="{FF2B5EF4-FFF2-40B4-BE49-F238E27FC236}">
+                <a16:creationId xmlns:a16="http://schemas.microsoft.com/office/drawing/2014/main" id="{17490F0E-74C5-ADED-A016-42E7479492C2}"/>
+              </a:ext>
+            </a:extLst>
+          </p:cNvPr>
+          <p:cNvSpPr>
+            <a:spLocks noGrp="1"/>
+          </p:cNvSpPr>
+          <p:nvPr>
+            <p:ph type="title"/>
+          </p:nvPr>
+        </p:nvSpPr>
+        <p:spPr/>
+        <p:txBody>
+          <a:bodyPr>
+            <a:normAutofit/>
+          </a:bodyPr>
+          <a:lstStyle/>
+          <a:p>
+            <a:r>
+              <a:rPr lang="en-GB" dirty="0"/>
+              <a:t>Therefore…</a:t>
+            </a:r>
+          </a:p>
+        </p:txBody>
+      </p:sp>
+      <p:sp>
+        <p:nvSpPr>
+          <p:cNvPr id="3" name="Content Placeholder 2">
+            <a:extLst>
+              <a:ext uri="{FF2B5EF4-FFF2-40B4-BE49-F238E27FC236}">
+                <a16:creationId xmlns:a16="http://schemas.microsoft.com/office/drawing/2014/main" id="{C86C7127-C9F2-093B-B4F8-375354E6A4C0}"/>
+              </a:ext>
+            </a:extLst>
+          </p:cNvPr>
+          <p:cNvSpPr>
+            <a:spLocks noGrp="1"/>
+          </p:cNvSpPr>
+          <p:nvPr>
+            <p:ph idx="1"/>
+          </p:nvPr>
+        </p:nvSpPr>
+        <p:spPr/>
+        <p:txBody>
+          <a:bodyPr/>
+          <a:lstStyle/>
+          <a:p>
+            <a:r>
+              <a:rPr lang="en-GB" dirty="0"/>
+              <a:t>We should probably not be using a linear regression model.</a:t>
+            </a:r>
+          </a:p>
+          <a:p>
+            <a:endParaRPr lang="en-GB" dirty="0"/>
+          </a:p>
+        </p:txBody>
+      </p:sp>
+    </p:spTree>
+    <p:extLst>
+      <p:ext uri="{BB962C8B-B14F-4D97-AF65-F5344CB8AC3E}">
+        <p14:creationId xmlns:p14="http://schemas.microsoft.com/office/powerpoint/2010/main" val="2728288273"/>
+      </p:ext>
+    </p:extLst>
+  </p:cSld>
+  <p:clrMapOvr>
+    <a:masterClrMapping/>
+  </p:clrMapOvr>
+</p:sld>
+</file>
+
+<file path=ppt/slides/slide12.xml><?xml version="1.0" encoding="utf-8"?>
+<p:sld xmlns:a="http://schemas.openxmlformats.org/drawingml/2006/main" xmlns:r="http://schemas.openxmlformats.org/officeDocument/2006/relationships" xmlns:p="http://schemas.openxmlformats.org/presentationml/2006/main">
+  <p:cSld>
+    <p:spTree>
+      <p:nvGrpSpPr>
+        <p:cNvPr id="1" name=""/>
+        <p:cNvGrpSpPr/>
+        <p:nvPr/>
+      </p:nvGrpSpPr>
+      <p:grpSpPr>
+        <a:xfrm>
+          <a:off x="0" y="0"/>
+          <a:ext cx="0" cy="0"/>
+          <a:chOff x="0" y="0"/>
+          <a:chExt cx="0" cy="0"/>
+        </a:xfrm>
+      </p:grpSpPr>
+      <p:sp>
+        <p:nvSpPr>
+          <p:cNvPr id="2" name="Title 1">
+            <a:extLst>
+              <a:ext uri="{FF2B5EF4-FFF2-40B4-BE49-F238E27FC236}">
+                <a16:creationId xmlns:a16="http://schemas.microsoft.com/office/drawing/2014/main" id="{161EBAD7-32D7-B7F8-DBDC-E7E2D9B2E6DF}"/>
+              </a:ext>
+            </a:extLst>
+          </p:cNvPr>
+          <p:cNvSpPr>
+            <a:spLocks noGrp="1"/>
+          </p:cNvSpPr>
+          <p:nvPr>
+            <p:ph type="title"/>
+          </p:nvPr>
+        </p:nvSpPr>
+        <p:spPr/>
+        <p:txBody>
+          <a:bodyPr/>
+          <a:lstStyle/>
+          <a:p>
+            <a:r>
+              <a:rPr lang="en-GB" dirty="0"/>
+              <a:t>More advanced models</a:t>
+            </a:r>
+          </a:p>
+        </p:txBody>
+      </p:sp>
+      <p:sp>
+        <p:nvSpPr>
+          <p:cNvPr id="3" name="Content Placeholder 2">
+            <a:extLst>
+              <a:ext uri="{FF2B5EF4-FFF2-40B4-BE49-F238E27FC236}">
+                <a16:creationId xmlns:a16="http://schemas.microsoft.com/office/drawing/2014/main" id="{4DC1AA56-B4F7-C004-2B6E-DFC3D2C5674E}"/>
+              </a:ext>
+            </a:extLst>
+          </p:cNvPr>
+          <p:cNvSpPr>
+            <a:spLocks noGrp="1"/>
+          </p:cNvSpPr>
+          <p:nvPr>
+            <p:ph idx="1"/>
+          </p:nvPr>
+        </p:nvSpPr>
+        <p:spPr/>
+        <p:txBody>
+          <a:bodyPr/>
+          <a:lstStyle/>
+          <a:p>
+            <a:r>
+              <a:rPr lang="en-GB" dirty="0"/>
+              <a:t>Random forest</a:t>
+            </a:r>
+          </a:p>
+          <a:p>
+            <a:endParaRPr lang="en-GB" dirty="0"/>
+          </a:p>
+          <a:p>
+            <a:r>
+              <a:rPr lang="en-GB" dirty="0"/>
+              <a:t>Support vector machine</a:t>
+            </a:r>
+          </a:p>
+          <a:p>
+            <a:endParaRPr lang="en-GB" dirty="0"/>
+          </a:p>
+          <a:p>
+            <a:r>
+              <a:rPr lang="en-GB" dirty="0"/>
+              <a:t>Deep neural networks</a:t>
+            </a:r>
+          </a:p>
+        </p:txBody>
+      </p:sp>
+    </p:spTree>
+    <p:extLst>
+      <p:ext uri="{BB962C8B-B14F-4D97-AF65-F5344CB8AC3E}">
+        <p14:creationId xmlns:p14="http://schemas.microsoft.com/office/powerpoint/2010/main" val="2303596322"/>
+      </p:ext>
+    </p:extLst>
+  </p:cSld>
+  <p:clrMapOvr>
+    <a:masterClrMapping/>
+  </p:clrMapOvr>
+</p:sld>
+</file>
+
+<file path=ppt/slides/slide13.xml><?xml version="1.0" encoding="utf-8"?>
+<p:sld xmlns:a="http://schemas.openxmlformats.org/drawingml/2006/main" xmlns:r="http://schemas.openxmlformats.org/officeDocument/2006/relationships" xmlns:p="http://schemas.openxmlformats.org/presentationml/2006/main">
+  <p:cSld>
+    <p:spTree>
+      <p:nvGrpSpPr>
+        <p:cNvPr id="1" name=""/>
+        <p:cNvGrpSpPr/>
+        <p:nvPr/>
+      </p:nvGrpSpPr>
+      <p:grpSpPr>
+        <a:xfrm>
+          <a:off x="0" y="0"/>
+          <a:ext cx="0" cy="0"/>
+          <a:chOff x="0" y="0"/>
+          <a:chExt cx="0" cy="0"/>
+        </a:xfrm>
+      </p:grpSpPr>
+      <p:pic>
+        <p:nvPicPr>
+          <p:cNvPr id="7" name="Picture 6" descr="Diagram&#10;&#10;Description automatically generated">
+            <a:extLst>
+              <a:ext uri="{FF2B5EF4-FFF2-40B4-BE49-F238E27FC236}">
+                <a16:creationId xmlns:a16="http://schemas.microsoft.com/office/drawing/2014/main" id="{C2FEE1C7-911D-6D02-C404-97CF0710D2E7}"/>
+              </a:ext>
+            </a:extLst>
+          </p:cNvPr>
+          <p:cNvPicPr>
+            <a:picLocks noChangeAspect="1"/>
+          </p:cNvPicPr>
+          <p:nvPr/>
+        </p:nvPicPr>
+        <p:blipFill>
+          <a:blip r:embed="rId2">
+            <a:extLst>
+              <a:ext uri="{28A0092B-C50C-407E-A947-70E740481C1C}">
+                <a14:useLocalDpi xmlns:a14="http://schemas.microsoft.com/office/drawing/2010/main" val="0"/>
+              </a:ext>
+            </a:extLst>
+          </a:blip>
+          <a:stretch>
+            <a:fillRect/>
+          </a:stretch>
+        </p:blipFill>
+        <p:spPr>
+          <a:xfrm>
+            <a:off x="0" y="620959"/>
+            <a:ext cx="12192000" cy="5616081"/>
+          </a:xfrm>
+          <a:prstGeom prst="rect">
+            <a:avLst/>
+          </a:prstGeom>
+        </p:spPr>
+      </p:pic>
+    </p:spTree>
+    <p:extLst>
+      <p:ext uri="{BB962C8B-B14F-4D97-AF65-F5344CB8AC3E}">
+        <p14:creationId xmlns:p14="http://schemas.microsoft.com/office/powerpoint/2010/main" val="1270264804"/>
+      </p:ext>
+    </p:extLst>
+  </p:cSld>
+  <p:clrMapOvr>
+    <a:masterClrMapping/>
+  </p:clrMapOvr>
+</p:sld>
+</file>
+
+<file path=ppt/slides/slide14.xml><?xml version="1.0" encoding="utf-8"?>
+<p:sld xmlns:a="http://schemas.openxmlformats.org/drawingml/2006/main" xmlns:r="http://schemas.openxmlformats.org/officeDocument/2006/relationships" xmlns:p="http://schemas.openxmlformats.org/presentationml/2006/main">
+  <p:cSld>
+    <p:spTree>
+      <p:nvGrpSpPr>
+        <p:cNvPr id="1" name=""/>
+        <p:cNvGrpSpPr/>
+        <p:nvPr/>
+      </p:nvGrpSpPr>
+      <p:grpSpPr>
+        <a:xfrm>
+          <a:off x="0" y="0"/>
+          <a:ext cx="0" cy="0"/>
+          <a:chOff x="0" y="0"/>
+          <a:chExt cx="0" cy="0"/>
+        </a:xfrm>
+      </p:grpSpPr>
+      <p:pic>
+        <p:nvPicPr>
+          <p:cNvPr id="3" name="Picture 2" descr="Chart, diagram, scatter chart&#10;&#10;Description automatically generated">
+            <a:extLst>
+              <a:ext uri="{FF2B5EF4-FFF2-40B4-BE49-F238E27FC236}">
+                <a16:creationId xmlns:a16="http://schemas.microsoft.com/office/drawing/2014/main" id="{3684396F-769F-1736-7963-17F05CA1B5CA}"/>
+              </a:ext>
+            </a:extLst>
+          </p:cNvPr>
+          <p:cNvPicPr>
+            <a:picLocks noChangeAspect="1"/>
+          </p:cNvPicPr>
+          <p:nvPr/>
+        </p:nvPicPr>
+        <p:blipFill rotWithShape="1">
+          <a:blip r:embed="rId2">
+            <a:extLst>
+              <a:ext uri="{28A0092B-C50C-407E-A947-70E740481C1C}">
+                <a14:useLocalDpi xmlns:a14="http://schemas.microsoft.com/office/drawing/2010/main" val="0"/>
+              </a:ext>
+            </a:extLst>
+          </a:blip>
+          <a:srcRect b="10612"/>
+          <a:stretch/>
+        </p:blipFill>
+        <p:spPr>
+          <a:xfrm>
+            <a:off x="1574567" y="392098"/>
+            <a:ext cx="9042865" cy="6073803"/>
+          </a:xfrm>
+          <a:prstGeom prst="rect">
+            <a:avLst/>
+          </a:prstGeom>
+        </p:spPr>
+      </p:pic>
+    </p:spTree>
+    <p:extLst>
+      <p:ext uri="{BB962C8B-B14F-4D97-AF65-F5344CB8AC3E}">
+        <p14:creationId xmlns:p14="http://schemas.microsoft.com/office/powerpoint/2010/main" val="1855397149"/>
+      </p:ext>
+    </p:extLst>
+  </p:cSld>
+  <p:clrMapOvr>
+    <a:masterClrMapping/>
+  </p:clrMapOvr>
+</p:sld>
+</file>
+
+<file path=ppt/slides/slide15.xml><?xml version="1.0" encoding="utf-8"?>
+<p:sld xmlns:a="http://schemas.openxmlformats.org/drawingml/2006/main" xmlns:r="http://schemas.openxmlformats.org/officeDocument/2006/relationships" xmlns:p="http://schemas.openxmlformats.org/presentationml/2006/main">
+  <p:cSld>
+    <p:spTree>
+      <p:nvGrpSpPr>
+        <p:cNvPr id="1" name=""/>
+        <p:cNvGrpSpPr/>
+        <p:nvPr/>
+      </p:nvGrpSpPr>
+      <p:grpSpPr>
+        <a:xfrm>
+          <a:off x="0" y="0"/>
+          <a:ext cx="0" cy="0"/>
+          <a:chOff x="0" y="0"/>
+          <a:chExt cx="0" cy="0"/>
+        </a:xfrm>
+      </p:grpSpPr>
+      <p:pic>
+        <p:nvPicPr>
+          <p:cNvPr id="4" name="Picture 3" descr="Diagram&#10;&#10;Description automatically generated">
+            <a:extLst>
+              <a:ext uri="{FF2B5EF4-FFF2-40B4-BE49-F238E27FC236}">
+                <a16:creationId xmlns:a16="http://schemas.microsoft.com/office/drawing/2014/main" id="{4A836E81-853B-7E1D-2557-90D27015144F}"/>
+              </a:ext>
+            </a:extLst>
+          </p:cNvPr>
+          <p:cNvPicPr>
+            <a:picLocks noChangeAspect="1"/>
+          </p:cNvPicPr>
+          <p:nvPr/>
+        </p:nvPicPr>
+        <p:blipFill>
+          <a:blip r:embed="rId2">
+            <a:extLst>
+              <a:ext uri="{28A0092B-C50C-407E-A947-70E740481C1C}">
+                <a14:useLocalDpi xmlns:a14="http://schemas.microsoft.com/office/drawing/2010/main" val="0"/>
+              </a:ext>
+            </a:extLst>
+          </a:blip>
+          <a:stretch>
+            <a:fillRect/>
+          </a:stretch>
+        </p:blipFill>
+        <p:spPr>
+          <a:xfrm>
+            <a:off x="0" y="549000"/>
+            <a:ext cx="12192000" cy="5760000"/>
+          </a:xfrm>
+          <a:prstGeom prst="rect">
+            <a:avLst/>
+          </a:prstGeom>
+        </p:spPr>
+      </p:pic>
+    </p:spTree>
+    <p:extLst>
+      <p:ext uri="{BB962C8B-B14F-4D97-AF65-F5344CB8AC3E}">
+        <p14:creationId xmlns:p14="http://schemas.microsoft.com/office/powerpoint/2010/main" val="2453764353"/>
+      </p:ext>
+    </p:extLst>
+  </p:cSld>
+  <p:clrMapOvr>
+    <a:masterClrMapping/>
+  </p:clrMapOvr>
+</p:sld>
+</file>
+
+<file path=ppt/slides/slide16.xml><?xml version="1.0" encoding="utf-8"?>
+<p:sld xmlns:a="http://schemas.openxmlformats.org/drawingml/2006/main" xmlns:r="http://schemas.openxmlformats.org/officeDocument/2006/relationships" xmlns:p="http://schemas.openxmlformats.org/presentationml/2006/main">
+  <p:cSld>
+    <p:spTree>
+      <p:nvGrpSpPr>
+        <p:cNvPr id="1" name=""/>
+        <p:cNvGrpSpPr/>
+        <p:nvPr/>
+      </p:nvGrpSpPr>
+      <p:grpSpPr>
+        <a:xfrm>
+          <a:off x="0" y="0"/>
+          <a:ext cx="0" cy="0"/>
+          <a:chOff x="0" y="0"/>
+          <a:chExt cx="0" cy="0"/>
+        </a:xfrm>
+      </p:grpSpPr>
+      <p:sp>
+        <p:nvSpPr>
+          <p:cNvPr id="2" name="Title 1">
+            <a:extLst>
+              <a:ext uri="{FF2B5EF4-FFF2-40B4-BE49-F238E27FC236}">
+                <a16:creationId xmlns:a16="http://schemas.microsoft.com/office/drawing/2014/main" id="{9481C730-7BC6-B4EC-893F-070869CEE17B}"/>
+              </a:ext>
+            </a:extLst>
+          </p:cNvPr>
+          <p:cNvSpPr>
+            <a:spLocks noGrp="1"/>
+          </p:cNvSpPr>
+          <p:nvPr>
+            <p:ph type="title"/>
+          </p:nvPr>
+        </p:nvSpPr>
+        <p:spPr/>
+        <p:txBody>
+          <a:bodyPr/>
+          <a:lstStyle/>
+          <a:p>
+            <a:r>
+              <a:rPr lang="en-GB" dirty="0"/>
+              <a:t>Dataset scaling	</a:t>
+            </a:r>
+          </a:p>
+        </p:txBody>
+      </p:sp>
+      <p:pic>
+        <p:nvPicPr>
+          <p:cNvPr id="5" name="Picture 4">
+            <a:extLst>
+              <a:ext uri="{FF2B5EF4-FFF2-40B4-BE49-F238E27FC236}">
+                <a16:creationId xmlns:a16="http://schemas.microsoft.com/office/drawing/2014/main" id="{36FF999E-847F-2CCE-EB19-E4E58AEADBFF}"/>
+              </a:ext>
+            </a:extLst>
+          </p:cNvPr>
+          <p:cNvPicPr>
+            <a:picLocks noChangeAspect="1"/>
+          </p:cNvPicPr>
+          <p:nvPr/>
+        </p:nvPicPr>
+        <p:blipFill>
+          <a:blip r:embed="rId2"/>
+          <a:stretch>
+            <a:fillRect/>
+          </a:stretch>
+        </p:blipFill>
+        <p:spPr>
+          <a:xfrm rot="16200000">
+            <a:off x="4562475" y="1324882"/>
+            <a:ext cx="3067050" cy="5124450"/>
+          </a:xfrm>
+          <a:prstGeom prst="rect">
+            <a:avLst/>
+          </a:prstGeom>
+        </p:spPr>
+      </p:pic>
+    </p:spTree>
+    <p:extLst>
+      <p:ext uri="{BB962C8B-B14F-4D97-AF65-F5344CB8AC3E}">
+        <p14:creationId xmlns:p14="http://schemas.microsoft.com/office/powerpoint/2010/main" val="3352349673"/>
+      </p:ext>
+    </p:extLst>
+  </p:cSld>
+  <p:clrMapOvr>
+    <a:masterClrMapping/>
+  </p:clrMapOvr>
+</p:sld>
+</file>
+
+<file path=ppt/slides/slide17.xml><?xml version="1.0" encoding="utf-8"?>
+<p:sld xmlns:a="http://schemas.openxmlformats.org/drawingml/2006/main" xmlns:r="http://schemas.openxmlformats.org/officeDocument/2006/relationships" xmlns:p="http://schemas.openxmlformats.org/presentationml/2006/main">
+  <p:cSld>
+    <p:spTree>
+      <p:nvGrpSpPr>
+        <p:cNvPr id="1" name=""/>
+        <p:cNvGrpSpPr/>
+        <p:nvPr/>
+      </p:nvGrpSpPr>
+      <p:grpSpPr>
+        <a:xfrm>
+          <a:off x="0" y="0"/>
+          <a:ext cx="0" cy="0"/>
+          <a:chOff x="0" y="0"/>
+          <a:chExt cx="0" cy="0"/>
+        </a:xfrm>
+      </p:grpSpPr>
+      <p:sp>
+        <p:nvSpPr>
+          <p:cNvPr id="2" name="Title 1">
+            <a:extLst>
+              <a:ext uri="{FF2B5EF4-FFF2-40B4-BE49-F238E27FC236}">
+                <a16:creationId xmlns:a16="http://schemas.microsoft.com/office/drawing/2014/main" id="{8DA609C3-17A0-CF7B-3495-34E4C939E5E1}"/>
+              </a:ext>
+            </a:extLst>
+          </p:cNvPr>
+          <p:cNvSpPr>
+            <a:spLocks noGrp="1"/>
+          </p:cNvSpPr>
+          <p:nvPr>
+            <p:ph type="title"/>
+          </p:nvPr>
+        </p:nvSpPr>
+        <p:spPr/>
+        <p:txBody>
+          <a:bodyPr/>
+          <a:lstStyle/>
+          <a:p>
+            <a:r>
+              <a:rPr lang="en-GB" dirty="0"/>
+              <a:t>Other ways to use deep neural networks</a:t>
+            </a:r>
+          </a:p>
+        </p:txBody>
+      </p:sp>
+      <p:sp>
+        <p:nvSpPr>
+          <p:cNvPr id="3" name="Content Placeholder 2">
+            <a:extLst>
+              <a:ext uri="{FF2B5EF4-FFF2-40B4-BE49-F238E27FC236}">
+                <a16:creationId xmlns:a16="http://schemas.microsoft.com/office/drawing/2014/main" id="{862B8265-56EB-E967-BE1B-4D15E36D4657}"/>
+              </a:ext>
+            </a:extLst>
+          </p:cNvPr>
+          <p:cNvSpPr>
+            <a:spLocks noGrp="1"/>
+          </p:cNvSpPr>
+          <p:nvPr>
+            <p:ph idx="1"/>
+          </p:nvPr>
+        </p:nvSpPr>
+        <p:spPr/>
+        <p:txBody>
+          <a:bodyPr/>
+          <a:lstStyle/>
+          <a:p>
+            <a:r>
+              <a:rPr lang="en-GB" dirty="0"/>
+              <a:t>One-hot, graph conv </a:t>
+            </a:r>
+          </a:p>
+        </p:txBody>
+      </p:sp>
+    </p:spTree>
+    <p:extLst>
+      <p:ext uri="{BB962C8B-B14F-4D97-AF65-F5344CB8AC3E}">
+        <p14:creationId xmlns:p14="http://schemas.microsoft.com/office/powerpoint/2010/main" val="501404946"/>
+      </p:ext>
+    </p:extLst>
+  </p:cSld>
+  <p:clrMapOvr>
+    <a:masterClrMapping/>
+  </p:clrMapOvr>
+</p:sld>
+</file>
+
+<file path=ppt/slides/slide18.xml><?xml version="1.0" encoding="utf-8"?>
+<p:sld xmlns:a="http://schemas.openxmlformats.org/drawingml/2006/main" xmlns:r="http://schemas.openxmlformats.org/officeDocument/2006/relationships" xmlns:p="http://schemas.openxmlformats.org/presentationml/2006/main">
+  <p:cSld>
+    <p:spTree>
+      <p:nvGrpSpPr>
+        <p:cNvPr id="1" name=""/>
+        <p:cNvGrpSpPr/>
+        <p:nvPr/>
+      </p:nvGrpSpPr>
+      <p:grpSpPr>
+        <a:xfrm>
+          <a:off x="0" y="0"/>
+          <a:ext cx="0" cy="0"/>
+          <a:chOff x="0" y="0"/>
+          <a:chExt cx="0" cy="0"/>
+        </a:xfrm>
+      </p:grpSpPr>
+      <p:pic>
+        <p:nvPicPr>
           <p:cNvPr id="5" name="Content Placeholder 4" descr="Chart, line chart&#10;&#10;Description automatically generated">
             <a:extLst>
               <a:ext uri="{FF2B5EF4-FFF2-40B4-BE49-F238E27FC236}">
@@ -5243,7 +6055,7 @@
 </p:sld>
 </file>
 
-<file path=ppt/slides/slide11.xml><?xml version="1.0" encoding="utf-8"?>
+<file path=ppt/slides/slide19.xml><?xml version="1.0" encoding="utf-8"?>
 <p:sld xmlns:a="http://schemas.openxmlformats.org/drawingml/2006/main" xmlns:r="http://schemas.openxmlformats.org/officeDocument/2006/relationships" xmlns:p="http://schemas.openxmlformats.org/presentationml/2006/main">
   <p:cSld>
     <p:spTree>
@@ -5596,349 +6408,6 @@
 </p:sld>
 </file>
 
-<file path=ppt/slides/slide12.xml><?xml version="1.0" encoding="utf-8"?>
-<p:sld xmlns:a="http://schemas.openxmlformats.org/drawingml/2006/main" xmlns:r="http://schemas.openxmlformats.org/officeDocument/2006/relationships" xmlns:p="http://schemas.openxmlformats.org/presentationml/2006/main">
-  <p:cSld>
-    <p:spTree>
-      <p:nvGrpSpPr>
-        <p:cNvPr id="1" name=""/>
-        <p:cNvGrpSpPr/>
-        <p:nvPr/>
-      </p:nvGrpSpPr>
-      <p:grpSpPr>
-        <a:xfrm>
-          <a:off x="0" y="0"/>
-          <a:ext cx="0" cy="0"/>
-          <a:chOff x="0" y="0"/>
-          <a:chExt cx="0" cy="0"/>
-        </a:xfrm>
-      </p:grpSpPr>
-      <p:pic>
-        <p:nvPicPr>
-          <p:cNvPr id="4" name="Picture 3">
-            <a:extLst>
-              <a:ext uri="{FF2B5EF4-FFF2-40B4-BE49-F238E27FC236}">
-                <a16:creationId xmlns:a16="http://schemas.microsoft.com/office/drawing/2014/main" id="{639A3805-0728-43A7-DFAF-2D0AD8B2EEA7}"/>
-              </a:ext>
-            </a:extLst>
-          </p:cNvPr>
-          <p:cNvPicPr>
-            <a:picLocks noChangeAspect="1"/>
-          </p:cNvPicPr>
-          <p:nvPr/>
-        </p:nvPicPr>
-        <p:blipFill>
-          <a:blip r:embed="rId2"/>
-          <a:stretch>
-            <a:fillRect/>
-          </a:stretch>
-        </p:blipFill>
-        <p:spPr>
-          <a:xfrm>
-            <a:off x="3500437" y="2614612"/>
-            <a:ext cx="5191125" cy="1628775"/>
-          </a:xfrm>
-          <a:prstGeom prst="rect">
-            <a:avLst/>
-          </a:prstGeom>
-        </p:spPr>
-      </p:pic>
-    </p:spTree>
-    <p:extLst>
-      <p:ext uri="{BB962C8B-B14F-4D97-AF65-F5344CB8AC3E}">
-        <p14:creationId xmlns:p14="http://schemas.microsoft.com/office/powerpoint/2010/main" val="4160643086"/>
-      </p:ext>
-    </p:extLst>
-  </p:cSld>
-  <p:clrMapOvr>
-    <a:masterClrMapping/>
-  </p:clrMapOvr>
-</p:sld>
-</file>
-
-<file path=ppt/slides/slide13.xml><?xml version="1.0" encoding="utf-8"?>
-<p:sld xmlns:a="http://schemas.openxmlformats.org/drawingml/2006/main" xmlns:r="http://schemas.openxmlformats.org/officeDocument/2006/relationships" xmlns:p="http://schemas.openxmlformats.org/presentationml/2006/main">
-  <p:cSld>
-    <p:spTree>
-      <p:nvGrpSpPr>
-        <p:cNvPr id="1" name=""/>
-        <p:cNvGrpSpPr/>
-        <p:nvPr/>
-      </p:nvGrpSpPr>
-      <p:grpSpPr>
-        <a:xfrm>
-          <a:off x="0" y="0"/>
-          <a:ext cx="0" cy="0"/>
-          <a:chOff x="0" y="0"/>
-          <a:chExt cx="0" cy="0"/>
-        </a:xfrm>
-      </p:grpSpPr>
-      <p:sp>
-        <p:nvSpPr>
-          <p:cNvPr id="2" name="Title 1">
-            <a:extLst>
-              <a:ext uri="{FF2B5EF4-FFF2-40B4-BE49-F238E27FC236}">
-                <a16:creationId xmlns:a16="http://schemas.microsoft.com/office/drawing/2014/main" id="{0017C125-228C-A117-932B-D8E3DC740B29}"/>
-              </a:ext>
-            </a:extLst>
-          </p:cNvPr>
-          <p:cNvSpPr>
-            <a:spLocks noGrp="1"/>
-          </p:cNvSpPr>
-          <p:nvPr>
-            <p:ph type="title"/>
-          </p:nvPr>
-        </p:nvSpPr>
-        <p:spPr/>
-        <p:txBody>
-          <a:bodyPr/>
-          <a:lstStyle/>
-          <a:p>
-            <a:r>
-              <a:rPr lang="en-GB" dirty="0"/>
-              <a:t>Building a CG model	</a:t>
-            </a:r>
-          </a:p>
-        </p:txBody>
-      </p:sp>
-      <p:pic>
-        <p:nvPicPr>
-          <p:cNvPr id="5" name="Content Placeholder 4">
-            <a:extLst>
-              <a:ext uri="{FF2B5EF4-FFF2-40B4-BE49-F238E27FC236}">
-                <a16:creationId xmlns:a16="http://schemas.microsoft.com/office/drawing/2014/main" id="{1267C172-B8A0-1B94-F040-FD3543431A6D}"/>
-              </a:ext>
-            </a:extLst>
-          </p:cNvPr>
-          <p:cNvPicPr>
-            <a:picLocks noGrp="1" noChangeAspect="1"/>
-          </p:cNvPicPr>
-          <p:nvPr>
-            <p:ph idx="1"/>
-          </p:nvPr>
-        </p:nvPicPr>
-        <p:blipFill>
-          <a:blip r:embed="rId2"/>
-          <a:stretch>
-            <a:fillRect/>
-          </a:stretch>
-        </p:blipFill>
-        <p:spPr>
-          <a:xfrm>
-            <a:off x="838200" y="2588918"/>
-            <a:ext cx="3933825" cy="2524125"/>
-          </a:xfrm>
-        </p:spPr>
-      </p:pic>
-      <p:pic>
-        <p:nvPicPr>
-          <p:cNvPr id="7" name="Picture 6">
-            <a:extLst>
-              <a:ext uri="{FF2B5EF4-FFF2-40B4-BE49-F238E27FC236}">
-                <a16:creationId xmlns:a16="http://schemas.microsoft.com/office/drawing/2014/main" id="{50BC28B2-5AE2-A983-AD34-0916AE18DD5C}"/>
-              </a:ext>
-            </a:extLst>
-          </p:cNvPr>
-          <p:cNvPicPr>
-            <a:picLocks noChangeAspect="1"/>
-          </p:cNvPicPr>
-          <p:nvPr/>
-        </p:nvPicPr>
-        <p:blipFill>
-          <a:blip r:embed="rId3"/>
-          <a:stretch>
-            <a:fillRect/>
-          </a:stretch>
-        </p:blipFill>
-        <p:spPr>
-          <a:xfrm>
-            <a:off x="6096000" y="2756967"/>
-            <a:ext cx="3429000" cy="1743075"/>
-          </a:xfrm>
-          <a:prstGeom prst="rect">
-            <a:avLst/>
-          </a:prstGeom>
-        </p:spPr>
-      </p:pic>
-    </p:spTree>
-    <p:extLst>
-      <p:ext uri="{BB962C8B-B14F-4D97-AF65-F5344CB8AC3E}">
-        <p14:creationId xmlns:p14="http://schemas.microsoft.com/office/powerpoint/2010/main" val="3957563461"/>
-      </p:ext>
-    </p:extLst>
-  </p:cSld>
-  <p:clrMapOvr>
-    <a:masterClrMapping/>
-  </p:clrMapOvr>
-</p:sld>
-</file>
-
-<file path=ppt/slides/slide14.xml><?xml version="1.0" encoding="utf-8"?>
-<p:sld xmlns:a="http://schemas.openxmlformats.org/drawingml/2006/main" xmlns:r="http://schemas.openxmlformats.org/officeDocument/2006/relationships" xmlns:p="http://schemas.openxmlformats.org/presentationml/2006/main">
-  <p:cSld>
-    <p:spTree>
-      <p:nvGrpSpPr>
-        <p:cNvPr id="1" name=""/>
-        <p:cNvGrpSpPr/>
-        <p:nvPr/>
-      </p:nvGrpSpPr>
-      <p:grpSpPr>
-        <a:xfrm>
-          <a:off x="0" y="0"/>
-          <a:ext cx="0" cy="0"/>
-          <a:chOff x="0" y="0"/>
-          <a:chExt cx="0" cy="0"/>
-        </a:xfrm>
-      </p:grpSpPr>
-      <p:sp>
-        <p:nvSpPr>
-          <p:cNvPr id="2" name="Title 1">
-            <a:extLst>
-              <a:ext uri="{FF2B5EF4-FFF2-40B4-BE49-F238E27FC236}">
-                <a16:creationId xmlns:a16="http://schemas.microsoft.com/office/drawing/2014/main" id="{02E526A1-6C26-3CA6-3555-50C4BD246620}"/>
-              </a:ext>
-            </a:extLst>
-          </p:cNvPr>
-          <p:cNvSpPr>
-            <a:spLocks noGrp="1"/>
-          </p:cNvSpPr>
-          <p:nvPr>
-            <p:ph type="title"/>
-          </p:nvPr>
-        </p:nvSpPr>
-        <p:spPr/>
-        <p:txBody>
-          <a:bodyPr/>
-          <a:lstStyle/>
-          <a:p>
-            <a:r>
-              <a:rPr lang="en-GB" dirty="0"/>
-              <a:t>Bottom-up</a:t>
-            </a:r>
-          </a:p>
-        </p:txBody>
-      </p:sp>
-      <p:sp>
-        <p:nvSpPr>
-          <p:cNvPr id="3" name="Content Placeholder 2">
-            <a:extLst>
-              <a:ext uri="{FF2B5EF4-FFF2-40B4-BE49-F238E27FC236}">
-                <a16:creationId xmlns:a16="http://schemas.microsoft.com/office/drawing/2014/main" id="{62CEB39F-1CFA-7B19-87A1-D97CB8624F96}"/>
-              </a:ext>
-            </a:extLst>
-          </p:cNvPr>
-          <p:cNvSpPr>
-            <a:spLocks noGrp="1"/>
-          </p:cNvSpPr>
-          <p:nvPr>
-            <p:ph idx="1"/>
-          </p:nvPr>
-        </p:nvSpPr>
-        <p:spPr/>
-        <p:txBody>
-          <a:bodyPr/>
-          <a:lstStyle/>
-          <a:p>
-            <a:r>
-              <a:rPr lang="en-GB" dirty="0"/>
-              <a:t>FF dihedral</a:t>
-            </a:r>
-          </a:p>
-        </p:txBody>
-      </p:sp>
-    </p:spTree>
-    <p:extLst>
-      <p:ext uri="{BB962C8B-B14F-4D97-AF65-F5344CB8AC3E}">
-        <p14:creationId xmlns:p14="http://schemas.microsoft.com/office/powerpoint/2010/main" val="2936574976"/>
-      </p:ext>
-    </p:extLst>
-  </p:cSld>
-  <p:clrMapOvr>
-    <a:masterClrMapping/>
-  </p:clrMapOvr>
-</p:sld>
-</file>
-
-<file path=ppt/slides/slide15.xml><?xml version="1.0" encoding="utf-8"?>
-<p:sld xmlns:a="http://schemas.openxmlformats.org/drawingml/2006/main" xmlns:r="http://schemas.openxmlformats.org/officeDocument/2006/relationships" xmlns:p="http://schemas.openxmlformats.org/presentationml/2006/main">
-  <p:cSld>
-    <p:spTree>
-      <p:nvGrpSpPr>
-        <p:cNvPr id="1" name=""/>
-        <p:cNvGrpSpPr/>
-        <p:nvPr/>
-      </p:nvGrpSpPr>
-      <p:grpSpPr>
-        <a:xfrm>
-          <a:off x="0" y="0"/>
-          <a:ext cx="0" cy="0"/>
-          <a:chOff x="0" y="0"/>
-          <a:chExt cx="0" cy="0"/>
-        </a:xfrm>
-      </p:grpSpPr>
-      <p:sp>
-        <p:nvSpPr>
-          <p:cNvPr id="2" name="Title 1">
-            <a:extLst>
-              <a:ext uri="{FF2B5EF4-FFF2-40B4-BE49-F238E27FC236}">
-                <a16:creationId xmlns:a16="http://schemas.microsoft.com/office/drawing/2014/main" id="{35CAD1A1-A8B7-AF51-FB0D-DC90AA3C69A8}"/>
-              </a:ext>
-            </a:extLst>
-          </p:cNvPr>
-          <p:cNvSpPr>
-            <a:spLocks noGrp="1"/>
-          </p:cNvSpPr>
-          <p:nvPr>
-            <p:ph type="title"/>
-          </p:nvPr>
-        </p:nvSpPr>
-        <p:spPr/>
-        <p:txBody>
-          <a:bodyPr/>
-          <a:lstStyle/>
-          <a:p>
-            <a:endParaRPr lang="en-GB"/>
-          </a:p>
-        </p:txBody>
-      </p:sp>
-      <p:sp>
-        <p:nvSpPr>
-          <p:cNvPr id="3" name="Content Placeholder 2">
-            <a:extLst>
-              <a:ext uri="{FF2B5EF4-FFF2-40B4-BE49-F238E27FC236}">
-                <a16:creationId xmlns:a16="http://schemas.microsoft.com/office/drawing/2014/main" id="{48E5A943-D580-59B9-6761-EAC5410CA69A}"/>
-              </a:ext>
-            </a:extLst>
-          </p:cNvPr>
-          <p:cNvSpPr>
-            <a:spLocks noGrp="1"/>
-          </p:cNvSpPr>
-          <p:nvPr>
-            <p:ph idx="1"/>
-          </p:nvPr>
-        </p:nvSpPr>
-        <p:spPr/>
-        <p:txBody>
-          <a:bodyPr/>
-          <a:lstStyle/>
-          <a:p>
-            <a:endParaRPr lang="en-GB"/>
-          </a:p>
-        </p:txBody>
-      </p:sp>
-    </p:spTree>
-    <p:extLst>
-      <p:ext uri="{BB962C8B-B14F-4D97-AF65-F5344CB8AC3E}">
-        <p14:creationId xmlns:p14="http://schemas.microsoft.com/office/powerpoint/2010/main" val="2632708936"/>
-      </p:ext>
-    </p:extLst>
-  </p:cSld>
-  <p:clrMapOvr>
-    <a:masterClrMapping/>
-  </p:clrMapOvr>
-</p:sld>
-</file>
-
 <file path=ppt/slides/slide2.xml><?xml version="1.0" encoding="utf-8"?>
 <p:sld xmlns:a="http://schemas.openxmlformats.org/drawingml/2006/main" xmlns:r="http://schemas.openxmlformats.org/officeDocument/2006/relationships" xmlns:p="http://schemas.openxmlformats.org/presentationml/2006/main">
   <p:cSld>
@@ -6295,6 +6764,269 @@
 </p:sld>
 </file>
 
+<file path=ppt/slides/slide20.xml><?xml version="1.0" encoding="utf-8"?>
+<p:sld xmlns:a="http://schemas.openxmlformats.org/drawingml/2006/main" xmlns:r="http://schemas.openxmlformats.org/officeDocument/2006/relationships" xmlns:p="http://schemas.openxmlformats.org/presentationml/2006/main">
+  <p:cSld>
+    <p:spTree>
+      <p:nvGrpSpPr>
+        <p:cNvPr id="1" name=""/>
+        <p:cNvGrpSpPr/>
+        <p:nvPr/>
+      </p:nvGrpSpPr>
+      <p:grpSpPr>
+        <a:xfrm>
+          <a:off x="0" y="0"/>
+          <a:ext cx="0" cy="0"/>
+          <a:chOff x="0" y="0"/>
+          <a:chExt cx="0" cy="0"/>
+        </a:xfrm>
+      </p:grpSpPr>
+      <p:pic>
+        <p:nvPicPr>
+          <p:cNvPr id="4" name="Picture 3">
+            <a:extLst>
+              <a:ext uri="{FF2B5EF4-FFF2-40B4-BE49-F238E27FC236}">
+                <a16:creationId xmlns:a16="http://schemas.microsoft.com/office/drawing/2014/main" id="{639A3805-0728-43A7-DFAF-2D0AD8B2EEA7}"/>
+              </a:ext>
+            </a:extLst>
+          </p:cNvPr>
+          <p:cNvPicPr>
+            <a:picLocks noChangeAspect="1"/>
+          </p:cNvPicPr>
+          <p:nvPr/>
+        </p:nvPicPr>
+        <p:blipFill>
+          <a:blip r:embed="rId2"/>
+          <a:stretch>
+            <a:fillRect/>
+          </a:stretch>
+        </p:blipFill>
+        <p:spPr>
+          <a:xfrm>
+            <a:off x="3500437" y="2614612"/>
+            <a:ext cx="5191125" cy="1628775"/>
+          </a:xfrm>
+          <a:prstGeom prst="rect">
+            <a:avLst/>
+          </a:prstGeom>
+        </p:spPr>
+      </p:pic>
+    </p:spTree>
+    <p:extLst>
+      <p:ext uri="{BB962C8B-B14F-4D97-AF65-F5344CB8AC3E}">
+        <p14:creationId xmlns:p14="http://schemas.microsoft.com/office/powerpoint/2010/main" val="4160643086"/>
+      </p:ext>
+    </p:extLst>
+  </p:cSld>
+  <p:clrMapOvr>
+    <a:masterClrMapping/>
+  </p:clrMapOvr>
+</p:sld>
+</file>
+
+<file path=ppt/slides/slide21.xml><?xml version="1.0" encoding="utf-8"?>
+<p:sld xmlns:a="http://schemas.openxmlformats.org/drawingml/2006/main" xmlns:r="http://schemas.openxmlformats.org/officeDocument/2006/relationships" xmlns:p="http://schemas.openxmlformats.org/presentationml/2006/main">
+  <p:cSld>
+    <p:spTree>
+      <p:nvGrpSpPr>
+        <p:cNvPr id="1" name=""/>
+        <p:cNvGrpSpPr/>
+        <p:nvPr/>
+      </p:nvGrpSpPr>
+      <p:grpSpPr>
+        <a:xfrm>
+          <a:off x="0" y="0"/>
+          <a:ext cx="0" cy="0"/>
+          <a:chOff x="0" y="0"/>
+          <a:chExt cx="0" cy="0"/>
+        </a:xfrm>
+      </p:grpSpPr>
+      <p:sp>
+        <p:nvSpPr>
+          <p:cNvPr id="2" name="Title 1">
+            <a:extLst>
+              <a:ext uri="{FF2B5EF4-FFF2-40B4-BE49-F238E27FC236}">
+                <a16:creationId xmlns:a16="http://schemas.microsoft.com/office/drawing/2014/main" id="{0017C125-228C-A117-932B-D8E3DC740B29}"/>
+              </a:ext>
+            </a:extLst>
+          </p:cNvPr>
+          <p:cNvSpPr>
+            <a:spLocks noGrp="1"/>
+          </p:cNvSpPr>
+          <p:nvPr>
+            <p:ph type="title"/>
+          </p:nvPr>
+        </p:nvSpPr>
+        <p:spPr/>
+        <p:txBody>
+          <a:bodyPr/>
+          <a:lstStyle/>
+          <a:p>
+            <a:r>
+              <a:rPr lang="en-GB" dirty="0"/>
+              <a:t>Building a CG model	</a:t>
+            </a:r>
+          </a:p>
+        </p:txBody>
+      </p:sp>
+      <p:pic>
+        <p:nvPicPr>
+          <p:cNvPr id="5" name="Content Placeholder 4">
+            <a:extLst>
+              <a:ext uri="{FF2B5EF4-FFF2-40B4-BE49-F238E27FC236}">
+                <a16:creationId xmlns:a16="http://schemas.microsoft.com/office/drawing/2014/main" id="{1267C172-B8A0-1B94-F040-FD3543431A6D}"/>
+              </a:ext>
+            </a:extLst>
+          </p:cNvPr>
+          <p:cNvPicPr>
+            <a:picLocks noGrp="1" noChangeAspect="1"/>
+          </p:cNvPicPr>
+          <p:nvPr>
+            <p:ph idx="1"/>
+          </p:nvPr>
+        </p:nvPicPr>
+        <p:blipFill>
+          <a:blip r:embed="rId2"/>
+          <a:stretch>
+            <a:fillRect/>
+          </a:stretch>
+        </p:blipFill>
+        <p:spPr>
+          <a:xfrm>
+            <a:off x="838200" y="2588918"/>
+            <a:ext cx="3933825" cy="2524125"/>
+          </a:xfrm>
+        </p:spPr>
+      </p:pic>
+      <p:pic>
+        <p:nvPicPr>
+          <p:cNvPr id="7" name="Picture 6">
+            <a:extLst>
+              <a:ext uri="{FF2B5EF4-FFF2-40B4-BE49-F238E27FC236}">
+                <a16:creationId xmlns:a16="http://schemas.microsoft.com/office/drawing/2014/main" id="{50BC28B2-5AE2-A983-AD34-0916AE18DD5C}"/>
+              </a:ext>
+            </a:extLst>
+          </p:cNvPr>
+          <p:cNvPicPr>
+            <a:picLocks noChangeAspect="1"/>
+          </p:cNvPicPr>
+          <p:nvPr/>
+        </p:nvPicPr>
+        <p:blipFill>
+          <a:blip r:embed="rId3"/>
+          <a:stretch>
+            <a:fillRect/>
+          </a:stretch>
+        </p:blipFill>
+        <p:spPr>
+          <a:xfrm>
+            <a:off x="6096000" y="2756967"/>
+            <a:ext cx="3429000" cy="1743075"/>
+          </a:xfrm>
+          <a:prstGeom prst="rect">
+            <a:avLst/>
+          </a:prstGeom>
+        </p:spPr>
+      </p:pic>
+    </p:spTree>
+    <p:extLst>
+      <p:ext uri="{BB962C8B-B14F-4D97-AF65-F5344CB8AC3E}">
+        <p14:creationId xmlns:p14="http://schemas.microsoft.com/office/powerpoint/2010/main" val="3957563461"/>
+      </p:ext>
+    </p:extLst>
+  </p:cSld>
+  <p:clrMapOvr>
+    <a:masterClrMapping/>
+  </p:clrMapOvr>
+</p:sld>
+</file>
+
+<file path=ppt/slides/slide22.xml><?xml version="1.0" encoding="utf-8"?>
+<p:sld xmlns:a="http://schemas.openxmlformats.org/drawingml/2006/main" xmlns:r="http://schemas.openxmlformats.org/officeDocument/2006/relationships" xmlns:p="http://schemas.openxmlformats.org/presentationml/2006/main">
+  <p:cSld>
+    <p:spTree>
+      <p:nvGrpSpPr>
+        <p:cNvPr id="1" name=""/>
+        <p:cNvGrpSpPr/>
+        <p:nvPr/>
+      </p:nvGrpSpPr>
+      <p:grpSpPr>
+        <a:xfrm>
+          <a:off x="0" y="0"/>
+          <a:ext cx="0" cy="0"/>
+          <a:chOff x="0" y="0"/>
+          <a:chExt cx="0" cy="0"/>
+        </a:xfrm>
+      </p:grpSpPr>
+      <p:sp>
+        <p:nvSpPr>
+          <p:cNvPr id="2" name="Title 1">
+            <a:extLst>
+              <a:ext uri="{FF2B5EF4-FFF2-40B4-BE49-F238E27FC236}">
+                <a16:creationId xmlns:a16="http://schemas.microsoft.com/office/drawing/2014/main" id="{02E526A1-6C26-3CA6-3555-50C4BD246620}"/>
+              </a:ext>
+            </a:extLst>
+          </p:cNvPr>
+          <p:cNvSpPr>
+            <a:spLocks noGrp="1"/>
+          </p:cNvSpPr>
+          <p:nvPr>
+            <p:ph type="title"/>
+          </p:nvPr>
+        </p:nvSpPr>
+        <p:spPr/>
+        <p:txBody>
+          <a:bodyPr/>
+          <a:lstStyle/>
+          <a:p>
+            <a:r>
+              <a:rPr lang="en-GB" dirty="0"/>
+              <a:t>Bottom-up</a:t>
+            </a:r>
+          </a:p>
+        </p:txBody>
+      </p:sp>
+      <p:sp>
+        <p:nvSpPr>
+          <p:cNvPr id="3" name="Content Placeholder 2">
+            <a:extLst>
+              <a:ext uri="{FF2B5EF4-FFF2-40B4-BE49-F238E27FC236}">
+                <a16:creationId xmlns:a16="http://schemas.microsoft.com/office/drawing/2014/main" id="{62CEB39F-1CFA-7B19-87A1-D97CB8624F96}"/>
+              </a:ext>
+            </a:extLst>
+          </p:cNvPr>
+          <p:cNvSpPr>
+            <a:spLocks noGrp="1"/>
+          </p:cNvSpPr>
+          <p:nvPr>
+            <p:ph idx="1"/>
+          </p:nvPr>
+        </p:nvSpPr>
+        <p:spPr/>
+        <p:txBody>
+          <a:bodyPr/>
+          <a:lstStyle/>
+          <a:p>
+            <a:r>
+              <a:rPr lang="en-GB" dirty="0"/>
+              <a:t>FF dihedral</a:t>
+            </a:r>
+          </a:p>
+        </p:txBody>
+      </p:sp>
+    </p:spTree>
+    <p:extLst>
+      <p:ext uri="{BB962C8B-B14F-4D97-AF65-F5344CB8AC3E}">
+        <p14:creationId xmlns:p14="http://schemas.microsoft.com/office/powerpoint/2010/main" val="2936574976"/>
+      </p:ext>
+    </p:extLst>
+  </p:cSld>
+  <p:clrMapOvr>
+    <a:masterClrMapping/>
+  </p:clrMapOvr>
+</p:sld>
+</file>
+
 <file path=ppt/slides/slide3.xml><?xml version="1.0" encoding="utf-8"?>
 <p:sld xmlns:a="http://schemas.openxmlformats.org/drawingml/2006/main" xmlns:r="http://schemas.openxmlformats.org/officeDocument/2006/relationships" xmlns:p="http://schemas.openxmlformats.org/presentationml/2006/main">
   <p:cSld>
@@ -6314,147 +7046,71 @@
       </p:grpSpPr>
       <p:sp>
         <p:nvSpPr>
-          <p:cNvPr id="7" name="TextBox 6">
-            <a:extLst>
-              <a:ext uri="{FF2B5EF4-FFF2-40B4-BE49-F238E27FC236}">
-                <a16:creationId xmlns:a16="http://schemas.microsoft.com/office/drawing/2014/main" id="{66F6F82E-2A31-C503-74F3-729DCB5C49CD}"/>
-              </a:ext>
-            </a:extLst>
-          </p:cNvPr>
-          <p:cNvSpPr txBox="1"/>
-          <p:nvPr/>
-        </p:nvSpPr>
+          <p:cNvPr id="2" name="Title 1">
+            <a:extLst>
+              <a:ext uri="{FF2B5EF4-FFF2-40B4-BE49-F238E27FC236}">
+                <a16:creationId xmlns:a16="http://schemas.microsoft.com/office/drawing/2014/main" id="{AD7ED6C7-B705-8F58-4124-5C4C6BEFCE66}"/>
+              </a:ext>
+            </a:extLst>
+          </p:cNvPr>
+          <p:cNvSpPr>
+            <a:spLocks noGrp="1"/>
+          </p:cNvSpPr>
+          <p:nvPr>
+            <p:ph type="title"/>
+          </p:nvPr>
+        </p:nvSpPr>
+        <p:spPr/>
+        <p:txBody>
+          <a:bodyPr/>
+          <a:lstStyle/>
+          <a:p>
+            <a:r>
+              <a:rPr lang="en-GB" dirty="0"/>
+              <a:t>Supervised learning</a:t>
+            </a:r>
+          </a:p>
+        </p:txBody>
+      </p:sp>
+      <p:pic>
+        <p:nvPicPr>
+          <p:cNvPr id="5" name="Content Placeholder 4" descr="Diagram&#10;&#10;Description automatically generated">
+            <a:extLst>
+              <a:ext uri="{FF2B5EF4-FFF2-40B4-BE49-F238E27FC236}">
+                <a16:creationId xmlns:a16="http://schemas.microsoft.com/office/drawing/2014/main" id="{948F191C-10B4-CA26-CA4C-12362EF6BF8C}"/>
+              </a:ext>
+            </a:extLst>
+          </p:cNvPr>
+          <p:cNvPicPr>
+            <a:picLocks noGrp="1" noChangeAspect="1"/>
+          </p:cNvPicPr>
+          <p:nvPr>
+            <p:ph idx="1"/>
+          </p:nvPr>
+        </p:nvPicPr>
+        <p:blipFill>
+          <a:blip r:embed="rId2">
+            <a:extLst>
+              <a:ext uri="{28A0092B-C50C-407E-A947-70E740481C1C}">
+                <a14:useLocalDpi xmlns:a14="http://schemas.microsoft.com/office/drawing/2010/main" val="0"/>
+              </a:ext>
+            </a:extLst>
+          </a:blip>
+          <a:stretch>
+            <a:fillRect/>
+          </a:stretch>
+        </p:blipFill>
         <p:spPr>
           <a:xfrm>
-            <a:off x="5042452" y="4804466"/>
-            <a:ext cx="2107095" cy="707886"/>
+            <a:off x="2614930" y="1825625"/>
+            <a:ext cx="6962140" cy="4351338"/>
           </a:xfrm>
-          <a:prstGeom prst="rect">
-            <a:avLst/>
-          </a:prstGeom>
-          <a:noFill/>
         </p:spPr>
-        <p:txBody>
-          <a:bodyPr wrap="square" rtlCol="0">
-            <a:spAutoFit/>
-          </a:bodyPr>
-          <a:lstStyle/>
-          <a:p>
-            <a:r>
-              <a:rPr lang="en-GB" sz="4000" dirty="0"/>
-              <a:t>y=</a:t>
-            </a:r>
-            <a:r>
-              <a:rPr lang="en-GB" sz="4000" dirty="0" err="1"/>
-              <a:t>mx+b</a:t>
-            </a:r>
-            <a:endParaRPr lang="en-GB" sz="4000" dirty="0"/>
-          </a:p>
-        </p:txBody>
-      </p:sp>
-      <p:sp>
-        <p:nvSpPr>
-          <p:cNvPr id="8" name="TextBox 7">
-            <a:extLst>
-              <a:ext uri="{FF2B5EF4-FFF2-40B4-BE49-F238E27FC236}">
-                <a16:creationId xmlns:a16="http://schemas.microsoft.com/office/drawing/2014/main" id="{8E974F0F-F3CB-8E37-8A37-FEA4FC68FF87}"/>
-              </a:ext>
-            </a:extLst>
-          </p:cNvPr>
-          <p:cNvSpPr txBox="1"/>
-          <p:nvPr/>
-        </p:nvSpPr>
-        <p:spPr>
-          <a:xfrm>
-            <a:off x="530087" y="5512352"/>
-            <a:ext cx="10552761" cy="1200329"/>
-          </a:xfrm>
-          <a:prstGeom prst="rect">
-            <a:avLst/>
-          </a:prstGeom>
-          <a:noFill/>
-        </p:spPr>
-        <p:txBody>
-          <a:bodyPr wrap="none" rtlCol="0">
-            <a:spAutoFit/>
-          </a:bodyPr>
-          <a:lstStyle/>
-          <a:p>
-            <a:r>
-              <a:rPr lang="en-US" sz="2400" dirty="0"/>
-              <a:t>Hyperparameters: where we fit an intercept (b), scoring method (L2/L1, categorical)</a:t>
-            </a:r>
-          </a:p>
-          <a:p>
-            <a:endParaRPr lang="en-US" sz="2400" dirty="0"/>
-          </a:p>
-          <a:p>
-            <a:r>
-              <a:rPr lang="en-US" sz="2400" dirty="0"/>
-              <a:t>Minimize L2 norm: y</a:t>
-            </a:r>
-            <a:r>
-              <a:rPr lang="en-US" sz="2400" baseline="30000" dirty="0"/>
-              <a:t>2</a:t>
-            </a:r>
-            <a:r>
-              <a:rPr lang="en-US" sz="2400" dirty="0"/>
-              <a:t> – (</a:t>
-            </a:r>
-            <a:r>
-              <a:rPr lang="en-US" sz="2400" dirty="0" err="1"/>
-              <a:t>mx+b</a:t>
-            </a:r>
-            <a:r>
-              <a:rPr lang="en-US" sz="2400" dirty="0"/>
-              <a:t>)</a:t>
-            </a:r>
-            <a:r>
-              <a:rPr lang="en-US" sz="2400" baseline="30000" dirty="0"/>
-              <a:t>2</a:t>
-            </a:r>
-            <a:r>
-              <a:rPr lang="en-US" sz="2400" dirty="0"/>
-              <a:t> -&gt; 0</a:t>
-            </a:r>
-            <a:endParaRPr lang="en-GB" sz="2400" baseline="30000" dirty="0"/>
-          </a:p>
-        </p:txBody>
-      </p:sp>
-      <p:graphicFrame>
-        <p:nvGraphicFramePr>
-          <p:cNvPr id="9" name="Chart 8">
-            <a:extLst>
-              <a:ext uri="{FF2B5EF4-FFF2-40B4-BE49-F238E27FC236}">
-                <a16:creationId xmlns:a16="http://schemas.microsoft.com/office/drawing/2014/main" id="{DB75C39C-575B-99E3-000A-1C25E5F92BAC}"/>
-              </a:ext>
-            </a:extLst>
-          </p:cNvPr>
-          <p:cNvGraphicFramePr>
-            <a:graphicFrameLocks/>
-          </p:cNvGraphicFramePr>
-          <p:nvPr>
-            <p:extLst>
-              <p:ext uri="{D42A27DB-BD31-4B8C-83A1-F6EECF244321}">
-                <p14:modId xmlns:p14="http://schemas.microsoft.com/office/powerpoint/2010/main" val="1844278583"/>
-              </p:ext>
-            </p:extLst>
-          </p:nvPr>
-        </p:nvGraphicFramePr>
-        <p:xfrm>
-          <a:off x="2716696" y="533399"/>
-          <a:ext cx="6374295" cy="4271067"/>
-        </p:xfrm>
-        <a:graphic>
-          <a:graphicData uri="http://schemas.openxmlformats.org/drawingml/2006/chart">
-            <c:chart xmlns:c="http://schemas.openxmlformats.org/drawingml/2006/chart" xmlns:r="http://schemas.openxmlformats.org/officeDocument/2006/relationships" r:id="rId3"/>
-          </a:graphicData>
-        </a:graphic>
-      </p:graphicFrame>
+      </p:pic>
     </p:spTree>
     <p:extLst>
       <p:ext uri="{BB962C8B-B14F-4D97-AF65-F5344CB8AC3E}">
-        <p14:creationId xmlns:p14="http://schemas.microsoft.com/office/powerpoint/2010/main" val="328954001"/>
+        <p14:creationId xmlns:p14="http://schemas.microsoft.com/office/powerpoint/2010/main" val="869047687"/>
       </p:ext>
     </p:extLst>
   </p:cSld>
@@ -7643,97 +8299,147 @@
       </p:grpSpPr>
       <p:sp>
         <p:nvSpPr>
-          <p:cNvPr id="2" name="Title 1">
-            <a:extLst>
-              <a:ext uri="{FF2B5EF4-FFF2-40B4-BE49-F238E27FC236}">
-                <a16:creationId xmlns:a16="http://schemas.microsoft.com/office/drawing/2014/main" id="{84F928A3-572E-A77B-6FCB-3C2494B0C449}"/>
-              </a:ext>
-            </a:extLst>
-          </p:cNvPr>
-          <p:cNvSpPr>
-            <a:spLocks noGrp="1"/>
-          </p:cNvSpPr>
-          <p:nvPr>
-            <p:ph type="title"/>
-          </p:nvPr>
-        </p:nvSpPr>
-        <p:spPr/>
-        <p:txBody>
-          <a:bodyPr/>
-          <a:lstStyle/>
-          <a:p>
-            <a:r>
-              <a:rPr lang="en-US" dirty="0"/>
-              <a:t>Can we predict something harder?</a:t>
-            </a:r>
-            <a:endParaRPr lang="en-GB" dirty="0"/>
-          </a:p>
-        </p:txBody>
-      </p:sp>
-      <p:pic>
-        <p:nvPicPr>
-          <p:cNvPr id="4" name="Picture 3">
-            <a:extLst>
-              <a:ext uri="{FF2B5EF4-FFF2-40B4-BE49-F238E27FC236}">
-                <a16:creationId xmlns:a16="http://schemas.microsoft.com/office/drawing/2014/main" id="{DE63A5CA-41FD-70D8-6BFA-D694E43C10A7}"/>
-              </a:ext>
-            </a:extLst>
-          </p:cNvPr>
-          <p:cNvPicPr>
-            <a:picLocks noChangeAspect="1"/>
-          </p:cNvPicPr>
+          <p:cNvPr id="7" name="TextBox 6">
+            <a:extLst>
+              <a:ext uri="{FF2B5EF4-FFF2-40B4-BE49-F238E27FC236}">
+                <a16:creationId xmlns:a16="http://schemas.microsoft.com/office/drawing/2014/main" id="{66F6F82E-2A31-C503-74F3-729DCB5C49CD}"/>
+              </a:ext>
+            </a:extLst>
+          </p:cNvPr>
+          <p:cNvSpPr txBox="1"/>
           <p:nvPr/>
-        </p:nvPicPr>
-        <p:blipFill>
-          <a:blip r:embed="rId2"/>
-          <a:stretch>
-            <a:fillRect/>
-          </a:stretch>
-        </p:blipFill>
+        </p:nvSpPr>
         <p:spPr>
           <a:xfrm>
-            <a:off x="6762750" y="1929606"/>
-            <a:ext cx="4591050" cy="4143375"/>
+            <a:off x="5042452" y="4804466"/>
+            <a:ext cx="2107095" cy="707886"/>
           </a:xfrm>
           <a:prstGeom prst="rect">
             <a:avLst/>
           </a:prstGeom>
+          <a:noFill/>
         </p:spPr>
-      </p:pic>
-      <p:pic>
-        <p:nvPicPr>
-          <p:cNvPr id="10" name="Picture 9">
-            <a:extLst>
-              <a:ext uri="{FF2B5EF4-FFF2-40B4-BE49-F238E27FC236}">
-                <a16:creationId xmlns:a16="http://schemas.microsoft.com/office/drawing/2014/main" id="{7E31DBDB-62B5-5608-E5E7-DC2EE54CD81A}"/>
-              </a:ext>
-            </a:extLst>
-          </p:cNvPr>
-          <p:cNvPicPr>
-            <a:picLocks noChangeAspect="1"/>
-          </p:cNvPicPr>
+        <p:txBody>
+          <a:bodyPr wrap="square" rtlCol="0">
+            <a:spAutoFit/>
+          </a:bodyPr>
+          <a:lstStyle/>
+          <a:p>
+            <a:r>
+              <a:rPr lang="en-GB" sz="4000" dirty="0"/>
+              <a:t>y=</a:t>
+            </a:r>
+            <a:r>
+              <a:rPr lang="en-GB" sz="4000" dirty="0" err="1"/>
+              <a:t>mx+b</a:t>
+            </a:r>
+            <a:endParaRPr lang="en-GB" sz="4000" dirty="0"/>
+          </a:p>
+        </p:txBody>
+      </p:sp>
+      <p:sp>
+        <p:nvSpPr>
+          <p:cNvPr id="8" name="TextBox 7">
+            <a:extLst>
+              <a:ext uri="{FF2B5EF4-FFF2-40B4-BE49-F238E27FC236}">
+                <a16:creationId xmlns:a16="http://schemas.microsoft.com/office/drawing/2014/main" id="{8E974F0F-F3CB-8E37-8A37-FEA4FC68FF87}"/>
+              </a:ext>
+            </a:extLst>
+          </p:cNvPr>
+          <p:cNvSpPr txBox="1"/>
           <p:nvPr/>
-        </p:nvPicPr>
-        <p:blipFill>
-          <a:blip r:embed="rId3"/>
-          <a:stretch>
-            <a:fillRect/>
-          </a:stretch>
-        </p:blipFill>
+        </p:nvSpPr>
         <p:spPr>
           <a:xfrm>
-            <a:off x="838200" y="2048668"/>
-            <a:ext cx="5657850" cy="3905250"/>
+            <a:off x="530087" y="5512352"/>
+            <a:ext cx="10552761" cy="1200329"/>
           </a:xfrm>
           <a:prstGeom prst="rect">
             <a:avLst/>
           </a:prstGeom>
+          <a:noFill/>
         </p:spPr>
-      </p:pic>
+        <p:txBody>
+          <a:bodyPr wrap="none" rtlCol="0">
+            <a:spAutoFit/>
+          </a:bodyPr>
+          <a:lstStyle/>
+          <a:p>
+            <a:r>
+              <a:rPr lang="en-US" sz="2400" dirty="0"/>
+              <a:t>Hyperparameters: where we fit an intercept (b), scoring method (L2/L1, categorical)</a:t>
+            </a:r>
+          </a:p>
+          <a:p>
+            <a:endParaRPr lang="en-US" sz="2400" dirty="0"/>
+          </a:p>
+          <a:p>
+            <a:r>
+              <a:rPr lang="en-US" sz="2400" dirty="0"/>
+              <a:t>Minimize L2 norm: y</a:t>
+            </a:r>
+            <a:r>
+              <a:rPr lang="en-US" sz="2400" baseline="30000" dirty="0"/>
+              <a:t>2</a:t>
+            </a:r>
+            <a:r>
+              <a:rPr lang="en-US" sz="2400" dirty="0"/>
+              <a:t> – (</a:t>
+            </a:r>
+            <a:r>
+              <a:rPr lang="en-US" sz="2400" dirty="0" err="1"/>
+              <a:t>mx+b</a:t>
+            </a:r>
+            <a:r>
+              <a:rPr lang="en-US" sz="2400" dirty="0"/>
+              <a:t>)</a:t>
+            </a:r>
+            <a:r>
+              <a:rPr lang="en-US" sz="2400" baseline="30000" dirty="0"/>
+              <a:t>2</a:t>
+            </a:r>
+            <a:r>
+              <a:rPr lang="en-US" sz="2400" dirty="0"/>
+              <a:t> -&gt; 0</a:t>
+            </a:r>
+            <a:endParaRPr lang="en-GB" sz="2400" baseline="30000" dirty="0"/>
+          </a:p>
+        </p:txBody>
+      </p:sp>
+      <p:graphicFrame>
+        <p:nvGraphicFramePr>
+          <p:cNvPr id="9" name="Chart 8">
+            <a:extLst>
+              <a:ext uri="{FF2B5EF4-FFF2-40B4-BE49-F238E27FC236}">
+                <a16:creationId xmlns:a16="http://schemas.microsoft.com/office/drawing/2014/main" id="{DB75C39C-575B-99E3-000A-1C25E5F92BAC}"/>
+              </a:ext>
+            </a:extLst>
+          </p:cNvPr>
+          <p:cNvGraphicFramePr>
+            <a:graphicFrameLocks/>
+          </p:cNvGraphicFramePr>
+          <p:nvPr>
+            <p:extLst>
+              <p:ext uri="{D42A27DB-BD31-4B8C-83A1-F6EECF244321}">
+                <p14:modId xmlns:p14="http://schemas.microsoft.com/office/powerpoint/2010/main" val="1844278583"/>
+              </p:ext>
+            </p:extLst>
+          </p:nvPr>
+        </p:nvGraphicFramePr>
+        <p:xfrm>
+          <a:off x="2716696" y="533399"/>
+          <a:ext cx="6374295" cy="4271067"/>
+        </p:xfrm>
+        <a:graphic>
+          <a:graphicData uri="http://schemas.openxmlformats.org/drawingml/2006/chart">
+            <c:chart xmlns:c="http://schemas.openxmlformats.org/drawingml/2006/chart" xmlns:r="http://schemas.openxmlformats.org/officeDocument/2006/relationships" r:id="rId3"/>
+          </a:graphicData>
+        </a:graphic>
+      </p:graphicFrame>
     </p:spTree>
     <p:extLst>
       <p:ext uri="{BB962C8B-B14F-4D97-AF65-F5344CB8AC3E}">
-        <p14:creationId xmlns:p14="http://schemas.microsoft.com/office/powerpoint/2010/main" val="1358280357"/>
+        <p14:creationId xmlns:p14="http://schemas.microsoft.com/office/powerpoint/2010/main" val="328954001"/>
       </p:ext>
     </p:extLst>
   </p:cSld>
@@ -7760,12 +8466,41 @@
           <a:chExt cx="0" cy="0"/>
         </a:xfrm>
       </p:grpSpPr>
+      <p:sp>
+        <p:nvSpPr>
+          <p:cNvPr id="2" name="Title 1">
+            <a:extLst>
+              <a:ext uri="{FF2B5EF4-FFF2-40B4-BE49-F238E27FC236}">
+                <a16:creationId xmlns:a16="http://schemas.microsoft.com/office/drawing/2014/main" id="{84F928A3-572E-A77B-6FCB-3C2494B0C449}"/>
+              </a:ext>
+            </a:extLst>
+          </p:cNvPr>
+          <p:cNvSpPr>
+            <a:spLocks noGrp="1"/>
+          </p:cNvSpPr>
+          <p:nvPr>
+            <p:ph type="title"/>
+          </p:nvPr>
+        </p:nvSpPr>
+        <p:spPr/>
+        <p:txBody>
+          <a:bodyPr/>
+          <a:lstStyle/>
+          <a:p>
+            <a:r>
+              <a:rPr lang="en-US" dirty="0"/>
+              <a:t>Can we predict something harder?</a:t>
+            </a:r>
+            <a:endParaRPr lang="en-GB" dirty="0"/>
+          </a:p>
+        </p:txBody>
+      </p:sp>
       <p:pic>
         <p:nvPicPr>
-          <p:cNvPr id="9" name="Picture 8">
-            <a:extLst>
-              <a:ext uri="{FF2B5EF4-FFF2-40B4-BE49-F238E27FC236}">
-                <a16:creationId xmlns:a16="http://schemas.microsoft.com/office/drawing/2014/main" id="{BD465EE4-9826-B23F-EEAA-A7A3B4B886C5}"/>
+          <p:cNvPr id="4" name="Picture 3">
+            <a:extLst>
+              <a:ext uri="{FF2B5EF4-FFF2-40B4-BE49-F238E27FC236}">
+                <a16:creationId xmlns:a16="http://schemas.microsoft.com/office/drawing/2014/main" id="{DE63A5CA-41FD-70D8-6BFA-D694E43C10A7}"/>
               </a:ext>
             </a:extLst>
           </p:cNvPr>
@@ -7782,8 +8517,8 @@
         </p:blipFill>
         <p:spPr>
           <a:xfrm>
-            <a:off x="3876787" y="1"/>
-            <a:ext cx="4634694" cy="2952749"/>
+            <a:off x="6762750" y="1929606"/>
+            <a:ext cx="4591050" cy="4143375"/>
           </a:xfrm>
           <a:prstGeom prst="rect">
             <a:avLst/>
@@ -7792,10 +8527,10 @@
       </p:pic>
       <p:pic>
         <p:nvPicPr>
-          <p:cNvPr id="11" name="Picture 10">
-            <a:extLst>
-              <a:ext uri="{FF2B5EF4-FFF2-40B4-BE49-F238E27FC236}">
-                <a16:creationId xmlns:a16="http://schemas.microsoft.com/office/drawing/2014/main" id="{4A0AE863-1CDB-8EAC-06BC-8FD89E2F89B9}"/>
+          <p:cNvPr id="7" name="Picture 6">
+            <a:extLst>
+              <a:ext uri="{FF2B5EF4-FFF2-40B4-BE49-F238E27FC236}">
+                <a16:creationId xmlns:a16="http://schemas.microsoft.com/office/drawing/2014/main" id="{EF05CF31-1D59-59CB-701A-D5ACA8F03930}"/>
               </a:ext>
             </a:extLst>
           </p:cNvPr>
@@ -7812,133 +8547,18 @@
         </p:blipFill>
         <p:spPr>
           <a:xfrm>
-            <a:off x="0" y="3230872"/>
-            <a:ext cx="5099314" cy="3627127"/>
+            <a:off x="299232" y="1880313"/>
+            <a:ext cx="6073433" cy="4192668"/>
           </a:xfrm>
           <a:prstGeom prst="rect">
             <a:avLst/>
           </a:prstGeom>
         </p:spPr>
       </p:pic>
-      <p:pic>
-        <p:nvPicPr>
-          <p:cNvPr id="13" name="Picture 12">
-            <a:extLst>
-              <a:ext uri="{FF2B5EF4-FFF2-40B4-BE49-F238E27FC236}">
-                <a16:creationId xmlns:a16="http://schemas.microsoft.com/office/drawing/2014/main" id="{4997CF19-6423-274C-FE3C-2D4A6E14D171}"/>
-              </a:ext>
-            </a:extLst>
-          </p:cNvPr>
-          <p:cNvPicPr>
-            <a:picLocks noChangeAspect="1"/>
-          </p:cNvPicPr>
-          <p:nvPr/>
-        </p:nvPicPr>
-        <p:blipFill>
-          <a:blip r:embed="rId4"/>
-          <a:stretch>
-            <a:fillRect/>
-          </a:stretch>
-        </p:blipFill>
-        <p:spPr>
-          <a:xfrm>
-            <a:off x="7092688" y="3230873"/>
-            <a:ext cx="5099314" cy="3627127"/>
-          </a:xfrm>
-          <a:prstGeom prst="rect">
-            <a:avLst/>
-          </a:prstGeom>
-        </p:spPr>
-      </p:pic>
-      <p:cxnSp>
-        <p:nvCxnSpPr>
-          <p:cNvPr id="15" name="Straight Arrow Connector 14">
-            <a:extLst>
-              <a:ext uri="{FF2B5EF4-FFF2-40B4-BE49-F238E27FC236}">
-                <a16:creationId xmlns:a16="http://schemas.microsoft.com/office/drawing/2014/main" id="{3A86EAA5-E07F-B233-60A2-B78CD3756D9D}"/>
-              </a:ext>
-            </a:extLst>
-          </p:cNvPr>
-          <p:cNvCxnSpPr>
-            <a:stCxn id="11" idx="0"/>
-            <a:endCxn id="9" idx="1"/>
-          </p:cNvCxnSpPr>
-          <p:nvPr/>
-        </p:nvCxnSpPr>
-        <p:spPr>
-          <a:xfrm flipV="1">
-            <a:off x="2549657" y="1476376"/>
-            <a:ext cx="1327130" cy="1754496"/>
-          </a:xfrm>
-          <a:prstGeom prst="straightConnector1">
-            <a:avLst/>
-          </a:prstGeom>
-          <a:ln>
-            <a:tailEnd type="triangle"/>
-          </a:ln>
-        </p:spPr>
-        <p:style>
-          <a:lnRef idx="1">
-            <a:schemeClr val="dk1"/>
-          </a:lnRef>
-          <a:fillRef idx="0">
-            <a:schemeClr val="dk1"/>
-          </a:fillRef>
-          <a:effectRef idx="0">
-            <a:schemeClr val="dk1"/>
-          </a:effectRef>
-          <a:fontRef idx="minor">
-            <a:schemeClr val="tx1"/>
-          </a:fontRef>
-        </p:style>
-      </p:cxnSp>
-      <p:cxnSp>
-        <p:nvCxnSpPr>
-          <p:cNvPr id="16" name="Straight Arrow Connector 15">
-            <a:extLst>
-              <a:ext uri="{FF2B5EF4-FFF2-40B4-BE49-F238E27FC236}">
-                <a16:creationId xmlns:a16="http://schemas.microsoft.com/office/drawing/2014/main" id="{4E32DB51-EF8E-2150-8D5A-8B0C25AAE91B}"/>
-              </a:ext>
-            </a:extLst>
-          </p:cNvPr>
-          <p:cNvCxnSpPr>
-            <a:cxnSpLocks/>
-            <a:stCxn id="9" idx="3"/>
-            <a:endCxn id="13" idx="0"/>
-          </p:cNvCxnSpPr>
-          <p:nvPr/>
-        </p:nvCxnSpPr>
-        <p:spPr>
-          <a:xfrm>
-            <a:off x="8511481" y="1476376"/>
-            <a:ext cx="1130864" cy="1754497"/>
-          </a:xfrm>
-          <a:prstGeom prst="straightConnector1">
-            <a:avLst/>
-          </a:prstGeom>
-          <a:ln>
-            <a:tailEnd type="triangle"/>
-          </a:ln>
-        </p:spPr>
-        <p:style>
-          <a:lnRef idx="1">
-            <a:schemeClr val="dk1"/>
-          </a:lnRef>
-          <a:fillRef idx="0">
-            <a:schemeClr val="dk1"/>
-          </a:fillRef>
-          <a:effectRef idx="0">
-            <a:schemeClr val="dk1"/>
-          </a:effectRef>
-          <a:fontRef idx="minor">
-            <a:schemeClr val="tx1"/>
-          </a:fontRef>
-        </p:style>
-      </p:cxnSp>
     </p:spTree>
     <p:extLst>
       <p:ext uri="{BB962C8B-B14F-4D97-AF65-F5344CB8AC3E}">
-        <p14:creationId xmlns:p14="http://schemas.microsoft.com/office/powerpoint/2010/main" val="2057029144"/>
+        <p14:creationId xmlns:p14="http://schemas.microsoft.com/office/powerpoint/2010/main" val="1358280357"/>
       </p:ext>
     </p:extLst>
   </p:cSld>

--- a/ActiveLearning.pptx
+++ b/ActiveLearning.pptx
@@ -5,7 +5,7 @@
     <p:sldMasterId id="2147483648" r:id="rId1"/>
   </p:sldMasterIdLst>
   <p:notesMasterIdLst>
-    <p:notesMasterId r:id="rId24"/>
+    <p:notesMasterId r:id="rId25"/>
   </p:notesMasterIdLst>
   <p:sldIdLst>
     <p:sldId id="256" r:id="rId2"/>
@@ -25,11 +25,12 @@
     <p:sldId id="278" r:id="rId16"/>
     <p:sldId id="280" r:id="rId17"/>
     <p:sldId id="275" r:id="rId18"/>
-    <p:sldId id="264" r:id="rId19"/>
-    <p:sldId id="257" r:id="rId20"/>
-    <p:sldId id="262" r:id="rId21"/>
-    <p:sldId id="258" r:id="rId22"/>
-    <p:sldId id="259" r:id="rId23"/>
+    <p:sldId id="281" r:id="rId19"/>
+    <p:sldId id="264" r:id="rId20"/>
+    <p:sldId id="257" r:id="rId21"/>
+    <p:sldId id="262" r:id="rId22"/>
+    <p:sldId id="258" r:id="rId23"/>
+    <p:sldId id="259" r:id="rId24"/>
   </p:sldIdLst>
   <p:sldSz cx="12192000" cy="6858000"/>
   <p:notesSz cx="6858000" cy="9144000"/>
@@ -6007,6 +6008,153 @@
           <a:chExt cx="0" cy="0"/>
         </a:xfrm>
       </p:grpSpPr>
+      <p:sp>
+        <p:nvSpPr>
+          <p:cNvPr id="2" name="Title 1">
+            <a:extLst>
+              <a:ext uri="{FF2B5EF4-FFF2-40B4-BE49-F238E27FC236}">
+                <a16:creationId xmlns:a16="http://schemas.microsoft.com/office/drawing/2014/main" id="{170A1B03-CAF4-B000-2462-DD9C6F565C60}"/>
+              </a:ext>
+            </a:extLst>
+          </p:cNvPr>
+          <p:cNvSpPr>
+            <a:spLocks noGrp="1"/>
+          </p:cNvSpPr>
+          <p:nvPr>
+            <p:ph type="title"/>
+          </p:nvPr>
+        </p:nvSpPr>
+        <p:spPr/>
+        <p:txBody>
+          <a:bodyPr/>
+          <a:lstStyle/>
+          <a:p>
+            <a:r>
+              <a:rPr lang="en-GB" dirty="0"/>
+              <a:t>Workshop</a:t>
+            </a:r>
+          </a:p>
+        </p:txBody>
+      </p:sp>
+      <p:sp>
+        <p:nvSpPr>
+          <p:cNvPr id="3" name="Content Placeholder 2">
+            <a:extLst>
+              <a:ext uri="{FF2B5EF4-FFF2-40B4-BE49-F238E27FC236}">
+                <a16:creationId xmlns:a16="http://schemas.microsoft.com/office/drawing/2014/main" id="{1BCE5E32-5F91-6A75-D33F-317CD10C0C33}"/>
+              </a:ext>
+            </a:extLst>
+          </p:cNvPr>
+          <p:cNvSpPr>
+            <a:spLocks noGrp="1"/>
+          </p:cNvSpPr>
+          <p:nvPr>
+            <p:ph idx="1"/>
+          </p:nvPr>
+        </p:nvSpPr>
+        <p:spPr/>
+        <p:txBody>
+          <a:bodyPr>
+            <a:normAutofit fontScale="70000" lnSpcReduction="20000"/>
+          </a:bodyPr>
+          <a:lstStyle/>
+          <a:p>
+            <a:r>
+              <a:rPr lang="en-GB" dirty="0"/>
+              <a:t>0. Generate a dataset using Judred</a:t>
+            </a:r>
+          </a:p>
+          <a:p>
+            <a:endParaRPr lang="en-GB" dirty="0"/>
+          </a:p>
+          <a:p>
+            <a:r>
+              <a:rPr lang="en-GB" dirty="0"/>
+              <a:t>1. Run a linear regressor with these parameters after manually optimizing hyperparameters </a:t>
+            </a:r>
+          </a:p>
+          <a:p>
+            <a:r>
+              <a:rPr lang="en-GB" dirty="0"/>
+              <a:t>1.5. Project parameters into a non-linear plane and re-run</a:t>
+            </a:r>
+          </a:p>
+          <a:p>
+            <a:endParaRPr lang="en-GB" dirty="0"/>
+          </a:p>
+          <a:p>
+            <a:r>
+              <a:rPr lang="en-GB" dirty="0"/>
+              <a:t>2. Perform grid search CV for hyperparameter optimization for SVM, RF and DNN and compare the models for dipeptide AP prediction</a:t>
+            </a:r>
+          </a:p>
+          <a:p>
+            <a:r>
+              <a:rPr lang="en-GB" dirty="0"/>
+              <a:t>-	Challenge: Implement another ML model</a:t>
+            </a:r>
+          </a:p>
+          <a:p>
+            <a:endParaRPr lang="en-GB" dirty="0"/>
+          </a:p>
+          <a:p>
+            <a:r>
+              <a:rPr lang="en-GB" dirty="0"/>
+              <a:t>3. Perform active learning to search the tetrapeptide (20</a:t>
+            </a:r>
+            <a:r>
+              <a:rPr lang="en-GB" baseline="30000" dirty="0"/>
+              <a:t>4</a:t>
+            </a:r>
+            <a:r>
+              <a:rPr lang="en-GB" dirty="0"/>
+              <a:t>) chemical space.</a:t>
+            </a:r>
+          </a:p>
+          <a:p>
+            <a:r>
+              <a:rPr lang="en-GB" dirty="0"/>
+              <a:t>-	Challenge: Filter the search space to find only positively charged aggregators</a:t>
+            </a:r>
+          </a:p>
+          <a:p>
+            <a:r>
+              <a:rPr lang="en-GB" dirty="0"/>
+              <a:t>- 	Challenge: Introduce a Monte Carlo function to increase diversity in initial searching</a:t>
+            </a:r>
+          </a:p>
+        </p:txBody>
+      </p:sp>
+    </p:spTree>
+    <p:extLst>
+      <p:ext uri="{BB962C8B-B14F-4D97-AF65-F5344CB8AC3E}">
+        <p14:creationId xmlns:p14="http://schemas.microsoft.com/office/powerpoint/2010/main" val="2751992833"/>
+      </p:ext>
+    </p:extLst>
+  </p:cSld>
+  <p:clrMapOvr>
+    <a:masterClrMapping/>
+  </p:clrMapOvr>
+</p:sld>
+</file>
+
+<file path=ppt/slides/slide19.xml><?xml version="1.0" encoding="utf-8"?>
+<p:sld xmlns:a="http://schemas.openxmlformats.org/drawingml/2006/main" xmlns:r="http://schemas.openxmlformats.org/officeDocument/2006/relationships" xmlns:p="http://schemas.openxmlformats.org/presentationml/2006/main">
+  <p:cSld>
+    <p:spTree>
+      <p:nvGrpSpPr>
+        <p:cNvPr id="1" name=""/>
+        <p:cNvGrpSpPr/>
+        <p:nvPr/>
+      </p:nvGrpSpPr>
+      <p:grpSpPr>
+        <a:xfrm>
+          <a:off x="0" y="0"/>
+          <a:ext cx="0" cy="0"/>
+          <a:chOff x="0" y="0"/>
+          <a:chExt cx="0" cy="0"/>
+        </a:xfrm>
+      </p:grpSpPr>
       <p:pic>
         <p:nvPicPr>
           <p:cNvPr id="5" name="Content Placeholder 4" descr="Chart, line chart&#10;&#10;Description automatically generated">
@@ -6055,7 +6203,363 @@
 </p:sld>
 </file>
 
-<file path=ppt/slides/slide19.xml><?xml version="1.0" encoding="utf-8"?>
+<file path=ppt/slides/slide2.xml><?xml version="1.0" encoding="utf-8"?>
+<p:sld xmlns:a="http://schemas.openxmlformats.org/drawingml/2006/main" xmlns:r="http://schemas.openxmlformats.org/officeDocument/2006/relationships" xmlns:p="http://schemas.openxmlformats.org/presentationml/2006/main">
+  <p:cSld>
+    <p:spTree>
+      <p:nvGrpSpPr>
+        <p:cNvPr id="1" name=""/>
+        <p:cNvGrpSpPr/>
+        <p:nvPr/>
+      </p:nvGrpSpPr>
+      <p:grpSpPr>
+        <a:xfrm>
+          <a:off x="0" y="0"/>
+          <a:ext cx="0" cy="0"/>
+          <a:chOff x="0" y="0"/>
+          <a:chExt cx="0" cy="0"/>
+        </a:xfrm>
+      </p:grpSpPr>
+      <p:sp>
+        <p:nvSpPr>
+          <p:cNvPr id="2" name="Title 1">
+            <a:extLst>
+              <a:ext uri="{FF2B5EF4-FFF2-40B4-BE49-F238E27FC236}">
+                <a16:creationId xmlns:a16="http://schemas.microsoft.com/office/drawing/2014/main" id="{A356841D-9EA4-A82A-FF25-D7FEC4151ADA}"/>
+              </a:ext>
+            </a:extLst>
+          </p:cNvPr>
+          <p:cNvSpPr>
+            <a:spLocks noGrp="1"/>
+          </p:cNvSpPr>
+          <p:nvPr>
+            <p:ph type="title"/>
+          </p:nvPr>
+        </p:nvSpPr>
+        <p:spPr/>
+        <p:txBody>
+          <a:bodyPr/>
+          <a:lstStyle/>
+          <a:p>
+            <a:r>
+              <a:rPr lang="en-US" dirty="0"/>
+              <a:t>Benefits of machine learning</a:t>
+            </a:r>
+            <a:endParaRPr lang="en-GB" dirty="0"/>
+          </a:p>
+        </p:txBody>
+      </p:sp>
+      <p:grpSp>
+        <p:nvGrpSpPr>
+          <p:cNvPr id="18" name="Group 17">
+            <a:extLst>
+              <a:ext uri="{FF2B5EF4-FFF2-40B4-BE49-F238E27FC236}">
+                <a16:creationId xmlns:a16="http://schemas.microsoft.com/office/drawing/2014/main" id="{49B6BEA5-BFB2-F581-463C-B23A3A401C76}"/>
+              </a:ext>
+            </a:extLst>
+          </p:cNvPr>
+          <p:cNvGrpSpPr/>
+          <p:nvPr/>
+        </p:nvGrpSpPr>
+        <p:grpSpPr>
+          <a:xfrm>
+            <a:off x="5310117" y="1368425"/>
+            <a:ext cx="6566178" cy="5124450"/>
+            <a:chOff x="4562475" y="1368425"/>
+            <a:chExt cx="6566178" cy="5124450"/>
+          </a:xfrm>
+        </p:grpSpPr>
+        <p:pic>
+          <p:nvPicPr>
+            <p:cNvPr id="6" name="Picture 5">
+              <a:extLst>
+                <a:ext uri="{FF2B5EF4-FFF2-40B4-BE49-F238E27FC236}">
+                  <a16:creationId xmlns:a16="http://schemas.microsoft.com/office/drawing/2014/main" id="{D3B0CC46-358C-CF7A-C158-209FBBC51A3B}"/>
+                </a:ext>
+              </a:extLst>
+            </p:cNvPr>
+            <p:cNvPicPr>
+              <a:picLocks noChangeAspect="1"/>
+            </p:cNvPicPr>
+            <p:nvPr/>
+          </p:nvPicPr>
+          <p:blipFill>
+            <a:blip r:embed="rId2"/>
+            <a:stretch>
+              <a:fillRect/>
+            </a:stretch>
+          </p:blipFill>
+          <p:spPr>
+            <a:xfrm>
+              <a:off x="4562475" y="1368425"/>
+              <a:ext cx="3067050" cy="5124450"/>
+            </a:xfrm>
+            <a:prstGeom prst="rect">
+              <a:avLst/>
+            </a:prstGeom>
+          </p:spPr>
+        </p:pic>
+        <p:cxnSp>
+          <p:nvCxnSpPr>
+            <p:cNvPr id="8" name="Straight Arrow Connector 7">
+              <a:extLst>
+                <a:ext uri="{FF2B5EF4-FFF2-40B4-BE49-F238E27FC236}">
+                  <a16:creationId xmlns:a16="http://schemas.microsoft.com/office/drawing/2014/main" id="{4690FA4A-9149-4684-0B8C-3E11D0313C9B}"/>
+                </a:ext>
+              </a:extLst>
+            </p:cNvPr>
+            <p:cNvCxnSpPr>
+              <a:cxnSpLocks/>
+            </p:cNvCxnSpPr>
+            <p:nvPr/>
+          </p:nvCxnSpPr>
+          <p:spPr>
+            <a:xfrm flipH="1" flipV="1">
+              <a:off x="6267450" y="1435100"/>
+              <a:ext cx="2451100" cy="139700"/>
+            </a:xfrm>
+            <a:prstGeom prst="straightConnector1">
+              <a:avLst/>
+            </a:prstGeom>
+            <a:ln>
+              <a:tailEnd type="triangle"/>
+            </a:ln>
+          </p:spPr>
+          <p:style>
+            <a:lnRef idx="1">
+              <a:schemeClr val="accent1"/>
+            </a:lnRef>
+            <a:fillRef idx="0">
+              <a:schemeClr val="accent1"/>
+            </a:fillRef>
+            <a:effectRef idx="0">
+              <a:schemeClr val="accent1"/>
+            </a:effectRef>
+            <a:fontRef idx="minor">
+              <a:schemeClr val="tx1"/>
+            </a:fontRef>
+          </p:style>
+        </p:cxnSp>
+        <p:cxnSp>
+          <p:nvCxnSpPr>
+            <p:cNvPr id="11" name="Straight Arrow Connector 10">
+              <a:extLst>
+                <a:ext uri="{FF2B5EF4-FFF2-40B4-BE49-F238E27FC236}">
+                  <a16:creationId xmlns:a16="http://schemas.microsoft.com/office/drawing/2014/main" id="{1B977C9A-4E49-2348-9796-F14CF684CE37}"/>
+                </a:ext>
+              </a:extLst>
+            </p:cNvPr>
+            <p:cNvCxnSpPr>
+              <a:cxnSpLocks/>
+            </p:cNvCxnSpPr>
+            <p:nvPr/>
+          </p:nvCxnSpPr>
+          <p:spPr>
+            <a:xfrm flipH="1">
+              <a:off x="6267450" y="1574800"/>
+              <a:ext cx="2451100" cy="115888"/>
+            </a:xfrm>
+            <a:prstGeom prst="straightConnector1">
+              <a:avLst/>
+            </a:prstGeom>
+            <a:ln>
+              <a:tailEnd type="triangle"/>
+            </a:ln>
+          </p:spPr>
+          <p:style>
+            <a:lnRef idx="1">
+              <a:schemeClr val="accent1"/>
+            </a:lnRef>
+            <a:fillRef idx="0">
+              <a:schemeClr val="accent1"/>
+            </a:fillRef>
+            <a:effectRef idx="0">
+              <a:schemeClr val="accent1"/>
+            </a:effectRef>
+            <a:fontRef idx="minor">
+              <a:schemeClr val="tx1"/>
+            </a:fontRef>
+          </p:style>
+        </p:cxnSp>
+        <p:sp>
+          <p:nvSpPr>
+            <p:cNvPr id="15" name="TextBox 14">
+              <a:extLst>
+                <a:ext uri="{FF2B5EF4-FFF2-40B4-BE49-F238E27FC236}">
+                  <a16:creationId xmlns:a16="http://schemas.microsoft.com/office/drawing/2014/main" id="{9495F6E0-608E-B0BF-ED20-C7EC2E29068B}"/>
+                </a:ext>
+              </a:extLst>
+            </p:cNvPr>
+            <p:cNvSpPr txBox="1"/>
+            <p:nvPr/>
+          </p:nvSpPr>
+          <p:spPr>
+            <a:xfrm>
+              <a:off x="8943696" y="1368425"/>
+              <a:ext cx="2184957" cy="369332"/>
+            </a:xfrm>
+            <a:prstGeom prst="rect">
+              <a:avLst/>
+            </a:prstGeom>
+            <a:noFill/>
+          </p:spPr>
+          <p:txBody>
+            <a:bodyPr wrap="none" rtlCol="0">
+              <a:spAutoFit/>
+            </a:bodyPr>
+            <a:lstStyle/>
+            <a:p>
+              <a:r>
+                <a:rPr lang="en-US" dirty="0"/>
+                <a:t>Screened with CGMD</a:t>
+              </a:r>
+              <a:endParaRPr lang="en-GB" dirty="0"/>
+            </a:p>
+          </p:txBody>
+        </p:sp>
+      </p:grpSp>
+      <p:pic>
+        <p:nvPicPr>
+          <p:cNvPr id="17" name="Picture 16">
+            <a:extLst>
+              <a:ext uri="{FF2B5EF4-FFF2-40B4-BE49-F238E27FC236}">
+                <a16:creationId xmlns:a16="http://schemas.microsoft.com/office/drawing/2014/main" id="{9478349B-1B70-F063-9F4D-4922BBCC7B01}"/>
+              </a:ext>
+            </a:extLst>
+          </p:cNvPr>
+          <p:cNvPicPr>
+            <a:picLocks noChangeAspect="1"/>
+          </p:cNvPicPr>
+          <p:nvPr/>
+        </p:nvPicPr>
+        <p:blipFill>
+          <a:blip r:embed="rId3">
+            <a:extLst>
+              <a:ext uri="{28A0092B-C50C-407E-A947-70E740481C1C}">
+                <a14:useLocalDpi xmlns:a14="http://schemas.microsoft.com/office/drawing/2010/main" val="0"/>
+              </a:ext>
+            </a:extLst>
+          </a:blip>
+          <a:stretch>
+            <a:fillRect/>
+          </a:stretch>
+        </p:blipFill>
+        <p:spPr>
+          <a:xfrm>
+            <a:off x="-57792" y="1974574"/>
+            <a:ext cx="5367909" cy="3578606"/>
+          </a:xfrm>
+          <a:prstGeom prst="rect">
+            <a:avLst/>
+          </a:prstGeom>
+        </p:spPr>
+      </p:pic>
+      <p:sp>
+        <p:nvSpPr>
+          <p:cNvPr id="19" name="TextBox 18">
+            <a:extLst>
+              <a:ext uri="{FF2B5EF4-FFF2-40B4-BE49-F238E27FC236}">
+                <a16:creationId xmlns:a16="http://schemas.microsoft.com/office/drawing/2014/main" id="{2C2F2AC5-B5FD-9A50-13E2-BDD2513A6A25}"/>
+              </a:ext>
+            </a:extLst>
+          </p:cNvPr>
+          <p:cNvSpPr txBox="1"/>
+          <p:nvPr/>
+        </p:nvSpPr>
+        <p:spPr>
+          <a:xfrm>
+            <a:off x="1396980" y="5196410"/>
+            <a:ext cx="2458365" cy="369332"/>
+          </a:xfrm>
+          <a:prstGeom prst="rect">
+            <a:avLst/>
+          </a:prstGeom>
+          <a:noFill/>
+        </p:spPr>
+        <p:txBody>
+          <a:bodyPr wrap="none" rtlCol="0">
+            <a:spAutoFit/>
+          </a:bodyPr>
+          <a:lstStyle/>
+          <a:p>
+            <a:r>
+              <a:rPr lang="en-US" dirty="0" err="1"/>
+              <a:t>TorchANI</a:t>
+            </a:r>
+            <a:r>
+              <a:rPr lang="en-US" dirty="0"/>
+              <a:t>, Roitberg </a:t>
+            </a:r>
+            <a:r>
+              <a:rPr lang="en-US" i="1" dirty="0"/>
+              <a:t>et al</a:t>
+            </a:r>
+            <a:r>
+              <a:rPr lang="en-US" dirty="0"/>
+              <a:t>.</a:t>
+            </a:r>
+            <a:endParaRPr lang="en-GB" dirty="0"/>
+          </a:p>
+        </p:txBody>
+      </p:sp>
+      <p:sp>
+        <p:nvSpPr>
+          <p:cNvPr id="20" name="TextBox 19">
+            <a:extLst>
+              <a:ext uri="{FF2B5EF4-FFF2-40B4-BE49-F238E27FC236}">
+                <a16:creationId xmlns:a16="http://schemas.microsoft.com/office/drawing/2014/main" id="{6531CD12-435D-F319-AD4B-5B0D0315FFD7}"/>
+              </a:ext>
+            </a:extLst>
+          </p:cNvPr>
+          <p:cNvSpPr txBox="1"/>
+          <p:nvPr/>
+        </p:nvSpPr>
+        <p:spPr>
+          <a:xfrm>
+            <a:off x="5069719" y="6488668"/>
+            <a:ext cx="3890745" cy="369332"/>
+          </a:xfrm>
+          <a:prstGeom prst="rect">
+            <a:avLst/>
+          </a:prstGeom>
+          <a:noFill/>
+        </p:spPr>
+        <p:txBody>
+          <a:bodyPr wrap="none" rtlCol="0">
+            <a:spAutoFit/>
+          </a:bodyPr>
+          <a:lstStyle/>
+          <a:p>
+            <a:r>
+              <a:rPr lang="en-US" dirty="0"/>
+              <a:t>Beyond Tripeptides, van Teijlingen </a:t>
+            </a:r>
+            <a:r>
+              <a:rPr lang="en-US" i="1" dirty="0"/>
+              <a:t>et al</a:t>
+            </a:r>
+            <a:r>
+              <a:rPr lang="en-US" dirty="0"/>
+              <a:t>.</a:t>
+            </a:r>
+            <a:endParaRPr lang="en-GB" dirty="0"/>
+          </a:p>
+        </p:txBody>
+      </p:sp>
+    </p:spTree>
+    <p:extLst>
+      <p:ext uri="{BB962C8B-B14F-4D97-AF65-F5344CB8AC3E}">
+        <p14:creationId xmlns:p14="http://schemas.microsoft.com/office/powerpoint/2010/main" val="2243826674"/>
+      </p:ext>
+    </p:extLst>
+  </p:cSld>
+  <p:clrMapOvr>
+    <a:masterClrMapping/>
+  </p:clrMapOvr>
+</p:sld>
+</file>
+
+<file path=ppt/slides/slide20.xml><?xml version="1.0" encoding="utf-8"?>
 <p:sld xmlns:a="http://schemas.openxmlformats.org/drawingml/2006/main" xmlns:r="http://schemas.openxmlformats.org/officeDocument/2006/relationships" xmlns:p="http://schemas.openxmlformats.org/presentationml/2006/main">
   <p:cSld>
     <p:spTree>
@@ -6408,363 +6912,7 @@
 </p:sld>
 </file>
 
-<file path=ppt/slides/slide2.xml><?xml version="1.0" encoding="utf-8"?>
-<p:sld xmlns:a="http://schemas.openxmlformats.org/drawingml/2006/main" xmlns:r="http://schemas.openxmlformats.org/officeDocument/2006/relationships" xmlns:p="http://schemas.openxmlformats.org/presentationml/2006/main">
-  <p:cSld>
-    <p:spTree>
-      <p:nvGrpSpPr>
-        <p:cNvPr id="1" name=""/>
-        <p:cNvGrpSpPr/>
-        <p:nvPr/>
-      </p:nvGrpSpPr>
-      <p:grpSpPr>
-        <a:xfrm>
-          <a:off x="0" y="0"/>
-          <a:ext cx="0" cy="0"/>
-          <a:chOff x="0" y="0"/>
-          <a:chExt cx="0" cy="0"/>
-        </a:xfrm>
-      </p:grpSpPr>
-      <p:sp>
-        <p:nvSpPr>
-          <p:cNvPr id="2" name="Title 1">
-            <a:extLst>
-              <a:ext uri="{FF2B5EF4-FFF2-40B4-BE49-F238E27FC236}">
-                <a16:creationId xmlns:a16="http://schemas.microsoft.com/office/drawing/2014/main" id="{A356841D-9EA4-A82A-FF25-D7FEC4151ADA}"/>
-              </a:ext>
-            </a:extLst>
-          </p:cNvPr>
-          <p:cNvSpPr>
-            <a:spLocks noGrp="1"/>
-          </p:cNvSpPr>
-          <p:nvPr>
-            <p:ph type="title"/>
-          </p:nvPr>
-        </p:nvSpPr>
-        <p:spPr/>
-        <p:txBody>
-          <a:bodyPr/>
-          <a:lstStyle/>
-          <a:p>
-            <a:r>
-              <a:rPr lang="en-US" dirty="0"/>
-              <a:t>Benefits of machine learning</a:t>
-            </a:r>
-            <a:endParaRPr lang="en-GB" dirty="0"/>
-          </a:p>
-        </p:txBody>
-      </p:sp>
-      <p:grpSp>
-        <p:nvGrpSpPr>
-          <p:cNvPr id="18" name="Group 17">
-            <a:extLst>
-              <a:ext uri="{FF2B5EF4-FFF2-40B4-BE49-F238E27FC236}">
-                <a16:creationId xmlns:a16="http://schemas.microsoft.com/office/drawing/2014/main" id="{49B6BEA5-BFB2-F581-463C-B23A3A401C76}"/>
-              </a:ext>
-            </a:extLst>
-          </p:cNvPr>
-          <p:cNvGrpSpPr/>
-          <p:nvPr/>
-        </p:nvGrpSpPr>
-        <p:grpSpPr>
-          <a:xfrm>
-            <a:off x="5310117" y="1368425"/>
-            <a:ext cx="6566178" cy="5124450"/>
-            <a:chOff x="4562475" y="1368425"/>
-            <a:chExt cx="6566178" cy="5124450"/>
-          </a:xfrm>
-        </p:grpSpPr>
-        <p:pic>
-          <p:nvPicPr>
-            <p:cNvPr id="6" name="Picture 5">
-              <a:extLst>
-                <a:ext uri="{FF2B5EF4-FFF2-40B4-BE49-F238E27FC236}">
-                  <a16:creationId xmlns:a16="http://schemas.microsoft.com/office/drawing/2014/main" id="{D3B0CC46-358C-CF7A-C158-209FBBC51A3B}"/>
-                </a:ext>
-              </a:extLst>
-            </p:cNvPr>
-            <p:cNvPicPr>
-              <a:picLocks noChangeAspect="1"/>
-            </p:cNvPicPr>
-            <p:nvPr/>
-          </p:nvPicPr>
-          <p:blipFill>
-            <a:blip r:embed="rId2"/>
-            <a:stretch>
-              <a:fillRect/>
-            </a:stretch>
-          </p:blipFill>
-          <p:spPr>
-            <a:xfrm>
-              <a:off x="4562475" y="1368425"/>
-              <a:ext cx="3067050" cy="5124450"/>
-            </a:xfrm>
-            <a:prstGeom prst="rect">
-              <a:avLst/>
-            </a:prstGeom>
-          </p:spPr>
-        </p:pic>
-        <p:cxnSp>
-          <p:nvCxnSpPr>
-            <p:cNvPr id="8" name="Straight Arrow Connector 7">
-              <a:extLst>
-                <a:ext uri="{FF2B5EF4-FFF2-40B4-BE49-F238E27FC236}">
-                  <a16:creationId xmlns:a16="http://schemas.microsoft.com/office/drawing/2014/main" id="{4690FA4A-9149-4684-0B8C-3E11D0313C9B}"/>
-                </a:ext>
-              </a:extLst>
-            </p:cNvPr>
-            <p:cNvCxnSpPr>
-              <a:cxnSpLocks/>
-            </p:cNvCxnSpPr>
-            <p:nvPr/>
-          </p:nvCxnSpPr>
-          <p:spPr>
-            <a:xfrm flipH="1" flipV="1">
-              <a:off x="6267450" y="1435100"/>
-              <a:ext cx="2451100" cy="139700"/>
-            </a:xfrm>
-            <a:prstGeom prst="straightConnector1">
-              <a:avLst/>
-            </a:prstGeom>
-            <a:ln>
-              <a:tailEnd type="triangle"/>
-            </a:ln>
-          </p:spPr>
-          <p:style>
-            <a:lnRef idx="1">
-              <a:schemeClr val="accent1"/>
-            </a:lnRef>
-            <a:fillRef idx="0">
-              <a:schemeClr val="accent1"/>
-            </a:fillRef>
-            <a:effectRef idx="0">
-              <a:schemeClr val="accent1"/>
-            </a:effectRef>
-            <a:fontRef idx="minor">
-              <a:schemeClr val="tx1"/>
-            </a:fontRef>
-          </p:style>
-        </p:cxnSp>
-        <p:cxnSp>
-          <p:nvCxnSpPr>
-            <p:cNvPr id="11" name="Straight Arrow Connector 10">
-              <a:extLst>
-                <a:ext uri="{FF2B5EF4-FFF2-40B4-BE49-F238E27FC236}">
-                  <a16:creationId xmlns:a16="http://schemas.microsoft.com/office/drawing/2014/main" id="{1B977C9A-4E49-2348-9796-F14CF684CE37}"/>
-                </a:ext>
-              </a:extLst>
-            </p:cNvPr>
-            <p:cNvCxnSpPr>
-              <a:cxnSpLocks/>
-            </p:cNvCxnSpPr>
-            <p:nvPr/>
-          </p:nvCxnSpPr>
-          <p:spPr>
-            <a:xfrm flipH="1">
-              <a:off x="6267450" y="1574800"/>
-              <a:ext cx="2451100" cy="115888"/>
-            </a:xfrm>
-            <a:prstGeom prst="straightConnector1">
-              <a:avLst/>
-            </a:prstGeom>
-            <a:ln>
-              <a:tailEnd type="triangle"/>
-            </a:ln>
-          </p:spPr>
-          <p:style>
-            <a:lnRef idx="1">
-              <a:schemeClr val="accent1"/>
-            </a:lnRef>
-            <a:fillRef idx="0">
-              <a:schemeClr val="accent1"/>
-            </a:fillRef>
-            <a:effectRef idx="0">
-              <a:schemeClr val="accent1"/>
-            </a:effectRef>
-            <a:fontRef idx="minor">
-              <a:schemeClr val="tx1"/>
-            </a:fontRef>
-          </p:style>
-        </p:cxnSp>
-        <p:sp>
-          <p:nvSpPr>
-            <p:cNvPr id="15" name="TextBox 14">
-              <a:extLst>
-                <a:ext uri="{FF2B5EF4-FFF2-40B4-BE49-F238E27FC236}">
-                  <a16:creationId xmlns:a16="http://schemas.microsoft.com/office/drawing/2014/main" id="{9495F6E0-608E-B0BF-ED20-C7EC2E29068B}"/>
-                </a:ext>
-              </a:extLst>
-            </p:cNvPr>
-            <p:cNvSpPr txBox="1"/>
-            <p:nvPr/>
-          </p:nvSpPr>
-          <p:spPr>
-            <a:xfrm>
-              <a:off x="8943696" y="1368425"/>
-              <a:ext cx="2184957" cy="369332"/>
-            </a:xfrm>
-            <a:prstGeom prst="rect">
-              <a:avLst/>
-            </a:prstGeom>
-            <a:noFill/>
-          </p:spPr>
-          <p:txBody>
-            <a:bodyPr wrap="none" rtlCol="0">
-              <a:spAutoFit/>
-            </a:bodyPr>
-            <a:lstStyle/>
-            <a:p>
-              <a:r>
-                <a:rPr lang="en-US" dirty="0"/>
-                <a:t>Screened with CGMD</a:t>
-              </a:r>
-              <a:endParaRPr lang="en-GB" dirty="0"/>
-            </a:p>
-          </p:txBody>
-        </p:sp>
-      </p:grpSp>
-      <p:pic>
-        <p:nvPicPr>
-          <p:cNvPr id="17" name="Picture 16">
-            <a:extLst>
-              <a:ext uri="{FF2B5EF4-FFF2-40B4-BE49-F238E27FC236}">
-                <a16:creationId xmlns:a16="http://schemas.microsoft.com/office/drawing/2014/main" id="{9478349B-1B70-F063-9F4D-4922BBCC7B01}"/>
-              </a:ext>
-            </a:extLst>
-          </p:cNvPr>
-          <p:cNvPicPr>
-            <a:picLocks noChangeAspect="1"/>
-          </p:cNvPicPr>
-          <p:nvPr/>
-        </p:nvPicPr>
-        <p:blipFill>
-          <a:blip r:embed="rId3">
-            <a:extLst>
-              <a:ext uri="{28A0092B-C50C-407E-A947-70E740481C1C}">
-                <a14:useLocalDpi xmlns:a14="http://schemas.microsoft.com/office/drawing/2010/main" val="0"/>
-              </a:ext>
-            </a:extLst>
-          </a:blip>
-          <a:stretch>
-            <a:fillRect/>
-          </a:stretch>
-        </p:blipFill>
-        <p:spPr>
-          <a:xfrm>
-            <a:off x="-57792" y="1974574"/>
-            <a:ext cx="5367909" cy="3578606"/>
-          </a:xfrm>
-          <a:prstGeom prst="rect">
-            <a:avLst/>
-          </a:prstGeom>
-        </p:spPr>
-      </p:pic>
-      <p:sp>
-        <p:nvSpPr>
-          <p:cNvPr id="19" name="TextBox 18">
-            <a:extLst>
-              <a:ext uri="{FF2B5EF4-FFF2-40B4-BE49-F238E27FC236}">
-                <a16:creationId xmlns:a16="http://schemas.microsoft.com/office/drawing/2014/main" id="{2C2F2AC5-B5FD-9A50-13E2-BDD2513A6A25}"/>
-              </a:ext>
-            </a:extLst>
-          </p:cNvPr>
-          <p:cNvSpPr txBox="1"/>
-          <p:nvPr/>
-        </p:nvSpPr>
-        <p:spPr>
-          <a:xfrm>
-            <a:off x="1396980" y="5196410"/>
-            <a:ext cx="2458365" cy="369332"/>
-          </a:xfrm>
-          <a:prstGeom prst="rect">
-            <a:avLst/>
-          </a:prstGeom>
-          <a:noFill/>
-        </p:spPr>
-        <p:txBody>
-          <a:bodyPr wrap="none" rtlCol="0">
-            <a:spAutoFit/>
-          </a:bodyPr>
-          <a:lstStyle/>
-          <a:p>
-            <a:r>
-              <a:rPr lang="en-US" dirty="0" err="1"/>
-              <a:t>TorchANI</a:t>
-            </a:r>
-            <a:r>
-              <a:rPr lang="en-US" dirty="0"/>
-              <a:t>, Roitberg </a:t>
-            </a:r>
-            <a:r>
-              <a:rPr lang="en-US" i="1" dirty="0"/>
-              <a:t>et al</a:t>
-            </a:r>
-            <a:r>
-              <a:rPr lang="en-US" dirty="0"/>
-              <a:t>.</a:t>
-            </a:r>
-            <a:endParaRPr lang="en-GB" dirty="0"/>
-          </a:p>
-        </p:txBody>
-      </p:sp>
-      <p:sp>
-        <p:nvSpPr>
-          <p:cNvPr id="20" name="TextBox 19">
-            <a:extLst>
-              <a:ext uri="{FF2B5EF4-FFF2-40B4-BE49-F238E27FC236}">
-                <a16:creationId xmlns:a16="http://schemas.microsoft.com/office/drawing/2014/main" id="{6531CD12-435D-F319-AD4B-5B0D0315FFD7}"/>
-              </a:ext>
-            </a:extLst>
-          </p:cNvPr>
-          <p:cNvSpPr txBox="1"/>
-          <p:nvPr/>
-        </p:nvSpPr>
-        <p:spPr>
-          <a:xfrm>
-            <a:off x="5069719" y="6488668"/>
-            <a:ext cx="3890745" cy="369332"/>
-          </a:xfrm>
-          <a:prstGeom prst="rect">
-            <a:avLst/>
-          </a:prstGeom>
-          <a:noFill/>
-        </p:spPr>
-        <p:txBody>
-          <a:bodyPr wrap="none" rtlCol="0">
-            <a:spAutoFit/>
-          </a:bodyPr>
-          <a:lstStyle/>
-          <a:p>
-            <a:r>
-              <a:rPr lang="en-US" dirty="0"/>
-              <a:t>Beyond Tripeptides, van Teijlingen </a:t>
-            </a:r>
-            <a:r>
-              <a:rPr lang="en-US" i="1" dirty="0"/>
-              <a:t>et al</a:t>
-            </a:r>
-            <a:r>
-              <a:rPr lang="en-US" dirty="0"/>
-              <a:t>.</a:t>
-            </a:r>
-            <a:endParaRPr lang="en-GB" dirty="0"/>
-          </a:p>
-        </p:txBody>
-      </p:sp>
-    </p:spTree>
-    <p:extLst>
-      <p:ext uri="{BB962C8B-B14F-4D97-AF65-F5344CB8AC3E}">
-        <p14:creationId xmlns:p14="http://schemas.microsoft.com/office/powerpoint/2010/main" val="2243826674"/>
-      </p:ext>
-    </p:extLst>
-  </p:cSld>
-  <p:clrMapOvr>
-    <a:masterClrMapping/>
-  </p:clrMapOvr>
-</p:sld>
-</file>
-
-<file path=ppt/slides/slide20.xml><?xml version="1.0" encoding="utf-8"?>
+<file path=ppt/slides/slide21.xml><?xml version="1.0" encoding="utf-8"?>
 <p:sld xmlns:a="http://schemas.openxmlformats.org/drawingml/2006/main" xmlns:r="http://schemas.openxmlformats.org/officeDocument/2006/relationships" xmlns:p="http://schemas.openxmlformats.org/presentationml/2006/main">
   <p:cSld>
     <p:spTree>
@@ -6824,7 +6972,7 @@
 </p:sld>
 </file>
 
-<file path=ppt/slides/slide21.xml><?xml version="1.0" encoding="utf-8"?>
+<file path=ppt/slides/slide22.xml><?xml version="1.0" encoding="utf-8"?>
 <p:sld xmlns:a="http://schemas.openxmlformats.org/drawingml/2006/main" xmlns:r="http://schemas.openxmlformats.org/officeDocument/2006/relationships" xmlns:p="http://schemas.openxmlformats.org/presentationml/2006/main">
   <p:cSld>
     <p:spTree>
@@ -6941,7 +7089,7 @@
 </p:sld>
 </file>
 
-<file path=ppt/slides/slide22.xml><?xml version="1.0" encoding="utf-8"?>
+<file path=ppt/slides/slide23.xml><?xml version="1.0" encoding="utf-8"?>
 <p:sld xmlns:a="http://schemas.openxmlformats.org/drawingml/2006/main" xmlns:r="http://schemas.openxmlformats.org/officeDocument/2006/relationships" xmlns:p="http://schemas.openxmlformats.org/presentationml/2006/main">
   <p:cSld>
     <p:spTree>
